--- a/Powerpoint Skripsi.pptx
+++ b/Powerpoint Skripsi.pptx
@@ -5,7 +5,7 @@
     <p:sldMasterId id="2147483648" r:id="rId1"/>
   </p:sldMasterIdLst>
   <p:notesMasterIdLst>
-    <p:notesMasterId r:id="rId16"/>
+    <p:notesMasterId r:id="rId14"/>
   </p:notesMasterIdLst>
   <p:sldIdLst>
     <p:sldId id="256" r:id="rId2"/>
@@ -16,12 +16,10 @@
     <p:sldId id="268" r:id="rId7"/>
     <p:sldId id="261" r:id="rId8"/>
     <p:sldId id="260" r:id="rId9"/>
-    <p:sldId id="266" r:id="rId10"/>
-    <p:sldId id="267" r:id="rId11"/>
-    <p:sldId id="263" r:id="rId12"/>
-    <p:sldId id="265" r:id="rId13"/>
-    <p:sldId id="269" r:id="rId14"/>
-    <p:sldId id="264" r:id="rId15"/>
+    <p:sldId id="263" r:id="rId10"/>
+    <p:sldId id="265" r:id="rId11"/>
+    <p:sldId id="269" r:id="rId12"/>
+    <p:sldId id="264" r:id="rId13"/>
   </p:sldIdLst>
   <p:sldSz cx="9144000" cy="6858000" type="screen4x3"/>
   <p:notesSz cx="6858000" cy="9144000"/>
@@ -123,3165 +121,6 @@
 </p:presentation>
 </file>
 
-<file path=ppt/diagrams/colors1.xml><?xml version="1.0" encoding="utf-8"?>
-<dgm:colorsDef xmlns:dgm="http://schemas.openxmlformats.org/drawingml/2006/diagram" xmlns:a="http://schemas.openxmlformats.org/drawingml/2006/main" uniqueId="urn:microsoft.com/office/officeart/2005/8/colors/accent1_2">
-  <dgm:title val=""/>
-  <dgm:desc val=""/>
-  <dgm:catLst>
-    <dgm:cat type="accent1" pri="11200"/>
-  </dgm:catLst>
-  <dgm:styleLbl name="node0">
-    <dgm:fillClrLst meth="repeat">
-      <a:schemeClr val="accent1"/>
-    </dgm:fillClrLst>
-    <dgm:linClrLst meth="repeat">
-      <a:schemeClr val="lt1"/>
-    </dgm:linClrLst>
-    <dgm:effectClrLst/>
-    <dgm:txLinClrLst/>
-    <dgm:txFillClrLst/>
-    <dgm:txEffectClrLst/>
-  </dgm:styleLbl>
-  <dgm:styleLbl name="alignNode1">
-    <dgm:fillClrLst meth="repeat">
-      <a:schemeClr val="accent1"/>
-    </dgm:fillClrLst>
-    <dgm:linClrLst meth="repeat">
-      <a:schemeClr val="accent1"/>
-    </dgm:linClrLst>
-    <dgm:effectClrLst/>
-    <dgm:txLinClrLst/>
-    <dgm:txFillClrLst/>
-    <dgm:txEffectClrLst/>
-  </dgm:styleLbl>
-  <dgm:styleLbl name="node1">
-    <dgm:fillClrLst meth="repeat">
-      <a:schemeClr val="accent1"/>
-    </dgm:fillClrLst>
-    <dgm:linClrLst meth="repeat">
-      <a:schemeClr val="lt1"/>
-    </dgm:linClrLst>
-    <dgm:effectClrLst/>
-    <dgm:txLinClrLst/>
-    <dgm:txFillClrLst/>
-    <dgm:txEffectClrLst/>
-  </dgm:styleLbl>
-  <dgm:styleLbl name="lnNode1">
-    <dgm:fillClrLst meth="repeat">
-      <a:schemeClr val="accent1"/>
-    </dgm:fillClrLst>
-    <dgm:linClrLst meth="repeat">
-      <a:schemeClr val="lt1"/>
-    </dgm:linClrLst>
-    <dgm:effectClrLst/>
-    <dgm:txLinClrLst/>
-    <dgm:txFillClrLst/>
-    <dgm:txEffectClrLst/>
-  </dgm:styleLbl>
-  <dgm:styleLbl name="vennNode1">
-    <dgm:fillClrLst meth="repeat">
-      <a:schemeClr val="accent1">
-        <a:alpha val="50000"/>
-      </a:schemeClr>
-    </dgm:fillClrLst>
-    <dgm:linClrLst meth="repeat">
-      <a:schemeClr val="lt1"/>
-    </dgm:linClrLst>
-    <dgm:effectClrLst/>
-    <dgm:txLinClrLst/>
-    <dgm:txFillClrLst/>
-    <dgm:txEffectClrLst/>
-  </dgm:styleLbl>
-  <dgm:styleLbl name="node2">
-    <dgm:fillClrLst meth="repeat">
-      <a:schemeClr val="accent1"/>
-    </dgm:fillClrLst>
-    <dgm:linClrLst meth="repeat">
-      <a:schemeClr val="lt1"/>
-    </dgm:linClrLst>
-    <dgm:effectClrLst/>
-    <dgm:txLinClrLst/>
-    <dgm:txFillClrLst/>
-    <dgm:txEffectClrLst/>
-  </dgm:styleLbl>
-  <dgm:styleLbl name="node3">
-    <dgm:fillClrLst meth="repeat">
-      <a:schemeClr val="accent1"/>
-    </dgm:fillClrLst>
-    <dgm:linClrLst meth="repeat">
-      <a:schemeClr val="lt1"/>
-    </dgm:linClrLst>
-    <dgm:effectClrLst/>
-    <dgm:txLinClrLst/>
-    <dgm:txFillClrLst/>
-    <dgm:txEffectClrLst/>
-  </dgm:styleLbl>
-  <dgm:styleLbl name="node4">
-    <dgm:fillClrLst meth="repeat">
-      <a:schemeClr val="accent1"/>
-    </dgm:fillClrLst>
-    <dgm:linClrLst meth="repeat">
-      <a:schemeClr val="lt1"/>
-    </dgm:linClrLst>
-    <dgm:effectClrLst/>
-    <dgm:txLinClrLst/>
-    <dgm:txFillClrLst/>
-    <dgm:txEffectClrLst/>
-  </dgm:styleLbl>
-  <dgm:styleLbl name="fgImgPlace1">
-    <dgm:fillClrLst meth="repeat">
-      <a:schemeClr val="accent1">
-        <a:tint val="50000"/>
-      </a:schemeClr>
-    </dgm:fillClrLst>
-    <dgm:linClrLst meth="repeat">
-      <a:schemeClr val="lt1"/>
-    </dgm:linClrLst>
-    <dgm:effectClrLst/>
-    <dgm:txLinClrLst/>
-    <dgm:txFillClrLst meth="repeat">
-      <a:schemeClr val="lt1"/>
-    </dgm:txFillClrLst>
-    <dgm:txEffectClrLst/>
-  </dgm:styleLbl>
-  <dgm:styleLbl name="alignImgPlace1">
-    <dgm:fillClrLst meth="repeat">
-      <a:schemeClr val="accent1">
-        <a:tint val="50000"/>
-      </a:schemeClr>
-    </dgm:fillClrLst>
-    <dgm:linClrLst meth="repeat">
-      <a:schemeClr val="lt1"/>
-    </dgm:linClrLst>
-    <dgm:effectClrLst/>
-    <dgm:txLinClrLst/>
-    <dgm:txFillClrLst meth="repeat">
-      <a:schemeClr val="lt1"/>
-    </dgm:txFillClrLst>
-    <dgm:txEffectClrLst/>
-  </dgm:styleLbl>
-  <dgm:styleLbl name="bgImgPlace1">
-    <dgm:fillClrLst meth="repeat">
-      <a:schemeClr val="accent1">
-        <a:tint val="50000"/>
-      </a:schemeClr>
-    </dgm:fillClrLst>
-    <dgm:linClrLst meth="repeat">
-      <a:schemeClr val="lt1"/>
-    </dgm:linClrLst>
-    <dgm:effectClrLst/>
-    <dgm:txLinClrLst/>
-    <dgm:txFillClrLst meth="repeat">
-      <a:schemeClr val="lt1"/>
-    </dgm:txFillClrLst>
-    <dgm:txEffectClrLst/>
-  </dgm:styleLbl>
-  <dgm:styleLbl name="sibTrans2D1">
-    <dgm:fillClrLst meth="repeat">
-      <a:schemeClr val="accent1">
-        <a:tint val="60000"/>
-      </a:schemeClr>
-    </dgm:fillClrLst>
-    <dgm:linClrLst meth="repeat">
-      <a:schemeClr val="accent1">
-        <a:tint val="60000"/>
-      </a:schemeClr>
-    </dgm:linClrLst>
-    <dgm:effectClrLst/>
-    <dgm:txLinClrLst/>
-    <dgm:txFillClrLst/>
-    <dgm:txEffectClrLst/>
-  </dgm:styleLbl>
-  <dgm:styleLbl name="fgSibTrans2D1">
-    <dgm:fillClrLst meth="repeat">
-      <a:schemeClr val="accent1">
-        <a:tint val="60000"/>
-      </a:schemeClr>
-    </dgm:fillClrLst>
-    <dgm:linClrLst meth="repeat">
-      <a:schemeClr val="accent1">
-        <a:tint val="60000"/>
-      </a:schemeClr>
-    </dgm:linClrLst>
-    <dgm:effectClrLst/>
-    <dgm:txLinClrLst/>
-    <dgm:txFillClrLst/>
-    <dgm:txEffectClrLst/>
-  </dgm:styleLbl>
-  <dgm:styleLbl name="bgSibTrans2D1">
-    <dgm:fillClrLst meth="repeat">
-      <a:schemeClr val="accent1">
-        <a:tint val="60000"/>
-      </a:schemeClr>
-    </dgm:fillClrLst>
-    <dgm:linClrLst meth="repeat">
-      <a:schemeClr val="accent1">
-        <a:tint val="60000"/>
-      </a:schemeClr>
-    </dgm:linClrLst>
-    <dgm:effectClrLst/>
-    <dgm:txLinClrLst/>
-    <dgm:txFillClrLst/>
-    <dgm:txEffectClrLst/>
-  </dgm:styleLbl>
-  <dgm:styleLbl name="sibTrans1D1">
-    <dgm:fillClrLst meth="repeat">
-      <a:schemeClr val="accent1"/>
-    </dgm:fillClrLst>
-    <dgm:linClrLst meth="repeat">
-      <a:schemeClr val="accent1"/>
-    </dgm:linClrLst>
-    <dgm:effectClrLst/>
-    <dgm:txLinClrLst/>
-    <dgm:txFillClrLst meth="repeat">
-      <a:schemeClr val="tx1"/>
-    </dgm:txFillClrLst>
-    <dgm:txEffectClrLst/>
-  </dgm:styleLbl>
-  <dgm:styleLbl name="callout">
-    <dgm:fillClrLst meth="repeat">
-      <a:schemeClr val="accent1"/>
-    </dgm:fillClrLst>
-    <dgm:linClrLst meth="repeat">
-      <a:schemeClr val="accent1">
-        <a:tint val="50000"/>
-      </a:schemeClr>
-    </dgm:linClrLst>
-    <dgm:effectClrLst/>
-    <dgm:txLinClrLst/>
-    <dgm:txFillClrLst meth="repeat">
-      <a:schemeClr val="tx1"/>
-    </dgm:txFillClrLst>
-    <dgm:txEffectClrLst/>
-  </dgm:styleLbl>
-  <dgm:styleLbl name="asst0">
-    <dgm:fillClrLst meth="repeat">
-      <a:schemeClr val="accent1"/>
-    </dgm:fillClrLst>
-    <dgm:linClrLst meth="repeat">
-      <a:schemeClr val="lt1"/>
-    </dgm:linClrLst>
-    <dgm:effectClrLst/>
-    <dgm:txLinClrLst/>
-    <dgm:txFillClrLst/>
-    <dgm:txEffectClrLst/>
-  </dgm:styleLbl>
-  <dgm:styleLbl name="asst1">
-    <dgm:fillClrLst meth="repeat">
-      <a:schemeClr val="accent1"/>
-    </dgm:fillClrLst>
-    <dgm:linClrLst meth="repeat">
-      <a:schemeClr val="lt1"/>
-    </dgm:linClrLst>
-    <dgm:effectClrLst/>
-    <dgm:txLinClrLst/>
-    <dgm:txFillClrLst/>
-    <dgm:txEffectClrLst/>
-  </dgm:styleLbl>
-  <dgm:styleLbl name="asst2">
-    <dgm:fillClrLst meth="repeat">
-      <a:schemeClr val="accent1"/>
-    </dgm:fillClrLst>
-    <dgm:linClrLst meth="repeat">
-      <a:schemeClr val="lt1"/>
-    </dgm:linClrLst>
-    <dgm:effectClrLst/>
-    <dgm:txLinClrLst/>
-    <dgm:txFillClrLst/>
-    <dgm:txEffectClrLst/>
-  </dgm:styleLbl>
-  <dgm:styleLbl name="asst3">
-    <dgm:fillClrLst meth="repeat">
-      <a:schemeClr val="accent1"/>
-    </dgm:fillClrLst>
-    <dgm:linClrLst meth="repeat">
-      <a:schemeClr val="lt1"/>
-    </dgm:linClrLst>
-    <dgm:effectClrLst/>
-    <dgm:txLinClrLst/>
-    <dgm:txFillClrLst/>
-    <dgm:txEffectClrLst/>
-  </dgm:styleLbl>
-  <dgm:styleLbl name="asst4">
-    <dgm:fillClrLst meth="repeat">
-      <a:schemeClr val="accent1"/>
-    </dgm:fillClrLst>
-    <dgm:linClrLst meth="repeat">
-      <a:schemeClr val="lt1"/>
-    </dgm:linClrLst>
-    <dgm:effectClrLst/>
-    <dgm:txLinClrLst/>
-    <dgm:txFillClrLst/>
-    <dgm:txEffectClrLst/>
-  </dgm:styleLbl>
-  <dgm:styleLbl name="parChTrans2D1">
-    <dgm:fillClrLst meth="repeat">
-      <a:schemeClr val="accent1">
-        <a:tint val="60000"/>
-      </a:schemeClr>
-    </dgm:fillClrLst>
-    <dgm:linClrLst meth="repeat">
-      <a:schemeClr val="accent1">
-        <a:tint val="60000"/>
-      </a:schemeClr>
-    </dgm:linClrLst>
-    <dgm:effectClrLst/>
-    <dgm:txLinClrLst/>
-    <dgm:txFillClrLst meth="repeat">
-      <a:schemeClr val="lt1"/>
-    </dgm:txFillClrLst>
-    <dgm:txEffectClrLst/>
-  </dgm:styleLbl>
-  <dgm:styleLbl name="parChTrans2D2">
-    <dgm:fillClrLst meth="repeat">
-      <a:schemeClr val="accent1"/>
-    </dgm:fillClrLst>
-    <dgm:linClrLst meth="repeat">
-      <a:schemeClr val="accent1"/>
-    </dgm:linClrLst>
-    <dgm:effectClrLst/>
-    <dgm:txLinClrLst/>
-    <dgm:txFillClrLst meth="repeat">
-      <a:schemeClr val="lt1"/>
-    </dgm:txFillClrLst>
-    <dgm:txEffectClrLst/>
-  </dgm:styleLbl>
-  <dgm:styleLbl name="parChTrans2D3">
-    <dgm:fillClrLst meth="repeat">
-      <a:schemeClr val="accent1"/>
-    </dgm:fillClrLst>
-    <dgm:linClrLst meth="repeat">
-      <a:schemeClr val="accent1"/>
-    </dgm:linClrLst>
-    <dgm:effectClrLst/>
-    <dgm:txLinClrLst/>
-    <dgm:txFillClrLst meth="repeat">
-      <a:schemeClr val="lt1"/>
-    </dgm:txFillClrLst>
-    <dgm:txEffectClrLst/>
-  </dgm:styleLbl>
-  <dgm:styleLbl name="parChTrans2D4">
-    <dgm:fillClrLst meth="repeat">
-      <a:schemeClr val="accent1"/>
-    </dgm:fillClrLst>
-    <dgm:linClrLst meth="repeat">
-      <a:schemeClr val="accent1"/>
-    </dgm:linClrLst>
-    <dgm:effectClrLst/>
-    <dgm:txLinClrLst/>
-    <dgm:txFillClrLst meth="repeat">
-      <a:schemeClr val="lt1"/>
-    </dgm:txFillClrLst>
-    <dgm:txEffectClrLst/>
-  </dgm:styleLbl>
-  <dgm:styleLbl name="parChTrans1D1">
-    <dgm:fillClrLst meth="repeat">
-      <a:schemeClr val="accent1"/>
-    </dgm:fillClrLst>
-    <dgm:linClrLst meth="repeat">
-      <a:schemeClr val="accent1">
-        <a:shade val="60000"/>
-      </a:schemeClr>
-    </dgm:linClrLst>
-    <dgm:effectClrLst/>
-    <dgm:txLinClrLst/>
-    <dgm:txFillClrLst meth="repeat">
-      <a:schemeClr val="tx1"/>
-    </dgm:txFillClrLst>
-    <dgm:txEffectClrLst/>
-  </dgm:styleLbl>
-  <dgm:styleLbl name="parChTrans1D2">
-    <dgm:fillClrLst meth="repeat">
-      <a:schemeClr val="accent1"/>
-    </dgm:fillClrLst>
-    <dgm:linClrLst meth="repeat">
-      <a:schemeClr val="accent1">
-        <a:shade val="60000"/>
-      </a:schemeClr>
-    </dgm:linClrLst>
-    <dgm:effectClrLst/>
-    <dgm:txLinClrLst/>
-    <dgm:txFillClrLst meth="repeat">
-      <a:schemeClr val="tx1"/>
-    </dgm:txFillClrLst>
-    <dgm:txEffectClrLst/>
-  </dgm:styleLbl>
-  <dgm:styleLbl name="parChTrans1D3">
-    <dgm:fillClrLst meth="repeat">
-      <a:schemeClr val="accent1"/>
-    </dgm:fillClrLst>
-    <dgm:linClrLst meth="repeat">
-      <a:schemeClr val="accent1">
-        <a:shade val="80000"/>
-      </a:schemeClr>
-    </dgm:linClrLst>
-    <dgm:effectClrLst/>
-    <dgm:txLinClrLst/>
-    <dgm:txFillClrLst meth="repeat">
-      <a:schemeClr val="tx1"/>
-    </dgm:txFillClrLst>
-    <dgm:txEffectClrLst/>
-  </dgm:styleLbl>
-  <dgm:styleLbl name="parChTrans1D4">
-    <dgm:fillClrLst meth="repeat">
-      <a:schemeClr val="accent1"/>
-    </dgm:fillClrLst>
-    <dgm:linClrLst meth="repeat">
-      <a:schemeClr val="accent1">
-        <a:shade val="80000"/>
-      </a:schemeClr>
-    </dgm:linClrLst>
-    <dgm:effectClrLst/>
-    <dgm:txLinClrLst/>
-    <dgm:txFillClrLst meth="repeat">
-      <a:schemeClr val="tx1"/>
-    </dgm:txFillClrLst>
-    <dgm:txEffectClrLst/>
-  </dgm:styleLbl>
-  <dgm:styleLbl name="fgAcc1">
-    <dgm:fillClrLst meth="repeat">
-      <a:schemeClr val="lt1">
-        <a:alpha val="90000"/>
-      </a:schemeClr>
-    </dgm:fillClrLst>
-    <dgm:linClrLst meth="repeat">
-      <a:schemeClr val="accent1"/>
-    </dgm:linClrLst>
-    <dgm:effectClrLst/>
-    <dgm:txLinClrLst/>
-    <dgm:txFillClrLst meth="repeat">
-      <a:schemeClr val="dk1"/>
-    </dgm:txFillClrLst>
-    <dgm:txEffectClrLst/>
-  </dgm:styleLbl>
-  <dgm:styleLbl name="conFgAcc1">
-    <dgm:fillClrLst meth="repeat">
-      <a:schemeClr val="lt1">
-        <a:alpha val="90000"/>
-      </a:schemeClr>
-    </dgm:fillClrLst>
-    <dgm:linClrLst meth="repeat">
-      <a:schemeClr val="accent1"/>
-    </dgm:linClrLst>
-    <dgm:effectClrLst/>
-    <dgm:txLinClrLst/>
-    <dgm:txFillClrLst meth="repeat">
-      <a:schemeClr val="dk1"/>
-    </dgm:txFillClrLst>
-    <dgm:txEffectClrLst/>
-  </dgm:styleLbl>
-  <dgm:styleLbl name="alignAcc1">
-    <dgm:fillClrLst meth="repeat">
-      <a:schemeClr val="lt1">
-        <a:alpha val="90000"/>
-      </a:schemeClr>
-    </dgm:fillClrLst>
-    <dgm:linClrLst meth="repeat">
-      <a:schemeClr val="accent1"/>
-    </dgm:linClrLst>
-    <dgm:effectClrLst/>
-    <dgm:txLinClrLst/>
-    <dgm:txFillClrLst meth="repeat">
-      <a:schemeClr val="dk1"/>
-    </dgm:txFillClrLst>
-    <dgm:txEffectClrLst/>
-  </dgm:styleLbl>
-  <dgm:styleLbl name="trAlignAcc1">
-    <dgm:fillClrLst meth="repeat">
-      <a:schemeClr val="lt1">
-        <a:alpha val="40000"/>
-      </a:schemeClr>
-    </dgm:fillClrLst>
-    <dgm:linClrLst meth="repeat">
-      <a:schemeClr val="accent1"/>
-    </dgm:linClrLst>
-    <dgm:effectClrLst/>
-    <dgm:txLinClrLst/>
-    <dgm:txFillClrLst meth="repeat">
-      <a:schemeClr val="dk1"/>
-    </dgm:txFillClrLst>
-    <dgm:txEffectClrLst/>
-  </dgm:styleLbl>
-  <dgm:styleLbl name="bgAcc1">
-    <dgm:fillClrLst meth="repeat">
-      <a:schemeClr val="lt1">
-        <a:alpha val="90000"/>
-      </a:schemeClr>
-    </dgm:fillClrLst>
-    <dgm:linClrLst meth="repeat">
-      <a:schemeClr val="accent1"/>
-    </dgm:linClrLst>
-    <dgm:effectClrLst/>
-    <dgm:txLinClrLst/>
-    <dgm:txFillClrLst meth="repeat">
-      <a:schemeClr val="dk1"/>
-    </dgm:txFillClrLst>
-    <dgm:txEffectClrLst/>
-  </dgm:styleLbl>
-  <dgm:styleLbl name="solidFgAcc1">
-    <dgm:fillClrLst meth="repeat">
-      <a:schemeClr val="lt1"/>
-    </dgm:fillClrLst>
-    <dgm:linClrLst meth="repeat">
-      <a:schemeClr val="accent1"/>
-    </dgm:linClrLst>
-    <dgm:effectClrLst/>
-    <dgm:txLinClrLst/>
-    <dgm:txFillClrLst meth="repeat">
-      <a:schemeClr val="dk1"/>
-    </dgm:txFillClrLst>
-    <dgm:txEffectClrLst/>
-  </dgm:styleLbl>
-  <dgm:styleLbl name="solidAlignAcc1">
-    <dgm:fillClrLst meth="repeat">
-      <a:schemeClr val="lt1"/>
-    </dgm:fillClrLst>
-    <dgm:linClrLst meth="repeat">
-      <a:schemeClr val="accent1"/>
-    </dgm:linClrLst>
-    <dgm:effectClrLst/>
-    <dgm:txLinClrLst/>
-    <dgm:txFillClrLst meth="repeat">
-      <a:schemeClr val="dk1"/>
-    </dgm:txFillClrLst>
-    <dgm:txEffectClrLst/>
-  </dgm:styleLbl>
-  <dgm:styleLbl name="solidBgAcc1">
-    <dgm:fillClrLst meth="repeat">
-      <a:schemeClr val="lt1"/>
-    </dgm:fillClrLst>
-    <dgm:linClrLst meth="repeat">
-      <a:schemeClr val="accent1"/>
-    </dgm:linClrLst>
-    <dgm:effectClrLst/>
-    <dgm:txLinClrLst/>
-    <dgm:txFillClrLst meth="repeat">
-      <a:schemeClr val="dk1"/>
-    </dgm:txFillClrLst>
-    <dgm:txEffectClrLst/>
-  </dgm:styleLbl>
-  <dgm:styleLbl name="fgAccFollowNode1">
-    <dgm:fillClrLst meth="repeat">
-      <a:schemeClr val="accent1">
-        <a:alpha val="90000"/>
-        <a:tint val="40000"/>
-      </a:schemeClr>
-    </dgm:fillClrLst>
-    <dgm:linClrLst meth="repeat">
-      <a:schemeClr val="accent1">
-        <a:alpha val="90000"/>
-        <a:tint val="40000"/>
-      </a:schemeClr>
-    </dgm:linClrLst>
-    <dgm:effectClrLst/>
-    <dgm:txLinClrLst/>
-    <dgm:txFillClrLst meth="repeat">
-      <a:schemeClr val="dk1"/>
-    </dgm:txFillClrLst>
-    <dgm:txEffectClrLst/>
-  </dgm:styleLbl>
-  <dgm:styleLbl name="alignAccFollowNode1">
-    <dgm:fillClrLst meth="repeat">
-      <a:schemeClr val="accent1">
-        <a:alpha val="90000"/>
-        <a:tint val="40000"/>
-      </a:schemeClr>
-    </dgm:fillClrLst>
-    <dgm:linClrLst meth="repeat">
-      <a:schemeClr val="accent1">
-        <a:alpha val="90000"/>
-        <a:tint val="40000"/>
-      </a:schemeClr>
-    </dgm:linClrLst>
-    <dgm:effectClrLst/>
-    <dgm:txLinClrLst/>
-    <dgm:txFillClrLst meth="repeat">
-      <a:schemeClr val="dk1"/>
-    </dgm:txFillClrLst>
-    <dgm:txEffectClrLst/>
-  </dgm:styleLbl>
-  <dgm:styleLbl name="bgAccFollowNode1">
-    <dgm:fillClrLst meth="repeat">
-      <a:schemeClr val="accent1">
-        <a:alpha val="90000"/>
-        <a:tint val="40000"/>
-      </a:schemeClr>
-    </dgm:fillClrLst>
-    <dgm:linClrLst meth="repeat">
-      <a:schemeClr val="accent1">
-        <a:alpha val="90000"/>
-        <a:tint val="40000"/>
-      </a:schemeClr>
-    </dgm:linClrLst>
-    <dgm:effectClrLst/>
-    <dgm:txLinClrLst/>
-    <dgm:txFillClrLst meth="repeat">
-      <a:schemeClr val="dk1"/>
-    </dgm:txFillClrLst>
-    <dgm:txEffectClrLst/>
-  </dgm:styleLbl>
-  <dgm:styleLbl name="fgAcc0">
-    <dgm:fillClrLst meth="repeat">
-      <a:schemeClr val="lt1">
-        <a:alpha val="90000"/>
-      </a:schemeClr>
-    </dgm:fillClrLst>
-    <dgm:linClrLst meth="repeat">
-      <a:schemeClr val="accent1"/>
-    </dgm:linClrLst>
-    <dgm:effectClrLst/>
-    <dgm:txLinClrLst/>
-    <dgm:txFillClrLst meth="repeat">
-      <a:schemeClr val="dk1"/>
-    </dgm:txFillClrLst>
-    <dgm:txEffectClrLst/>
-  </dgm:styleLbl>
-  <dgm:styleLbl name="fgAcc2">
-    <dgm:fillClrLst meth="repeat">
-      <a:schemeClr val="lt1">
-        <a:alpha val="90000"/>
-      </a:schemeClr>
-    </dgm:fillClrLst>
-    <dgm:linClrLst meth="repeat">
-      <a:schemeClr val="accent1"/>
-    </dgm:linClrLst>
-    <dgm:effectClrLst/>
-    <dgm:txLinClrLst/>
-    <dgm:txFillClrLst meth="repeat">
-      <a:schemeClr val="dk1"/>
-    </dgm:txFillClrLst>
-    <dgm:txEffectClrLst/>
-  </dgm:styleLbl>
-  <dgm:styleLbl name="fgAcc3">
-    <dgm:fillClrLst meth="repeat">
-      <a:schemeClr val="lt1">
-        <a:alpha val="90000"/>
-      </a:schemeClr>
-    </dgm:fillClrLst>
-    <dgm:linClrLst meth="repeat">
-      <a:schemeClr val="accent1"/>
-    </dgm:linClrLst>
-    <dgm:effectClrLst/>
-    <dgm:txLinClrLst/>
-    <dgm:txFillClrLst meth="repeat">
-      <a:schemeClr val="dk1"/>
-    </dgm:txFillClrLst>
-    <dgm:txEffectClrLst/>
-  </dgm:styleLbl>
-  <dgm:styleLbl name="fgAcc4">
-    <dgm:fillClrLst meth="repeat">
-      <a:schemeClr val="lt1">
-        <a:alpha val="90000"/>
-      </a:schemeClr>
-    </dgm:fillClrLst>
-    <dgm:linClrLst meth="repeat">
-      <a:schemeClr val="accent1"/>
-    </dgm:linClrLst>
-    <dgm:effectClrLst/>
-    <dgm:txLinClrLst/>
-    <dgm:txFillClrLst meth="repeat">
-      <a:schemeClr val="dk1"/>
-    </dgm:txFillClrLst>
-    <dgm:txEffectClrLst/>
-  </dgm:styleLbl>
-  <dgm:styleLbl name="bgShp">
-    <dgm:fillClrLst meth="repeat">
-      <a:schemeClr val="accent1">
-        <a:tint val="40000"/>
-      </a:schemeClr>
-    </dgm:fillClrLst>
-    <dgm:linClrLst meth="repeat">
-      <a:schemeClr val="accent1"/>
-    </dgm:linClrLst>
-    <dgm:effectClrLst/>
-    <dgm:txLinClrLst/>
-    <dgm:txFillClrLst meth="repeat">
-      <a:schemeClr val="dk1"/>
-    </dgm:txFillClrLst>
-    <dgm:txEffectClrLst/>
-  </dgm:styleLbl>
-  <dgm:styleLbl name="dkBgShp">
-    <dgm:fillClrLst meth="repeat">
-      <a:schemeClr val="accent1">
-        <a:shade val="80000"/>
-      </a:schemeClr>
-    </dgm:fillClrLst>
-    <dgm:linClrLst meth="repeat">
-      <a:schemeClr val="accent1"/>
-    </dgm:linClrLst>
-    <dgm:effectClrLst/>
-    <dgm:txLinClrLst/>
-    <dgm:txFillClrLst meth="repeat">
-      <a:schemeClr val="lt1"/>
-    </dgm:txFillClrLst>
-    <dgm:txEffectClrLst/>
-  </dgm:styleLbl>
-  <dgm:styleLbl name="trBgShp">
-    <dgm:fillClrLst meth="repeat">
-      <a:schemeClr val="accent1">
-        <a:tint val="50000"/>
-        <a:alpha val="40000"/>
-      </a:schemeClr>
-    </dgm:fillClrLst>
-    <dgm:linClrLst meth="repeat">
-      <a:schemeClr val="accent1"/>
-    </dgm:linClrLst>
-    <dgm:effectClrLst/>
-    <dgm:txLinClrLst/>
-    <dgm:txFillClrLst meth="repeat">
-      <a:schemeClr val="lt1"/>
-    </dgm:txFillClrLst>
-    <dgm:txEffectClrLst/>
-  </dgm:styleLbl>
-  <dgm:styleLbl name="fgShp">
-    <dgm:fillClrLst meth="repeat">
-      <a:schemeClr val="accent1">
-        <a:tint val="60000"/>
-      </a:schemeClr>
-    </dgm:fillClrLst>
-    <dgm:linClrLst meth="repeat">
-      <a:schemeClr val="lt1"/>
-    </dgm:linClrLst>
-    <dgm:effectClrLst/>
-    <dgm:txLinClrLst/>
-    <dgm:txFillClrLst meth="repeat">
-      <a:schemeClr val="dk1"/>
-    </dgm:txFillClrLst>
-    <dgm:txEffectClrLst/>
-  </dgm:styleLbl>
-  <dgm:styleLbl name="revTx">
-    <dgm:fillClrLst meth="repeat">
-      <a:schemeClr val="lt1">
-        <a:alpha val="0"/>
-      </a:schemeClr>
-    </dgm:fillClrLst>
-    <dgm:linClrLst meth="repeat">
-      <a:schemeClr val="dk1">
-        <a:alpha val="0"/>
-      </a:schemeClr>
-    </dgm:linClrLst>
-    <dgm:effectClrLst/>
-    <dgm:txLinClrLst/>
-    <dgm:txFillClrLst meth="repeat">
-      <a:schemeClr val="tx1"/>
-    </dgm:txFillClrLst>
-    <dgm:txEffectClrLst/>
-  </dgm:styleLbl>
-</dgm:colorsDef>
-</file>
-
-<file path=ppt/diagrams/data1.xml><?xml version="1.0" encoding="utf-8"?>
-<dgm:dataModel xmlns:dgm="http://schemas.openxmlformats.org/drawingml/2006/diagram" xmlns:a="http://schemas.openxmlformats.org/drawingml/2006/main">
-  <dgm:ptLst>
-    <dgm:pt modelId="{0B9D9993-1901-48E1-BC0D-2597F9A0AD04}" type="doc">
-      <dgm:prSet loTypeId="urn:microsoft.com/office/officeart/2005/8/layout/StepDownProcess" loCatId="process" qsTypeId="urn:microsoft.com/office/officeart/2005/8/quickstyle/simple1" qsCatId="simple" csTypeId="urn:microsoft.com/office/officeart/2005/8/colors/accent1_2" csCatId="accent1" phldr="1"/>
-      <dgm:spPr/>
-    </dgm:pt>
-    <dgm:pt modelId="{0ADE1E7F-E0E3-4117-9A0E-D6495645B195}">
-      <dgm:prSet phldrT="[Text]" custT="1"/>
-      <dgm:spPr>
-        <a:solidFill>
-          <a:srgbClr val="F5F7FB"/>
-        </a:solidFill>
-        <a:ln>
-          <a:noFill/>
-        </a:ln>
-        <a:effectLst/>
-      </dgm:spPr>
-      <dgm:t>
-        <a:bodyPr/>
-        <a:lstStyle/>
-        <a:p>
-          <a:r>
-            <a:rPr lang="en-US" sz="1400" b="1" dirty="0" smtClean="0">
-              <a:solidFill>
-                <a:schemeClr val="tx1">
-                  <a:lumMod val="75000"/>
-                  <a:lumOff val="25000"/>
-                </a:schemeClr>
-              </a:solidFill>
-            </a:rPr>
-            <a:t>Analisis kebutuhan</a:t>
-          </a:r>
-          <a:endParaRPr lang="en-US" sz="1400" b="1" dirty="0">
-            <a:solidFill>
-              <a:schemeClr val="tx1">
-                <a:lumMod val="75000"/>
-                <a:lumOff val="25000"/>
-              </a:schemeClr>
-            </a:solidFill>
-          </a:endParaRPr>
-        </a:p>
-      </dgm:t>
-      <dgm:extLst>
-        <a:ext uri="{E40237B7-FDA0-4F09-8148-C483321AD2D9}">
-          <dgm14:cNvPr xmlns:dgm14="http://schemas.microsoft.com/office/drawing/2010/diagram" id="0" name="">
-            <a:hlinkClick xmlns:r="http://schemas.openxmlformats.org/officeDocument/2006/relationships" r:id="rId1" action="ppaction://hlinksldjump"/>
-          </dgm14:cNvPr>
-        </a:ext>
-      </dgm:extLst>
-    </dgm:pt>
-    <dgm:pt modelId="{084BD965-8B31-4599-97B4-060062089E4F}" type="parTrans" cxnId="{FF732044-21EF-4BC4-894A-54F1D00CE0F3}">
-      <dgm:prSet/>
-      <dgm:spPr/>
-      <dgm:t>
-        <a:bodyPr/>
-        <a:lstStyle/>
-        <a:p>
-          <a:endParaRPr lang="en-US" b="1"/>
-        </a:p>
-      </dgm:t>
-    </dgm:pt>
-    <dgm:pt modelId="{795F4EA0-6D30-4372-A204-43D801644070}" type="sibTrans" cxnId="{FF732044-21EF-4BC4-894A-54F1D00CE0F3}">
-      <dgm:prSet/>
-      <dgm:spPr/>
-      <dgm:t>
-        <a:bodyPr/>
-        <a:lstStyle/>
-        <a:p>
-          <a:endParaRPr lang="en-US" b="1"/>
-        </a:p>
-      </dgm:t>
-    </dgm:pt>
-    <dgm:pt modelId="{DEE6308E-2CC3-4DD5-82BB-ACF6BA25E7CB}">
-      <dgm:prSet phldrT="[Text]" custT="1"/>
-      <dgm:spPr>
-        <a:solidFill>
-          <a:srgbClr val="F5F7FB"/>
-        </a:solidFill>
-        <a:ln>
-          <a:noFill/>
-        </a:ln>
-        <a:effectLst/>
-      </dgm:spPr>
-      <dgm:t>
-        <a:bodyPr/>
-        <a:lstStyle/>
-        <a:p>
-          <a:r>
-            <a:rPr lang="en-US" sz="1400" b="1" dirty="0" smtClean="0">
-              <a:solidFill>
-                <a:schemeClr val="tx1">
-                  <a:lumMod val="75000"/>
-                  <a:lumOff val="25000"/>
-                </a:schemeClr>
-              </a:solidFill>
-            </a:rPr>
-            <a:t>Desain sistem</a:t>
-          </a:r>
-          <a:endParaRPr lang="en-US" sz="1400" b="1" dirty="0">
-            <a:solidFill>
-              <a:schemeClr val="tx1">
-                <a:lumMod val="75000"/>
-                <a:lumOff val="25000"/>
-              </a:schemeClr>
-            </a:solidFill>
-          </a:endParaRPr>
-        </a:p>
-      </dgm:t>
-      <dgm:extLst>
-        <a:ext uri="{E40237B7-FDA0-4F09-8148-C483321AD2D9}">
-          <dgm14:cNvPr xmlns:dgm14="http://schemas.microsoft.com/office/drawing/2010/diagram" id="0" name="">
-            <a:hlinkClick xmlns:r="http://schemas.openxmlformats.org/officeDocument/2006/relationships" r:id="rId2" action="ppaction://hlinksldjump"/>
-          </dgm14:cNvPr>
-        </a:ext>
-      </dgm:extLst>
-    </dgm:pt>
-    <dgm:pt modelId="{59164DCA-B123-4A68-805A-F3414D68900E}" type="parTrans" cxnId="{3ADF4840-53DD-4A1E-A2D3-4DF9F9470094}">
-      <dgm:prSet/>
-      <dgm:spPr/>
-      <dgm:t>
-        <a:bodyPr/>
-        <a:lstStyle/>
-        <a:p>
-          <a:endParaRPr lang="en-US" b="1"/>
-        </a:p>
-      </dgm:t>
-    </dgm:pt>
-    <dgm:pt modelId="{095B064C-DFAF-49CA-AE14-B7D82F7A7C59}" type="sibTrans" cxnId="{3ADF4840-53DD-4A1E-A2D3-4DF9F9470094}">
-      <dgm:prSet/>
-      <dgm:spPr/>
-      <dgm:t>
-        <a:bodyPr/>
-        <a:lstStyle/>
-        <a:p>
-          <a:endParaRPr lang="en-US" b="1"/>
-        </a:p>
-      </dgm:t>
-    </dgm:pt>
-    <dgm:pt modelId="{8C99CE93-77C5-4F51-A813-377C215386A8}">
-      <dgm:prSet phldrT="[Text]" custT="1"/>
-      <dgm:spPr>
-        <a:solidFill>
-          <a:srgbClr val="F5F7FB"/>
-        </a:solidFill>
-        <a:ln>
-          <a:noFill/>
-        </a:ln>
-        <a:effectLst/>
-      </dgm:spPr>
-      <dgm:t>
-        <a:bodyPr/>
-        <a:lstStyle/>
-        <a:p>
-          <a:r>
-            <a:rPr lang="en-US" sz="1400" b="1" dirty="0" smtClean="0">
-              <a:solidFill>
-                <a:schemeClr val="tx1">
-                  <a:lumMod val="75000"/>
-                  <a:lumOff val="25000"/>
-                </a:schemeClr>
-              </a:solidFill>
-            </a:rPr>
-            <a:t>Implementasi</a:t>
-          </a:r>
-          <a:endParaRPr lang="en-US" sz="1400" b="1" dirty="0">
-            <a:solidFill>
-              <a:schemeClr val="tx1">
-                <a:lumMod val="75000"/>
-                <a:lumOff val="25000"/>
-              </a:schemeClr>
-            </a:solidFill>
-          </a:endParaRPr>
-        </a:p>
-      </dgm:t>
-    </dgm:pt>
-    <dgm:pt modelId="{2F2C0FB5-7004-4E32-8632-1A3DD4746EE4}" type="parTrans" cxnId="{78F7FAD6-0C96-431E-A7D7-89249E51FD37}">
-      <dgm:prSet/>
-      <dgm:spPr/>
-      <dgm:t>
-        <a:bodyPr/>
-        <a:lstStyle/>
-        <a:p>
-          <a:endParaRPr lang="en-US" b="1"/>
-        </a:p>
-      </dgm:t>
-    </dgm:pt>
-    <dgm:pt modelId="{C5C1B05A-51AB-481C-BAC3-FEAD93D04AA3}" type="sibTrans" cxnId="{78F7FAD6-0C96-431E-A7D7-89249E51FD37}">
-      <dgm:prSet/>
-      <dgm:spPr/>
-      <dgm:t>
-        <a:bodyPr/>
-        <a:lstStyle/>
-        <a:p>
-          <a:endParaRPr lang="en-US" b="1"/>
-        </a:p>
-      </dgm:t>
-    </dgm:pt>
-    <dgm:pt modelId="{F96E1D7C-69B9-407C-B20D-8ED47D4B109A}">
-      <dgm:prSet custT="1"/>
-      <dgm:spPr>
-        <a:solidFill>
-          <a:srgbClr val="F5F7FB"/>
-        </a:solidFill>
-        <a:ln>
-          <a:noFill/>
-        </a:ln>
-        <a:effectLst/>
-      </dgm:spPr>
-      <dgm:t>
-        <a:bodyPr/>
-        <a:lstStyle/>
-        <a:p>
-          <a:r>
-            <a:rPr lang="en-US" sz="1400" b="1" smtClean="0">
-              <a:solidFill>
-                <a:schemeClr val="tx1">
-                  <a:lumMod val="75000"/>
-                  <a:lumOff val="25000"/>
-                </a:schemeClr>
-              </a:solidFill>
-            </a:rPr>
-            <a:t>Pengujian</a:t>
-          </a:r>
-          <a:endParaRPr lang="en-US" sz="1400" b="1" dirty="0">
-            <a:solidFill>
-              <a:schemeClr val="tx1">
-                <a:lumMod val="75000"/>
-                <a:lumOff val="25000"/>
-              </a:schemeClr>
-            </a:solidFill>
-          </a:endParaRPr>
-        </a:p>
-      </dgm:t>
-      <dgm:extLst>
-        <a:ext uri="{E40237B7-FDA0-4F09-8148-C483321AD2D9}">
-          <dgm14:cNvPr xmlns:dgm14="http://schemas.microsoft.com/office/drawing/2010/diagram" id="0" name="">
-            <a:hlinkClick xmlns:r="http://schemas.openxmlformats.org/officeDocument/2006/relationships" r:id="rId3" action="ppaction://hlinksldjump"/>
-          </dgm14:cNvPr>
-        </a:ext>
-      </dgm:extLst>
-    </dgm:pt>
-    <dgm:pt modelId="{E6B19C6D-63EC-4957-B08A-78DC4EC2421A}" type="parTrans" cxnId="{36B9DE03-2318-447E-A6AD-5FB12576B9A3}">
-      <dgm:prSet/>
-      <dgm:spPr/>
-      <dgm:t>
-        <a:bodyPr/>
-        <a:lstStyle/>
-        <a:p>
-          <a:endParaRPr lang="en-US" b="1"/>
-        </a:p>
-      </dgm:t>
-    </dgm:pt>
-    <dgm:pt modelId="{32DB74E2-FAB4-4D8D-B80E-2002E31C720B}" type="sibTrans" cxnId="{36B9DE03-2318-447E-A6AD-5FB12576B9A3}">
-      <dgm:prSet/>
-      <dgm:spPr/>
-      <dgm:t>
-        <a:bodyPr/>
-        <a:lstStyle/>
-        <a:p>
-          <a:endParaRPr lang="en-US" b="1"/>
-        </a:p>
-      </dgm:t>
-    </dgm:pt>
-    <dgm:pt modelId="{B6CC0D9D-9818-4821-A721-4E83DC4FAC2D}" type="pres">
-      <dgm:prSet presAssocID="{0B9D9993-1901-48E1-BC0D-2597F9A0AD04}" presName="rootnode" presStyleCnt="0">
-        <dgm:presLayoutVars>
-          <dgm:chMax/>
-          <dgm:chPref/>
-          <dgm:dir/>
-          <dgm:animLvl val="lvl"/>
-        </dgm:presLayoutVars>
-      </dgm:prSet>
-      <dgm:spPr/>
-    </dgm:pt>
-    <dgm:pt modelId="{A4111E6E-F60D-47C8-9834-0E0C4E5D5FBB}" type="pres">
-      <dgm:prSet presAssocID="{0ADE1E7F-E0E3-4117-9A0E-D6495645B195}" presName="composite" presStyleCnt="0"/>
-      <dgm:spPr/>
-    </dgm:pt>
-    <dgm:pt modelId="{2562A0CA-1779-4384-8E10-F91338194BA4}" type="pres">
-      <dgm:prSet presAssocID="{0ADE1E7F-E0E3-4117-9A0E-D6495645B195}" presName="bentUpArrow1" presStyleLbl="alignImgPlace1" presStyleIdx="0" presStyleCnt="3" custAng="0" custFlipHor="0" custLinFactNeighborX="-56036" custLinFactNeighborY="-3840"/>
-      <dgm:spPr>
-        <a:solidFill>
-          <a:srgbClr val="F5F7FB"/>
-        </a:solidFill>
-        <a:ln>
-          <a:noFill/>
-        </a:ln>
-        <a:effectLst/>
-      </dgm:spPr>
-      <dgm:t>
-        <a:bodyPr/>
-        <a:lstStyle/>
-        <a:p>
-          <a:endParaRPr lang="en-US"/>
-        </a:p>
-      </dgm:t>
-    </dgm:pt>
-    <dgm:pt modelId="{33A2A690-4B31-40EB-8213-23CED0EC6EC3}" type="pres">
-      <dgm:prSet presAssocID="{0ADE1E7F-E0E3-4117-9A0E-D6495645B195}" presName="ParentText" presStyleLbl="node1" presStyleIdx="0" presStyleCnt="4" custScaleX="151576" custLinFactNeighborX="-84430" custLinFactNeighborY="-2559">
-        <dgm:presLayoutVars>
-          <dgm:chMax val="1"/>
-          <dgm:chPref val="1"/>
-          <dgm:bulletEnabled val="1"/>
-        </dgm:presLayoutVars>
-      </dgm:prSet>
-      <dgm:spPr>
-        <a:prstGeom prst="rect">
-          <a:avLst/>
-        </a:prstGeom>
-      </dgm:spPr>
-      <dgm:t>
-        <a:bodyPr/>
-        <a:lstStyle/>
-        <a:p>
-          <a:endParaRPr lang="en-US"/>
-        </a:p>
-      </dgm:t>
-    </dgm:pt>
-    <dgm:pt modelId="{E901FB96-61BB-47B9-8BCD-3549CD602C9D}" type="pres">
-      <dgm:prSet presAssocID="{0ADE1E7F-E0E3-4117-9A0E-D6495645B195}" presName="ChildText" presStyleLbl="revTx" presStyleIdx="0" presStyleCnt="3">
-        <dgm:presLayoutVars>
-          <dgm:chMax val="0"/>
-          <dgm:chPref val="0"/>
-          <dgm:bulletEnabled val="1"/>
-        </dgm:presLayoutVars>
-      </dgm:prSet>
-      <dgm:spPr>
-        <a:effectLst/>
-      </dgm:spPr>
-    </dgm:pt>
-    <dgm:pt modelId="{AAB0F03F-C7D9-4E0E-9A93-DB57F7B1B3C4}" type="pres">
-      <dgm:prSet presAssocID="{795F4EA0-6D30-4372-A204-43D801644070}" presName="sibTrans" presStyleCnt="0"/>
-      <dgm:spPr/>
-    </dgm:pt>
-    <dgm:pt modelId="{C4710116-C176-408B-BDAE-C92C2CFCD0BA}" type="pres">
-      <dgm:prSet presAssocID="{DEE6308E-2CC3-4DD5-82BB-ACF6BA25E7CB}" presName="composite" presStyleCnt="0"/>
-      <dgm:spPr/>
-    </dgm:pt>
-    <dgm:pt modelId="{2B4626C4-DAA2-4FAB-85D7-689933498C75}" type="pres">
-      <dgm:prSet presAssocID="{DEE6308E-2CC3-4DD5-82BB-ACF6BA25E7CB}" presName="bentUpArrow1" presStyleLbl="alignImgPlace1" presStyleIdx="1" presStyleCnt="3" custFlipHor="0" custLinFactNeighborX="26522" custLinFactNeighborY="-8623"/>
-      <dgm:spPr>
-        <a:solidFill>
-          <a:srgbClr val="F5F7FB"/>
-        </a:solidFill>
-        <a:ln>
-          <a:noFill/>
-        </a:ln>
-        <a:effectLst/>
-      </dgm:spPr>
-      <dgm:t>
-        <a:bodyPr/>
-        <a:lstStyle/>
-        <a:p>
-          <a:endParaRPr lang="en-US"/>
-        </a:p>
-      </dgm:t>
-    </dgm:pt>
-    <dgm:pt modelId="{9F5485D4-547F-41E5-ADB6-613C50F9757C}" type="pres">
-      <dgm:prSet presAssocID="{DEE6308E-2CC3-4DD5-82BB-ACF6BA25E7CB}" presName="ParentText" presStyleLbl="node1" presStyleIdx="1" presStyleCnt="4" custScaleX="151576" custLinFactNeighborX="-28143" custLinFactNeighborY="-2481">
-        <dgm:presLayoutVars>
-          <dgm:chMax val="1"/>
-          <dgm:chPref val="1"/>
-          <dgm:bulletEnabled val="1"/>
-        </dgm:presLayoutVars>
-      </dgm:prSet>
-      <dgm:spPr>
-        <a:prstGeom prst="rect">
-          <a:avLst/>
-        </a:prstGeom>
-      </dgm:spPr>
-      <dgm:t>
-        <a:bodyPr/>
-        <a:lstStyle/>
-        <a:p>
-          <a:endParaRPr lang="en-US"/>
-        </a:p>
-      </dgm:t>
-    </dgm:pt>
-    <dgm:pt modelId="{9AEE3080-9327-4501-8B01-1D3FE538B60D}" type="pres">
-      <dgm:prSet presAssocID="{DEE6308E-2CC3-4DD5-82BB-ACF6BA25E7CB}" presName="ChildText" presStyleLbl="revTx" presStyleIdx="1" presStyleCnt="3">
-        <dgm:presLayoutVars>
-          <dgm:chMax val="0"/>
-          <dgm:chPref val="0"/>
-          <dgm:bulletEnabled val="1"/>
-        </dgm:presLayoutVars>
-      </dgm:prSet>
-      <dgm:spPr>
-        <a:effectLst/>
-      </dgm:spPr>
-    </dgm:pt>
-    <dgm:pt modelId="{F7697CCA-D211-4A17-913F-2B8913FE7E1C}" type="pres">
-      <dgm:prSet presAssocID="{095B064C-DFAF-49CA-AE14-B7D82F7A7C59}" presName="sibTrans" presStyleCnt="0"/>
-      <dgm:spPr/>
-    </dgm:pt>
-    <dgm:pt modelId="{531C2B59-3E40-483B-A734-26ED3EC0955B}" type="pres">
-      <dgm:prSet presAssocID="{8C99CE93-77C5-4F51-A813-377C215386A8}" presName="composite" presStyleCnt="0"/>
-      <dgm:spPr/>
-    </dgm:pt>
-    <dgm:pt modelId="{60C68AA5-D321-488D-A248-48C693AF6325}" type="pres">
-      <dgm:prSet presAssocID="{8C99CE93-77C5-4F51-A813-377C215386A8}" presName="bentUpArrow1" presStyleLbl="alignImgPlace1" presStyleIdx="2" presStyleCnt="3" custLinFactX="7697" custLinFactNeighborX="100000" custLinFactNeighborY="-2775"/>
-      <dgm:spPr>
-        <a:solidFill>
-          <a:srgbClr val="F5F7FB"/>
-        </a:solidFill>
-        <a:ln>
-          <a:noFill/>
-        </a:ln>
-        <a:effectLst/>
-      </dgm:spPr>
-      <dgm:t>
-        <a:bodyPr/>
-        <a:lstStyle/>
-        <a:p>
-          <a:endParaRPr lang="en-US"/>
-        </a:p>
-      </dgm:t>
-    </dgm:pt>
-    <dgm:pt modelId="{65DF2ACD-5D86-4E5A-A2EC-E395EB3B3791}" type="pres">
-      <dgm:prSet presAssocID="{8C99CE93-77C5-4F51-A813-377C215386A8}" presName="ParentText" presStyleLbl="node1" presStyleIdx="2" presStyleCnt="4" custScaleX="151576" custLinFactNeighborX="28144" custLinFactNeighborY="-1655">
-        <dgm:presLayoutVars>
-          <dgm:chMax val="1"/>
-          <dgm:chPref val="1"/>
-          <dgm:bulletEnabled val="1"/>
-        </dgm:presLayoutVars>
-      </dgm:prSet>
-      <dgm:spPr>
-        <a:prstGeom prst="rect">
-          <a:avLst/>
-        </a:prstGeom>
-      </dgm:spPr>
-      <dgm:t>
-        <a:bodyPr/>
-        <a:lstStyle/>
-        <a:p>
-          <a:endParaRPr lang="en-US"/>
-        </a:p>
-      </dgm:t>
-    </dgm:pt>
-    <dgm:pt modelId="{B913C82B-C905-4DD2-97E7-1EF63752D8BF}" type="pres">
-      <dgm:prSet presAssocID="{8C99CE93-77C5-4F51-A813-377C215386A8}" presName="ChildText" presStyleLbl="revTx" presStyleIdx="2" presStyleCnt="3">
-        <dgm:presLayoutVars>
-          <dgm:chMax val="0"/>
-          <dgm:chPref val="0"/>
-          <dgm:bulletEnabled val="1"/>
-        </dgm:presLayoutVars>
-      </dgm:prSet>
-      <dgm:spPr>
-        <a:effectLst/>
-      </dgm:spPr>
-    </dgm:pt>
-    <dgm:pt modelId="{5CA09F07-075E-4AF2-8936-ED86F042E09C}" type="pres">
-      <dgm:prSet presAssocID="{C5C1B05A-51AB-481C-BAC3-FEAD93D04AA3}" presName="sibTrans" presStyleCnt="0"/>
-      <dgm:spPr/>
-    </dgm:pt>
-    <dgm:pt modelId="{0B522609-7538-4B3D-AFB5-04D1180FBE9D}" type="pres">
-      <dgm:prSet presAssocID="{F96E1D7C-69B9-407C-B20D-8ED47D4B109A}" presName="composite" presStyleCnt="0"/>
-      <dgm:spPr/>
-    </dgm:pt>
-    <dgm:pt modelId="{C1543203-4BBE-4495-B5DC-2B1FE1AA41F3}" type="pres">
-      <dgm:prSet presAssocID="{F96E1D7C-69B9-407C-B20D-8ED47D4B109A}" presName="ParentText" presStyleLbl="node1" presStyleIdx="3" presStyleCnt="4" custScaleX="151576" custLinFactNeighborX="84430" custLinFactNeighborY="-5715">
-        <dgm:presLayoutVars>
-          <dgm:chMax val="1"/>
-          <dgm:chPref val="1"/>
-          <dgm:bulletEnabled val="1"/>
-        </dgm:presLayoutVars>
-      </dgm:prSet>
-      <dgm:spPr>
-        <a:prstGeom prst="rect">
-          <a:avLst/>
-        </a:prstGeom>
-      </dgm:spPr>
-      <dgm:t>
-        <a:bodyPr/>
-        <a:lstStyle/>
-        <a:p>
-          <a:endParaRPr lang="en-US"/>
-        </a:p>
-      </dgm:t>
-    </dgm:pt>
-  </dgm:ptLst>
-  <dgm:cxnLst>
-    <dgm:cxn modelId="{78F7FAD6-0C96-431E-A7D7-89249E51FD37}" srcId="{0B9D9993-1901-48E1-BC0D-2597F9A0AD04}" destId="{8C99CE93-77C5-4F51-A813-377C215386A8}" srcOrd="2" destOrd="0" parTransId="{2F2C0FB5-7004-4E32-8632-1A3DD4746EE4}" sibTransId="{C5C1B05A-51AB-481C-BAC3-FEAD93D04AA3}"/>
-    <dgm:cxn modelId="{3ADF4840-53DD-4A1E-A2D3-4DF9F9470094}" srcId="{0B9D9993-1901-48E1-BC0D-2597F9A0AD04}" destId="{DEE6308E-2CC3-4DD5-82BB-ACF6BA25E7CB}" srcOrd="1" destOrd="0" parTransId="{59164DCA-B123-4A68-805A-F3414D68900E}" sibTransId="{095B064C-DFAF-49CA-AE14-B7D82F7A7C59}"/>
-    <dgm:cxn modelId="{2D619668-D7D7-477E-9A4A-A308F614E9D1}" type="presOf" srcId="{DEE6308E-2CC3-4DD5-82BB-ACF6BA25E7CB}" destId="{9F5485D4-547F-41E5-ADB6-613C50F9757C}" srcOrd="0" destOrd="0" presId="urn:microsoft.com/office/officeart/2005/8/layout/StepDownProcess"/>
-    <dgm:cxn modelId="{F78C883F-7D59-4C57-8DEC-DF6CCA4B112B}" type="presOf" srcId="{0ADE1E7F-E0E3-4117-9A0E-D6495645B195}" destId="{33A2A690-4B31-40EB-8213-23CED0EC6EC3}" srcOrd="0" destOrd="0" presId="urn:microsoft.com/office/officeart/2005/8/layout/StepDownProcess"/>
-    <dgm:cxn modelId="{FF732044-21EF-4BC4-894A-54F1D00CE0F3}" srcId="{0B9D9993-1901-48E1-BC0D-2597F9A0AD04}" destId="{0ADE1E7F-E0E3-4117-9A0E-D6495645B195}" srcOrd="0" destOrd="0" parTransId="{084BD965-8B31-4599-97B4-060062089E4F}" sibTransId="{795F4EA0-6D30-4372-A204-43D801644070}"/>
-    <dgm:cxn modelId="{EC513871-9E36-40D4-AFB5-1F5D9837724A}" type="presOf" srcId="{0B9D9993-1901-48E1-BC0D-2597F9A0AD04}" destId="{B6CC0D9D-9818-4821-A721-4E83DC4FAC2D}" srcOrd="0" destOrd="0" presId="urn:microsoft.com/office/officeart/2005/8/layout/StepDownProcess"/>
-    <dgm:cxn modelId="{370C9F34-15D1-4B75-9467-ABAC37B7B2D8}" type="presOf" srcId="{8C99CE93-77C5-4F51-A813-377C215386A8}" destId="{65DF2ACD-5D86-4E5A-A2EC-E395EB3B3791}" srcOrd="0" destOrd="0" presId="urn:microsoft.com/office/officeart/2005/8/layout/StepDownProcess"/>
-    <dgm:cxn modelId="{EF44FC76-B67B-4A52-AB56-99DF6B80DE2A}" type="presOf" srcId="{F96E1D7C-69B9-407C-B20D-8ED47D4B109A}" destId="{C1543203-4BBE-4495-B5DC-2B1FE1AA41F3}" srcOrd="0" destOrd="0" presId="urn:microsoft.com/office/officeart/2005/8/layout/StepDownProcess"/>
-    <dgm:cxn modelId="{36B9DE03-2318-447E-A6AD-5FB12576B9A3}" srcId="{0B9D9993-1901-48E1-BC0D-2597F9A0AD04}" destId="{F96E1D7C-69B9-407C-B20D-8ED47D4B109A}" srcOrd="3" destOrd="0" parTransId="{E6B19C6D-63EC-4957-B08A-78DC4EC2421A}" sibTransId="{32DB74E2-FAB4-4D8D-B80E-2002E31C720B}"/>
-    <dgm:cxn modelId="{A5EBA4AE-6BFA-4132-BBE8-FE4684F2F13F}" type="presParOf" srcId="{B6CC0D9D-9818-4821-A721-4E83DC4FAC2D}" destId="{A4111E6E-F60D-47C8-9834-0E0C4E5D5FBB}" srcOrd="0" destOrd="0" presId="urn:microsoft.com/office/officeart/2005/8/layout/StepDownProcess"/>
-    <dgm:cxn modelId="{DC985661-02FA-4C53-A579-164B3BC14124}" type="presParOf" srcId="{A4111E6E-F60D-47C8-9834-0E0C4E5D5FBB}" destId="{2562A0CA-1779-4384-8E10-F91338194BA4}" srcOrd="0" destOrd="0" presId="urn:microsoft.com/office/officeart/2005/8/layout/StepDownProcess"/>
-    <dgm:cxn modelId="{A488F040-0E72-42BF-9933-D260C9A1EA7E}" type="presParOf" srcId="{A4111E6E-F60D-47C8-9834-0E0C4E5D5FBB}" destId="{33A2A690-4B31-40EB-8213-23CED0EC6EC3}" srcOrd="1" destOrd="0" presId="urn:microsoft.com/office/officeart/2005/8/layout/StepDownProcess"/>
-    <dgm:cxn modelId="{5B944631-E2BF-4F14-A229-BAF9963FE13B}" type="presParOf" srcId="{A4111E6E-F60D-47C8-9834-0E0C4E5D5FBB}" destId="{E901FB96-61BB-47B9-8BCD-3549CD602C9D}" srcOrd="2" destOrd="0" presId="urn:microsoft.com/office/officeart/2005/8/layout/StepDownProcess"/>
-    <dgm:cxn modelId="{1433866D-1F1F-4061-AD45-408EC31ED3B2}" type="presParOf" srcId="{B6CC0D9D-9818-4821-A721-4E83DC4FAC2D}" destId="{AAB0F03F-C7D9-4E0E-9A93-DB57F7B1B3C4}" srcOrd="1" destOrd="0" presId="urn:microsoft.com/office/officeart/2005/8/layout/StepDownProcess"/>
-    <dgm:cxn modelId="{2FE40B4C-9E26-4301-9068-7CCDEA084A6B}" type="presParOf" srcId="{B6CC0D9D-9818-4821-A721-4E83DC4FAC2D}" destId="{C4710116-C176-408B-BDAE-C92C2CFCD0BA}" srcOrd="2" destOrd="0" presId="urn:microsoft.com/office/officeart/2005/8/layout/StepDownProcess"/>
-    <dgm:cxn modelId="{4228A697-4EE4-480D-BB28-FCBD14F9C165}" type="presParOf" srcId="{C4710116-C176-408B-BDAE-C92C2CFCD0BA}" destId="{2B4626C4-DAA2-4FAB-85D7-689933498C75}" srcOrd="0" destOrd="0" presId="urn:microsoft.com/office/officeart/2005/8/layout/StepDownProcess"/>
-    <dgm:cxn modelId="{BBB6AF05-6C68-4CA4-A7BD-19E8086E2442}" type="presParOf" srcId="{C4710116-C176-408B-BDAE-C92C2CFCD0BA}" destId="{9F5485D4-547F-41E5-ADB6-613C50F9757C}" srcOrd="1" destOrd="0" presId="urn:microsoft.com/office/officeart/2005/8/layout/StepDownProcess"/>
-    <dgm:cxn modelId="{AB93B3DC-AAF2-432B-9867-8761EF00CB1E}" type="presParOf" srcId="{C4710116-C176-408B-BDAE-C92C2CFCD0BA}" destId="{9AEE3080-9327-4501-8B01-1D3FE538B60D}" srcOrd="2" destOrd="0" presId="urn:microsoft.com/office/officeart/2005/8/layout/StepDownProcess"/>
-    <dgm:cxn modelId="{152A6F94-310D-4103-B818-1C164174E169}" type="presParOf" srcId="{B6CC0D9D-9818-4821-A721-4E83DC4FAC2D}" destId="{F7697CCA-D211-4A17-913F-2B8913FE7E1C}" srcOrd="3" destOrd="0" presId="urn:microsoft.com/office/officeart/2005/8/layout/StepDownProcess"/>
-    <dgm:cxn modelId="{02730511-799B-4D8C-B39D-30FD04AE3616}" type="presParOf" srcId="{B6CC0D9D-9818-4821-A721-4E83DC4FAC2D}" destId="{531C2B59-3E40-483B-A734-26ED3EC0955B}" srcOrd="4" destOrd="0" presId="urn:microsoft.com/office/officeart/2005/8/layout/StepDownProcess"/>
-    <dgm:cxn modelId="{3F6C44C2-93B4-434D-A90E-6CA08DF14D9C}" type="presParOf" srcId="{531C2B59-3E40-483B-A734-26ED3EC0955B}" destId="{60C68AA5-D321-488D-A248-48C693AF6325}" srcOrd="0" destOrd="0" presId="urn:microsoft.com/office/officeart/2005/8/layout/StepDownProcess"/>
-    <dgm:cxn modelId="{F1FF666C-D8E6-489B-A8DE-3CFB4CD7BD82}" type="presParOf" srcId="{531C2B59-3E40-483B-A734-26ED3EC0955B}" destId="{65DF2ACD-5D86-4E5A-A2EC-E395EB3B3791}" srcOrd="1" destOrd="0" presId="urn:microsoft.com/office/officeart/2005/8/layout/StepDownProcess"/>
-    <dgm:cxn modelId="{4C868A73-5AB7-41C6-934F-E03FB13C6491}" type="presParOf" srcId="{531C2B59-3E40-483B-A734-26ED3EC0955B}" destId="{B913C82B-C905-4DD2-97E7-1EF63752D8BF}" srcOrd="2" destOrd="0" presId="urn:microsoft.com/office/officeart/2005/8/layout/StepDownProcess"/>
-    <dgm:cxn modelId="{F106F05E-D3E8-4147-818A-CD7711C30919}" type="presParOf" srcId="{B6CC0D9D-9818-4821-A721-4E83DC4FAC2D}" destId="{5CA09F07-075E-4AF2-8936-ED86F042E09C}" srcOrd="5" destOrd="0" presId="urn:microsoft.com/office/officeart/2005/8/layout/StepDownProcess"/>
-    <dgm:cxn modelId="{E7B37CB7-BA97-432C-A67E-51CA6957BDBC}" type="presParOf" srcId="{B6CC0D9D-9818-4821-A721-4E83DC4FAC2D}" destId="{0B522609-7538-4B3D-AFB5-04D1180FBE9D}" srcOrd="6" destOrd="0" presId="urn:microsoft.com/office/officeart/2005/8/layout/StepDownProcess"/>
-    <dgm:cxn modelId="{1AC01782-87B0-47DE-BB8A-88BC4FDD6750}" type="presParOf" srcId="{0B522609-7538-4B3D-AFB5-04D1180FBE9D}" destId="{C1543203-4BBE-4495-B5DC-2B1FE1AA41F3}" srcOrd="0" destOrd="0" presId="urn:microsoft.com/office/officeart/2005/8/layout/StepDownProcess"/>
-  </dgm:cxnLst>
-  <dgm:bg/>
-  <dgm:whole/>
-  <dgm:extLst>
-    <a:ext uri="http://schemas.microsoft.com/office/drawing/2008/diagram">
-      <dsp:dataModelExt xmlns:dsp="http://schemas.microsoft.com/office/drawing/2008/diagram" relId="rId6" minVer="http://schemas.openxmlformats.org/drawingml/2006/diagram"/>
-    </a:ext>
-  </dgm:extLst>
-</dgm:dataModel>
-</file>
-
-<file path=ppt/diagrams/drawing1.xml><?xml version="1.0" encoding="utf-8"?>
-<dsp:drawing xmlns:dgm="http://schemas.openxmlformats.org/drawingml/2006/diagram" xmlns:dsp="http://schemas.microsoft.com/office/drawing/2008/diagram" xmlns:a="http://schemas.openxmlformats.org/drawingml/2006/main">
-  <dsp:spTree>
-    <dsp:nvGrpSpPr>
-      <dsp:cNvPr id="0" name=""/>
-      <dsp:cNvGrpSpPr/>
-    </dsp:nvGrpSpPr>
-    <dsp:grpSpPr/>
-    <dsp:sp modelId="{2562A0CA-1779-4384-8E10-F91338194BA4}">
-      <dsp:nvSpPr>
-        <dsp:cNvPr id="0" name=""/>
-        <dsp:cNvSpPr/>
-      </dsp:nvSpPr>
-      <dsp:spPr>
-        <a:xfrm rot="5400000">
-          <a:off x="798206" y="592440"/>
-          <a:ext cx="538450" cy="613006"/>
-        </a:xfrm>
-        <a:prstGeom prst="bentUpArrow">
-          <a:avLst>
-            <a:gd name="adj1" fmla="val 32840"/>
-            <a:gd name="adj2" fmla="val 25000"/>
-            <a:gd name="adj3" fmla="val 35780"/>
-          </a:avLst>
-        </a:prstGeom>
-        <a:solidFill>
-          <a:srgbClr val="F5F7FB"/>
-        </a:solidFill>
-        <a:ln w="25400" cap="flat" cmpd="sng" algn="ctr">
-          <a:noFill/>
-          <a:prstDash val="solid"/>
-        </a:ln>
-        <a:effectLst/>
-      </dsp:spPr>
-      <dsp:style>
-        <a:lnRef idx="2">
-          <a:scrgbClr r="0" g="0" b="0"/>
-        </a:lnRef>
-        <a:fillRef idx="1">
-          <a:scrgbClr r="0" g="0" b="0"/>
-        </a:fillRef>
-        <a:effectRef idx="0">
-          <a:scrgbClr r="0" g="0" b="0"/>
-        </a:effectRef>
-        <a:fontRef idx="minor"/>
-      </dsp:style>
-    </dsp:sp>
-    <dsp:sp modelId="{33A2A690-4B31-40EB-8213-23CED0EC6EC3}">
-      <dsp:nvSpPr>
-        <dsp:cNvPr id="0" name=""/>
-        <dsp:cNvSpPr/>
-      </dsp:nvSpPr>
-      <dsp:spPr>
-        <a:xfrm>
-          <a:off x="1" y="0"/>
-          <a:ext cx="1373935" cy="634473"/>
-        </a:xfrm>
-        <a:prstGeom prst="rect">
-          <a:avLst/>
-        </a:prstGeom>
-        <a:solidFill>
-          <a:srgbClr val="F5F7FB"/>
-        </a:solidFill>
-        <a:ln w="25400" cap="flat" cmpd="sng" algn="ctr">
-          <a:noFill/>
-          <a:prstDash val="solid"/>
-        </a:ln>
-        <a:effectLst/>
-      </dsp:spPr>
-      <dsp:style>
-        <a:lnRef idx="2">
-          <a:scrgbClr r="0" g="0" b="0"/>
-        </a:lnRef>
-        <a:fillRef idx="1">
-          <a:scrgbClr r="0" g="0" b="0"/>
-        </a:fillRef>
-        <a:effectRef idx="0">
-          <a:scrgbClr r="0" g="0" b="0"/>
-        </a:effectRef>
-        <a:fontRef idx="minor">
-          <a:schemeClr val="lt1"/>
-        </a:fontRef>
-      </dsp:style>
-      <dsp:txBody>
-        <a:bodyPr spcFirstLastPara="0" vert="horz" wrap="square" lIns="53340" tIns="53340" rIns="53340" bIns="53340" numCol="1" spcCol="1270" anchor="ctr" anchorCtr="0">
-          <a:noAutofit/>
-        </a:bodyPr>
-        <a:lstStyle/>
-        <a:p>
-          <a:pPr lvl="0" algn="ctr" defTabSz="622300">
-            <a:lnSpc>
-              <a:spcPct val="90000"/>
-            </a:lnSpc>
-            <a:spcBef>
-              <a:spcPct val="0"/>
-            </a:spcBef>
-            <a:spcAft>
-              <a:spcPct val="35000"/>
-            </a:spcAft>
-          </a:pPr>
-          <a:r>
-            <a:rPr lang="en-US" sz="1400" b="1" kern="1200" dirty="0" smtClean="0">
-              <a:solidFill>
-                <a:schemeClr val="tx1">
-                  <a:lumMod val="75000"/>
-                  <a:lumOff val="25000"/>
-                </a:schemeClr>
-              </a:solidFill>
-            </a:rPr>
-            <a:t>Analisis kebutuhan</a:t>
-          </a:r>
-          <a:endParaRPr lang="en-US" sz="1400" b="1" kern="1200" dirty="0">
-            <a:solidFill>
-              <a:schemeClr val="tx1">
-                <a:lumMod val="75000"/>
-                <a:lumOff val="25000"/>
-              </a:schemeClr>
-            </a:solidFill>
-          </a:endParaRPr>
-        </a:p>
-      </dsp:txBody>
-      <dsp:txXfrm>
-        <a:off x="1" y="0"/>
-        <a:ext cx="1373935" cy="634473"/>
-      </dsp:txXfrm>
-    </dsp:sp>
-    <dsp:sp modelId="{E901FB96-61BB-47B9-8BCD-3549CD602C9D}">
-      <dsp:nvSpPr>
-        <dsp:cNvPr id="0" name=""/>
-        <dsp:cNvSpPr/>
-      </dsp:nvSpPr>
-      <dsp:spPr>
-        <a:xfrm>
-          <a:off x="1905487" y="76745"/>
-          <a:ext cx="659253" cy="512809"/>
-        </a:xfrm>
-        <a:prstGeom prst="rect">
-          <a:avLst/>
-        </a:prstGeom>
-        <a:noFill/>
-        <a:ln>
-          <a:noFill/>
-        </a:ln>
-        <a:effectLst/>
-      </dsp:spPr>
-      <dsp:style>
-        <a:lnRef idx="0">
-          <a:scrgbClr r="0" g="0" b="0"/>
-        </a:lnRef>
-        <a:fillRef idx="0">
-          <a:scrgbClr r="0" g="0" b="0"/>
-        </a:fillRef>
-        <a:effectRef idx="0">
-          <a:scrgbClr r="0" g="0" b="0"/>
-        </a:effectRef>
-        <a:fontRef idx="minor"/>
-      </dsp:style>
-    </dsp:sp>
-    <dsp:sp modelId="{2B4626C4-DAA2-4FAB-85D7-689933498C75}">
-      <dsp:nvSpPr>
-        <dsp:cNvPr id="0" name=""/>
-        <dsp:cNvSpPr/>
-      </dsp:nvSpPr>
-      <dsp:spPr>
-        <a:xfrm rot="5400000">
-          <a:off x="2168022" y="1279410"/>
-          <a:ext cx="538450" cy="613006"/>
-        </a:xfrm>
-        <a:prstGeom prst="bentUpArrow">
-          <a:avLst>
-            <a:gd name="adj1" fmla="val 32840"/>
-            <a:gd name="adj2" fmla="val 25000"/>
-            <a:gd name="adj3" fmla="val 35780"/>
-          </a:avLst>
-        </a:prstGeom>
-        <a:solidFill>
-          <a:srgbClr val="F5F7FB"/>
-        </a:solidFill>
-        <a:ln w="25400" cap="flat" cmpd="sng" algn="ctr">
-          <a:noFill/>
-          <a:prstDash val="solid"/>
-        </a:ln>
-        <a:effectLst/>
-      </dsp:spPr>
-      <dsp:style>
-        <a:lnRef idx="2">
-          <a:scrgbClr r="0" g="0" b="0"/>
-        </a:lnRef>
-        <a:fillRef idx="1">
-          <a:scrgbClr r="0" g="0" b="0"/>
-        </a:fillRef>
-        <a:effectRef idx="0">
-          <a:scrgbClr r="0" g="0" b="0"/>
-        </a:effectRef>
-        <a:fontRef idx="minor"/>
-      </dsp:style>
-    </dsp:sp>
-    <dsp:sp modelId="{9F5485D4-547F-41E5-ADB6-613C50F9757C}">
-      <dsp:nvSpPr>
-        <dsp:cNvPr id="0" name=""/>
-        <dsp:cNvSpPr/>
-      </dsp:nvSpPr>
-      <dsp:spPr>
-        <a:xfrm>
-          <a:off x="1373935" y="713216"/>
-          <a:ext cx="1373935" cy="634473"/>
-        </a:xfrm>
-        <a:prstGeom prst="rect">
-          <a:avLst/>
-        </a:prstGeom>
-        <a:solidFill>
-          <a:srgbClr val="F5F7FB"/>
-        </a:solidFill>
-        <a:ln w="25400" cap="flat" cmpd="sng" algn="ctr">
-          <a:noFill/>
-          <a:prstDash val="solid"/>
-        </a:ln>
-        <a:effectLst/>
-      </dsp:spPr>
-      <dsp:style>
-        <a:lnRef idx="2">
-          <a:scrgbClr r="0" g="0" b="0"/>
-        </a:lnRef>
-        <a:fillRef idx="1">
-          <a:scrgbClr r="0" g="0" b="0"/>
-        </a:fillRef>
-        <a:effectRef idx="0">
-          <a:scrgbClr r="0" g="0" b="0"/>
-        </a:effectRef>
-        <a:fontRef idx="minor">
-          <a:schemeClr val="lt1"/>
-        </a:fontRef>
-      </dsp:style>
-      <dsp:txBody>
-        <a:bodyPr spcFirstLastPara="0" vert="horz" wrap="square" lIns="53340" tIns="53340" rIns="53340" bIns="53340" numCol="1" spcCol="1270" anchor="ctr" anchorCtr="0">
-          <a:noAutofit/>
-        </a:bodyPr>
-        <a:lstStyle/>
-        <a:p>
-          <a:pPr lvl="0" algn="ctr" defTabSz="622300">
-            <a:lnSpc>
-              <a:spcPct val="90000"/>
-            </a:lnSpc>
-            <a:spcBef>
-              <a:spcPct val="0"/>
-            </a:spcBef>
-            <a:spcAft>
-              <a:spcPct val="35000"/>
-            </a:spcAft>
-          </a:pPr>
-          <a:r>
-            <a:rPr lang="en-US" sz="1400" b="1" kern="1200" dirty="0" smtClean="0">
-              <a:solidFill>
-                <a:schemeClr val="tx1">
-                  <a:lumMod val="75000"/>
-                  <a:lumOff val="25000"/>
-                </a:schemeClr>
-              </a:solidFill>
-            </a:rPr>
-            <a:t>Desain sistem</a:t>
-          </a:r>
-          <a:endParaRPr lang="en-US" sz="1400" b="1" kern="1200" dirty="0">
-            <a:solidFill>
-              <a:schemeClr val="tx1">
-                <a:lumMod val="75000"/>
-                <a:lumOff val="25000"/>
-              </a:schemeClr>
-            </a:solidFill>
-          </a:endParaRPr>
-        </a:p>
-      </dsp:txBody>
-      <dsp:txXfrm>
-        <a:off x="1373935" y="713216"/>
-        <a:ext cx="1373935" cy="634473"/>
-      </dsp:txXfrm>
-    </dsp:sp>
-    <dsp:sp modelId="{9AEE3080-9327-4501-8B01-1D3FE538B60D}">
-      <dsp:nvSpPr>
-        <dsp:cNvPr id="0" name=""/>
-        <dsp:cNvSpPr/>
-      </dsp:nvSpPr>
-      <dsp:spPr>
-        <a:xfrm>
-          <a:off x="2769217" y="789469"/>
-          <a:ext cx="659253" cy="512809"/>
-        </a:xfrm>
-        <a:prstGeom prst="rect">
-          <a:avLst/>
-        </a:prstGeom>
-        <a:noFill/>
-        <a:ln>
-          <a:noFill/>
-        </a:ln>
-        <a:effectLst/>
-      </dsp:spPr>
-      <dsp:style>
-        <a:lnRef idx="0">
-          <a:scrgbClr r="0" g="0" b="0"/>
-        </a:lnRef>
-        <a:fillRef idx="0">
-          <a:scrgbClr r="0" g="0" b="0"/>
-        </a:fillRef>
-        <a:effectRef idx="0">
-          <a:scrgbClr r="0" g="0" b="0"/>
-        </a:effectRef>
-        <a:fontRef idx="minor"/>
-      </dsp:style>
-    </dsp:sp>
-    <dsp:sp modelId="{60C68AA5-D321-488D-A248-48C693AF6325}">
-      <dsp:nvSpPr>
-        <dsp:cNvPr id="0" name=""/>
-        <dsp:cNvSpPr/>
-      </dsp:nvSpPr>
-      <dsp:spPr>
-        <a:xfrm rot="5400000">
-          <a:off x="3529360" y="2023622"/>
-          <a:ext cx="538450" cy="613006"/>
-        </a:xfrm>
-        <a:prstGeom prst="bentUpArrow">
-          <a:avLst>
-            <a:gd name="adj1" fmla="val 32840"/>
-            <a:gd name="adj2" fmla="val 25000"/>
-            <a:gd name="adj3" fmla="val 35780"/>
-          </a:avLst>
-        </a:prstGeom>
-        <a:solidFill>
-          <a:srgbClr val="F5F7FB"/>
-        </a:solidFill>
-        <a:ln w="25400" cap="flat" cmpd="sng" algn="ctr">
-          <a:noFill/>
-          <a:prstDash val="solid"/>
-        </a:ln>
-        <a:effectLst/>
-      </dsp:spPr>
-      <dsp:style>
-        <a:lnRef idx="2">
-          <a:scrgbClr r="0" g="0" b="0"/>
-        </a:lnRef>
-        <a:fillRef idx="1">
-          <a:scrgbClr r="0" g="0" b="0"/>
-        </a:fillRef>
-        <a:effectRef idx="0">
-          <a:scrgbClr r="0" g="0" b="0"/>
-        </a:effectRef>
-        <a:fontRef idx="minor"/>
-      </dsp:style>
-    </dsp:sp>
-    <dsp:sp modelId="{65DF2ACD-5D86-4E5A-A2EC-E395EB3B3791}">
-      <dsp:nvSpPr>
-        <dsp:cNvPr id="0" name=""/>
-        <dsp:cNvSpPr/>
-      </dsp:nvSpPr>
-      <dsp:spPr>
-        <a:xfrm>
-          <a:off x="2747869" y="1431180"/>
-          <a:ext cx="1373935" cy="634473"/>
-        </a:xfrm>
-        <a:prstGeom prst="rect">
-          <a:avLst/>
-        </a:prstGeom>
-        <a:solidFill>
-          <a:srgbClr val="F5F7FB"/>
-        </a:solidFill>
-        <a:ln w="25400" cap="flat" cmpd="sng" algn="ctr">
-          <a:noFill/>
-          <a:prstDash val="solid"/>
-        </a:ln>
-        <a:effectLst/>
-      </dsp:spPr>
-      <dsp:style>
-        <a:lnRef idx="2">
-          <a:scrgbClr r="0" g="0" b="0"/>
-        </a:lnRef>
-        <a:fillRef idx="1">
-          <a:scrgbClr r="0" g="0" b="0"/>
-        </a:fillRef>
-        <a:effectRef idx="0">
-          <a:scrgbClr r="0" g="0" b="0"/>
-        </a:effectRef>
-        <a:fontRef idx="minor">
-          <a:schemeClr val="lt1"/>
-        </a:fontRef>
-      </dsp:style>
-      <dsp:txBody>
-        <a:bodyPr spcFirstLastPara="0" vert="horz" wrap="square" lIns="53340" tIns="53340" rIns="53340" bIns="53340" numCol="1" spcCol="1270" anchor="ctr" anchorCtr="0">
-          <a:noAutofit/>
-        </a:bodyPr>
-        <a:lstStyle/>
-        <a:p>
-          <a:pPr lvl="0" algn="ctr" defTabSz="622300">
-            <a:lnSpc>
-              <a:spcPct val="90000"/>
-            </a:lnSpc>
-            <a:spcBef>
-              <a:spcPct val="0"/>
-            </a:spcBef>
-            <a:spcAft>
-              <a:spcPct val="35000"/>
-            </a:spcAft>
-          </a:pPr>
-          <a:r>
-            <a:rPr lang="en-US" sz="1400" b="1" kern="1200" dirty="0" smtClean="0">
-              <a:solidFill>
-                <a:schemeClr val="tx1">
-                  <a:lumMod val="75000"/>
-                  <a:lumOff val="25000"/>
-                </a:schemeClr>
-              </a:solidFill>
-            </a:rPr>
-            <a:t>Implementasi</a:t>
-          </a:r>
-          <a:endParaRPr lang="en-US" sz="1400" b="1" kern="1200" dirty="0">
-            <a:solidFill>
-              <a:schemeClr val="tx1">
-                <a:lumMod val="75000"/>
-                <a:lumOff val="25000"/>
-              </a:schemeClr>
-            </a:solidFill>
-          </a:endParaRPr>
-        </a:p>
-      </dsp:txBody>
-      <dsp:txXfrm>
-        <a:off x="2747869" y="1431180"/>
-        <a:ext cx="1373935" cy="634473"/>
-      </dsp:txXfrm>
-    </dsp:sp>
-    <dsp:sp modelId="{B913C82B-C905-4DD2-97E7-1EF63752D8BF}">
-      <dsp:nvSpPr>
-        <dsp:cNvPr id="0" name=""/>
-        <dsp:cNvSpPr/>
-      </dsp:nvSpPr>
-      <dsp:spPr>
-        <a:xfrm>
-          <a:off x="3632947" y="1502192"/>
-          <a:ext cx="659253" cy="512809"/>
-        </a:xfrm>
-        <a:prstGeom prst="rect">
-          <a:avLst/>
-        </a:prstGeom>
-        <a:noFill/>
-        <a:ln>
-          <a:noFill/>
-        </a:ln>
-        <a:effectLst/>
-      </dsp:spPr>
-      <dsp:style>
-        <a:lnRef idx="0">
-          <a:scrgbClr r="0" g="0" b="0"/>
-        </a:lnRef>
-        <a:fillRef idx="0">
-          <a:scrgbClr r="0" g="0" b="0"/>
-        </a:fillRef>
-        <a:effectRef idx="0">
-          <a:scrgbClr r="0" g="0" b="0"/>
-        </a:effectRef>
-        <a:fontRef idx="minor"/>
-      </dsp:style>
-    </dsp:sp>
-    <dsp:sp modelId="{C1543203-4BBE-4495-B5DC-2B1FE1AA41F3}">
-      <dsp:nvSpPr>
-        <dsp:cNvPr id="0" name=""/>
-        <dsp:cNvSpPr/>
-      </dsp:nvSpPr>
-      <dsp:spPr>
-        <a:xfrm>
-          <a:off x="4121794" y="2118144"/>
-          <a:ext cx="1373935" cy="634473"/>
-        </a:xfrm>
-        <a:prstGeom prst="rect">
-          <a:avLst/>
-        </a:prstGeom>
-        <a:solidFill>
-          <a:srgbClr val="F5F7FB"/>
-        </a:solidFill>
-        <a:ln w="25400" cap="flat" cmpd="sng" algn="ctr">
-          <a:noFill/>
-          <a:prstDash val="solid"/>
-        </a:ln>
-        <a:effectLst/>
-      </dsp:spPr>
-      <dsp:style>
-        <a:lnRef idx="2">
-          <a:scrgbClr r="0" g="0" b="0"/>
-        </a:lnRef>
-        <a:fillRef idx="1">
-          <a:scrgbClr r="0" g="0" b="0"/>
-        </a:fillRef>
-        <a:effectRef idx="0">
-          <a:scrgbClr r="0" g="0" b="0"/>
-        </a:effectRef>
-        <a:fontRef idx="minor">
-          <a:schemeClr val="lt1"/>
-        </a:fontRef>
-      </dsp:style>
-      <dsp:txBody>
-        <a:bodyPr spcFirstLastPara="0" vert="horz" wrap="square" lIns="53340" tIns="53340" rIns="53340" bIns="53340" numCol="1" spcCol="1270" anchor="ctr" anchorCtr="0">
-          <a:noAutofit/>
-        </a:bodyPr>
-        <a:lstStyle/>
-        <a:p>
-          <a:pPr lvl="0" algn="ctr" defTabSz="622300">
-            <a:lnSpc>
-              <a:spcPct val="90000"/>
-            </a:lnSpc>
-            <a:spcBef>
-              <a:spcPct val="0"/>
-            </a:spcBef>
-            <a:spcAft>
-              <a:spcPct val="35000"/>
-            </a:spcAft>
-          </a:pPr>
-          <a:r>
-            <a:rPr lang="en-US" sz="1400" b="1" kern="1200" smtClean="0">
-              <a:solidFill>
-                <a:schemeClr val="tx1">
-                  <a:lumMod val="75000"/>
-                  <a:lumOff val="25000"/>
-                </a:schemeClr>
-              </a:solidFill>
-            </a:rPr>
-            <a:t>Pengujian</a:t>
-          </a:r>
-          <a:endParaRPr lang="en-US" sz="1400" b="1" kern="1200" dirty="0">
-            <a:solidFill>
-              <a:schemeClr val="tx1">
-                <a:lumMod val="75000"/>
-                <a:lumOff val="25000"/>
-              </a:schemeClr>
-            </a:solidFill>
-          </a:endParaRPr>
-        </a:p>
-      </dsp:txBody>
-      <dsp:txXfrm>
-        <a:off x="4121794" y="2118144"/>
-        <a:ext cx="1373935" cy="634473"/>
-      </dsp:txXfrm>
-    </dsp:sp>
-  </dsp:spTree>
-</dsp:drawing>
-</file>
-
-<file path=ppt/diagrams/layout1.xml><?xml version="1.0" encoding="utf-8"?>
-<dgm:layoutDef xmlns:dgm="http://schemas.openxmlformats.org/drawingml/2006/diagram" xmlns:a="http://schemas.openxmlformats.org/drawingml/2006/main" uniqueId="urn:microsoft.com/office/officeart/2005/8/layout/StepDownProcess">
-  <dgm:title val=""/>
-  <dgm:desc val=""/>
-  <dgm:catLst>
-    <dgm:cat type="process" pri="1600"/>
-  </dgm:catLst>
-  <dgm:sampData>
-    <dgm:dataModel>
-      <dgm:ptLst>
-        <dgm:pt modelId="0" type="doc"/>
-        <dgm:pt modelId="10">
-          <dgm:prSet phldr="1"/>
-        </dgm:pt>
-        <dgm:pt modelId="11">
-          <dgm:prSet phldr="1"/>
-        </dgm:pt>
-        <dgm:pt modelId="20">
-          <dgm:prSet phldr="1"/>
-        </dgm:pt>
-        <dgm:pt modelId="21">
-          <dgm:prSet phldr="1"/>
-        </dgm:pt>
-        <dgm:pt modelId="30">
-          <dgm:prSet phldr="1"/>
-        </dgm:pt>
-        <dgm:pt modelId="31">
-          <dgm:prSet phldr="1"/>
-        </dgm:pt>
-      </dgm:ptLst>
-      <dgm:cxnLst>
-        <dgm:cxn modelId="60" srcId="0" destId="10" srcOrd="0" destOrd="0"/>
-        <dgm:cxn modelId="12" srcId="10" destId="11" srcOrd="0" destOrd="0"/>
-        <dgm:cxn modelId="70" srcId="0" destId="20" srcOrd="1" destOrd="0"/>
-        <dgm:cxn modelId="22" srcId="20" destId="21" srcOrd="0" destOrd="0"/>
-        <dgm:cxn modelId="80" srcId="0" destId="30" srcOrd="2" destOrd="0"/>
-        <dgm:cxn modelId="32" srcId="30" destId="31" srcOrd="0" destOrd="0"/>
-      </dgm:cxnLst>
-      <dgm:bg/>
-      <dgm:whole/>
-    </dgm:dataModel>
-  </dgm:sampData>
-  <dgm:styleData>
-    <dgm:dataModel>
-      <dgm:ptLst>
-        <dgm:pt modelId="0" type="doc"/>
-        <dgm:pt modelId="10">
-          <dgm:prSet phldr="1"/>
-        </dgm:pt>
-        <dgm:pt modelId="20">
-          <dgm:prSet phldr="1"/>
-        </dgm:pt>
-      </dgm:ptLst>
-      <dgm:cxnLst>
-        <dgm:cxn modelId="60" srcId="0" destId="10" srcOrd="0" destOrd="0"/>
-        <dgm:cxn modelId="70" srcId="0" destId="20" srcOrd="1" destOrd="0"/>
-      </dgm:cxnLst>
-      <dgm:bg/>
-      <dgm:whole/>
-    </dgm:dataModel>
-  </dgm:styleData>
-  <dgm:clrData>
-    <dgm:dataModel>
-      <dgm:ptLst>
-        <dgm:pt modelId="0" type="doc"/>
-        <dgm:pt modelId="10">
-          <dgm:prSet phldr="1"/>
-        </dgm:pt>
-        <dgm:pt modelId="20">
-          <dgm:prSet phldr="1"/>
-        </dgm:pt>
-        <dgm:pt modelId="30">
-          <dgm:prSet phldr="1"/>
-        </dgm:pt>
-        <dgm:pt modelId="40">
-          <dgm:prSet phldr="1"/>
-        </dgm:pt>
-      </dgm:ptLst>
-      <dgm:cxnLst>
-        <dgm:cxn modelId="60" srcId="0" destId="10" srcOrd="0" destOrd="0"/>
-        <dgm:cxn modelId="70" srcId="0" destId="20" srcOrd="1" destOrd="0"/>
-        <dgm:cxn modelId="80" srcId="0" destId="30" srcOrd="2" destOrd="0"/>
-        <dgm:cxn modelId="90" srcId="0" destId="40" srcOrd="3" destOrd="0"/>
-      </dgm:cxnLst>
-      <dgm:bg/>
-      <dgm:whole/>
-    </dgm:dataModel>
-  </dgm:clrData>
-  <dgm:layoutNode name="rootnode">
-    <dgm:varLst>
-      <dgm:chMax/>
-      <dgm:chPref/>
-      <dgm:dir/>
-      <dgm:animLvl val="lvl"/>
-    </dgm:varLst>
-    <dgm:choose name="Name0">
-      <dgm:if name="Name1" func="var" arg="dir" op="equ" val="norm">
-        <dgm:alg type="snake">
-          <dgm:param type="grDir" val="tL"/>
-          <dgm:param type="flowDir" val="row"/>
-          <dgm:param type="off" val="off"/>
-          <dgm:param type="bkpt" val="fixed"/>
-          <dgm:param type="bkPtFixedVal" val="1"/>
-        </dgm:alg>
-      </dgm:if>
-      <dgm:else name="Name2">
-        <dgm:alg type="snake">
-          <dgm:param type="grDir" val="tR"/>
-          <dgm:param type="flowDir" val="row"/>
-          <dgm:param type="off" val="off"/>
-          <dgm:param type="bkpt" val="fixed"/>
-          <dgm:param type="bkPtFixedVal" val="1"/>
-        </dgm:alg>
-      </dgm:else>
-    </dgm:choose>
-    <dgm:shape xmlns:r="http://schemas.openxmlformats.org/officeDocument/2006/relationships" r:blip="">
-      <dgm:adjLst/>
-    </dgm:shape>
-    <dgm:choose name="Name3">
-      <dgm:if name="Name4" func="var" arg="dir" op="equ" val="norm">
-        <dgm:constrLst>
-          <dgm:constr type="alignOff" forName="rootnode" val="0.48"/>
-          <dgm:constr type="primFontSz" for="des" forName="ParentText" val="65"/>
-          <dgm:constr type="primFontSz" for="des" forName="ChildText" refType="primFontSz" refFor="des" refForName="ParentText" op="lte"/>
-          <dgm:constr type="w" for="ch" forName="composite" refType="w"/>
-          <dgm:constr type="h" for="ch" forName="composite" refType="h"/>
-          <dgm:constr type="sp" refType="h" refFor="ch" refForName="composite" op="equ" fact="-0.38"/>
-        </dgm:constrLst>
-      </dgm:if>
-      <dgm:else name="Name5">
-        <dgm:constrLst>
-          <dgm:constr type="alignOff" forName="rootnode" val="0.48"/>
-          <dgm:constr type="primFontSz" for="des" forName="ParentText" val="65"/>
-          <dgm:constr type="primFontSz" for="des" forName="ChildText" refType="primFontSz" refFor="des" refForName="ParentText" op="lte"/>
-          <dgm:constr type="w" for="ch" forName="composite" refType="w"/>
-          <dgm:constr type="h" for="ch" forName="composite" refType="h"/>
-          <dgm:constr type="sp" refType="h" refFor="ch" refForName="composite" op="equ" fact="-0.38"/>
-        </dgm:constrLst>
-      </dgm:else>
-    </dgm:choose>
-    <dgm:forEach name="nodesForEach" axis="ch" ptType="node">
-      <dgm:layoutNode name="composite">
-        <dgm:alg type="composite">
-          <dgm:param type="ar" val="1.2439"/>
-        </dgm:alg>
-        <dgm:shape xmlns:r="http://schemas.openxmlformats.org/officeDocument/2006/relationships" r:blip="">
-          <dgm:adjLst/>
-        </dgm:shape>
-        <dgm:choose name="Name6">
-          <dgm:if name="Name7" func="var" arg="dir" op="equ" val="norm">
-            <dgm:constrLst>
-              <dgm:constr type="l" for="ch" forName="bentUpArrow1" refType="w" fact="0.07"/>
-              <dgm:constr type="t" for="ch" forName="bentUpArrow1" refType="h" fact="0.524"/>
-              <dgm:constr type="w" for="ch" forName="bentUpArrow1" refType="w" fact="0.3844"/>
-              <dgm:constr type="h" for="ch" forName="bentUpArrow1" refType="h" fact="0.42"/>
-              <dgm:constr type="l" for="ch" forName="ParentText" refType="w" fact="0"/>
-              <dgm:constr type="t" for="ch" forName="ParentText" refType="h" fact="0"/>
-              <dgm:constr type="w" for="ch" forName="ParentText" refType="w" fact="0.5684"/>
-              <dgm:constr type="h" for="ch" forName="ParentText" refType="h" fact="0.4949"/>
-              <dgm:constr type="l" for="ch" forName="ChildText" refType="w" refFor="ch" refForName="ParentText"/>
-              <dgm:constr type="t" for="ch" forName="ChildText" refType="h" fact="0.05"/>
-              <dgm:constr type="w" for="ch" forName="ChildText" refType="w" fact="0.4134"/>
-              <dgm:constr type="h" for="ch" forName="ChildText" refType="h" fact="0.4"/>
-              <dgm:constr type="l" for="ch" forName="FinalChildText" refType="w" refFor="ch" refForName="ParentText"/>
-              <dgm:constr type="t" for="ch" forName="FinalChildText" refType="h" fact="0.05"/>
-              <dgm:constr type="w" for="ch" forName="FinalChildText" refType="w" fact="0.4134"/>
-              <dgm:constr type="h" for="ch" forName="FinalChildText" refType="h" fact="0.4"/>
-            </dgm:constrLst>
-          </dgm:if>
-          <dgm:else name="Name8">
-            <dgm:constrLst>
-              <dgm:constr type="r" for="ch" forName="bentUpArrow1" refType="w" fact="0.97"/>
-              <dgm:constr type="t" for="ch" forName="bentUpArrow1" refType="h" fact="0.524"/>
-              <dgm:constr type="w" for="ch" forName="bentUpArrow1" refType="w" fact="0.3844"/>
-              <dgm:constr type="h" for="ch" forName="bentUpArrow1" refType="h" fact="0.42"/>
-              <dgm:constr type="l" for="ch" forName="ParentText" refType="w" fact="0.4316"/>
-              <dgm:constr type="t" for="ch" forName="ParentText" refType="h" fact="0"/>
-              <dgm:constr type="w" for="ch" forName="ParentText" refType="w" fact="0.5684"/>
-              <dgm:constr type="h" for="ch" forName="ParentText" refType="h" fact="0.4949"/>
-              <dgm:constr type="l" for="ch" forName="ChildText" refType="w" fact="0"/>
-              <dgm:constr type="t" for="ch" forName="ChildText" refType="h" fact="0.05"/>
-              <dgm:constr type="w" for="ch" forName="ChildText" refType="w" fact="0.4134"/>
-              <dgm:constr type="h" for="ch" forName="ChildText" refType="h" fact="0.4"/>
-              <dgm:constr type="l" for="ch" forName="FinalChildText" refType="w" fact="0"/>
-              <dgm:constr type="t" for="ch" forName="FinalChildText" refType="h" fact="0.05"/>
-              <dgm:constr type="w" for="ch" forName="FinalChildText" refType="w" fact="0.4134"/>
-              <dgm:constr type="h" for="ch" forName="FinalChildText" refType="h" fact="0.4"/>
-            </dgm:constrLst>
-          </dgm:else>
-        </dgm:choose>
-        <dgm:choose name="Name9">
-          <dgm:if name="Name10" axis="followSib" ptType="node" func="cnt" op="gte" val="1">
-            <dgm:layoutNode name="bentUpArrow1" styleLbl="alignImgPlace1">
-              <dgm:alg type="sp"/>
-              <dgm:choose name="Name11">
-                <dgm:if name="Name12" func="var" arg="dir" op="equ" val="norm">
-                  <dgm:shape xmlns:r="http://schemas.openxmlformats.org/officeDocument/2006/relationships" rot="90" type="bentUpArrow" r:blip="">
-                    <dgm:adjLst>
-                      <dgm:adj idx="1" val="0.3284"/>
-                      <dgm:adj idx="2" val="0.25"/>
-                      <dgm:adj idx="3" val="0.3578"/>
-                    </dgm:adjLst>
-                  </dgm:shape>
-                </dgm:if>
-                <dgm:else name="Name13">
-                  <dgm:shape xmlns:r="http://schemas.openxmlformats.org/officeDocument/2006/relationships" rot="180" type="bentArrow" r:blip="">
-                    <dgm:adjLst>
-                      <dgm:adj idx="1" val="0.3284"/>
-                      <dgm:adj idx="2" val="0.25"/>
-                      <dgm:adj idx="3" val="0.3578"/>
-                      <dgm:adj idx="4" val="0"/>
-                    </dgm:adjLst>
-                  </dgm:shape>
-                </dgm:else>
-              </dgm:choose>
-              <dgm:presOf/>
-            </dgm:layoutNode>
-          </dgm:if>
-          <dgm:else name="Name14"/>
-        </dgm:choose>
-        <dgm:layoutNode name="ParentText" styleLbl="node1">
-          <dgm:varLst>
-            <dgm:chMax val="1"/>
-            <dgm:chPref val="1"/>
-            <dgm:bulletEnabled val="1"/>
-          </dgm:varLst>
-          <dgm:alg type="tx"/>
-          <dgm:shape xmlns:r="http://schemas.openxmlformats.org/officeDocument/2006/relationships" type="roundRect" r:blip="">
-            <dgm:adjLst>
-              <dgm:adj idx="1" val="0.1667"/>
-            </dgm:adjLst>
-          </dgm:shape>
-          <dgm:presOf axis="self" ptType="node"/>
-          <dgm:constrLst>
-            <dgm:constr type="lMarg" refType="primFontSz" fact="0.3"/>
-            <dgm:constr type="rMarg" refType="primFontSz" fact="0.3"/>
-            <dgm:constr type="tMarg" refType="primFontSz" fact="0.3"/>
-            <dgm:constr type="bMarg" refType="primFontSz" fact="0.3"/>
-          </dgm:constrLst>
-          <dgm:ruleLst>
-            <dgm:rule type="primFontSz" val="5" fact="NaN" max="NaN"/>
-          </dgm:ruleLst>
-        </dgm:layoutNode>
-        <dgm:choose name="Name15">
-          <dgm:if name="Name16" axis="followSib" ptType="node" func="cnt" op="equ" val="0">
-            <dgm:choose name="Name17">
-              <dgm:if name="Name18" axis="ch" ptType="node" func="cnt" op="gte" val="1">
-                <dgm:layoutNode name="FinalChildText" styleLbl="revTx">
-                  <dgm:varLst>
-                    <dgm:chMax val="0"/>
-                    <dgm:chPref val="0"/>
-                    <dgm:bulletEnabled val="1"/>
-                  </dgm:varLst>
-                  <dgm:alg type="tx">
-                    <dgm:param type="stBulletLvl" val="1"/>
-                    <dgm:param type="txAnchorVertCh" val="mid"/>
-                    <dgm:param type="parTxLTRAlign" val="l"/>
-                  </dgm:alg>
-                  <dgm:shape xmlns:r="http://schemas.openxmlformats.org/officeDocument/2006/relationships" type="rect" r:blip="">
-                    <dgm:adjLst/>
-                  </dgm:shape>
-                  <dgm:presOf axis="des" ptType="node"/>
-                  <dgm:constrLst>
-                    <dgm:constr type="lMarg" refType="primFontSz" fact="0.3"/>
-                    <dgm:constr type="rMarg" refType="primFontSz" fact="0.3"/>
-                    <dgm:constr type="tMarg" refType="primFontSz" fact="0.3"/>
-                    <dgm:constr type="bMarg" refType="primFontSz" fact="0.3"/>
-                  </dgm:constrLst>
-                  <dgm:ruleLst>
-                    <dgm:rule type="primFontSz" val="5" fact="NaN" max="NaN"/>
-                  </dgm:ruleLst>
-                </dgm:layoutNode>
-              </dgm:if>
-              <dgm:else name="Name19"/>
-            </dgm:choose>
-          </dgm:if>
-          <dgm:else name="Name20">
-            <dgm:layoutNode name="ChildText" styleLbl="revTx">
-              <dgm:varLst>
-                <dgm:chMax val="0"/>
-                <dgm:chPref val="0"/>
-                <dgm:bulletEnabled val="1"/>
-              </dgm:varLst>
-              <dgm:alg type="tx">
-                <dgm:param type="stBulletLvl" val="1"/>
-                <dgm:param type="txAnchorVertCh" val="mid"/>
-                <dgm:param type="parTxLTRAlign" val="l"/>
-              </dgm:alg>
-              <dgm:shape xmlns:r="http://schemas.openxmlformats.org/officeDocument/2006/relationships" type="rect" r:blip="">
-                <dgm:adjLst/>
-              </dgm:shape>
-              <dgm:presOf axis="des" ptType="node"/>
-              <dgm:constrLst>
-                <dgm:constr type="lMarg" refType="primFontSz" fact="0.3"/>
-                <dgm:constr type="rMarg" refType="primFontSz" fact="0.3"/>
-                <dgm:constr type="tMarg" refType="primFontSz" fact="0.3"/>
-                <dgm:constr type="bMarg" refType="primFontSz" fact="0.3"/>
-              </dgm:constrLst>
-              <dgm:ruleLst>
-                <dgm:rule type="primFontSz" val="5" fact="NaN" max="NaN"/>
-              </dgm:ruleLst>
-            </dgm:layoutNode>
-          </dgm:else>
-        </dgm:choose>
-      </dgm:layoutNode>
-      <dgm:forEach name="sibTransForEach" axis="followSib" ptType="sibTrans" cnt="1">
-        <dgm:layoutNode name="sibTrans">
-          <dgm:alg type="sp"/>
-          <dgm:shape xmlns:r="http://schemas.openxmlformats.org/officeDocument/2006/relationships" r:blip="">
-            <dgm:adjLst/>
-          </dgm:shape>
-        </dgm:layoutNode>
-      </dgm:forEach>
-    </dgm:forEach>
-  </dgm:layoutNode>
-</dgm:layoutDef>
-</file>
-
-<file path=ppt/diagrams/quickStyle1.xml><?xml version="1.0" encoding="utf-8"?>
-<dgm:styleDef xmlns:dgm="http://schemas.openxmlformats.org/drawingml/2006/diagram" xmlns:a="http://schemas.openxmlformats.org/drawingml/2006/main" uniqueId="urn:microsoft.com/office/officeart/2005/8/quickstyle/simple1">
-  <dgm:title val=""/>
-  <dgm:desc val=""/>
-  <dgm:catLst>
-    <dgm:cat type="simple" pri="10100"/>
-  </dgm:catLst>
-  <dgm:scene3d>
-    <a:camera prst="orthographicFront"/>
-    <a:lightRig rig="threePt" dir="t"/>
-  </dgm:scene3d>
-  <dgm:styleLbl name="node0">
-    <dgm:scene3d>
-      <a:camera prst="orthographicFront"/>
-      <a:lightRig rig="threePt" dir="t"/>
-    </dgm:scene3d>
-    <dgm:sp3d/>
-    <dgm:txPr/>
-    <dgm:style>
-      <a:lnRef idx="2">
-        <a:scrgbClr r="0" g="0" b="0"/>
-      </a:lnRef>
-      <a:fillRef idx="1">
-        <a:scrgbClr r="0" g="0" b="0"/>
-      </a:fillRef>
-      <a:effectRef idx="0">
-        <a:scrgbClr r="0" g="0" b="0"/>
-      </a:effectRef>
-      <a:fontRef idx="minor">
-        <a:schemeClr val="lt1"/>
-      </a:fontRef>
-    </dgm:style>
-  </dgm:styleLbl>
-  <dgm:styleLbl name="lnNode1">
-    <dgm:scene3d>
-      <a:camera prst="orthographicFront"/>
-      <a:lightRig rig="threePt" dir="t"/>
-    </dgm:scene3d>
-    <dgm:sp3d/>
-    <dgm:txPr/>
-    <dgm:style>
-      <a:lnRef idx="2">
-        <a:scrgbClr r="0" g="0" b="0"/>
-      </a:lnRef>
-      <a:fillRef idx="1">
-        <a:scrgbClr r="0" g="0" b="0"/>
-      </a:fillRef>
-      <a:effectRef idx="0">
-        <a:scrgbClr r="0" g="0" b="0"/>
-      </a:effectRef>
-      <a:fontRef idx="minor">
-        <a:schemeClr val="lt1"/>
-      </a:fontRef>
-    </dgm:style>
-  </dgm:styleLbl>
-  <dgm:styleLbl name="vennNode1">
-    <dgm:scene3d>
-      <a:camera prst="orthographicFront"/>
-      <a:lightRig rig="threePt" dir="t"/>
-    </dgm:scene3d>
-    <dgm:sp3d/>
-    <dgm:txPr/>
-    <dgm:style>
-      <a:lnRef idx="2">
-        <a:scrgbClr r="0" g="0" b="0"/>
-      </a:lnRef>
-      <a:fillRef idx="1">
-        <a:scrgbClr r="0" g="0" b="0"/>
-      </a:fillRef>
-      <a:effectRef idx="0">
-        <a:scrgbClr r="0" g="0" b="0"/>
-      </a:effectRef>
-      <a:fontRef idx="minor">
-        <a:schemeClr val="tx1"/>
-      </a:fontRef>
-    </dgm:style>
-  </dgm:styleLbl>
-  <dgm:styleLbl name="alignNode1">
-    <dgm:scene3d>
-      <a:camera prst="orthographicFront"/>
-      <a:lightRig rig="threePt" dir="t"/>
-    </dgm:scene3d>
-    <dgm:sp3d/>
-    <dgm:txPr/>
-    <dgm:style>
-      <a:lnRef idx="2">
-        <a:scrgbClr r="0" g="0" b="0"/>
-      </a:lnRef>
-      <a:fillRef idx="1">
-        <a:scrgbClr r="0" g="0" b="0"/>
-      </a:fillRef>
-      <a:effectRef idx="0">
-        <a:scrgbClr r="0" g="0" b="0"/>
-      </a:effectRef>
-      <a:fontRef idx="minor">
-        <a:schemeClr val="lt1"/>
-      </a:fontRef>
-    </dgm:style>
-  </dgm:styleLbl>
-  <dgm:styleLbl name="node1">
-    <dgm:scene3d>
-      <a:camera prst="orthographicFront"/>
-      <a:lightRig rig="threePt" dir="t"/>
-    </dgm:scene3d>
-    <dgm:sp3d/>
-    <dgm:txPr/>
-    <dgm:style>
-      <a:lnRef idx="2">
-        <a:scrgbClr r="0" g="0" b="0"/>
-      </a:lnRef>
-      <a:fillRef idx="1">
-        <a:scrgbClr r="0" g="0" b="0"/>
-      </a:fillRef>
-      <a:effectRef idx="0">
-        <a:scrgbClr r="0" g="0" b="0"/>
-      </a:effectRef>
-      <a:fontRef idx="minor">
-        <a:schemeClr val="lt1"/>
-      </a:fontRef>
-    </dgm:style>
-  </dgm:styleLbl>
-  <dgm:styleLbl name="node2">
-    <dgm:scene3d>
-      <a:camera prst="orthographicFront"/>
-      <a:lightRig rig="threePt" dir="t"/>
-    </dgm:scene3d>
-    <dgm:sp3d/>
-    <dgm:txPr/>
-    <dgm:style>
-      <a:lnRef idx="2">
-        <a:scrgbClr r="0" g="0" b="0"/>
-      </a:lnRef>
-      <a:fillRef idx="1">
-        <a:scrgbClr r="0" g="0" b="0"/>
-      </a:fillRef>
-      <a:effectRef idx="0">
-        <a:scrgbClr r="0" g="0" b="0"/>
-      </a:effectRef>
-      <a:fontRef idx="minor">
-        <a:schemeClr val="lt1"/>
-      </a:fontRef>
-    </dgm:style>
-  </dgm:styleLbl>
-  <dgm:styleLbl name="node3">
-    <dgm:scene3d>
-      <a:camera prst="orthographicFront"/>
-      <a:lightRig rig="threePt" dir="t"/>
-    </dgm:scene3d>
-    <dgm:sp3d/>
-    <dgm:txPr/>
-    <dgm:style>
-      <a:lnRef idx="2">
-        <a:scrgbClr r="0" g="0" b="0"/>
-      </a:lnRef>
-      <a:fillRef idx="1">
-        <a:scrgbClr r="0" g="0" b="0"/>
-      </a:fillRef>
-      <a:effectRef idx="0">
-        <a:scrgbClr r="0" g="0" b="0"/>
-      </a:effectRef>
-      <a:fontRef idx="minor">
-        <a:schemeClr val="lt1"/>
-      </a:fontRef>
-    </dgm:style>
-  </dgm:styleLbl>
-  <dgm:styleLbl name="node4">
-    <dgm:scene3d>
-      <a:camera prst="orthographicFront"/>
-      <a:lightRig rig="threePt" dir="t"/>
-    </dgm:scene3d>
-    <dgm:sp3d/>
-    <dgm:txPr/>
-    <dgm:style>
-      <a:lnRef idx="2">
-        <a:scrgbClr r="0" g="0" b="0"/>
-      </a:lnRef>
-      <a:fillRef idx="1">
-        <a:scrgbClr r="0" g="0" b="0"/>
-      </a:fillRef>
-      <a:effectRef idx="0">
-        <a:scrgbClr r="0" g="0" b="0"/>
-      </a:effectRef>
-      <a:fontRef idx="minor">
-        <a:schemeClr val="lt1"/>
-      </a:fontRef>
-    </dgm:style>
-  </dgm:styleLbl>
-  <dgm:styleLbl name="fgImgPlace1">
-    <dgm:scene3d>
-      <a:camera prst="orthographicFront"/>
-      <a:lightRig rig="threePt" dir="t"/>
-    </dgm:scene3d>
-    <dgm:sp3d/>
-    <dgm:txPr/>
-    <dgm:style>
-      <a:lnRef idx="2">
-        <a:scrgbClr r="0" g="0" b="0"/>
-      </a:lnRef>
-      <a:fillRef idx="1">
-        <a:scrgbClr r="0" g="0" b="0"/>
-      </a:fillRef>
-      <a:effectRef idx="0">
-        <a:scrgbClr r="0" g="0" b="0"/>
-      </a:effectRef>
-      <a:fontRef idx="minor"/>
-    </dgm:style>
-  </dgm:styleLbl>
-  <dgm:styleLbl name="alignImgPlace1">
-    <dgm:scene3d>
-      <a:camera prst="orthographicFront"/>
-      <a:lightRig rig="threePt" dir="t"/>
-    </dgm:scene3d>
-    <dgm:sp3d/>
-    <dgm:txPr/>
-    <dgm:style>
-      <a:lnRef idx="2">
-        <a:scrgbClr r="0" g="0" b="0"/>
-      </a:lnRef>
-      <a:fillRef idx="1">
-        <a:scrgbClr r="0" g="0" b="0"/>
-      </a:fillRef>
-      <a:effectRef idx="0">
-        <a:scrgbClr r="0" g="0" b="0"/>
-      </a:effectRef>
-      <a:fontRef idx="minor"/>
-    </dgm:style>
-  </dgm:styleLbl>
-  <dgm:styleLbl name="bgImgPlace1">
-    <dgm:scene3d>
-      <a:camera prst="orthographicFront"/>
-      <a:lightRig rig="threePt" dir="t"/>
-    </dgm:scene3d>
-    <dgm:sp3d/>
-    <dgm:txPr/>
-    <dgm:style>
-      <a:lnRef idx="2">
-        <a:scrgbClr r="0" g="0" b="0"/>
-      </a:lnRef>
-      <a:fillRef idx="1">
-        <a:scrgbClr r="0" g="0" b="0"/>
-      </a:fillRef>
-      <a:effectRef idx="0">
-        <a:scrgbClr r="0" g="0" b="0"/>
-      </a:effectRef>
-      <a:fontRef idx="minor"/>
-    </dgm:style>
-  </dgm:styleLbl>
-  <dgm:styleLbl name="sibTrans2D1">
-    <dgm:scene3d>
-      <a:camera prst="orthographicFront"/>
-      <a:lightRig rig="threePt" dir="t"/>
-    </dgm:scene3d>
-    <dgm:sp3d/>
-    <dgm:txPr/>
-    <dgm:style>
-      <a:lnRef idx="0">
-        <a:scrgbClr r="0" g="0" b="0"/>
-      </a:lnRef>
-      <a:fillRef idx="1">
-        <a:scrgbClr r="0" g="0" b="0"/>
-      </a:fillRef>
-      <a:effectRef idx="0">
-        <a:scrgbClr r="0" g="0" b="0"/>
-      </a:effectRef>
-      <a:fontRef idx="minor">
-        <a:schemeClr val="lt1"/>
-      </a:fontRef>
-    </dgm:style>
-  </dgm:styleLbl>
-  <dgm:styleLbl name="fgSibTrans2D1">
-    <dgm:scene3d>
-      <a:camera prst="orthographicFront"/>
-      <a:lightRig rig="threePt" dir="t"/>
-    </dgm:scene3d>
-    <dgm:sp3d/>
-    <dgm:txPr/>
-    <dgm:style>
-      <a:lnRef idx="0">
-        <a:scrgbClr r="0" g="0" b="0"/>
-      </a:lnRef>
-      <a:fillRef idx="1">
-        <a:scrgbClr r="0" g="0" b="0"/>
-      </a:fillRef>
-      <a:effectRef idx="0">
-        <a:scrgbClr r="0" g="0" b="0"/>
-      </a:effectRef>
-      <a:fontRef idx="minor">
-        <a:schemeClr val="lt1"/>
-      </a:fontRef>
-    </dgm:style>
-  </dgm:styleLbl>
-  <dgm:styleLbl name="bgSibTrans2D1">
-    <dgm:scene3d>
-      <a:camera prst="orthographicFront"/>
-      <a:lightRig rig="threePt" dir="t"/>
-    </dgm:scene3d>
-    <dgm:sp3d/>
-    <dgm:txPr/>
-    <dgm:style>
-      <a:lnRef idx="0">
-        <a:scrgbClr r="0" g="0" b="0"/>
-      </a:lnRef>
-      <a:fillRef idx="1">
-        <a:scrgbClr r="0" g="0" b="0"/>
-      </a:fillRef>
-      <a:effectRef idx="0">
-        <a:scrgbClr r="0" g="0" b="0"/>
-      </a:effectRef>
-      <a:fontRef idx="minor">
-        <a:schemeClr val="lt1"/>
-      </a:fontRef>
-    </dgm:style>
-  </dgm:styleLbl>
-  <dgm:styleLbl name="sibTrans1D1">
-    <dgm:scene3d>
-      <a:camera prst="orthographicFront"/>
-      <a:lightRig rig="threePt" dir="t"/>
-    </dgm:scene3d>
-    <dgm:sp3d/>
-    <dgm:txPr/>
-    <dgm:style>
-      <a:lnRef idx="1">
-        <a:scrgbClr r="0" g="0" b="0"/>
-      </a:lnRef>
-      <a:fillRef idx="0">
-        <a:scrgbClr r="0" g="0" b="0"/>
-      </a:fillRef>
-      <a:effectRef idx="0">
-        <a:scrgbClr r="0" g="0" b="0"/>
-      </a:effectRef>
-      <a:fontRef idx="minor"/>
-    </dgm:style>
-  </dgm:styleLbl>
-  <dgm:styleLbl name="callout">
-    <dgm:scene3d>
-      <a:camera prst="orthographicFront"/>
-      <a:lightRig rig="threePt" dir="t"/>
-    </dgm:scene3d>
-    <dgm:sp3d/>
-    <dgm:txPr/>
-    <dgm:style>
-      <a:lnRef idx="2">
-        <a:scrgbClr r="0" g="0" b="0"/>
-      </a:lnRef>
-      <a:fillRef idx="1">
-        <a:scrgbClr r="0" g="0" b="0"/>
-      </a:fillRef>
-      <a:effectRef idx="0">
-        <a:scrgbClr r="0" g="0" b="0"/>
-      </a:effectRef>
-      <a:fontRef idx="minor"/>
-    </dgm:style>
-  </dgm:styleLbl>
-  <dgm:styleLbl name="asst0">
-    <dgm:scene3d>
-      <a:camera prst="orthographicFront"/>
-      <a:lightRig rig="threePt" dir="t"/>
-    </dgm:scene3d>
-    <dgm:sp3d/>
-    <dgm:txPr/>
-    <dgm:style>
-      <a:lnRef idx="2">
-        <a:scrgbClr r="0" g="0" b="0"/>
-      </a:lnRef>
-      <a:fillRef idx="1">
-        <a:scrgbClr r="0" g="0" b="0"/>
-      </a:fillRef>
-      <a:effectRef idx="0">
-        <a:scrgbClr r="0" g="0" b="0"/>
-      </a:effectRef>
-      <a:fontRef idx="minor">
-        <a:schemeClr val="lt1"/>
-      </a:fontRef>
-    </dgm:style>
-  </dgm:styleLbl>
-  <dgm:styleLbl name="asst1">
-    <dgm:scene3d>
-      <a:camera prst="orthographicFront"/>
-      <a:lightRig rig="threePt" dir="t"/>
-    </dgm:scene3d>
-    <dgm:sp3d/>
-    <dgm:txPr/>
-    <dgm:style>
-      <a:lnRef idx="2">
-        <a:scrgbClr r="0" g="0" b="0"/>
-      </a:lnRef>
-      <a:fillRef idx="1">
-        <a:scrgbClr r="0" g="0" b="0"/>
-      </a:fillRef>
-      <a:effectRef idx="0">
-        <a:scrgbClr r="0" g="0" b="0"/>
-      </a:effectRef>
-      <a:fontRef idx="minor">
-        <a:schemeClr val="lt1"/>
-      </a:fontRef>
-    </dgm:style>
-  </dgm:styleLbl>
-  <dgm:styleLbl name="asst2">
-    <dgm:scene3d>
-      <a:camera prst="orthographicFront"/>
-      <a:lightRig rig="threePt" dir="t"/>
-    </dgm:scene3d>
-    <dgm:sp3d/>
-    <dgm:txPr/>
-    <dgm:style>
-      <a:lnRef idx="2">
-        <a:scrgbClr r="0" g="0" b="0"/>
-      </a:lnRef>
-      <a:fillRef idx="1">
-        <a:scrgbClr r="0" g="0" b="0"/>
-      </a:fillRef>
-      <a:effectRef idx="0">
-        <a:scrgbClr r="0" g="0" b="0"/>
-      </a:effectRef>
-      <a:fontRef idx="minor">
-        <a:schemeClr val="lt1"/>
-      </a:fontRef>
-    </dgm:style>
-  </dgm:styleLbl>
-  <dgm:styleLbl name="asst3">
-    <dgm:scene3d>
-      <a:camera prst="orthographicFront"/>
-      <a:lightRig rig="threePt" dir="t"/>
-    </dgm:scene3d>
-    <dgm:sp3d/>
-    <dgm:txPr/>
-    <dgm:style>
-      <a:lnRef idx="2">
-        <a:scrgbClr r="0" g="0" b="0"/>
-      </a:lnRef>
-      <a:fillRef idx="1">
-        <a:scrgbClr r="0" g="0" b="0"/>
-      </a:fillRef>
-      <a:effectRef idx="0">
-        <a:scrgbClr r="0" g="0" b="0"/>
-      </a:effectRef>
-      <a:fontRef idx="minor">
-        <a:schemeClr val="lt1"/>
-      </a:fontRef>
-    </dgm:style>
-  </dgm:styleLbl>
-  <dgm:styleLbl name="asst4">
-    <dgm:scene3d>
-      <a:camera prst="orthographicFront"/>
-      <a:lightRig rig="threePt" dir="t"/>
-    </dgm:scene3d>
-    <dgm:sp3d/>
-    <dgm:txPr/>
-    <dgm:style>
-      <a:lnRef idx="2">
-        <a:scrgbClr r="0" g="0" b="0"/>
-      </a:lnRef>
-      <a:fillRef idx="1">
-        <a:scrgbClr r="0" g="0" b="0"/>
-      </a:fillRef>
-      <a:effectRef idx="0">
-        <a:scrgbClr r="0" g="0" b="0"/>
-      </a:effectRef>
-      <a:fontRef idx="minor">
-        <a:schemeClr val="lt1"/>
-      </a:fontRef>
-    </dgm:style>
-  </dgm:styleLbl>
-  <dgm:styleLbl name="parChTrans2D1">
-    <dgm:scene3d>
-      <a:camera prst="orthographicFront"/>
-      <a:lightRig rig="threePt" dir="t"/>
-    </dgm:scene3d>
-    <dgm:sp3d/>
-    <dgm:txPr/>
-    <dgm:style>
-      <a:lnRef idx="2">
-        <a:scrgbClr r="0" g="0" b="0"/>
-      </a:lnRef>
-      <a:fillRef idx="1">
-        <a:scrgbClr r="0" g="0" b="0"/>
-      </a:fillRef>
-      <a:effectRef idx="0">
-        <a:scrgbClr r="0" g="0" b="0"/>
-      </a:effectRef>
-      <a:fontRef idx="minor">
-        <a:schemeClr val="lt1"/>
-      </a:fontRef>
-    </dgm:style>
-  </dgm:styleLbl>
-  <dgm:styleLbl name="parChTrans2D2">
-    <dgm:scene3d>
-      <a:camera prst="orthographicFront"/>
-      <a:lightRig rig="threePt" dir="t"/>
-    </dgm:scene3d>
-    <dgm:sp3d/>
-    <dgm:txPr/>
-    <dgm:style>
-      <a:lnRef idx="2">
-        <a:scrgbClr r="0" g="0" b="0"/>
-      </a:lnRef>
-      <a:fillRef idx="1">
-        <a:scrgbClr r="0" g="0" b="0"/>
-      </a:fillRef>
-      <a:effectRef idx="0">
-        <a:scrgbClr r="0" g="0" b="0"/>
-      </a:effectRef>
-      <a:fontRef idx="minor">
-        <a:schemeClr val="lt1"/>
-      </a:fontRef>
-    </dgm:style>
-  </dgm:styleLbl>
-  <dgm:styleLbl name="parChTrans2D3">
-    <dgm:scene3d>
-      <a:camera prst="orthographicFront"/>
-      <a:lightRig rig="threePt" dir="t"/>
-    </dgm:scene3d>
-    <dgm:sp3d/>
-    <dgm:txPr/>
-    <dgm:style>
-      <a:lnRef idx="2">
-        <a:scrgbClr r="0" g="0" b="0"/>
-      </a:lnRef>
-      <a:fillRef idx="1">
-        <a:scrgbClr r="0" g="0" b="0"/>
-      </a:fillRef>
-      <a:effectRef idx="0">
-        <a:scrgbClr r="0" g="0" b="0"/>
-      </a:effectRef>
-      <a:fontRef idx="minor">
-        <a:schemeClr val="lt1"/>
-      </a:fontRef>
-    </dgm:style>
-  </dgm:styleLbl>
-  <dgm:styleLbl name="parChTrans2D4">
-    <dgm:scene3d>
-      <a:camera prst="orthographicFront"/>
-      <a:lightRig rig="threePt" dir="t"/>
-    </dgm:scene3d>
-    <dgm:sp3d/>
-    <dgm:txPr/>
-    <dgm:style>
-      <a:lnRef idx="2">
-        <a:scrgbClr r="0" g="0" b="0"/>
-      </a:lnRef>
-      <a:fillRef idx="1">
-        <a:scrgbClr r="0" g="0" b="0"/>
-      </a:fillRef>
-      <a:effectRef idx="0">
-        <a:scrgbClr r="0" g="0" b="0"/>
-      </a:effectRef>
-      <a:fontRef idx="minor">
-        <a:schemeClr val="lt1"/>
-      </a:fontRef>
-    </dgm:style>
-  </dgm:styleLbl>
-  <dgm:styleLbl name="parChTrans1D1">
-    <dgm:scene3d>
-      <a:camera prst="orthographicFront"/>
-      <a:lightRig rig="threePt" dir="t"/>
-    </dgm:scene3d>
-    <dgm:sp3d/>
-    <dgm:txPr/>
-    <dgm:style>
-      <a:lnRef idx="2">
-        <a:scrgbClr r="0" g="0" b="0"/>
-      </a:lnRef>
-      <a:fillRef idx="0">
-        <a:scrgbClr r="0" g="0" b="0"/>
-      </a:fillRef>
-      <a:effectRef idx="0">
-        <a:scrgbClr r="0" g="0" b="0"/>
-      </a:effectRef>
-      <a:fontRef idx="minor"/>
-    </dgm:style>
-  </dgm:styleLbl>
-  <dgm:styleLbl name="parChTrans1D2">
-    <dgm:scene3d>
-      <a:camera prst="orthographicFront"/>
-      <a:lightRig rig="threePt" dir="t"/>
-    </dgm:scene3d>
-    <dgm:sp3d/>
-    <dgm:txPr/>
-    <dgm:style>
-      <a:lnRef idx="2">
-        <a:scrgbClr r="0" g="0" b="0"/>
-      </a:lnRef>
-      <a:fillRef idx="0">
-        <a:scrgbClr r="0" g="0" b="0"/>
-      </a:fillRef>
-      <a:effectRef idx="0">
-        <a:scrgbClr r="0" g="0" b="0"/>
-      </a:effectRef>
-      <a:fontRef idx="minor"/>
-    </dgm:style>
-  </dgm:styleLbl>
-  <dgm:styleLbl name="parChTrans1D3">
-    <dgm:scene3d>
-      <a:camera prst="orthographicFront"/>
-      <a:lightRig rig="threePt" dir="t"/>
-    </dgm:scene3d>
-    <dgm:sp3d/>
-    <dgm:txPr/>
-    <dgm:style>
-      <a:lnRef idx="2">
-        <a:scrgbClr r="0" g="0" b="0"/>
-      </a:lnRef>
-      <a:fillRef idx="0">
-        <a:scrgbClr r="0" g="0" b="0"/>
-      </a:fillRef>
-      <a:effectRef idx="0">
-        <a:scrgbClr r="0" g="0" b="0"/>
-      </a:effectRef>
-      <a:fontRef idx="minor"/>
-    </dgm:style>
-  </dgm:styleLbl>
-  <dgm:styleLbl name="parChTrans1D4">
-    <dgm:scene3d>
-      <a:camera prst="orthographicFront"/>
-      <a:lightRig rig="threePt" dir="t"/>
-    </dgm:scene3d>
-    <dgm:sp3d/>
-    <dgm:txPr/>
-    <dgm:style>
-      <a:lnRef idx="2">
-        <a:scrgbClr r="0" g="0" b="0"/>
-      </a:lnRef>
-      <a:fillRef idx="0">
-        <a:scrgbClr r="0" g="0" b="0"/>
-      </a:fillRef>
-      <a:effectRef idx="0">
-        <a:scrgbClr r="0" g="0" b="0"/>
-      </a:effectRef>
-      <a:fontRef idx="minor"/>
-    </dgm:style>
-  </dgm:styleLbl>
-  <dgm:styleLbl name="fgAcc1">
-    <dgm:scene3d>
-      <a:camera prst="orthographicFront"/>
-      <a:lightRig rig="threePt" dir="t"/>
-    </dgm:scene3d>
-    <dgm:sp3d/>
-    <dgm:txPr/>
-    <dgm:style>
-      <a:lnRef idx="2">
-        <a:scrgbClr r="0" g="0" b="0"/>
-      </a:lnRef>
-      <a:fillRef idx="1">
-        <a:scrgbClr r="0" g="0" b="0"/>
-      </a:fillRef>
-      <a:effectRef idx="0">
-        <a:scrgbClr r="0" g="0" b="0"/>
-      </a:effectRef>
-      <a:fontRef idx="minor"/>
-    </dgm:style>
-  </dgm:styleLbl>
-  <dgm:styleLbl name="conFgAcc1">
-    <dgm:scene3d>
-      <a:camera prst="orthographicFront"/>
-      <a:lightRig rig="threePt" dir="t"/>
-    </dgm:scene3d>
-    <dgm:sp3d/>
-    <dgm:txPr/>
-    <dgm:style>
-      <a:lnRef idx="2">
-        <a:scrgbClr r="0" g="0" b="0"/>
-      </a:lnRef>
-      <a:fillRef idx="1">
-        <a:scrgbClr r="0" g="0" b="0"/>
-      </a:fillRef>
-      <a:effectRef idx="0">
-        <a:scrgbClr r="0" g="0" b="0"/>
-      </a:effectRef>
-      <a:fontRef idx="minor"/>
-    </dgm:style>
-  </dgm:styleLbl>
-  <dgm:styleLbl name="alignAcc1">
-    <dgm:scene3d>
-      <a:camera prst="orthographicFront"/>
-      <a:lightRig rig="threePt" dir="t"/>
-    </dgm:scene3d>
-    <dgm:sp3d/>
-    <dgm:txPr/>
-    <dgm:style>
-      <a:lnRef idx="2">
-        <a:scrgbClr r="0" g="0" b="0"/>
-      </a:lnRef>
-      <a:fillRef idx="1">
-        <a:scrgbClr r="0" g="0" b="0"/>
-      </a:fillRef>
-      <a:effectRef idx="0">
-        <a:scrgbClr r="0" g="0" b="0"/>
-      </a:effectRef>
-      <a:fontRef idx="minor"/>
-    </dgm:style>
-  </dgm:styleLbl>
-  <dgm:styleLbl name="trAlignAcc1">
-    <dgm:scene3d>
-      <a:camera prst="orthographicFront"/>
-      <a:lightRig rig="threePt" dir="t"/>
-    </dgm:scene3d>
-    <dgm:sp3d/>
-    <dgm:txPr/>
-    <dgm:style>
-      <a:lnRef idx="1">
-        <a:scrgbClr r="0" g="0" b="0"/>
-      </a:lnRef>
-      <a:fillRef idx="1">
-        <a:scrgbClr r="0" g="0" b="0"/>
-      </a:fillRef>
-      <a:effectRef idx="0">
-        <a:scrgbClr r="0" g="0" b="0"/>
-      </a:effectRef>
-      <a:fontRef idx="minor"/>
-    </dgm:style>
-  </dgm:styleLbl>
-  <dgm:styleLbl name="bgAcc1">
-    <dgm:scene3d>
-      <a:camera prst="orthographicFront"/>
-      <a:lightRig rig="threePt" dir="t"/>
-    </dgm:scene3d>
-    <dgm:sp3d/>
-    <dgm:txPr/>
-    <dgm:style>
-      <a:lnRef idx="2">
-        <a:scrgbClr r="0" g="0" b="0"/>
-      </a:lnRef>
-      <a:fillRef idx="1">
-        <a:scrgbClr r="0" g="0" b="0"/>
-      </a:fillRef>
-      <a:effectRef idx="0">
-        <a:scrgbClr r="0" g="0" b="0"/>
-      </a:effectRef>
-      <a:fontRef idx="minor"/>
-    </dgm:style>
-  </dgm:styleLbl>
-  <dgm:styleLbl name="solidFgAcc1">
-    <dgm:scene3d>
-      <a:camera prst="orthographicFront"/>
-      <a:lightRig rig="threePt" dir="t"/>
-    </dgm:scene3d>
-    <dgm:sp3d/>
-    <dgm:txPr/>
-    <dgm:style>
-      <a:lnRef idx="2">
-        <a:scrgbClr r="0" g="0" b="0"/>
-      </a:lnRef>
-      <a:fillRef idx="1">
-        <a:scrgbClr r="0" g="0" b="0"/>
-      </a:fillRef>
-      <a:effectRef idx="0">
-        <a:scrgbClr r="0" g="0" b="0"/>
-      </a:effectRef>
-      <a:fontRef idx="minor"/>
-    </dgm:style>
-  </dgm:styleLbl>
-  <dgm:styleLbl name="solidAlignAcc1">
-    <dgm:scene3d>
-      <a:camera prst="orthographicFront"/>
-      <a:lightRig rig="threePt" dir="t"/>
-    </dgm:scene3d>
-    <dgm:sp3d/>
-    <dgm:txPr/>
-    <dgm:style>
-      <a:lnRef idx="2">
-        <a:scrgbClr r="0" g="0" b="0"/>
-      </a:lnRef>
-      <a:fillRef idx="1">
-        <a:scrgbClr r="0" g="0" b="0"/>
-      </a:fillRef>
-      <a:effectRef idx="0">
-        <a:scrgbClr r="0" g="0" b="0"/>
-      </a:effectRef>
-      <a:fontRef idx="minor"/>
-    </dgm:style>
-  </dgm:styleLbl>
-  <dgm:styleLbl name="solidBgAcc1">
-    <dgm:scene3d>
-      <a:camera prst="orthographicFront"/>
-      <a:lightRig rig="threePt" dir="t"/>
-    </dgm:scene3d>
-    <dgm:sp3d/>
-    <dgm:txPr/>
-    <dgm:style>
-      <a:lnRef idx="2">
-        <a:scrgbClr r="0" g="0" b="0"/>
-      </a:lnRef>
-      <a:fillRef idx="1">
-        <a:scrgbClr r="0" g="0" b="0"/>
-      </a:fillRef>
-      <a:effectRef idx="0">
-        <a:scrgbClr r="0" g="0" b="0"/>
-      </a:effectRef>
-      <a:fontRef idx="minor"/>
-    </dgm:style>
-  </dgm:styleLbl>
-  <dgm:styleLbl name="fgAccFollowNode1">
-    <dgm:scene3d>
-      <a:camera prst="orthographicFront"/>
-      <a:lightRig rig="threePt" dir="t"/>
-    </dgm:scene3d>
-    <dgm:sp3d/>
-    <dgm:txPr/>
-    <dgm:style>
-      <a:lnRef idx="2">
-        <a:scrgbClr r="0" g="0" b="0"/>
-      </a:lnRef>
-      <a:fillRef idx="1">
-        <a:scrgbClr r="0" g="0" b="0"/>
-      </a:fillRef>
-      <a:effectRef idx="0">
-        <a:scrgbClr r="0" g="0" b="0"/>
-      </a:effectRef>
-      <a:fontRef idx="minor"/>
-    </dgm:style>
-  </dgm:styleLbl>
-  <dgm:styleLbl name="alignAccFollowNode1">
-    <dgm:scene3d>
-      <a:camera prst="orthographicFront"/>
-      <a:lightRig rig="threePt" dir="t"/>
-    </dgm:scene3d>
-    <dgm:sp3d/>
-    <dgm:txPr/>
-    <dgm:style>
-      <a:lnRef idx="2">
-        <a:scrgbClr r="0" g="0" b="0"/>
-      </a:lnRef>
-      <a:fillRef idx="1">
-        <a:scrgbClr r="0" g="0" b="0"/>
-      </a:fillRef>
-      <a:effectRef idx="0">
-        <a:scrgbClr r="0" g="0" b="0"/>
-      </a:effectRef>
-      <a:fontRef idx="minor"/>
-    </dgm:style>
-  </dgm:styleLbl>
-  <dgm:styleLbl name="bgAccFollowNode1">
-    <dgm:scene3d>
-      <a:camera prst="orthographicFront"/>
-      <a:lightRig rig="threePt" dir="t"/>
-    </dgm:scene3d>
-    <dgm:sp3d/>
-    <dgm:txPr/>
-    <dgm:style>
-      <a:lnRef idx="2">
-        <a:scrgbClr r="0" g="0" b="0"/>
-      </a:lnRef>
-      <a:fillRef idx="1">
-        <a:scrgbClr r="0" g="0" b="0"/>
-      </a:fillRef>
-      <a:effectRef idx="0">
-        <a:scrgbClr r="0" g="0" b="0"/>
-      </a:effectRef>
-      <a:fontRef idx="minor"/>
-    </dgm:style>
-  </dgm:styleLbl>
-  <dgm:styleLbl name="fgAcc0">
-    <dgm:scene3d>
-      <a:camera prst="orthographicFront"/>
-      <a:lightRig rig="threePt" dir="t"/>
-    </dgm:scene3d>
-    <dgm:sp3d/>
-    <dgm:txPr/>
-    <dgm:style>
-      <a:lnRef idx="2">
-        <a:scrgbClr r="0" g="0" b="0"/>
-      </a:lnRef>
-      <a:fillRef idx="1">
-        <a:scrgbClr r="0" g="0" b="0"/>
-      </a:fillRef>
-      <a:effectRef idx="0">
-        <a:scrgbClr r="0" g="0" b="0"/>
-      </a:effectRef>
-      <a:fontRef idx="minor"/>
-    </dgm:style>
-  </dgm:styleLbl>
-  <dgm:styleLbl name="fgAcc2">
-    <dgm:scene3d>
-      <a:camera prst="orthographicFront"/>
-      <a:lightRig rig="threePt" dir="t"/>
-    </dgm:scene3d>
-    <dgm:sp3d/>
-    <dgm:txPr/>
-    <dgm:style>
-      <a:lnRef idx="2">
-        <a:scrgbClr r="0" g="0" b="0"/>
-      </a:lnRef>
-      <a:fillRef idx="1">
-        <a:scrgbClr r="0" g="0" b="0"/>
-      </a:fillRef>
-      <a:effectRef idx="0">
-        <a:scrgbClr r="0" g="0" b="0"/>
-      </a:effectRef>
-      <a:fontRef idx="minor"/>
-    </dgm:style>
-  </dgm:styleLbl>
-  <dgm:styleLbl name="fgAcc3">
-    <dgm:scene3d>
-      <a:camera prst="orthographicFront"/>
-      <a:lightRig rig="threePt" dir="t"/>
-    </dgm:scene3d>
-    <dgm:sp3d/>
-    <dgm:txPr/>
-    <dgm:style>
-      <a:lnRef idx="2">
-        <a:scrgbClr r="0" g="0" b="0"/>
-      </a:lnRef>
-      <a:fillRef idx="1">
-        <a:scrgbClr r="0" g="0" b="0"/>
-      </a:fillRef>
-      <a:effectRef idx="0">
-        <a:scrgbClr r="0" g="0" b="0"/>
-      </a:effectRef>
-      <a:fontRef idx="minor"/>
-    </dgm:style>
-  </dgm:styleLbl>
-  <dgm:styleLbl name="fgAcc4">
-    <dgm:scene3d>
-      <a:camera prst="orthographicFront"/>
-      <a:lightRig rig="threePt" dir="t"/>
-    </dgm:scene3d>
-    <dgm:sp3d/>
-    <dgm:txPr/>
-    <dgm:style>
-      <a:lnRef idx="2">
-        <a:scrgbClr r="0" g="0" b="0"/>
-      </a:lnRef>
-      <a:fillRef idx="1">
-        <a:scrgbClr r="0" g="0" b="0"/>
-      </a:fillRef>
-      <a:effectRef idx="0">
-        <a:scrgbClr r="0" g="0" b="0"/>
-      </a:effectRef>
-      <a:fontRef idx="minor"/>
-    </dgm:style>
-  </dgm:styleLbl>
-  <dgm:styleLbl name="bgShp">
-    <dgm:scene3d>
-      <a:camera prst="orthographicFront"/>
-      <a:lightRig rig="threePt" dir="t"/>
-    </dgm:scene3d>
-    <dgm:sp3d/>
-    <dgm:txPr/>
-    <dgm:style>
-      <a:lnRef idx="0">
-        <a:scrgbClr r="0" g="0" b="0"/>
-      </a:lnRef>
-      <a:fillRef idx="1">
-        <a:scrgbClr r="0" g="0" b="0"/>
-      </a:fillRef>
-      <a:effectRef idx="0">
-        <a:scrgbClr r="0" g="0" b="0"/>
-      </a:effectRef>
-      <a:fontRef idx="minor"/>
-    </dgm:style>
-  </dgm:styleLbl>
-  <dgm:styleLbl name="dkBgShp">
-    <dgm:scene3d>
-      <a:camera prst="orthographicFront"/>
-      <a:lightRig rig="threePt" dir="t"/>
-    </dgm:scene3d>
-    <dgm:sp3d/>
-    <dgm:txPr/>
-    <dgm:style>
-      <a:lnRef idx="0">
-        <a:scrgbClr r="0" g="0" b="0"/>
-      </a:lnRef>
-      <a:fillRef idx="1">
-        <a:scrgbClr r="0" g="0" b="0"/>
-      </a:fillRef>
-      <a:effectRef idx="0">
-        <a:scrgbClr r="0" g="0" b="0"/>
-      </a:effectRef>
-      <a:fontRef idx="minor"/>
-    </dgm:style>
-  </dgm:styleLbl>
-  <dgm:styleLbl name="trBgShp">
-    <dgm:scene3d>
-      <a:camera prst="orthographicFront"/>
-      <a:lightRig rig="threePt" dir="t"/>
-    </dgm:scene3d>
-    <dgm:sp3d/>
-    <dgm:txPr/>
-    <dgm:style>
-      <a:lnRef idx="0">
-        <a:scrgbClr r="0" g="0" b="0"/>
-      </a:lnRef>
-      <a:fillRef idx="1">
-        <a:scrgbClr r="0" g="0" b="0"/>
-      </a:fillRef>
-      <a:effectRef idx="0">
-        <a:scrgbClr r="0" g="0" b="0"/>
-      </a:effectRef>
-      <a:fontRef idx="minor"/>
-    </dgm:style>
-  </dgm:styleLbl>
-  <dgm:styleLbl name="fgShp">
-    <dgm:scene3d>
-      <a:camera prst="orthographicFront"/>
-      <a:lightRig rig="threePt" dir="t"/>
-    </dgm:scene3d>
-    <dgm:sp3d/>
-    <dgm:txPr/>
-    <dgm:style>
-      <a:lnRef idx="2">
-        <a:scrgbClr r="0" g="0" b="0"/>
-      </a:lnRef>
-      <a:fillRef idx="1">
-        <a:scrgbClr r="0" g="0" b="0"/>
-      </a:fillRef>
-      <a:effectRef idx="0">
-        <a:scrgbClr r="0" g="0" b="0"/>
-      </a:effectRef>
-      <a:fontRef idx="minor"/>
-    </dgm:style>
-  </dgm:styleLbl>
-  <dgm:styleLbl name="revTx">
-    <dgm:scene3d>
-      <a:camera prst="orthographicFront"/>
-      <a:lightRig rig="threePt" dir="t"/>
-    </dgm:scene3d>
-    <dgm:sp3d/>
-    <dgm:txPr/>
-    <dgm:style>
-      <a:lnRef idx="0">
-        <a:scrgbClr r="0" g="0" b="0"/>
-      </a:lnRef>
-      <a:fillRef idx="0">
-        <a:scrgbClr r="0" g="0" b="0"/>
-      </a:fillRef>
-      <a:effectRef idx="0">
-        <a:scrgbClr r="0" g="0" b="0"/>
-      </a:effectRef>
-      <a:fontRef idx="minor"/>
-    </dgm:style>
-  </dgm:styleLbl>
-</dgm:styleDef>
-</file>
-
 <file path=ppt/notesMasters/notesMaster1.xml><?xml version="1.0" encoding="utf-8"?>
 <p:notesMaster xmlns:a="http://schemas.openxmlformats.org/drawingml/2006/main" xmlns:r="http://schemas.openxmlformats.org/officeDocument/2006/relationships" xmlns:p="http://schemas.openxmlformats.org/presentationml/2006/main">
   <p:cSld>
@@ -3364,7 +203,7 @@
           <a:p>
             <a:fld id="{7FE2AFCB-B600-424C-84F3-3F2CA06E51DD}" type="datetimeFigureOut">
               <a:rPr lang="en-US" smtClean="0"/>
-              <a:t>11/5/2019</a:t>
+              <a:t>12/23/2019</a:t>
             </a:fld>
             <a:endParaRPr lang="en-US"/>
           </a:p>
@@ -3762,7 +601,15 @@
           <a:p>
             <a:r>
               <a:rPr lang="en-US" dirty="0" smtClean="0"/>
-              <a:t>Iklim dan cuaca adalah materi yang sudah diajarkan kepada siswa sekolah dasar dalam sistem pendidikan indonesia tepatnya pada kurikulum 2013. Mempelajari iklim dan cuaca akan membuat anak lebih mengenal lingkungan sekitarnya, anak akan mengetahui penyebab terjadinya suatu fenomena dan kejadian alam di sekitar mereka. Pengenalan terhadap lingkungan sekitar merupakan pengalaman yang menyenangkan untuk mengembangkan kecerdasan anak sejak dini.</a:t>
+              <a:t>Iklim dan cuaca adalah materi yang sudah diajarkan kepada siswa sekolah dasar dalam sistem pendidikan indonesia tepatnya pada kurikulum 2013. Mempelajari iklim dan cuaca akan membuat anak lebih mengenal lingkungan sekitarnya, anak akan mengetahui penyebab terjadinya suatu fenomena dan kejadian alam di sekitar mereka. Pengenalan terhadap lingkungan sekitar merupakan pengalaman yang </a:t>
+            </a:r>
+            <a:r>
+              <a:rPr lang="en-US" dirty="0" smtClean="0"/>
+              <a:t>menyenangkan bagi anak dan dapat </a:t>
+            </a:r>
+            <a:r>
+              <a:rPr lang="en-US" dirty="0" smtClean="0"/>
+              <a:t>mengembangkan kecerdasan anak sejak dini.</a:t>
             </a:r>
           </a:p>
           <a:p>
@@ -3787,7 +634,15 @@
             </a:r>
             <a:r>
               <a:rPr lang="en-US" dirty="0" smtClean="0"/>
-              <a:t> masih menggunakan metode konvensional, dimana guru menjelaskan materi kepada murid hanya menggunakan media buku. Tentunya metode konvensional memiliki beberapa kekurangan yaitu siswa mudah bosan karena proses pembelajaran, siswa akan lebih cepat lupa dengan materi pembelajaran karena proses pembelajaran tidak menarik.</a:t>
+              <a:t> masih menggunakan metode konvensional, dimana guru menjelaskan materi kepada murid hanya menggunakan media buku. Tentunya metode </a:t>
+            </a:r>
+            <a:r>
+              <a:rPr lang="en-US" dirty="0" smtClean="0"/>
+              <a:t>ini memiliki </a:t>
+            </a:r>
+            <a:r>
+              <a:rPr lang="en-US" dirty="0" smtClean="0"/>
+              <a:t>beberapa kekurangan yaitu siswa mudah bosan karena proses pembelajaran, siswa akan lebih cepat lupa dengan materi pembelajaran karena proses pembelajaran tidak menarik.</a:t>
             </a:r>
           </a:p>
           <a:p>
@@ -4027,7 +882,7 @@
           <a:p>
             <a:fld id="{85AECD24-58B6-4DAA-8115-FCCB4927D650}" type="datetimeFigureOut">
               <a:rPr lang="en-US" smtClean="0"/>
-              <a:t>11/5/2019</a:t>
+              <a:t>12/23/2019</a:t>
             </a:fld>
             <a:endParaRPr lang="en-US"/>
           </a:p>
@@ -4197,7 +1052,7 @@
           <a:p>
             <a:fld id="{85AECD24-58B6-4DAA-8115-FCCB4927D650}" type="datetimeFigureOut">
               <a:rPr lang="en-US" smtClean="0"/>
-              <a:t>11/5/2019</a:t>
+              <a:t>12/23/2019</a:t>
             </a:fld>
             <a:endParaRPr lang="en-US"/>
           </a:p>
@@ -4377,7 +1232,7 @@
           <a:p>
             <a:fld id="{85AECD24-58B6-4DAA-8115-FCCB4927D650}" type="datetimeFigureOut">
               <a:rPr lang="en-US" smtClean="0"/>
-              <a:t>11/5/2019</a:t>
+              <a:t>12/23/2019</a:t>
             </a:fld>
             <a:endParaRPr lang="en-US"/>
           </a:p>
@@ -4547,7 +1402,7 @@
           <a:p>
             <a:fld id="{85AECD24-58B6-4DAA-8115-FCCB4927D650}" type="datetimeFigureOut">
               <a:rPr lang="en-US" smtClean="0"/>
-              <a:t>11/5/2019</a:t>
+              <a:t>12/23/2019</a:t>
             </a:fld>
             <a:endParaRPr lang="en-US"/>
           </a:p>
@@ -4793,7 +1648,7 @@
           <a:p>
             <a:fld id="{85AECD24-58B6-4DAA-8115-FCCB4927D650}" type="datetimeFigureOut">
               <a:rPr lang="en-US" smtClean="0"/>
-              <a:t>11/5/2019</a:t>
+              <a:t>12/23/2019</a:t>
             </a:fld>
             <a:endParaRPr lang="en-US"/>
           </a:p>
@@ -5081,7 +1936,7 @@
           <a:p>
             <a:fld id="{85AECD24-58B6-4DAA-8115-FCCB4927D650}" type="datetimeFigureOut">
               <a:rPr lang="en-US" smtClean="0"/>
-              <a:t>11/5/2019</a:t>
+              <a:t>12/23/2019</a:t>
             </a:fld>
             <a:endParaRPr lang="en-US"/>
           </a:p>
@@ -5503,7 +2358,7 @@
           <a:p>
             <a:fld id="{85AECD24-58B6-4DAA-8115-FCCB4927D650}" type="datetimeFigureOut">
               <a:rPr lang="en-US" smtClean="0"/>
-              <a:t>11/5/2019</a:t>
+              <a:t>12/23/2019</a:t>
             </a:fld>
             <a:endParaRPr lang="en-US"/>
           </a:p>
@@ -5621,7 +2476,7 @@
           <a:p>
             <a:fld id="{85AECD24-58B6-4DAA-8115-FCCB4927D650}" type="datetimeFigureOut">
               <a:rPr lang="en-US" smtClean="0"/>
-              <a:t>11/5/2019</a:t>
+              <a:t>12/23/2019</a:t>
             </a:fld>
             <a:endParaRPr lang="en-US"/>
           </a:p>
@@ -5716,7 +2571,7 @@
           <a:p>
             <a:fld id="{85AECD24-58B6-4DAA-8115-FCCB4927D650}" type="datetimeFigureOut">
               <a:rPr lang="en-US" smtClean="0"/>
-              <a:t>11/5/2019</a:t>
+              <a:t>12/23/2019</a:t>
             </a:fld>
             <a:endParaRPr lang="en-US"/>
           </a:p>
@@ -5993,7 +2848,7 @@
           <a:p>
             <a:fld id="{85AECD24-58B6-4DAA-8115-FCCB4927D650}" type="datetimeFigureOut">
               <a:rPr lang="en-US" smtClean="0"/>
-              <a:t>11/5/2019</a:t>
+              <a:t>12/23/2019</a:t>
             </a:fld>
             <a:endParaRPr lang="en-US"/>
           </a:p>
@@ -6246,7 +3101,7 @@
           <a:p>
             <a:fld id="{85AECD24-58B6-4DAA-8115-FCCB4927D650}" type="datetimeFigureOut">
               <a:rPr lang="en-US" smtClean="0"/>
-              <a:t>11/5/2019</a:t>
+              <a:t>12/23/2019</a:t>
             </a:fld>
             <a:endParaRPr lang="en-US"/>
           </a:p>
@@ -6459,7 +3314,7 @@
           <a:p>
             <a:fld id="{85AECD24-58B6-4DAA-8115-FCCB4927D650}" type="datetimeFigureOut">
               <a:rPr lang="en-US" smtClean="0"/>
-              <a:t>11/5/2019</a:t>
+              <a:t>12/23/2019</a:t>
             </a:fld>
             <a:endParaRPr lang="en-US"/>
           </a:p>
@@ -7041,606 +3896,6 @@
       </p:grpSpPr>
       <p:sp>
         <p:nvSpPr>
-          <p:cNvPr id="2" name="Title 1"/>
-          <p:cNvSpPr>
-            <a:spLocks noGrp="1"/>
-          </p:cNvSpPr>
-          <p:nvPr>
-            <p:ph type="title"/>
-          </p:nvPr>
-        </p:nvSpPr>
-        <p:spPr/>
-        <p:txBody>
-          <a:bodyPr>
-            <a:normAutofit/>
-          </a:bodyPr>
-          <a:lstStyle/>
-          <a:p>
-            <a:r>
-              <a:rPr lang="en-US" sz="3600" b="1" dirty="0" smtClean="0"/>
-              <a:t>Activity diagram</a:t>
-            </a:r>
-            <a:endParaRPr lang="en-US" sz="3600" b="1" dirty="0"/>
-          </a:p>
-        </p:txBody>
-      </p:sp>
-      <p:pic>
-        <p:nvPicPr>
-          <p:cNvPr id="4" name="Picture 3"/>
-          <p:cNvPicPr/>
-          <p:nvPr/>
-        </p:nvPicPr>
-        <p:blipFill rotWithShape="1">
-          <a:blip r:embed="rId2">
-            <a:extLst>
-              <a:ext uri="{28A0092B-C50C-407E-A947-70E740481C1C}">
-                <a14:useLocalDpi xmlns:a14="http://schemas.microsoft.com/office/drawing/2010/main" val="0"/>
-              </a:ext>
-            </a:extLst>
-          </a:blip>
-          <a:srcRect b="8364"/>
-          <a:stretch/>
-        </p:blipFill>
-        <p:spPr bwMode="auto">
-          <a:xfrm>
-            <a:off x="2095500" y="1436425"/>
-            <a:ext cx="4953000" cy="5125493"/>
-          </a:xfrm>
-          <a:prstGeom prst="rect">
-            <a:avLst/>
-          </a:prstGeom>
-          <a:ln>
-            <a:noFill/>
-          </a:ln>
-          <a:extLst>
-            <a:ext uri="{53640926-AAD7-44D8-BBD7-CCE9431645EC}">
-              <a14:shadowObscured xmlns:a14="http://schemas.microsoft.com/office/drawing/2010/main"/>
-            </a:ext>
-          </a:extLst>
-        </p:spPr>
-      </p:pic>
-      <p:sp>
-        <p:nvSpPr>
-          <p:cNvPr id="5" name="Left Arrow 4">
-            <a:hlinkClick r:id="rId3" action="ppaction://hlinksldjump"/>
-          </p:cNvPr>
-          <p:cNvSpPr/>
-          <p:nvPr/>
-        </p:nvSpPr>
-        <p:spPr>
-          <a:xfrm>
-            <a:off x="228600" y="228600"/>
-            <a:ext cx="457200" cy="457200"/>
-          </a:xfrm>
-          <a:prstGeom prst="leftArrow">
-            <a:avLst/>
-          </a:prstGeom>
-          <a:solidFill>
-            <a:schemeClr val="tx1"/>
-          </a:solidFill>
-          <a:ln>
-            <a:noFill/>
-          </a:ln>
-          <a:effectLst/>
-        </p:spPr>
-        <p:style>
-          <a:lnRef idx="2">
-            <a:schemeClr val="accent1">
-              <a:shade val="50000"/>
-            </a:schemeClr>
-          </a:lnRef>
-          <a:fillRef idx="1">
-            <a:schemeClr val="accent1"/>
-          </a:fillRef>
-          <a:effectRef idx="0">
-            <a:schemeClr val="accent1"/>
-          </a:effectRef>
-          <a:fontRef idx="minor">
-            <a:schemeClr val="lt1"/>
-          </a:fontRef>
-        </p:style>
-        <p:txBody>
-          <a:bodyPr rtlCol="0" anchor="ctr"/>
-          <a:lstStyle/>
-          <a:p>
-            <a:pPr algn="ctr"/>
-            <a:endParaRPr lang="en-US"/>
-          </a:p>
-        </p:txBody>
-      </p:sp>
-    </p:spTree>
-    <p:extLst>
-      <p:ext uri="{BB962C8B-B14F-4D97-AF65-F5344CB8AC3E}">
-        <p14:creationId xmlns:p14="http://schemas.microsoft.com/office/powerpoint/2010/main" val="3004694431"/>
-      </p:ext>
-    </p:extLst>
-  </p:cSld>
-  <p:clrMapOvr>
-    <a:masterClrMapping/>
-  </p:clrMapOvr>
-  <mc:AlternateContent xmlns:mc="http://schemas.openxmlformats.org/markup-compatibility/2006" xmlns:p14="http://schemas.microsoft.com/office/powerpoint/2010/main">
-    <mc:Choice Requires="p14">
-      <p:transition p14:dur="0"/>
-    </mc:Choice>
-    <mc:Fallback xmlns="">
-      <p:transition/>
-    </mc:Fallback>
-  </mc:AlternateContent>
-  <p:timing>
-    <p:tnLst>
-      <p:par>
-        <p:cTn id="1" dur="indefinite" restart="never" nodeType="tmRoot"/>
-      </p:par>
-    </p:tnLst>
-  </p:timing>
-</p:sld>
-</file>
-
-<file path=ppt/slides/slide11.xml><?xml version="1.0" encoding="utf-8"?>
-<p:sld xmlns:a="http://schemas.openxmlformats.org/drawingml/2006/main" xmlns:r="http://schemas.openxmlformats.org/officeDocument/2006/relationships" xmlns:p="http://schemas.openxmlformats.org/presentationml/2006/main">
-  <p:cSld>
-    <p:bg>
-      <p:bgPr>
-        <a:solidFill>
-          <a:srgbClr val="00999E"/>
-        </a:solidFill>
-        <a:effectLst/>
-      </p:bgPr>
-    </p:bg>
-    <p:spTree>
-      <p:nvGrpSpPr>
-        <p:cNvPr id="1" name=""/>
-        <p:cNvGrpSpPr/>
-        <p:nvPr/>
-      </p:nvGrpSpPr>
-      <p:grpSpPr>
-        <a:xfrm>
-          <a:off x="0" y="0"/>
-          <a:ext cx="0" cy="0"/>
-          <a:chOff x="0" y="0"/>
-          <a:chExt cx="0" cy="0"/>
-        </a:xfrm>
-      </p:grpSpPr>
-      <p:sp>
-        <p:nvSpPr>
-          <p:cNvPr id="4" name="Content Placeholder 2"/>
-          <p:cNvSpPr txBox="1">
-            <a:spLocks/>
-          </p:cNvSpPr>
-          <p:nvPr/>
-        </p:nvSpPr>
-        <p:spPr>
-          <a:xfrm>
-            <a:off x="914400" y="1143000"/>
-            <a:ext cx="7315200" cy="4724400"/>
-          </a:xfrm>
-          <a:prstGeom prst="rect">
-            <a:avLst/>
-          </a:prstGeom>
-          <a:solidFill>
-            <a:schemeClr val="bg1"/>
-          </a:solidFill>
-          <a:effectLst>
-            <a:outerShdw blurRad="127000" dist="127000" dir="8100000" algn="tr" rotWithShape="0">
-              <a:prstClr val="black">
-                <a:alpha val="30000"/>
-              </a:prstClr>
-            </a:outerShdw>
-          </a:effectLst>
-        </p:spPr>
-        <p:txBody>
-          <a:bodyPr vert="horz" lIns="91440" tIns="45720" rIns="91440" bIns="45720" rtlCol="0" anchor="ctr">
-            <a:normAutofit/>
-          </a:bodyPr>
-          <a:lstStyle>
-            <a:lvl1pPr marL="342900" indent="-342900" algn="l" defTabSz="914400" rtl="0" eaLnBrk="1" latinLnBrk="0" hangingPunct="1">
-              <a:spcBef>
-                <a:spcPct val="20000"/>
-              </a:spcBef>
-              <a:buFont typeface="Arial" pitchFamily="34" charset="0"/>
-              <a:buChar char="•"/>
-              <a:defRPr sz="3200" kern="1200">
-                <a:solidFill>
-                  <a:schemeClr val="tx1"/>
-                </a:solidFill>
-                <a:latin typeface="+mn-lt"/>
-                <a:ea typeface="+mn-ea"/>
-                <a:cs typeface="+mn-cs"/>
-              </a:defRPr>
-            </a:lvl1pPr>
-            <a:lvl2pPr marL="742950" indent="-285750" algn="l" defTabSz="914400" rtl="0" eaLnBrk="1" latinLnBrk="0" hangingPunct="1">
-              <a:spcBef>
-                <a:spcPct val="20000"/>
-              </a:spcBef>
-              <a:buFont typeface="Arial" pitchFamily="34" charset="0"/>
-              <a:buChar char="–"/>
-              <a:defRPr sz="2800" kern="1200">
-                <a:solidFill>
-                  <a:schemeClr val="tx1"/>
-                </a:solidFill>
-                <a:latin typeface="+mn-lt"/>
-                <a:ea typeface="+mn-ea"/>
-                <a:cs typeface="+mn-cs"/>
-              </a:defRPr>
-            </a:lvl2pPr>
-            <a:lvl3pPr marL="1143000" indent="-228600" algn="l" defTabSz="914400" rtl="0" eaLnBrk="1" latinLnBrk="0" hangingPunct="1">
-              <a:spcBef>
-                <a:spcPct val="20000"/>
-              </a:spcBef>
-              <a:buFont typeface="Arial" pitchFamily="34" charset="0"/>
-              <a:buChar char="•"/>
-              <a:defRPr sz="2400" kern="1200">
-                <a:solidFill>
-                  <a:schemeClr val="tx1"/>
-                </a:solidFill>
-                <a:latin typeface="+mn-lt"/>
-                <a:ea typeface="+mn-ea"/>
-                <a:cs typeface="+mn-cs"/>
-              </a:defRPr>
-            </a:lvl3pPr>
-            <a:lvl4pPr marL="1600200" indent="-228600" algn="l" defTabSz="914400" rtl="0" eaLnBrk="1" latinLnBrk="0" hangingPunct="1">
-              <a:spcBef>
-                <a:spcPct val="20000"/>
-              </a:spcBef>
-              <a:buFont typeface="Arial" pitchFamily="34" charset="0"/>
-              <a:buChar char="–"/>
-              <a:defRPr sz="2000" kern="1200">
-                <a:solidFill>
-                  <a:schemeClr val="tx1"/>
-                </a:solidFill>
-                <a:latin typeface="+mn-lt"/>
-                <a:ea typeface="+mn-ea"/>
-                <a:cs typeface="+mn-cs"/>
-              </a:defRPr>
-            </a:lvl4pPr>
-            <a:lvl5pPr marL="2057400" indent="-228600" algn="l" defTabSz="914400" rtl="0" eaLnBrk="1" latinLnBrk="0" hangingPunct="1">
-              <a:spcBef>
-                <a:spcPct val="20000"/>
-              </a:spcBef>
-              <a:buFont typeface="Arial" pitchFamily="34" charset="0"/>
-              <a:buChar char="»"/>
-              <a:defRPr sz="2000" kern="1200">
-                <a:solidFill>
-                  <a:schemeClr val="tx1"/>
-                </a:solidFill>
-                <a:latin typeface="+mn-lt"/>
-                <a:ea typeface="+mn-ea"/>
-                <a:cs typeface="+mn-cs"/>
-              </a:defRPr>
-            </a:lvl5pPr>
-            <a:lvl6pPr marL="2514600" indent="-228600" algn="l" defTabSz="914400" rtl="0" eaLnBrk="1" latinLnBrk="0" hangingPunct="1">
-              <a:spcBef>
-                <a:spcPct val="20000"/>
-              </a:spcBef>
-              <a:buFont typeface="Arial" pitchFamily="34" charset="0"/>
-              <a:buChar char="•"/>
-              <a:defRPr sz="2000" kern="1200">
-                <a:solidFill>
-                  <a:schemeClr val="tx1"/>
-                </a:solidFill>
-                <a:latin typeface="+mn-lt"/>
-                <a:ea typeface="+mn-ea"/>
-                <a:cs typeface="+mn-cs"/>
-              </a:defRPr>
-            </a:lvl6pPr>
-            <a:lvl7pPr marL="2971800" indent="-228600" algn="l" defTabSz="914400" rtl="0" eaLnBrk="1" latinLnBrk="0" hangingPunct="1">
-              <a:spcBef>
-                <a:spcPct val="20000"/>
-              </a:spcBef>
-              <a:buFont typeface="Arial" pitchFamily="34" charset="0"/>
-              <a:buChar char="•"/>
-              <a:defRPr sz="2000" kern="1200">
-                <a:solidFill>
-                  <a:schemeClr val="tx1"/>
-                </a:solidFill>
-                <a:latin typeface="+mn-lt"/>
-                <a:ea typeface="+mn-ea"/>
-                <a:cs typeface="+mn-cs"/>
-              </a:defRPr>
-            </a:lvl7pPr>
-            <a:lvl8pPr marL="3429000" indent="-228600" algn="l" defTabSz="914400" rtl="0" eaLnBrk="1" latinLnBrk="0" hangingPunct="1">
-              <a:spcBef>
-                <a:spcPct val="20000"/>
-              </a:spcBef>
-              <a:buFont typeface="Arial" pitchFamily="34" charset="0"/>
-              <a:buChar char="•"/>
-              <a:defRPr sz="2000" kern="1200">
-                <a:solidFill>
-                  <a:schemeClr val="tx1"/>
-                </a:solidFill>
-                <a:latin typeface="+mn-lt"/>
-                <a:ea typeface="+mn-ea"/>
-                <a:cs typeface="+mn-cs"/>
-              </a:defRPr>
-            </a:lvl8pPr>
-            <a:lvl9pPr marL="3886200" indent="-228600" algn="l" defTabSz="914400" rtl="0" eaLnBrk="1" latinLnBrk="0" hangingPunct="1">
-              <a:spcBef>
-                <a:spcPct val="20000"/>
-              </a:spcBef>
-              <a:buFont typeface="Arial" pitchFamily="34" charset="0"/>
-              <a:buChar char="•"/>
-              <a:defRPr sz="2000" kern="1200">
-                <a:solidFill>
-                  <a:schemeClr val="tx1"/>
-                </a:solidFill>
-                <a:latin typeface="+mn-lt"/>
-                <a:ea typeface="+mn-ea"/>
-                <a:cs typeface="+mn-cs"/>
-              </a:defRPr>
-            </a:lvl9pPr>
-          </a:lstStyle>
-          <a:p>
-            <a:pPr marL="0" indent="1712913">
-              <a:buFont typeface="Arial" pitchFamily="34" charset="0"/>
-              <a:buNone/>
-            </a:pPr>
-            <a:endParaRPr lang="en-US" sz="2400" dirty="0" smtClean="0">
-              <a:solidFill>
-                <a:srgbClr val="636D76"/>
-              </a:solidFill>
-            </a:endParaRPr>
-          </a:p>
-        </p:txBody>
-      </p:sp>
-      <p:pic>
-        <p:nvPicPr>
-          <p:cNvPr id="8" name="Picture 7"/>
-          <p:cNvPicPr>
-            <a:picLocks noChangeAspect="1"/>
-          </p:cNvPicPr>
-          <p:nvPr/>
-        </p:nvPicPr>
-        <p:blipFill rotWithShape="1">
-          <a:blip r:embed="rId2">
-            <a:extLst>
-              <a:ext uri="{28A0092B-C50C-407E-A947-70E740481C1C}">
-                <a14:useLocalDpi xmlns:a14="http://schemas.microsoft.com/office/drawing/2010/main" val="0"/>
-              </a:ext>
-            </a:extLst>
-          </a:blip>
-          <a:srcRect l="26301" r="12090"/>
-          <a:stretch/>
-        </p:blipFill>
-        <p:spPr>
-          <a:xfrm>
-            <a:off x="914401" y="1139588"/>
-            <a:ext cx="3657599" cy="4724400"/>
-          </a:xfrm>
-          <a:prstGeom prst="rect">
-            <a:avLst/>
-          </a:prstGeom>
-        </p:spPr>
-      </p:pic>
-      <p:sp>
-        <p:nvSpPr>
-          <p:cNvPr id="9" name="Title 8"/>
-          <p:cNvSpPr>
-            <a:spLocks noGrp="1"/>
-          </p:cNvSpPr>
-          <p:nvPr>
-            <p:ph type="title"/>
-          </p:nvPr>
-        </p:nvSpPr>
-        <p:spPr>
-          <a:xfrm>
-            <a:off x="5029200" y="2925265"/>
-            <a:ext cx="3200399" cy="503735"/>
-          </a:xfrm>
-        </p:spPr>
-        <p:txBody>
-          <a:bodyPr>
-            <a:normAutofit fontScale="90000"/>
-          </a:bodyPr>
-          <a:lstStyle/>
-          <a:p>
-            <a:pPr algn="l"/>
-            <a:r>
-              <a:rPr lang="en-US" sz="3600" b="1" dirty="0" smtClean="0">
-                <a:solidFill>
-                  <a:schemeClr val="tx1">
-                    <a:lumMod val="75000"/>
-                    <a:lumOff val="25000"/>
-                  </a:schemeClr>
-                </a:solidFill>
-              </a:rPr>
-              <a:t>Pengujian</a:t>
-            </a:r>
-            <a:endParaRPr lang="en-US" sz="3600" b="1" dirty="0">
-              <a:solidFill>
-                <a:schemeClr val="tx1">
-                  <a:lumMod val="75000"/>
-                  <a:lumOff val="25000"/>
-                </a:schemeClr>
-              </a:solidFill>
-            </a:endParaRPr>
-          </a:p>
-        </p:txBody>
-      </p:sp>
-      <p:sp>
-        <p:nvSpPr>
-          <p:cNvPr id="11" name="Title 8"/>
-          <p:cNvSpPr txBox="1">
-            <a:spLocks/>
-          </p:cNvSpPr>
-          <p:nvPr/>
-        </p:nvSpPr>
-        <p:spPr>
-          <a:xfrm>
-            <a:off x="5029200" y="3429000"/>
-            <a:ext cx="3200400" cy="914400"/>
-          </a:xfrm>
-          <a:prstGeom prst="rect">
-            <a:avLst/>
-          </a:prstGeom>
-        </p:spPr>
-        <p:txBody>
-          <a:bodyPr vert="horz" lIns="91440" tIns="45720" rIns="91440" bIns="45720" rtlCol="0" anchor="ctr">
-            <a:normAutofit fontScale="97500"/>
-          </a:bodyPr>
-          <a:lstStyle>
-            <a:lvl1pPr algn="ctr" defTabSz="914400" rtl="0" eaLnBrk="1" latinLnBrk="0" hangingPunct="1">
-              <a:spcBef>
-                <a:spcPct val="0"/>
-              </a:spcBef>
-              <a:buNone/>
-              <a:defRPr sz="4400" kern="1200">
-                <a:solidFill>
-                  <a:schemeClr val="tx1"/>
-                </a:solidFill>
-                <a:latin typeface="+mj-lt"/>
-                <a:ea typeface="+mj-ea"/>
-                <a:cs typeface="+mj-cs"/>
-              </a:defRPr>
-            </a:lvl1pPr>
-          </a:lstStyle>
-          <a:p>
-            <a:pPr marL="342900" indent="-342900" algn="l">
-              <a:buFont typeface="Wingdings" pitchFamily="2" charset="2"/>
-              <a:buChar char="q"/>
-            </a:pPr>
-            <a:r>
-              <a:rPr lang="en-US" sz="2400" b="1" i="1" dirty="0" err="1" smtClean="0">
-                <a:solidFill>
-                  <a:schemeClr val="tx1">
-                    <a:lumMod val="65000"/>
-                    <a:lumOff val="35000"/>
-                  </a:schemeClr>
-                </a:solidFill>
-              </a:rPr>
-              <a:t>Blackbox</a:t>
-            </a:r>
-            <a:endParaRPr lang="en-US" sz="2400" b="1" i="1" dirty="0" smtClean="0">
-              <a:solidFill>
-                <a:schemeClr val="tx1">
-                  <a:lumMod val="65000"/>
-                  <a:lumOff val="35000"/>
-                </a:schemeClr>
-              </a:solidFill>
-            </a:endParaRPr>
-          </a:p>
-          <a:p>
-            <a:pPr marL="342900" indent="-342900" algn="l">
-              <a:buFont typeface="Wingdings" pitchFamily="2" charset="2"/>
-              <a:buChar char="q"/>
-            </a:pPr>
-            <a:r>
-              <a:rPr lang="en-US" sz="2400" b="1" dirty="0" smtClean="0">
-                <a:solidFill>
-                  <a:schemeClr val="tx1">
-                    <a:lumMod val="65000"/>
-                    <a:lumOff val="35000"/>
-                  </a:schemeClr>
-                </a:solidFill>
-              </a:rPr>
-              <a:t>Kuesioner</a:t>
-            </a:r>
-            <a:endParaRPr lang="en-US" sz="2400" b="1" dirty="0">
-              <a:solidFill>
-                <a:schemeClr val="tx1">
-                  <a:lumMod val="65000"/>
-                  <a:lumOff val="35000"/>
-                </a:schemeClr>
-              </a:solidFill>
-            </a:endParaRPr>
-          </a:p>
-        </p:txBody>
-      </p:sp>
-      <p:sp>
-        <p:nvSpPr>
-          <p:cNvPr id="12" name="Left Arrow 11">
-            <a:hlinkClick r:id="rId3" action="ppaction://hlinksldjump"/>
-          </p:cNvPr>
-          <p:cNvSpPr/>
-          <p:nvPr/>
-        </p:nvSpPr>
-        <p:spPr>
-          <a:xfrm>
-            <a:off x="228600" y="228600"/>
-            <a:ext cx="457200" cy="457200"/>
-          </a:xfrm>
-          <a:prstGeom prst="leftArrow">
-            <a:avLst/>
-          </a:prstGeom>
-          <a:solidFill>
-            <a:schemeClr val="bg1"/>
-          </a:solidFill>
-          <a:ln>
-            <a:noFill/>
-          </a:ln>
-          <a:effectLst/>
-        </p:spPr>
-        <p:style>
-          <a:lnRef idx="2">
-            <a:schemeClr val="accent1">
-              <a:shade val="50000"/>
-            </a:schemeClr>
-          </a:lnRef>
-          <a:fillRef idx="1">
-            <a:schemeClr val="accent1"/>
-          </a:fillRef>
-          <a:effectRef idx="0">
-            <a:schemeClr val="accent1"/>
-          </a:effectRef>
-          <a:fontRef idx="minor">
-            <a:schemeClr val="lt1"/>
-          </a:fontRef>
-        </p:style>
-        <p:txBody>
-          <a:bodyPr rtlCol="0" anchor="ctr"/>
-          <a:lstStyle/>
-          <a:p>
-            <a:pPr algn="ctr"/>
-            <a:endParaRPr lang="en-US"/>
-          </a:p>
-        </p:txBody>
-      </p:sp>
-    </p:spTree>
-    <p:extLst>
-      <p:ext uri="{BB962C8B-B14F-4D97-AF65-F5344CB8AC3E}">
-        <p14:creationId xmlns:p14="http://schemas.microsoft.com/office/powerpoint/2010/main" val="4042138815"/>
-      </p:ext>
-    </p:extLst>
-  </p:cSld>
-  <p:clrMapOvr>
-    <a:masterClrMapping/>
-  </p:clrMapOvr>
-  <mc:AlternateContent xmlns:mc="http://schemas.openxmlformats.org/markup-compatibility/2006" xmlns:p14="http://schemas.microsoft.com/office/powerpoint/2010/main">
-    <mc:Choice Requires="p14">
-      <p:transition p14:dur="0"/>
-    </mc:Choice>
-    <mc:Fallback xmlns="">
-      <p:transition/>
-    </mc:Fallback>
-  </mc:AlternateContent>
-  <p:timing>
-    <p:tnLst>
-      <p:par>
-        <p:cTn id="1" dur="indefinite" restart="never" nodeType="tmRoot"/>
-      </p:par>
-    </p:tnLst>
-  </p:timing>
-</p:sld>
-</file>
-
-<file path=ppt/slides/slide12.xml><?xml version="1.0" encoding="utf-8"?>
-<p:sld xmlns:a="http://schemas.openxmlformats.org/drawingml/2006/main" xmlns:r="http://schemas.openxmlformats.org/officeDocument/2006/relationships" xmlns:p="http://schemas.openxmlformats.org/presentationml/2006/main">
-  <p:cSld>
-    <p:spTree>
-      <p:nvGrpSpPr>
-        <p:cNvPr id="1" name=""/>
-        <p:cNvGrpSpPr/>
-        <p:nvPr/>
-      </p:nvGrpSpPr>
-      <p:grpSpPr>
-        <a:xfrm>
-          <a:off x="0" y="0"/>
-          <a:ext cx="0" cy="0"/>
-          <a:chOff x="0" y="0"/>
-          <a:chExt cx="0" cy="0"/>
-        </a:xfrm>
-      </p:grpSpPr>
-      <p:sp>
-        <p:nvSpPr>
           <p:cNvPr id="3" name="Title 1"/>
           <p:cNvSpPr>
             <a:spLocks noGrp="1"/>
@@ -7896,7 +4151,7 @@
 </p:sld>
 </file>
 
-<file path=ppt/slides/slide13.xml><?xml version="1.0" encoding="utf-8"?>
+<file path=ppt/slides/slide11.xml><?xml version="1.0" encoding="utf-8"?>
 <p:sld xmlns:a="http://schemas.openxmlformats.org/drawingml/2006/main" xmlns:r="http://schemas.openxmlformats.org/officeDocument/2006/relationships" xmlns:p="http://schemas.openxmlformats.org/presentationml/2006/main">
   <p:cSld>
     <p:bg>
@@ -9469,7 +5724,7 @@
 </p:sld>
 </file>
 
-<file path=ppt/slides/slide14.xml><?xml version="1.0" encoding="utf-8"?>
+<file path=ppt/slides/slide12.xml><?xml version="1.0" encoding="utf-8"?>
 <p:sld xmlns:a="http://schemas.openxmlformats.org/drawingml/2006/main" xmlns:r="http://schemas.openxmlformats.org/officeDocument/2006/relationships" xmlns:p="http://schemas.openxmlformats.org/presentationml/2006/main">
   <p:cSld>
     <p:bg>
@@ -9674,7 +5929,7 @@
                   </a:schemeClr>
                 </a:solidFill>
               </a:rPr>
-              <a:t>Pengujian kuesioner</a:t>
+              <a:t>Hasil kuesioner</a:t>
             </a:r>
           </a:p>
           <a:p>
@@ -13904,7 +10159,9 @@
             <a:avLst/>
           </a:prstGeom>
           <a:solidFill>
-            <a:srgbClr val="032548"/>
+            <a:schemeClr val="bg1">
+              <a:lumMod val="95000"/>
+            </a:schemeClr>
           </a:solidFill>
           <a:effectLst>
             <a:outerShdw blurRad="127000" dist="127000" dir="8100000" algn="tr" rotWithShape="0">
@@ -14068,31 +10325,6 @@
           </a:p>
         </p:txBody>
       </p:sp>
-      <p:graphicFrame>
-        <p:nvGraphicFramePr>
-          <p:cNvPr id="4" name="Content Placeholder 3"/>
-          <p:cNvGraphicFramePr>
-            <a:graphicFrameLocks noGrp="1"/>
-          </p:cNvGraphicFramePr>
-          <p:nvPr>
-            <p:ph idx="1"/>
-            <p:extLst>
-              <p:ext uri="{D42A27DB-BD31-4B8C-83A1-F6EECF244321}">
-                <p14:modId xmlns:p14="http://schemas.microsoft.com/office/powerpoint/2010/main" val="2655716638"/>
-              </p:ext>
-            </p:extLst>
-          </p:nvPr>
-        </p:nvGraphicFramePr>
-        <p:xfrm>
-          <a:off x="1819468" y="2438400"/>
-          <a:ext cx="5495731" cy="2805113"/>
-        </p:xfrm>
-        <a:graphic>
-          <a:graphicData uri="http://schemas.openxmlformats.org/drawingml/2006/diagram">
-            <dgm:relIds xmlns:dgm="http://schemas.openxmlformats.org/drawingml/2006/diagram" xmlns:r="http://schemas.openxmlformats.org/officeDocument/2006/relationships" r:dm="rId2" r:lo="rId3" r:qs="rId4" r:cs="rId5"/>
-          </a:graphicData>
-        </a:graphic>
-      </p:graphicFrame>
       <p:sp>
         <p:nvSpPr>
           <p:cNvPr id="2" name="Title 1"/>
@@ -14118,19 +10350,859 @@
             <a:r>
               <a:rPr lang="en-US" sz="2800" b="1" dirty="0" smtClean="0">
                 <a:solidFill>
-                  <a:schemeClr val="bg1"/>
+                  <a:schemeClr val="tx1">
+                    <a:lumMod val="65000"/>
+                    <a:lumOff val="35000"/>
+                  </a:schemeClr>
                 </a:solidFill>
               </a:rPr>
               <a:t>BAB II METODE PENELITIAN</a:t>
             </a:r>
             <a:endParaRPr lang="en-US" sz="2800" b="1" dirty="0">
               <a:solidFill>
-                <a:schemeClr val="bg1"/>
+                <a:schemeClr val="tx1">
+                  <a:lumMod val="65000"/>
+                  <a:lumOff val="35000"/>
+                </a:schemeClr>
               </a:solidFill>
             </a:endParaRPr>
           </a:p>
         </p:txBody>
       </p:sp>
+      <p:pic>
+        <p:nvPicPr>
+          <p:cNvPr id="7" name="Picture 6">
+            <a:hlinkClick r:id="rId2" action="ppaction://hlinksldjump"/>
+          </p:cNvPr>
+          <p:cNvPicPr>
+            <a:picLocks noChangeAspect="1"/>
+          </p:cNvPicPr>
+          <p:nvPr/>
+        </p:nvPicPr>
+        <p:blipFill>
+          <a:blip r:embed="rId3" cstate="print">
+            <a:extLst>
+              <a:ext uri="{28A0092B-C50C-407E-A947-70E740481C1C}">
+                <a14:useLocalDpi xmlns:a14="http://schemas.microsoft.com/office/drawing/2010/main" val="0"/>
+              </a:ext>
+            </a:extLst>
+          </a:blip>
+          <a:stretch>
+            <a:fillRect/>
+          </a:stretch>
+        </p:blipFill>
+        <p:spPr>
+          <a:xfrm>
+            <a:off x="1503955" y="3084394"/>
+            <a:ext cx="685800" cy="685800"/>
+          </a:xfrm>
+          <a:prstGeom prst="rect">
+            <a:avLst/>
+          </a:prstGeom>
+        </p:spPr>
+      </p:pic>
+      <p:sp>
+        <p:nvSpPr>
+          <p:cNvPr id="8" name="Content Placeholder 2"/>
+          <p:cNvSpPr txBox="1">
+            <a:spLocks/>
+          </p:cNvSpPr>
+          <p:nvPr/>
+        </p:nvSpPr>
+        <p:spPr>
+          <a:xfrm>
+            <a:off x="4572000" y="3657600"/>
+            <a:ext cx="1828800" cy="914400"/>
+          </a:xfrm>
+          <a:prstGeom prst="rect">
+            <a:avLst/>
+          </a:prstGeom>
+        </p:spPr>
+        <p:txBody>
+          <a:bodyPr vert="horz" lIns="91440" tIns="45720" rIns="91440" bIns="45720" rtlCol="0" anchor="ctr">
+            <a:normAutofit/>
+          </a:bodyPr>
+          <a:lstStyle>
+            <a:lvl1pPr marL="342900" indent="-342900" algn="l" defTabSz="914400" rtl="0" eaLnBrk="1" latinLnBrk="0" hangingPunct="1">
+              <a:spcBef>
+                <a:spcPct val="20000"/>
+              </a:spcBef>
+              <a:buFont typeface="Arial" pitchFamily="34" charset="0"/>
+              <a:buChar char="•"/>
+              <a:defRPr sz="3200" kern="1200">
+                <a:solidFill>
+                  <a:schemeClr val="tx1"/>
+                </a:solidFill>
+                <a:latin typeface="+mn-lt"/>
+                <a:ea typeface="+mn-ea"/>
+                <a:cs typeface="+mn-cs"/>
+              </a:defRPr>
+            </a:lvl1pPr>
+            <a:lvl2pPr marL="742950" indent="-285750" algn="l" defTabSz="914400" rtl="0" eaLnBrk="1" latinLnBrk="0" hangingPunct="1">
+              <a:spcBef>
+                <a:spcPct val="20000"/>
+              </a:spcBef>
+              <a:buFont typeface="Arial" pitchFamily="34" charset="0"/>
+              <a:buChar char="–"/>
+              <a:defRPr sz="2800" kern="1200">
+                <a:solidFill>
+                  <a:schemeClr val="tx1"/>
+                </a:solidFill>
+                <a:latin typeface="+mn-lt"/>
+                <a:ea typeface="+mn-ea"/>
+                <a:cs typeface="+mn-cs"/>
+              </a:defRPr>
+            </a:lvl2pPr>
+            <a:lvl3pPr marL="1143000" indent="-228600" algn="l" defTabSz="914400" rtl="0" eaLnBrk="1" latinLnBrk="0" hangingPunct="1">
+              <a:spcBef>
+                <a:spcPct val="20000"/>
+              </a:spcBef>
+              <a:buFont typeface="Arial" pitchFamily="34" charset="0"/>
+              <a:buChar char="•"/>
+              <a:defRPr sz="2400" kern="1200">
+                <a:solidFill>
+                  <a:schemeClr val="tx1"/>
+                </a:solidFill>
+                <a:latin typeface="+mn-lt"/>
+                <a:ea typeface="+mn-ea"/>
+                <a:cs typeface="+mn-cs"/>
+              </a:defRPr>
+            </a:lvl3pPr>
+            <a:lvl4pPr marL="1600200" indent="-228600" algn="l" defTabSz="914400" rtl="0" eaLnBrk="1" latinLnBrk="0" hangingPunct="1">
+              <a:spcBef>
+                <a:spcPct val="20000"/>
+              </a:spcBef>
+              <a:buFont typeface="Arial" pitchFamily="34" charset="0"/>
+              <a:buChar char="–"/>
+              <a:defRPr sz="2000" kern="1200">
+                <a:solidFill>
+                  <a:schemeClr val="tx1"/>
+                </a:solidFill>
+                <a:latin typeface="+mn-lt"/>
+                <a:ea typeface="+mn-ea"/>
+                <a:cs typeface="+mn-cs"/>
+              </a:defRPr>
+            </a:lvl4pPr>
+            <a:lvl5pPr marL="2057400" indent="-228600" algn="l" defTabSz="914400" rtl="0" eaLnBrk="1" latinLnBrk="0" hangingPunct="1">
+              <a:spcBef>
+                <a:spcPct val="20000"/>
+              </a:spcBef>
+              <a:buFont typeface="Arial" pitchFamily="34" charset="0"/>
+              <a:buChar char="»"/>
+              <a:defRPr sz="2000" kern="1200">
+                <a:solidFill>
+                  <a:schemeClr val="tx1"/>
+                </a:solidFill>
+                <a:latin typeface="+mn-lt"/>
+                <a:ea typeface="+mn-ea"/>
+                <a:cs typeface="+mn-cs"/>
+              </a:defRPr>
+            </a:lvl5pPr>
+            <a:lvl6pPr marL="2514600" indent="-228600" algn="l" defTabSz="914400" rtl="0" eaLnBrk="1" latinLnBrk="0" hangingPunct="1">
+              <a:spcBef>
+                <a:spcPct val="20000"/>
+              </a:spcBef>
+              <a:buFont typeface="Arial" pitchFamily="34" charset="0"/>
+              <a:buChar char="•"/>
+              <a:defRPr sz="2000" kern="1200">
+                <a:solidFill>
+                  <a:schemeClr val="tx1"/>
+                </a:solidFill>
+                <a:latin typeface="+mn-lt"/>
+                <a:ea typeface="+mn-ea"/>
+                <a:cs typeface="+mn-cs"/>
+              </a:defRPr>
+            </a:lvl6pPr>
+            <a:lvl7pPr marL="2971800" indent="-228600" algn="l" defTabSz="914400" rtl="0" eaLnBrk="1" latinLnBrk="0" hangingPunct="1">
+              <a:spcBef>
+                <a:spcPct val="20000"/>
+              </a:spcBef>
+              <a:buFont typeface="Arial" pitchFamily="34" charset="0"/>
+              <a:buChar char="•"/>
+              <a:defRPr sz="2000" kern="1200">
+                <a:solidFill>
+                  <a:schemeClr val="tx1"/>
+                </a:solidFill>
+                <a:latin typeface="+mn-lt"/>
+                <a:ea typeface="+mn-ea"/>
+                <a:cs typeface="+mn-cs"/>
+              </a:defRPr>
+            </a:lvl7pPr>
+            <a:lvl8pPr marL="3429000" indent="-228600" algn="l" defTabSz="914400" rtl="0" eaLnBrk="1" latinLnBrk="0" hangingPunct="1">
+              <a:spcBef>
+                <a:spcPct val="20000"/>
+              </a:spcBef>
+              <a:buFont typeface="Arial" pitchFamily="34" charset="0"/>
+              <a:buChar char="•"/>
+              <a:defRPr sz="2000" kern="1200">
+                <a:solidFill>
+                  <a:schemeClr val="tx1"/>
+                </a:solidFill>
+                <a:latin typeface="+mn-lt"/>
+                <a:ea typeface="+mn-ea"/>
+                <a:cs typeface="+mn-cs"/>
+              </a:defRPr>
+            </a:lvl8pPr>
+            <a:lvl9pPr marL="3886200" indent="-228600" algn="l" defTabSz="914400" rtl="0" eaLnBrk="1" latinLnBrk="0" hangingPunct="1">
+              <a:spcBef>
+                <a:spcPct val="20000"/>
+              </a:spcBef>
+              <a:buFont typeface="Arial" pitchFamily="34" charset="0"/>
+              <a:buChar char="•"/>
+              <a:defRPr sz="2000" kern="1200">
+                <a:solidFill>
+                  <a:schemeClr val="tx1"/>
+                </a:solidFill>
+                <a:latin typeface="+mn-lt"/>
+                <a:ea typeface="+mn-ea"/>
+                <a:cs typeface="+mn-cs"/>
+              </a:defRPr>
+            </a:lvl9pPr>
+          </a:lstStyle>
+          <a:p>
+            <a:pPr marL="0" indent="0" algn="ctr">
+              <a:buFont typeface="Arial" pitchFamily="34" charset="0"/>
+              <a:buNone/>
+            </a:pPr>
+            <a:r>
+              <a:rPr lang="en-US" sz="2000" dirty="0" smtClean="0">
+                <a:solidFill>
+                  <a:schemeClr val="tx1">
+                    <a:lumMod val="75000"/>
+                    <a:lumOff val="25000"/>
+                  </a:schemeClr>
+                </a:solidFill>
+              </a:rPr>
+              <a:t>Implementasi</a:t>
+            </a:r>
+          </a:p>
+        </p:txBody>
+      </p:sp>
+      <p:sp>
+        <p:nvSpPr>
+          <p:cNvPr id="9" name="Content Placeholder 2"/>
+          <p:cNvSpPr txBox="1">
+            <a:spLocks/>
+          </p:cNvSpPr>
+          <p:nvPr/>
+        </p:nvSpPr>
+        <p:spPr>
+          <a:xfrm>
+            <a:off x="2705100" y="3657600"/>
+            <a:ext cx="1828800" cy="914400"/>
+          </a:xfrm>
+          <a:prstGeom prst="rect">
+            <a:avLst/>
+          </a:prstGeom>
+        </p:spPr>
+        <p:txBody>
+          <a:bodyPr vert="horz" lIns="91440" tIns="45720" rIns="91440" bIns="45720" rtlCol="0" anchor="ctr">
+            <a:normAutofit/>
+          </a:bodyPr>
+          <a:lstStyle>
+            <a:lvl1pPr marL="342900" indent="-342900" algn="l" defTabSz="914400" rtl="0" eaLnBrk="1" latinLnBrk="0" hangingPunct="1">
+              <a:spcBef>
+                <a:spcPct val="20000"/>
+              </a:spcBef>
+              <a:buFont typeface="Arial" pitchFamily="34" charset="0"/>
+              <a:buChar char="•"/>
+              <a:defRPr sz="3200" kern="1200">
+                <a:solidFill>
+                  <a:schemeClr val="tx1"/>
+                </a:solidFill>
+                <a:latin typeface="+mn-lt"/>
+                <a:ea typeface="+mn-ea"/>
+                <a:cs typeface="+mn-cs"/>
+              </a:defRPr>
+            </a:lvl1pPr>
+            <a:lvl2pPr marL="742950" indent="-285750" algn="l" defTabSz="914400" rtl="0" eaLnBrk="1" latinLnBrk="0" hangingPunct="1">
+              <a:spcBef>
+                <a:spcPct val="20000"/>
+              </a:spcBef>
+              <a:buFont typeface="Arial" pitchFamily="34" charset="0"/>
+              <a:buChar char="–"/>
+              <a:defRPr sz="2800" kern="1200">
+                <a:solidFill>
+                  <a:schemeClr val="tx1"/>
+                </a:solidFill>
+                <a:latin typeface="+mn-lt"/>
+                <a:ea typeface="+mn-ea"/>
+                <a:cs typeface="+mn-cs"/>
+              </a:defRPr>
+            </a:lvl2pPr>
+            <a:lvl3pPr marL="1143000" indent="-228600" algn="l" defTabSz="914400" rtl="0" eaLnBrk="1" latinLnBrk="0" hangingPunct="1">
+              <a:spcBef>
+                <a:spcPct val="20000"/>
+              </a:spcBef>
+              <a:buFont typeface="Arial" pitchFamily="34" charset="0"/>
+              <a:buChar char="•"/>
+              <a:defRPr sz="2400" kern="1200">
+                <a:solidFill>
+                  <a:schemeClr val="tx1"/>
+                </a:solidFill>
+                <a:latin typeface="+mn-lt"/>
+                <a:ea typeface="+mn-ea"/>
+                <a:cs typeface="+mn-cs"/>
+              </a:defRPr>
+            </a:lvl3pPr>
+            <a:lvl4pPr marL="1600200" indent="-228600" algn="l" defTabSz="914400" rtl="0" eaLnBrk="1" latinLnBrk="0" hangingPunct="1">
+              <a:spcBef>
+                <a:spcPct val="20000"/>
+              </a:spcBef>
+              <a:buFont typeface="Arial" pitchFamily="34" charset="0"/>
+              <a:buChar char="–"/>
+              <a:defRPr sz="2000" kern="1200">
+                <a:solidFill>
+                  <a:schemeClr val="tx1"/>
+                </a:solidFill>
+                <a:latin typeface="+mn-lt"/>
+                <a:ea typeface="+mn-ea"/>
+                <a:cs typeface="+mn-cs"/>
+              </a:defRPr>
+            </a:lvl4pPr>
+            <a:lvl5pPr marL="2057400" indent="-228600" algn="l" defTabSz="914400" rtl="0" eaLnBrk="1" latinLnBrk="0" hangingPunct="1">
+              <a:spcBef>
+                <a:spcPct val="20000"/>
+              </a:spcBef>
+              <a:buFont typeface="Arial" pitchFamily="34" charset="0"/>
+              <a:buChar char="»"/>
+              <a:defRPr sz="2000" kern="1200">
+                <a:solidFill>
+                  <a:schemeClr val="tx1"/>
+                </a:solidFill>
+                <a:latin typeface="+mn-lt"/>
+                <a:ea typeface="+mn-ea"/>
+                <a:cs typeface="+mn-cs"/>
+              </a:defRPr>
+            </a:lvl5pPr>
+            <a:lvl6pPr marL="2514600" indent="-228600" algn="l" defTabSz="914400" rtl="0" eaLnBrk="1" latinLnBrk="0" hangingPunct="1">
+              <a:spcBef>
+                <a:spcPct val="20000"/>
+              </a:spcBef>
+              <a:buFont typeface="Arial" pitchFamily="34" charset="0"/>
+              <a:buChar char="•"/>
+              <a:defRPr sz="2000" kern="1200">
+                <a:solidFill>
+                  <a:schemeClr val="tx1"/>
+                </a:solidFill>
+                <a:latin typeface="+mn-lt"/>
+                <a:ea typeface="+mn-ea"/>
+                <a:cs typeface="+mn-cs"/>
+              </a:defRPr>
+            </a:lvl6pPr>
+            <a:lvl7pPr marL="2971800" indent="-228600" algn="l" defTabSz="914400" rtl="0" eaLnBrk="1" latinLnBrk="0" hangingPunct="1">
+              <a:spcBef>
+                <a:spcPct val="20000"/>
+              </a:spcBef>
+              <a:buFont typeface="Arial" pitchFamily="34" charset="0"/>
+              <a:buChar char="•"/>
+              <a:defRPr sz="2000" kern="1200">
+                <a:solidFill>
+                  <a:schemeClr val="tx1"/>
+                </a:solidFill>
+                <a:latin typeface="+mn-lt"/>
+                <a:ea typeface="+mn-ea"/>
+                <a:cs typeface="+mn-cs"/>
+              </a:defRPr>
+            </a:lvl7pPr>
+            <a:lvl8pPr marL="3429000" indent="-228600" algn="l" defTabSz="914400" rtl="0" eaLnBrk="1" latinLnBrk="0" hangingPunct="1">
+              <a:spcBef>
+                <a:spcPct val="20000"/>
+              </a:spcBef>
+              <a:buFont typeface="Arial" pitchFamily="34" charset="0"/>
+              <a:buChar char="•"/>
+              <a:defRPr sz="2000" kern="1200">
+                <a:solidFill>
+                  <a:schemeClr val="tx1"/>
+                </a:solidFill>
+                <a:latin typeface="+mn-lt"/>
+                <a:ea typeface="+mn-ea"/>
+                <a:cs typeface="+mn-cs"/>
+              </a:defRPr>
+            </a:lvl8pPr>
+            <a:lvl9pPr marL="3886200" indent="-228600" algn="l" defTabSz="914400" rtl="0" eaLnBrk="1" latinLnBrk="0" hangingPunct="1">
+              <a:spcBef>
+                <a:spcPct val="20000"/>
+              </a:spcBef>
+              <a:buFont typeface="Arial" pitchFamily="34" charset="0"/>
+              <a:buChar char="•"/>
+              <a:defRPr sz="2000" kern="1200">
+                <a:solidFill>
+                  <a:schemeClr val="tx1"/>
+                </a:solidFill>
+                <a:latin typeface="+mn-lt"/>
+                <a:ea typeface="+mn-ea"/>
+                <a:cs typeface="+mn-cs"/>
+              </a:defRPr>
+            </a:lvl9pPr>
+          </a:lstStyle>
+          <a:p>
+            <a:pPr marL="0" indent="0" algn="ctr">
+              <a:buFont typeface="Arial" pitchFamily="34" charset="0"/>
+              <a:buNone/>
+            </a:pPr>
+            <a:r>
+              <a:rPr lang="en-US" sz="2000" dirty="0" smtClean="0">
+                <a:solidFill>
+                  <a:schemeClr val="tx1">
+                    <a:lumMod val="75000"/>
+                    <a:lumOff val="25000"/>
+                  </a:schemeClr>
+                </a:solidFill>
+              </a:rPr>
+              <a:t>Desain sistem</a:t>
+            </a:r>
+          </a:p>
+        </p:txBody>
+      </p:sp>
+      <p:sp>
+        <p:nvSpPr>
+          <p:cNvPr id="10" name="Content Placeholder 2"/>
+          <p:cNvSpPr txBox="1">
+            <a:spLocks/>
+          </p:cNvSpPr>
+          <p:nvPr/>
+        </p:nvSpPr>
+        <p:spPr>
+          <a:xfrm>
+            <a:off x="6400800" y="3657600"/>
+            <a:ext cx="1828800" cy="914400"/>
+          </a:xfrm>
+          <a:prstGeom prst="rect">
+            <a:avLst/>
+          </a:prstGeom>
+        </p:spPr>
+        <p:txBody>
+          <a:bodyPr vert="horz" lIns="91440" tIns="45720" rIns="91440" bIns="45720" rtlCol="0" anchor="ctr">
+            <a:normAutofit/>
+          </a:bodyPr>
+          <a:lstStyle>
+            <a:lvl1pPr marL="342900" indent="-342900" algn="l" defTabSz="914400" rtl="0" eaLnBrk="1" latinLnBrk="0" hangingPunct="1">
+              <a:spcBef>
+                <a:spcPct val="20000"/>
+              </a:spcBef>
+              <a:buFont typeface="Arial" pitchFamily="34" charset="0"/>
+              <a:buChar char="•"/>
+              <a:defRPr sz="3200" kern="1200">
+                <a:solidFill>
+                  <a:schemeClr val="tx1"/>
+                </a:solidFill>
+                <a:latin typeface="+mn-lt"/>
+                <a:ea typeface="+mn-ea"/>
+                <a:cs typeface="+mn-cs"/>
+              </a:defRPr>
+            </a:lvl1pPr>
+            <a:lvl2pPr marL="742950" indent="-285750" algn="l" defTabSz="914400" rtl="0" eaLnBrk="1" latinLnBrk="0" hangingPunct="1">
+              <a:spcBef>
+                <a:spcPct val="20000"/>
+              </a:spcBef>
+              <a:buFont typeface="Arial" pitchFamily="34" charset="0"/>
+              <a:buChar char="–"/>
+              <a:defRPr sz="2800" kern="1200">
+                <a:solidFill>
+                  <a:schemeClr val="tx1"/>
+                </a:solidFill>
+                <a:latin typeface="+mn-lt"/>
+                <a:ea typeface="+mn-ea"/>
+                <a:cs typeface="+mn-cs"/>
+              </a:defRPr>
+            </a:lvl2pPr>
+            <a:lvl3pPr marL="1143000" indent="-228600" algn="l" defTabSz="914400" rtl="0" eaLnBrk="1" latinLnBrk="0" hangingPunct="1">
+              <a:spcBef>
+                <a:spcPct val="20000"/>
+              </a:spcBef>
+              <a:buFont typeface="Arial" pitchFamily="34" charset="0"/>
+              <a:buChar char="•"/>
+              <a:defRPr sz="2400" kern="1200">
+                <a:solidFill>
+                  <a:schemeClr val="tx1"/>
+                </a:solidFill>
+                <a:latin typeface="+mn-lt"/>
+                <a:ea typeface="+mn-ea"/>
+                <a:cs typeface="+mn-cs"/>
+              </a:defRPr>
+            </a:lvl3pPr>
+            <a:lvl4pPr marL="1600200" indent="-228600" algn="l" defTabSz="914400" rtl="0" eaLnBrk="1" latinLnBrk="0" hangingPunct="1">
+              <a:spcBef>
+                <a:spcPct val="20000"/>
+              </a:spcBef>
+              <a:buFont typeface="Arial" pitchFamily="34" charset="0"/>
+              <a:buChar char="–"/>
+              <a:defRPr sz="2000" kern="1200">
+                <a:solidFill>
+                  <a:schemeClr val="tx1"/>
+                </a:solidFill>
+                <a:latin typeface="+mn-lt"/>
+                <a:ea typeface="+mn-ea"/>
+                <a:cs typeface="+mn-cs"/>
+              </a:defRPr>
+            </a:lvl4pPr>
+            <a:lvl5pPr marL="2057400" indent="-228600" algn="l" defTabSz="914400" rtl="0" eaLnBrk="1" latinLnBrk="0" hangingPunct="1">
+              <a:spcBef>
+                <a:spcPct val="20000"/>
+              </a:spcBef>
+              <a:buFont typeface="Arial" pitchFamily="34" charset="0"/>
+              <a:buChar char="»"/>
+              <a:defRPr sz="2000" kern="1200">
+                <a:solidFill>
+                  <a:schemeClr val="tx1"/>
+                </a:solidFill>
+                <a:latin typeface="+mn-lt"/>
+                <a:ea typeface="+mn-ea"/>
+                <a:cs typeface="+mn-cs"/>
+              </a:defRPr>
+            </a:lvl5pPr>
+            <a:lvl6pPr marL="2514600" indent="-228600" algn="l" defTabSz="914400" rtl="0" eaLnBrk="1" latinLnBrk="0" hangingPunct="1">
+              <a:spcBef>
+                <a:spcPct val="20000"/>
+              </a:spcBef>
+              <a:buFont typeface="Arial" pitchFamily="34" charset="0"/>
+              <a:buChar char="•"/>
+              <a:defRPr sz="2000" kern="1200">
+                <a:solidFill>
+                  <a:schemeClr val="tx1"/>
+                </a:solidFill>
+                <a:latin typeface="+mn-lt"/>
+                <a:ea typeface="+mn-ea"/>
+                <a:cs typeface="+mn-cs"/>
+              </a:defRPr>
+            </a:lvl6pPr>
+            <a:lvl7pPr marL="2971800" indent="-228600" algn="l" defTabSz="914400" rtl="0" eaLnBrk="1" latinLnBrk="0" hangingPunct="1">
+              <a:spcBef>
+                <a:spcPct val="20000"/>
+              </a:spcBef>
+              <a:buFont typeface="Arial" pitchFamily="34" charset="0"/>
+              <a:buChar char="•"/>
+              <a:defRPr sz="2000" kern="1200">
+                <a:solidFill>
+                  <a:schemeClr val="tx1"/>
+                </a:solidFill>
+                <a:latin typeface="+mn-lt"/>
+                <a:ea typeface="+mn-ea"/>
+                <a:cs typeface="+mn-cs"/>
+              </a:defRPr>
+            </a:lvl7pPr>
+            <a:lvl8pPr marL="3429000" indent="-228600" algn="l" defTabSz="914400" rtl="0" eaLnBrk="1" latinLnBrk="0" hangingPunct="1">
+              <a:spcBef>
+                <a:spcPct val="20000"/>
+              </a:spcBef>
+              <a:buFont typeface="Arial" pitchFamily="34" charset="0"/>
+              <a:buChar char="•"/>
+              <a:defRPr sz="2000" kern="1200">
+                <a:solidFill>
+                  <a:schemeClr val="tx1"/>
+                </a:solidFill>
+                <a:latin typeface="+mn-lt"/>
+                <a:ea typeface="+mn-ea"/>
+                <a:cs typeface="+mn-cs"/>
+              </a:defRPr>
+            </a:lvl8pPr>
+            <a:lvl9pPr marL="3886200" indent="-228600" algn="l" defTabSz="914400" rtl="0" eaLnBrk="1" latinLnBrk="0" hangingPunct="1">
+              <a:spcBef>
+                <a:spcPct val="20000"/>
+              </a:spcBef>
+              <a:buFont typeface="Arial" pitchFamily="34" charset="0"/>
+              <a:buChar char="•"/>
+              <a:defRPr sz="2000" kern="1200">
+                <a:solidFill>
+                  <a:schemeClr val="tx1"/>
+                </a:solidFill>
+                <a:latin typeface="+mn-lt"/>
+                <a:ea typeface="+mn-ea"/>
+                <a:cs typeface="+mn-cs"/>
+              </a:defRPr>
+            </a:lvl9pPr>
+          </a:lstStyle>
+          <a:p>
+            <a:pPr marL="0" indent="0" algn="ctr">
+              <a:buFont typeface="Arial" pitchFamily="34" charset="0"/>
+              <a:buNone/>
+            </a:pPr>
+            <a:r>
+              <a:rPr lang="en-US" sz="2000" dirty="0" smtClean="0">
+                <a:solidFill>
+                  <a:schemeClr val="tx1">
+                    <a:lumMod val="75000"/>
+                    <a:lumOff val="25000"/>
+                  </a:schemeClr>
+                </a:solidFill>
+              </a:rPr>
+              <a:t>Pengujian</a:t>
+            </a:r>
+          </a:p>
+        </p:txBody>
+      </p:sp>
+      <p:pic>
+        <p:nvPicPr>
+          <p:cNvPr id="11" name="Picture 10">
+            <a:hlinkClick r:id="rId4" action="ppaction://hlinksldjump"/>
+          </p:cNvPr>
+          <p:cNvPicPr>
+            <a:picLocks noChangeAspect="1"/>
+          </p:cNvPicPr>
+          <p:nvPr/>
+        </p:nvPicPr>
+        <p:blipFill>
+          <a:blip r:embed="rId5" cstate="print">
+            <a:extLst>
+              <a:ext uri="{28A0092B-C50C-407E-A947-70E740481C1C}">
+                <a14:useLocalDpi xmlns:a14="http://schemas.microsoft.com/office/drawing/2010/main" val="0"/>
+              </a:ext>
+            </a:extLst>
+          </a:blip>
+          <a:stretch>
+            <a:fillRect/>
+          </a:stretch>
+        </p:blipFill>
+        <p:spPr>
+          <a:xfrm>
+            <a:off x="3276600" y="3084394"/>
+            <a:ext cx="685800" cy="685800"/>
+          </a:xfrm>
+          <a:prstGeom prst="rect">
+            <a:avLst/>
+          </a:prstGeom>
+        </p:spPr>
+      </p:pic>
+      <p:sp>
+        <p:nvSpPr>
+          <p:cNvPr id="14" name="Content Placeholder 2"/>
+          <p:cNvSpPr txBox="1">
+            <a:spLocks/>
+          </p:cNvSpPr>
+          <p:nvPr/>
+        </p:nvSpPr>
+        <p:spPr>
+          <a:xfrm>
+            <a:off x="914400" y="3657600"/>
+            <a:ext cx="1828800" cy="914400"/>
+          </a:xfrm>
+          <a:prstGeom prst="rect">
+            <a:avLst/>
+          </a:prstGeom>
+        </p:spPr>
+        <p:txBody>
+          <a:bodyPr vert="horz" lIns="91440" tIns="45720" rIns="91440" bIns="45720" rtlCol="0" anchor="ctr">
+            <a:normAutofit/>
+          </a:bodyPr>
+          <a:lstStyle>
+            <a:lvl1pPr marL="342900" indent="-342900" algn="l" defTabSz="914400" rtl="0" eaLnBrk="1" latinLnBrk="0" hangingPunct="1">
+              <a:spcBef>
+                <a:spcPct val="20000"/>
+              </a:spcBef>
+              <a:buFont typeface="Arial" pitchFamily="34" charset="0"/>
+              <a:buChar char="•"/>
+              <a:defRPr sz="3200" kern="1200">
+                <a:solidFill>
+                  <a:schemeClr val="tx1"/>
+                </a:solidFill>
+                <a:latin typeface="+mn-lt"/>
+                <a:ea typeface="+mn-ea"/>
+                <a:cs typeface="+mn-cs"/>
+              </a:defRPr>
+            </a:lvl1pPr>
+            <a:lvl2pPr marL="742950" indent="-285750" algn="l" defTabSz="914400" rtl="0" eaLnBrk="1" latinLnBrk="0" hangingPunct="1">
+              <a:spcBef>
+                <a:spcPct val="20000"/>
+              </a:spcBef>
+              <a:buFont typeface="Arial" pitchFamily="34" charset="0"/>
+              <a:buChar char="–"/>
+              <a:defRPr sz="2800" kern="1200">
+                <a:solidFill>
+                  <a:schemeClr val="tx1"/>
+                </a:solidFill>
+                <a:latin typeface="+mn-lt"/>
+                <a:ea typeface="+mn-ea"/>
+                <a:cs typeface="+mn-cs"/>
+              </a:defRPr>
+            </a:lvl2pPr>
+            <a:lvl3pPr marL="1143000" indent="-228600" algn="l" defTabSz="914400" rtl="0" eaLnBrk="1" latinLnBrk="0" hangingPunct="1">
+              <a:spcBef>
+                <a:spcPct val="20000"/>
+              </a:spcBef>
+              <a:buFont typeface="Arial" pitchFamily="34" charset="0"/>
+              <a:buChar char="•"/>
+              <a:defRPr sz="2400" kern="1200">
+                <a:solidFill>
+                  <a:schemeClr val="tx1"/>
+                </a:solidFill>
+                <a:latin typeface="+mn-lt"/>
+                <a:ea typeface="+mn-ea"/>
+                <a:cs typeface="+mn-cs"/>
+              </a:defRPr>
+            </a:lvl3pPr>
+            <a:lvl4pPr marL="1600200" indent="-228600" algn="l" defTabSz="914400" rtl="0" eaLnBrk="1" latinLnBrk="0" hangingPunct="1">
+              <a:spcBef>
+                <a:spcPct val="20000"/>
+              </a:spcBef>
+              <a:buFont typeface="Arial" pitchFamily="34" charset="0"/>
+              <a:buChar char="–"/>
+              <a:defRPr sz="2000" kern="1200">
+                <a:solidFill>
+                  <a:schemeClr val="tx1"/>
+                </a:solidFill>
+                <a:latin typeface="+mn-lt"/>
+                <a:ea typeface="+mn-ea"/>
+                <a:cs typeface="+mn-cs"/>
+              </a:defRPr>
+            </a:lvl4pPr>
+            <a:lvl5pPr marL="2057400" indent="-228600" algn="l" defTabSz="914400" rtl="0" eaLnBrk="1" latinLnBrk="0" hangingPunct="1">
+              <a:spcBef>
+                <a:spcPct val="20000"/>
+              </a:spcBef>
+              <a:buFont typeface="Arial" pitchFamily="34" charset="0"/>
+              <a:buChar char="»"/>
+              <a:defRPr sz="2000" kern="1200">
+                <a:solidFill>
+                  <a:schemeClr val="tx1"/>
+                </a:solidFill>
+                <a:latin typeface="+mn-lt"/>
+                <a:ea typeface="+mn-ea"/>
+                <a:cs typeface="+mn-cs"/>
+              </a:defRPr>
+            </a:lvl5pPr>
+            <a:lvl6pPr marL="2514600" indent="-228600" algn="l" defTabSz="914400" rtl="0" eaLnBrk="1" latinLnBrk="0" hangingPunct="1">
+              <a:spcBef>
+                <a:spcPct val="20000"/>
+              </a:spcBef>
+              <a:buFont typeface="Arial" pitchFamily="34" charset="0"/>
+              <a:buChar char="•"/>
+              <a:defRPr sz="2000" kern="1200">
+                <a:solidFill>
+                  <a:schemeClr val="tx1"/>
+                </a:solidFill>
+                <a:latin typeface="+mn-lt"/>
+                <a:ea typeface="+mn-ea"/>
+                <a:cs typeface="+mn-cs"/>
+              </a:defRPr>
+            </a:lvl6pPr>
+            <a:lvl7pPr marL="2971800" indent="-228600" algn="l" defTabSz="914400" rtl="0" eaLnBrk="1" latinLnBrk="0" hangingPunct="1">
+              <a:spcBef>
+                <a:spcPct val="20000"/>
+              </a:spcBef>
+              <a:buFont typeface="Arial" pitchFamily="34" charset="0"/>
+              <a:buChar char="•"/>
+              <a:defRPr sz="2000" kern="1200">
+                <a:solidFill>
+                  <a:schemeClr val="tx1"/>
+                </a:solidFill>
+                <a:latin typeface="+mn-lt"/>
+                <a:ea typeface="+mn-ea"/>
+                <a:cs typeface="+mn-cs"/>
+              </a:defRPr>
+            </a:lvl7pPr>
+            <a:lvl8pPr marL="3429000" indent="-228600" algn="l" defTabSz="914400" rtl="0" eaLnBrk="1" latinLnBrk="0" hangingPunct="1">
+              <a:spcBef>
+                <a:spcPct val="20000"/>
+              </a:spcBef>
+              <a:buFont typeface="Arial" pitchFamily="34" charset="0"/>
+              <a:buChar char="•"/>
+              <a:defRPr sz="2000" kern="1200">
+                <a:solidFill>
+                  <a:schemeClr val="tx1"/>
+                </a:solidFill>
+                <a:latin typeface="+mn-lt"/>
+                <a:ea typeface="+mn-ea"/>
+                <a:cs typeface="+mn-cs"/>
+              </a:defRPr>
+            </a:lvl8pPr>
+            <a:lvl9pPr marL="3886200" indent="-228600" algn="l" defTabSz="914400" rtl="0" eaLnBrk="1" latinLnBrk="0" hangingPunct="1">
+              <a:spcBef>
+                <a:spcPct val="20000"/>
+              </a:spcBef>
+              <a:buFont typeface="Arial" pitchFamily="34" charset="0"/>
+              <a:buChar char="•"/>
+              <a:defRPr sz="2000" kern="1200">
+                <a:solidFill>
+                  <a:schemeClr val="tx1"/>
+                </a:solidFill>
+                <a:latin typeface="+mn-lt"/>
+                <a:ea typeface="+mn-ea"/>
+                <a:cs typeface="+mn-cs"/>
+              </a:defRPr>
+            </a:lvl9pPr>
+          </a:lstStyle>
+          <a:p>
+            <a:pPr marL="0" indent="0" algn="ctr">
+              <a:buFont typeface="Arial" pitchFamily="34" charset="0"/>
+              <a:buNone/>
+            </a:pPr>
+            <a:r>
+              <a:rPr lang="en-US" sz="2000" dirty="0" smtClean="0">
+                <a:solidFill>
+                  <a:schemeClr val="tx1">
+                    <a:lumMod val="75000"/>
+                    <a:lumOff val="25000"/>
+                  </a:schemeClr>
+                </a:solidFill>
+              </a:rPr>
+              <a:t>Analisis kebutuhan</a:t>
+            </a:r>
+          </a:p>
+        </p:txBody>
+      </p:sp>
+      <p:pic>
+        <p:nvPicPr>
+          <p:cNvPr id="20" name="Picture 19">
+            <a:hlinkClick r:id="rId6" action="ppaction://hlinksldjump"/>
+          </p:cNvPr>
+          <p:cNvPicPr>
+            <a:picLocks noChangeAspect="1"/>
+          </p:cNvPicPr>
+          <p:nvPr/>
+        </p:nvPicPr>
+        <p:blipFill>
+          <a:blip r:embed="rId7" cstate="print">
+            <a:extLst>
+              <a:ext uri="{28A0092B-C50C-407E-A947-70E740481C1C}">
+                <a14:useLocalDpi xmlns:a14="http://schemas.microsoft.com/office/drawing/2010/main" val="0"/>
+              </a:ext>
+            </a:extLst>
+          </a:blip>
+          <a:stretch>
+            <a:fillRect/>
+          </a:stretch>
+        </p:blipFill>
+        <p:spPr>
+          <a:xfrm>
+            <a:off x="6972300" y="3084394"/>
+            <a:ext cx="685800" cy="685800"/>
+          </a:xfrm>
+          <a:prstGeom prst="rect">
+            <a:avLst/>
+          </a:prstGeom>
+        </p:spPr>
+      </p:pic>
+      <p:pic>
+        <p:nvPicPr>
+          <p:cNvPr id="21" name="Picture 20"/>
+          <p:cNvPicPr>
+            <a:picLocks noChangeAspect="1"/>
+          </p:cNvPicPr>
+          <p:nvPr/>
+        </p:nvPicPr>
+        <p:blipFill>
+          <a:blip r:embed="rId8" cstate="print">
+            <a:extLst>
+              <a:ext uri="{28A0092B-C50C-407E-A947-70E740481C1C}">
+                <a14:useLocalDpi xmlns:a14="http://schemas.microsoft.com/office/drawing/2010/main" val="0"/>
+              </a:ext>
+            </a:extLst>
+          </a:blip>
+          <a:stretch>
+            <a:fillRect/>
+          </a:stretch>
+        </p:blipFill>
+        <p:spPr>
+          <a:xfrm>
+            <a:off x="5143500" y="3084394"/>
+            <a:ext cx="685800" cy="685800"/>
+          </a:xfrm>
+          <a:prstGeom prst="rect">
+            <a:avLst/>
+          </a:prstGeom>
+        </p:spPr>
+      </p:pic>
     </p:spTree>
     <p:extLst>
       <p:ext uri="{BB962C8B-B14F-4D97-AF65-F5344CB8AC3E}">
@@ -15094,7 +12166,9 @@
     <p:bg>
       <p:bgPr>
         <a:solidFill>
-          <a:srgbClr val="F0F6FB"/>
+          <a:schemeClr val="bg1">
+            <a:lumMod val="95000"/>
+          </a:schemeClr>
         </a:solidFill>
         <a:effectLst/>
       </p:bgPr>
@@ -15128,6 +12202,9 @@
             <a:off x="950976" y="1295400"/>
             <a:ext cx="7242048" cy="1143000"/>
           </a:xfrm>
+          <a:prstGeom prst="rect">
+            <a:avLst/>
+          </a:prstGeom>
           <a:solidFill>
             <a:schemeClr val="bg1"/>
           </a:solidFill>
@@ -15177,14 +12254,14 @@
             <p:ph idx="1"/>
             <p:extLst>
               <p:ext uri="{D42A27DB-BD31-4B8C-83A1-F6EECF244321}">
-                <p14:modId xmlns:p14="http://schemas.microsoft.com/office/powerpoint/2010/main" val="1038217353"/>
+                <p14:modId xmlns:p14="http://schemas.microsoft.com/office/powerpoint/2010/main" val="3852659479"/>
               </p:ext>
             </p:extLst>
           </p:nvPr>
         </p:nvGraphicFramePr>
         <p:xfrm>
           <a:off x="952500" y="2590800"/>
-          <a:ext cx="7277100" cy="2926080"/>
+          <a:ext cx="7277100" cy="3657600"/>
         </p:xfrm>
         <a:graphic>
           <a:graphicData uri="http://schemas.openxmlformats.org/drawingml/2006/table">
@@ -15218,7 +12295,7 @@
                         </a:spcAft>
                       </a:pPr>
                       <a:r>
-                        <a:rPr lang="en-US" sz="1800" b="1" dirty="0">
+                        <a:rPr lang="en-US" sz="1600" b="1" dirty="0">
                           <a:solidFill>
                             <a:schemeClr val="tx1">
                               <a:lumMod val="65000"/>
@@ -15229,7 +12306,7 @@
                         </a:rPr>
                         <a:t>Software</a:t>
                       </a:r>
-                      <a:endParaRPr lang="en-US" sz="1800" b="1" i="0" dirty="0">
+                      <a:endParaRPr lang="en-US" sz="1600" b="1" i="0" dirty="0">
                         <a:solidFill>
                           <a:schemeClr val="tx1">
                             <a:lumMod val="65000"/>
@@ -15302,7 +12379,7 @@
                         </a:spcAft>
                       </a:pPr>
                       <a:r>
-                        <a:rPr lang="en-US" sz="1800" b="1" dirty="0">
+                        <a:rPr lang="en-US" sz="1600" b="1" dirty="0">
                           <a:solidFill>
                             <a:schemeClr val="tx1">
                               <a:lumMod val="65000"/>
@@ -15313,7 +12390,7 @@
                         </a:rPr>
                         <a:t>Hardware</a:t>
                       </a:r>
-                      <a:endParaRPr lang="en-US" sz="1800" b="1" i="0" dirty="0">
+                      <a:endParaRPr lang="en-US" sz="1600" b="1" i="0" dirty="0">
                         <a:solidFill>
                           <a:schemeClr val="tx1">
                             <a:lumMod val="65000"/>
@@ -15388,7 +12465,7 @@
                         </a:spcAft>
                       </a:pPr>
                       <a:r>
-                        <a:rPr lang="en-US" sz="1800" dirty="0">
+                        <a:rPr lang="en-US" sz="1600" dirty="0">
                           <a:solidFill>
                             <a:schemeClr val="tx1">
                               <a:lumMod val="65000"/>
@@ -15399,7 +12476,7 @@
                         </a:rPr>
                         <a:t>Windows 8.1 Pro</a:t>
                       </a:r>
-                      <a:endParaRPr lang="en-US" sz="1800" b="0" dirty="0">
+                      <a:endParaRPr lang="en-US" sz="1600" b="0" dirty="0">
                         <a:solidFill>
                           <a:schemeClr val="tx1">
                             <a:lumMod val="65000"/>
@@ -15476,7 +12553,7 @@
                         </a:spcAft>
                       </a:pPr>
                       <a:r>
-                        <a:rPr lang="en-US" sz="1800" dirty="0">
+                        <a:rPr lang="en-US" sz="1600" dirty="0">
                           <a:solidFill>
                             <a:schemeClr val="tx1">
                               <a:lumMod val="65000"/>
@@ -15487,7 +12564,7 @@
                         </a:rPr>
                         <a:t>Laptop ASUS A455L</a:t>
                       </a:r>
-                      <a:endParaRPr lang="en-US" sz="1800" b="0" dirty="0">
+                      <a:endParaRPr lang="en-US" sz="1600" b="0" dirty="0">
                         <a:solidFill>
                           <a:schemeClr val="tx1">
                             <a:lumMod val="65000"/>
@@ -15566,7 +12643,7 @@
                         </a:spcAft>
                       </a:pPr>
                       <a:r>
-                        <a:rPr lang="en-US" sz="1800" dirty="0">
+                        <a:rPr lang="en-US" sz="1600" dirty="0">
                           <a:solidFill>
                             <a:schemeClr val="tx1">
                               <a:lumMod val="65000"/>
@@ -15577,7 +12654,7 @@
                         </a:rPr>
                         <a:t>Unity 2018</a:t>
                       </a:r>
-                      <a:endParaRPr lang="en-US" sz="1800" b="0" dirty="0">
+                      <a:endParaRPr lang="en-US" sz="1600" b="0" dirty="0">
                         <a:solidFill>
                           <a:schemeClr val="tx1">
                             <a:lumMod val="65000"/>
@@ -15654,7 +12731,7 @@
                         </a:spcAft>
                       </a:pPr>
                       <a:r>
-                        <a:rPr lang="en-US" sz="1800" dirty="0" err="1">
+                        <a:rPr lang="en-US" sz="1600" dirty="0" err="1">
                           <a:solidFill>
                             <a:schemeClr val="tx1">
                               <a:lumMod val="65000"/>
@@ -15666,7 +12743,7 @@
                         <a:t>Xiaomi</a:t>
                       </a:r>
                       <a:r>
-                        <a:rPr lang="en-US" sz="1800" dirty="0">
+                        <a:rPr lang="en-US" sz="1600" dirty="0">
                           <a:solidFill>
                             <a:schemeClr val="tx1">
                               <a:lumMod val="65000"/>
@@ -15678,7 +12755,7 @@
                         <a:t> </a:t>
                       </a:r>
                       <a:r>
-                        <a:rPr lang="en-US" sz="1800" dirty="0" err="1">
+                        <a:rPr lang="en-US" sz="1600" dirty="0" err="1">
                           <a:solidFill>
                             <a:schemeClr val="tx1">
                               <a:lumMod val="65000"/>
@@ -15690,7 +12767,7 @@
                         <a:t>Redmi</a:t>
                       </a:r>
                       <a:r>
-                        <a:rPr lang="en-US" sz="1800" dirty="0">
+                        <a:rPr lang="en-US" sz="1600" dirty="0">
                           <a:solidFill>
                             <a:schemeClr val="tx1">
                               <a:lumMod val="65000"/>
@@ -15701,7 +12778,7 @@
                         </a:rPr>
                         <a:t> 3 Pro</a:t>
                       </a:r>
-                      <a:endParaRPr lang="en-US" sz="1800" b="0" dirty="0">
+                      <a:endParaRPr lang="en-US" sz="1600" b="0" dirty="0">
                         <a:solidFill>
                           <a:schemeClr val="tx1">
                             <a:lumMod val="65000"/>
@@ -15780,7 +12857,7 @@
                         </a:spcAft>
                       </a:pPr>
                       <a:r>
-                        <a:rPr lang="en-US" sz="1800" dirty="0">
+                        <a:rPr lang="en-US" sz="1600" dirty="0">
                           <a:solidFill>
                             <a:schemeClr val="tx1">
                               <a:lumMod val="65000"/>
@@ -15789,9 +12866,21 @@
                           </a:solidFill>
                           <a:effectLst/>
                         </a:rPr>
-                        <a:t>Abode Photoshop CS5</a:t>
+                        <a:t>Abode Photoshop </a:t>
                       </a:r>
-                      <a:endParaRPr lang="en-US" sz="1800" b="0" dirty="0">
+                      <a:r>
+                        <a:rPr lang="en-US" sz="1600" dirty="0" smtClean="0">
+                          <a:solidFill>
+                            <a:schemeClr val="tx1">
+                              <a:lumMod val="65000"/>
+                              <a:lumOff val="35000"/>
+                            </a:schemeClr>
+                          </a:solidFill>
+                          <a:effectLst/>
+                        </a:rPr>
+                        <a:t>CS5</a:t>
+                      </a:r>
+                      <a:endParaRPr lang="en-US" sz="1600" b="0" dirty="0">
                         <a:solidFill>
                           <a:schemeClr val="tx1">
                             <a:lumMod val="65000"/>
@@ -15868,7 +12957,7 @@
                         </a:spcAft>
                       </a:pPr>
                       <a:r>
-                        <a:rPr lang="en-US" sz="1800" dirty="0">
+                        <a:rPr lang="en-US" sz="1600" dirty="0">
                           <a:solidFill>
                             <a:schemeClr val="tx1">
                               <a:lumMod val="65000"/>
@@ -15879,7 +12968,189 @@
                         </a:rPr>
                         <a:t> </a:t>
                       </a:r>
-                      <a:endParaRPr lang="en-US" sz="1800" b="0" dirty="0">
+                      <a:endParaRPr lang="en-US" sz="1600" b="0" dirty="0">
+                        <a:solidFill>
+                          <a:schemeClr val="tx1">
+                            <a:lumMod val="65000"/>
+                            <a:lumOff val="35000"/>
+                          </a:schemeClr>
+                        </a:solidFill>
+                        <a:effectLst/>
+                        <a:latin typeface="Times New Roman"/>
+                        <a:ea typeface="Calibri"/>
+                      </a:endParaRPr>
+                    </a:p>
+                  </a:txBody>
+                  <a:tcPr marL="457200" marR="0" marT="0" marB="0" anchor="ctr">
+                    <a:lnL w="12700" cap="flat" cmpd="sng" algn="ctr">
+                      <a:noFill/>
+                      <a:prstDash val="solid"/>
+                      <a:round/>
+                      <a:headEnd type="none" w="med" len="med"/>
+                      <a:tailEnd type="none" w="med" len="med"/>
+                    </a:lnL>
+                    <a:lnR w="12700" cap="flat" cmpd="sng" algn="ctr">
+                      <a:noFill/>
+                      <a:prstDash val="solid"/>
+                      <a:round/>
+                      <a:headEnd type="none" w="med" len="med"/>
+                      <a:tailEnd type="none" w="med" len="med"/>
+                    </a:lnR>
+                    <a:lnT w="12700" cap="flat" cmpd="sng" algn="ctr">
+                      <a:solidFill>
+                        <a:schemeClr val="bg1">
+                          <a:lumMod val="85000"/>
+                        </a:schemeClr>
+                      </a:solidFill>
+                      <a:prstDash val="solid"/>
+                      <a:round/>
+                      <a:headEnd type="none" w="med" len="med"/>
+                      <a:tailEnd type="none" w="med" len="med"/>
+                    </a:lnT>
+                    <a:lnB w="12700" cap="flat" cmpd="sng" algn="ctr">
+                      <a:solidFill>
+                        <a:schemeClr val="bg1">
+                          <a:lumMod val="85000"/>
+                        </a:schemeClr>
+                      </a:solidFill>
+                      <a:prstDash val="solid"/>
+                      <a:round/>
+                      <a:headEnd type="none" w="med" len="med"/>
+                      <a:tailEnd type="none" w="med" len="med"/>
+                    </a:lnB>
+                    <a:lnTlToBr w="12700" cmpd="sng">
+                      <a:noFill/>
+                      <a:prstDash val="solid"/>
+                    </a:lnTlToBr>
+                    <a:lnBlToTr w="12700" cmpd="sng">
+                      <a:noFill/>
+                      <a:prstDash val="solid"/>
+                    </a:lnBlToTr>
+                    <a:solidFill>
+                      <a:schemeClr val="bg1"/>
+                    </a:solidFill>
+                  </a:tcPr>
+                </a:tc>
+              </a:tr>
+              <a:tr h="731520">
+                <a:tc>
+                  <a:txBody>
+                    <a:bodyPr/>
+                    <a:lstStyle/>
+                    <a:p>
+                      <a:pPr algn="l">
+                        <a:lnSpc>
+                          <a:spcPct val="115000"/>
+                        </a:lnSpc>
+                        <a:spcAft>
+                          <a:spcPts val="0"/>
+                        </a:spcAft>
+                      </a:pPr>
+                      <a:r>
+                        <a:rPr lang="en-US" sz="1600" b="0" dirty="0" smtClean="0">
+                          <a:solidFill>
+                            <a:schemeClr val="tx1">
+                              <a:lumMod val="65000"/>
+                              <a:lumOff val="35000"/>
+                            </a:schemeClr>
+                          </a:solidFill>
+                          <a:effectLst/>
+                          <a:latin typeface="+mj-lt"/>
+                          <a:ea typeface="Calibri"/>
+                        </a:rPr>
+                        <a:t>Microsoft visual studio</a:t>
+                      </a:r>
+                      <a:r>
+                        <a:rPr lang="en-US" sz="1600" b="0" baseline="0" dirty="0" smtClean="0">
+                          <a:solidFill>
+                            <a:schemeClr val="tx1">
+                              <a:lumMod val="65000"/>
+                              <a:lumOff val="35000"/>
+                            </a:schemeClr>
+                          </a:solidFill>
+                          <a:effectLst/>
+                          <a:latin typeface="+mj-lt"/>
+                          <a:ea typeface="Calibri"/>
+                        </a:rPr>
+                        <a:t> code</a:t>
+                      </a:r>
+                      <a:endParaRPr lang="en-US" sz="1600" b="0" dirty="0">
+                        <a:solidFill>
+                          <a:schemeClr val="tx1">
+                            <a:lumMod val="65000"/>
+                            <a:lumOff val="35000"/>
+                          </a:schemeClr>
+                        </a:solidFill>
+                        <a:effectLst/>
+                        <a:latin typeface="+mj-lt"/>
+                        <a:ea typeface="Calibri"/>
+                      </a:endParaRPr>
+                    </a:p>
+                  </a:txBody>
+                  <a:tcPr marL="457200" marR="0" marT="0" marB="0" anchor="ctr">
+                    <a:lnL w="12700" cap="flat" cmpd="sng" algn="ctr">
+                      <a:noFill/>
+                      <a:prstDash val="solid"/>
+                      <a:round/>
+                      <a:headEnd type="none" w="med" len="med"/>
+                      <a:tailEnd type="none" w="med" len="med"/>
+                    </a:lnL>
+                    <a:lnR w="12700" cap="flat" cmpd="sng" algn="ctr">
+                      <a:noFill/>
+                      <a:prstDash val="solid"/>
+                      <a:round/>
+                      <a:headEnd type="none" w="med" len="med"/>
+                      <a:tailEnd type="none" w="med" len="med"/>
+                    </a:lnR>
+                    <a:lnT w="12700" cap="flat" cmpd="sng" algn="ctr">
+                      <a:solidFill>
+                        <a:schemeClr val="bg1">
+                          <a:lumMod val="85000"/>
+                        </a:schemeClr>
+                      </a:solidFill>
+                      <a:prstDash val="solid"/>
+                      <a:round/>
+                      <a:headEnd type="none" w="med" len="med"/>
+                      <a:tailEnd type="none" w="med" len="med"/>
+                    </a:lnT>
+                    <a:lnB w="12700" cap="flat" cmpd="sng" algn="ctr">
+                      <a:solidFill>
+                        <a:schemeClr val="bg1">
+                          <a:lumMod val="85000"/>
+                        </a:schemeClr>
+                      </a:solidFill>
+                      <a:prstDash val="solid"/>
+                      <a:round/>
+                      <a:headEnd type="none" w="med" len="med"/>
+                      <a:tailEnd type="none" w="med" len="med"/>
+                    </a:lnB>
+                    <a:lnTlToBr w="12700" cmpd="sng">
+                      <a:noFill/>
+                      <a:prstDash val="solid"/>
+                    </a:lnTlToBr>
+                    <a:lnBlToTr w="12700" cmpd="sng">
+                      <a:noFill/>
+                      <a:prstDash val="solid"/>
+                    </a:lnBlToTr>
+                    <a:solidFill>
+                      <a:schemeClr val="bg1"/>
+                    </a:solidFill>
+                  </a:tcPr>
+                </a:tc>
+                <a:tc>
+                  <a:txBody>
+                    <a:bodyPr/>
+                    <a:lstStyle/>
+                    <a:p>
+                      <a:pPr algn="l">
+                        <a:lnSpc>
+                          <a:spcPct val="115000"/>
+                        </a:lnSpc>
+                        <a:spcAft>
+                          <a:spcPts val="0"/>
+                        </a:spcAft>
+                      </a:pPr>
+                      <a:endParaRPr lang="en-US" sz="1600" b="0" dirty="0">
                         <a:solidFill>
                           <a:schemeClr val="tx1">
                             <a:lumMod val="65000"/>
@@ -16051,6 +13322,188 @@
       </p:grpSpPr>
       <p:sp>
         <p:nvSpPr>
+          <p:cNvPr id="6" name="Content Placeholder 2"/>
+          <p:cNvSpPr txBox="1">
+            <a:spLocks/>
+          </p:cNvSpPr>
+          <p:nvPr/>
+        </p:nvSpPr>
+        <p:spPr>
+          <a:xfrm>
+            <a:off x="914400" y="1143000"/>
+            <a:ext cx="7315200" cy="4724400"/>
+          </a:xfrm>
+          <a:prstGeom prst="rect">
+            <a:avLst/>
+          </a:prstGeom>
+          <a:solidFill>
+            <a:schemeClr val="bg1"/>
+          </a:solidFill>
+          <a:effectLst>
+            <a:outerShdw blurRad="127000" dist="127000" dir="8100000" algn="tr" rotWithShape="0">
+              <a:prstClr val="black">
+                <a:alpha val="30000"/>
+              </a:prstClr>
+            </a:outerShdw>
+          </a:effectLst>
+        </p:spPr>
+        <p:txBody>
+          <a:bodyPr anchor="ctr"/>
+          <a:lstStyle>
+            <a:lvl1pPr marL="342900" indent="-342900" algn="l" defTabSz="914400" rtl="0" eaLnBrk="1" latinLnBrk="0" hangingPunct="1">
+              <a:spcBef>
+                <a:spcPct val="20000"/>
+              </a:spcBef>
+              <a:buFont typeface="Arial" pitchFamily="34" charset="0"/>
+              <a:buChar char="•"/>
+              <a:defRPr sz="3200" kern="1200">
+                <a:solidFill>
+                  <a:schemeClr val="tx1"/>
+                </a:solidFill>
+                <a:latin typeface="+mn-lt"/>
+                <a:ea typeface="+mn-ea"/>
+                <a:cs typeface="+mn-cs"/>
+              </a:defRPr>
+            </a:lvl1pPr>
+            <a:lvl2pPr marL="742950" indent="-285750" algn="l" defTabSz="914400" rtl="0" eaLnBrk="1" latinLnBrk="0" hangingPunct="1">
+              <a:spcBef>
+                <a:spcPct val="20000"/>
+              </a:spcBef>
+              <a:buFont typeface="Arial" pitchFamily="34" charset="0"/>
+              <a:buChar char="–"/>
+              <a:defRPr sz="2800" kern="1200">
+                <a:solidFill>
+                  <a:schemeClr val="tx1"/>
+                </a:solidFill>
+                <a:latin typeface="+mn-lt"/>
+                <a:ea typeface="+mn-ea"/>
+                <a:cs typeface="+mn-cs"/>
+              </a:defRPr>
+            </a:lvl2pPr>
+            <a:lvl3pPr marL="1143000" indent="-228600" algn="l" defTabSz="914400" rtl="0" eaLnBrk="1" latinLnBrk="0" hangingPunct="1">
+              <a:spcBef>
+                <a:spcPct val="20000"/>
+              </a:spcBef>
+              <a:buFont typeface="Arial" pitchFamily="34" charset="0"/>
+              <a:buChar char="•"/>
+              <a:defRPr sz="2400" kern="1200">
+                <a:solidFill>
+                  <a:schemeClr val="tx1"/>
+                </a:solidFill>
+                <a:latin typeface="+mn-lt"/>
+                <a:ea typeface="+mn-ea"/>
+                <a:cs typeface="+mn-cs"/>
+              </a:defRPr>
+            </a:lvl3pPr>
+            <a:lvl4pPr marL="1600200" indent="-228600" algn="l" defTabSz="914400" rtl="0" eaLnBrk="1" latinLnBrk="0" hangingPunct="1">
+              <a:spcBef>
+                <a:spcPct val="20000"/>
+              </a:spcBef>
+              <a:buFont typeface="Arial" pitchFamily="34" charset="0"/>
+              <a:buChar char="–"/>
+              <a:defRPr sz="2000" kern="1200">
+                <a:solidFill>
+                  <a:schemeClr val="tx1"/>
+                </a:solidFill>
+                <a:latin typeface="+mn-lt"/>
+                <a:ea typeface="+mn-ea"/>
+                <a:cs typeface="+mn-cs"/>
+              </a:defRPr>
+            </a:lvl4pPr>
+            <a:lvl5pPr marL="2057400" indent="-228600" algn="l" defTabSz="914400" rtl="0" eaLnBrk="1" latinLnBrk="0" hangingPunct="1">
+              <a:spcBef>
+                <a:spcPct val="20000"/>
+              </a:spcBef>
+              <a:buFont typeface="Arial" pitchFamily="34" charset="0"/>
+              <a:buChar char="»"/>
+              <a:defRPr sz="2000" kern="1200">
+                <a:solidFill>
+                  <a:schemeClr val="tx1"/>
+                </a:solidFill>
+                <a:latin typeface="+mn-lt"/>
+                <a:ea typeface="+mn-ea"/>
+                <a:cs typeface="+mn-cs"/>
+              </a:defRPr>
+            </a:lvl5pPr>
+            <a:lvl6pPr marL="2514600" indent="-228600" algn="l" defTabSz="914400" rtl="0" eaLnBrk="1" latinLnBrk="0" hangingPunct="1">
+              <a:spcBef>
+                <a:spcPct val="20000"/>
+              </a:spcBef>
+              <a:buFont typeface="Arial" pitchFamily="34" charset="0"/>
+              <a:buChar char="•"/>
+              <a:defRPr sz="2000" kern="1200">
+                <a:solidFill>
+                  <a:schemeClr val="tx1"/>
+                </a:solidFill>
+                <a:latin typeface="+mn-lt"/>
+                <a:ea typeface="+mn-ea"/>
+                <a:cs typeface="+mn-cs"/>
+              </a:defRPr>
+            </a:lvl6pPr>
+            <a:lvl7pPr marL="2971800" indent="-228600" algn="l" defTabSz="914400" rtl="0" eaLnBrk="1" latinLnBrk="0" hangingPunct="1">
+              <a:spcBef>
+                <a:spcPct val="20000"/>
+              </a:spcBef>
+              <a:buFont typeface="Arial" pitchFamily="34" charset="0"/>
+              <a:buChar char="•"/>
+              <a:defRPr sz="2000" kern="1200">
+                <a:solidFill>
+                  <a:schemeClr val="tx1"/>
+                </a:solidFill>
+                <a:latin typeface="+mn-lt"/>
+                <a:ea typeface="+mn-ea"/>
+                <a:cs typeface="+mn-cs"/>
+              </a:defRPr>
+            </a:lvl7pPr>
+            <a:lvl8pPr marL="3429000" indent="-228600" algn="l" defTabSz="914400" rtl="0" eaLnBrk="1" latinLnBrk="0" hangingPunct="1">
+              <a:spcBef>
+                <a:spcPct val="20000"/>
+              </a:spcBef>
+              <a:buFont typeface="Arial" pitchFamily="34" charset="0"/>
+              <a:buChar char="•"/>
+              <a:defRPr sz="2000" kern="1200">
+                <a:solidFill>
+                  <a:schemeClr val="tx1"/>
+                </a:solidFill>
+                <a:latin typeface="+mn-lt"/>
+                <a:ea typeface="+mn-ea"/>
+                <a:cs typeface="+mn-cs"/>
+              </a:defRPr>
+            </a:lvl8pPr>
+            <a:lvl9pPr marL="3886200" indent="-228600" algn="l" defTabSz="914400" rtl="0" eaLnBrk="1" latinLnBrk="0" hangingPunct="1">
+              <a:spcBef>
+                <a:spcPct val="20000"/>
+              </a:spcBef>
+              <a:buFont typeface="Arial" pitchFamily="34" charset="0"/>
+              <a:buChar char="•"/>
+              <a:defRPr sz="2000" kern="1200">
+                <a:solidFill>
+                  <a:schemeClr val="tx1"/>
+                </a:solidFill>
+                <a:latin typeface="+mn-lt"/>
+                <a:ea typeface="+mn-ea"/>
+                <a:cs typeface="+mn-cs"/>
+              </a:defRPr>
+            </a:lvl9pPr>
+          </a:lstStyle>
+          <a:p>
+            <a:pPr marL="0" indent="0" algn="ctr">
+              <a:buFont typeface="Arial" pitchFamily="34" charset="0"/>
+              <a:buNone/>
+            </a:pPr>
+            <a:endParaRPr lang="en-US" sz="2400" b="1" i="1" dirty="0" smtClean="0">
+              <a:solidFill>
+                <a:schemeClr val="tx1">
+                  <a:lumMod val="75000"/>
+                  <a:lumOff val="25000"/>
+                </a:schemeClr>
+              </a:solidFill>
+            </a:endParaRPr>
+          </a:p>
+        </p:txBody>
+      </p:sp>
+      <p:sp>
+        <p:nvSpPr>
           <p:cNvPr id="2" name="Title 1"/>
           <p:cNvSpPr>
             <a:spLocks noGrp="1"/>
@@ -16059,7 +13512,12 @@
             <p:ph type="title"/>
           </p:nvPr>
         </p:nvSpPr>
-        <p:spPr/>
+        <p:spPr>
+          <a:xfrm>
+            <a:off x="1371600" y="3429000"/>
+            <a:ext cx="1828800" cy="914400"/>
+          </a:xfrm>
+        </p:spPr>
         <p:txBody>
           <a:bodyPr>
             <a:normAutofit/>
@@ -16067,16 +13525,142 @@
           <a:lstStyle/>
           <a:p>
             <a:r>
-              <a:rPr lang="en-US" sz="4000" b="1" dirty="0" smtClean="0">
-                <a:solidFill>
-                  <a:schemeClr val="bg1"/>
+              <a:rPr lang="en-US" sz="2000" b="1" dirty="0" smtClean="0">
+                <a:solidFill>
+                  <a:schemeClr val="tx1">
+                    <a:lumMod val="75000"/>
+                    <a:lumOff val="25000"/>
+                  </a:schemeClr>
                 </a:solidFill>
               </a:rPr>
               <a:t>Use case diagram</a:t>
             </a:r>
-            <a:endParaRPr lang="en-US" sz="4000" b="1" dirty="0">
+            <a:endParaRPr lang="en-US" sz="2000" b="1" dirty="0">
               <a:solidFill>
-                <a:schemeClr val="bg1"/>
+                <a:schemeClr val="tx1">
+                  <a:lumMod val="75000"/>
+                  <a:lumOff val="25000"/>
+                </a:schemeClr>
+              </a:solidFill>
+            </a:endParaRPr>
+          </a:p>
+        </p:txBody>
+      </p:sp>
+      <p:sp>
+        <p:nvSpPr>
+          <p:cNvPr id="7" name="Title 1"/>
+          <p:cNvSpPr txBox="1">
+            <a:spLocks/>
+          </p:cNvSpPr>
+          <p:nvPr/>
+        </p:nvSpPr>
+        <p:spPr>
+          <a:xfrm>
+            <a:off x="3640540" y="3414216"/>
+            <a:ext cx="1828800" cy="914400"/>
+          </a:xfrm>
+          <a:prstGeom prst="rect">
+            <a:avLst/>
+          </a:prstGeom>
+        </p:spPr>
+        <p:txBody>
+          <a:bodyPr vert="horz" lIns="91440" tIns="45720" rIns="91440" bIns="45720" rtlCol="0" anchor="ctr">
+            <a:normAutofit/>
+          </a:bodyPr>
+          <a:lstStyle>
+            <a:lvl1pPr algn="ctr" defTabSz="914400" rtl="0" eaLnBrk="1" latinLnBrk="0" hangingPunct="1">
+              <a:spcBef>
+                <a:spcPct val="0"/>
+              </a:spcBef>
+              <a:buNone/>
+              <a:defRPr sz="4400" kern="1200">
+                <a:solidFill>
+                  <a:schemeClr val="tx1"/>
+                </a:solidFill>
+                <a:latin typeface="+mj-lt"/>
+                <a:ea typeface="+mj-ea"/>
+                <a:cs typeface="+mj-cs"/>
+              </a:defRPr>
+            </a:lvl1pPr>
+          </a:lstStyle>
+          <a:p>
+            <a:r>
+              <a:rPr lang="en-US" sz="2000" b="1" dirty="0" smtClean="0">
+                <a:solidFill>
+                  <a:schemeClr val="tx1">
+                    <a:lumMod val="75000"/>
+                    <a:lumOff val="25000"/>
+                  </a:schemeClr>
+                </a:solidFill>
+              </a:rPr>
+              <a:t>Activity diagram</a:t>
+            </a:r>
+            <a:endParaRPr lang="en-US" sz="2000" b="1" dirty="0">
+              <a:solidFill>
+                <a:schemeClr val="tx1">
+                  <a:lumMod val="75000"/>
+                  <a:lumOff val="25000"/>
+                </a:schemeClr>
+              </a:solidFill>
+            </a:endParaRPr>
+          </a:p>
+        </p:txBody>
+      </p:sp>
+      <p:sp>
+        <p:nvSpPr>
+          <p:cNvPr id="8" name="Title 1"/>
+          <p:cNvSpPr txBox="1">
+            <a:spLocks/>
+          </p:cNvSpPr>
+          <p:nvPr/>
+        </p:nvSpPr>
+        <p:spPr>
+          <a:xfrm>
+            <a:off x="5943600" y="3429000"/>
+            <a:ext cx="1828800" cy="914400"/>
+          </a:xfrm>
+          <a:prstGeom prst="rect">
+            <a:avLst/>
+          </a:prstGeom>
+        </p:spPr>
+        <p:txBody>
+          <a:bodyPr vert="horz" lIns="91440" tIns="45720" rIns="91440" bIns="45720" rtlCol="0" anchor="ctr">
+            <a:normAutofit/>
+          </a:bodyPr>
+          <a:lstStyle>
+            <a:lvl1pPr algn="ctr" defTabSz="914400" rtl="0" eaLnBrk="1" latinLnBrk="0" hangingPunct="1">
+              <a:spcBef>
+                <a:spcPct val="0"/>
+              </a:spcBef>
+              <a:buNone/>
+              <a:defRPr sz="4400" kern="1200">
+                <a:solidFill>
+                  <a:schemeClr val="tx1"/>
+                </a:solidFill>
+                <a:latin typeface="+mj-lt"/>
+                <a:ea typeface="+mj-ea"/>
+                <a:cs typeface="+mj-cs"/>
+              </a:defRPr>
+            </a:lvl1pPr>
+          </a:lstStyle>
+          <a:p>
+            <a:r>
+              <a:rPr lang="en-US" sz="2000" b="1" dirty="0" smtClean="0">
+                <a:solidFill>
+                  <a:schemeClr val="tx1">
+                    <a:lumMod val="75000"/>
+                    <a:lumOff val="25000"/>
+                  </a:schemeClr>
+                </a:solidFill>
+              </a:rPr>
+              <a:t>Storyboard</a:t>
+            </a:r>
+            <a:endParaRPr lang="en-US" sz="2000" b="1" dirty="0">
+              <a:solidFill>
+                <a:schemeClr val="tx1">
+                  <a:lumMod val="75000"/>
+                  <a:lumOff val="25000"/>
+                </a:schemeClr>
               </a:solidFill>
             </a:endParaRPr>
           </a:p>
@@ -16084,16 +13668,14 @@
       </p:sp>
       <p:pic>
         <p:nvPicPr>
-          <p:cNvPr id="5" name="Content Placeholder 3"/>
+          <p:cNvPr id="4" name="Picture 3"/>
           <p:cNvPicPr>
-            <a:picLocks noGrp="1"/>
+            <a:picLocks noChangeAspect="1"/>
           </p:cNvPicPr>
-          <p:nvPr>
-            <p:ph idx="1"/>
-          </p:nvPr>
+          <p:nvPr/>
         </p:nvPicPr>
         <p:blipFill>
-          <a:blip r:embed="rId2">
+          <a:blip r:embed="rId2" cstate="print">
             <a:extLst>
               <a:ext uri="{28A0092B-C50C-407E-A947-70E740481C1C}">
                 <a14:useLocalDpi xmlns:a14="http://schemas.microsoft.com/office/drawing/2010/main" val="0"/>
@@ -16106,21 +13688,123 @@
         </p:blipFill>
         <p:spPr>
           <a:xfrm>
-            <a:off x="2436449" y="1600200"/>
-            <a:ext cx="4271102" cy="4525963"/>
+            <a:off x="6400800" y="2520439"/>
+            <a:ext cx="914400" cy="914400"/>
           </a:xfrm>
           <a:prstGeom prst="rect">
             <a:avLst/>
           </a:prstGeom>
-          <a:effectLst>
-            <a:outerShdw blurRad="50800" dist="38100" dir="8100000" algn="tr" rotWithShape="0">
-              <a:prstClr val="black">
-                <a:alpha val="40000"/>
-              </a:prstClr>
-            </a:outerShdw>
-          </a:effectLst>
         </p:spPr>
       </p:pic>
+      <p:pic>
+        <p:nvPicPr>
+          <p:cNvPr id="9" name="Picture 8"/>
+          <p:cNvPicPr>
+            <a:picLocks noChangeAspect="1"/>
+          </p:cNvPicPr>
+          <p:nvPr/>
+        </p:nvPicPr>
+        <p:blipFill>
+          <a:blip r:embed="rId3" cstate="print">
+            <a:extLst>
+              <a:ext uri="{28A0092B-C50C-407E-A947-70E740481C1C}">
+                <a14:useLocalDpi xmlns:a14="http://schemas.microsoft.com/office/drawing/2010/main" val="0"/>
+              </a:ext>
+            </a:extLst>
+          </a:blip>
+          <a:stretch>
+            <a:fillRect/>
+          </a:stretch>
+        </p:blipFill>
+        <p:spPr>
+          <a:xfrm>
+            <a:off x="4114800" y="2502090"/>
+            <a:ext cx="914400" cy="914400"/>
+          </a:xfrm>
+          <a:prstGeom prst="rect">
+            <a:avLst/>
+          </a:prstGeom>
+        </p:spPr>
+      </p:pic>
+      <p:pic>
+        <p:nvPicPr>
+          <p:cNvPr id="10" name="Picture 9"/>
+          <p:cNvPicPr>
+            <a:picLocks noChangeAspect="1"/>
+          </p:cNvPicPr>
+          <p:nvPr/>
+        </p:nvPicPr>
+        <p:blipFill>
+          <a:blip r:embed="rId4" cstate="print">
+            <a:extLst>
+              <a:ext uri="{28A0092B-C50C-407E-A947-70E740481C1C}">
+                <a14:useLocalDpi xmlns:a14="http://schemas.microsoft.com/office/drawing/2010/main" val="0"/>
+              </a:ext>
+            </a:extLst>
+          </a:blip>
+          <a:stretch>
+            <a:fillRect/>
+          </a:stretch>
+        </p:blipFill>
+        <p:spPr>
+          <a:xfrm>
+            <a:off x="1828800" y="2520439"/>
+            <a:ext cx="914400" cy="914400"/>
+          </a:xfrm>
+          <a:prstGeom prst="rect">
+            <a:avLst/>
+          </a:prstGeom>
+        </p:spPr>
+      </p:pic>
+      <p:sp>
+        <p:nvSpPr>
+          <p:cNvPr id="12" name="Left Arrow 11">
+            <a:hlinkClick r:id="rId5" action="ppaction://hlinksldjump"/>
+          </p:cNvPr>
+          <p:cNvSpPr/>
+          <p:nvPr/>
+        </p:nvSpPr>
+        <p:spPr>
+          <a:xfrm>
+            <a:off x="1066800" y="1295401"/>
+            <a:ext cx="381000" cy="381000"/>
+          </a:xfrm>
+          <a:prstGeom prst="leftArrow">
+            <a:avLst/>
+          </a:prstGeom>
+          <a:solidFill>
+            <a:schemeClr val="tx1">
+              <a:lumMod val="85000"/>
+              <a:lumOff val="15000"/>
+            </a:schemeClr>
+          </a:solidFill>
+          <a:ln>
+            <a:noFill/>
+          </a:ln>
+        </p:spPr>
+        <p:style>
+          <a:lnRef idx="2">
+            <a:schemeClr val="dk1"/>
+          </a:lnRef>
+          <a:fillRef idx="1">
+            <a:schemeClr val="lt1"/>
+          </a:fillRef>
+          <a:effectRef idx="0">
+            <a:schemeClr val="dk1"/>
+          </a:effectRef>
+          <a:fontRef idx="minor">
+            <a:schemeClr val="dk1"/>
+          </a:fontRef>
+        </p:style>
+        <p:txBody>
+          <a:bodyPr rtlCol="0" anchor="ctr"/>
+          <a:lstStyle/>
+          <a:p>
+            <a:pPr algn="ctr"/>
+            <a:endParaRPr lang="en-US"/>
+          </a:p>
+        </p:txBody>
+      </p:sp>
     </p:spTree>
     <p:extLst>
       <p:ext uri="{BB962C8B-B14F-4D97-AF65-F5344CB8AC3E}">
@@ -16133,7 +13817,7 @@
   </p:clrMapOvr>
   <mc:AlternateContent xmlns:mc="http://schemas.openxmlformats.org/markup-compatibility/2006" xmlns:p14="http://schemas.microsoft.com/office/powerpoint/2010/main">
     <mc:Choice Requires="p14">
-      <p:transition p14:dur="0"/>
+      <p:transition p14:dur="10"/>
     </mc:Choice>
     <mc:Fallback xmlns="">
       <p:transition/>
@@ -16155,7 +13839,10 @@
     <p:bg>
       <p:bgPr>
         <a:solidFill>
-          <a:srgbClr val="94D6BA"/>
+          <a:schemeClr val="tx2">
+            <a:lumMod val="40000"/>
+            <a:lumOff val="60000"/>
+          </a:schemeClr>
         </a:solidFill>
         <a:effectLst/>
       </p:bgPr>
@@ -16176,7 +13863,217 @@
       </p:grpSpPr>
       <p:sp>
         <p:nvSpPr>
-          <p:cNvPr id="2" name="Title 1"/>
+          <p:cNvPr id="4" name="Content Placeholder 2"/>
+          <p:cNvSpPr txBox="1">
+            <a:spLocks/>
+          </p:cNvSpPr>
+          <p:nvPr/>
+        </p:nvSpPr>
+        <p:spPr>
+          <a:xfrm>
+            <a:off x="914400" y="1143000"/>
+            <a:ext cx="7315200" cy="4724400"/>
+          </a:xfrm>
+          <a:prstGeom prst="rect">
+            <a:avLst/>
+          </a:prstGeom>
+          <a:solidFill>
+            <a:schemeClr val="bg1"/>
+          </a:solidFill>
+          <a:effectLst>
+            <a:outerShdw blurRad="127000" dist="127000" dir="8100000" algn="tr" rotWithShape="0">
+              <a:prstClr val="black">
+                <a:alpha val="30000"/>
+              </a:prstClr>
+            </a:outerShdw>
+          </a:effectLst>
+        </p:spPr>
+        <p:txBody>
+          <a:bodyPr vert="horz" lIns="91440" tIns="45720" rIns="91440" bIns="45720" rtlCol="0" anchor="ctr">
+            <a:normAutofit/>
+          </a:bodyPr>
+          <a:lstStyle>
+            <a:lvl1pPr marL="342900" indent="-342900" algn="l" defTabSz="914400" rtl="0" eaLnBrk="1" latinLnBrk="0" hangingPunct="1">
+              <a:spcBef>
+                <a:spcPct val="20000"/>
+              </a:spcBef>
+              <a:buFont typeface="Arial" pitchFamily="34" charset="0"/>
+              <a:buChar char="•"/>
+              <a:defRPr sz="3200" kern="1200">
+                <a:solidFill>
+                  <a:schemeClr val="tx1"/>
+                </a:solidFill>
+                <a:latin typeface="+mn-lt"/>
+                <a:ea typeface="+mn-ea"/>
+                <a:cs typeface="+mn-cs"/>
+              </a:defRPr>
+            </a:lvl1pPr>
+            <a:lvl2pPr marL="742950" indent="-285750" algn="l" defTabSz="914400" rtl="0" eaLnBrk="1" latinLnBrk="0" hangingPunct="1">
+              <a:spcBef>
+                <a:spcPct val="20000"/>
+              </a:spcBef>
+              <a:buFont typeface="Arial" pitchFamily="34" charset="0"/>
+              <a:buChar char="–"/>
+              <a:defRPr sz="2800" kern="1200">
+                <a:solidFill>
+                  <a:schemeClr val="tx1"/>
+                </a:solidFill>
+                <a:latin typeface="+mn-lt"/>
+                <a:ea typeface="+mn-ea"/>
+                <a:cs typeface="+mn-cs"/>
+              </a:defRPr>
+            </a:lvl2pPr>
+            <a:lvl3pPr marL="1143000" indent="-228600" algn="l" defTabSz="914400" rtl="0" eaLnBrk="1" latinLnBrk="0" hangingPunct="1">
+              <a:spcBef>
+                <a:spcPct val="20000"/>
+              </a:spcBef>
+              <a:buFont typeface="Arial" pitchFamily="34" charset="0"/>
+              <a:buChar char="•"/>
+              <a:defRPr sz="2400" kern="1200">
+                <a:solidFill>
+                  <a:schemeClr val="tx1"/>
+                </a:solidFill>
+                <a:latin typeface="+mn-lt"/>
+                <a:ea typeface="+mn-ea"/>
+                <a:cs typeface="+mn-cs"/>
+              </a:defRPr>
+            </a:lvl3pPr>
+            <a:lvl4pPr marL="1600200" indent="-228600" algn="l" defTabSz="914400" rtl="0" eaLnBrk="1" latinLnBrk="0" hangingPunct="1">
+              <a:spcBef>
+                <a:spcPct val="20000"/>
+              </a:spcBef>
+              <a:buFont typeface="Arial" pitchFamily="34" charset="0"/>
+              <a:buChar char="–"/>
+              <a:defRPr sz="2000" kern="1200">
+                <a:solidFill>
+                  <a:schemeClr val="tx1"/>
+                </a:solidFill>
+                <a:latin typeface="+mn-lt"/>
+                <a:ea typeface="+mn-ea"/>
+                <a:cs typeface="+mn-cs"/>
+              </a:defRPr>
+            </a:lvl4pPr>
+            <a:lvl5pPr marL="2057400" indent="-228600" algn="l" defTabSz="914400" rtl="0" eaLnBrk="1" latinLnBrk="0" hangingPunct="1">
+              <a:spcBef>
+                <a:spcPct val="20000"/>
+              </a:spcBef>
+              <a:buFont typeface="Arial" pitchFamily="34" charset="0"/>
+              <a:buChar char="»"/>
+              <a:defRPr sz="2000" kern="1200">
+                <a:solidFill>
+                  <a:schemeClr val="tx1"/>
+                </a:solidFill>
+                <a:latin typeface="+mn-lt"/>
+                <a:ea typeface="+mn-ea"/>
+                <a:cs typeface="+mn-cs"/>
+              </a:defRPr>
+            </a:lvl5pPr>
+            <a:lvl6pPr marL="2514600" indent="-228600" algn="l" defTabSz="914400" rtl="0" eaLnBrk="1" latinLnBrk="0" hangingPunct="1">
+              <a:spcBef>
+                <a:spcPct val="20000"/>
+              </a:spcBef>
+              <a:buFont typeface="Arial" pitchFamily="34" charset="0"/>
+              <a:buChar char="•"/>
+              <a:defRPr sz="2000" kern="1200">
+                <a:solidFill>
+                  <a:schemeClr val="tx1"/>
+                </a:solidFill>
+                <a:latin typeface="+mn-lt"/>
+                <a:ea typeface="+mn-ea"/>
+                <a:cs typeface="+mn-cs"/>
+              </a:defRPr>
+            </a:lvl6pPr>
+            <a:lvl7pPr marL="2971800" indent="-228600" algn="l" defTabSz="914400" rtl="0" eaLnBrk="1" latinLnBrk="0" hangingPunct="1">
+              <a:spcBef>
+                <a:spcPct val="20000"/>
+              </a:spcBef>
+              <a:buFont typeface="Arial" pitchFamily="34" charset="0"/>
+              <a:buChar char="•"/>
+              <a:defRPr sz="2000" kern="1200">
+                <a:solidFill>
+                  <a:schemeClr val="tx1"/>
+                </a:solidFill>
+                <a:latin typeface="+mn-lt"/>
+                <a:ea typeface="+mn-ea"/>
+                <a:cs typeface="+mn-cs"/>
+              </a:defRPr>
+            </a:lvl7pPr>
+            <a:lvl8pPr marL="3429000" indent="-228600" algn="l" defTabSz="914400" rtl="0" eaLnBrk="1" latinLnBrk="0" hangingPunct="1">
+              <a:spcBef>
+                <a:spcPct val="20000"/>
+              </a:spcBef>
+              <a:buFont typeface="Arial" pitchFamily="34" charset="0"/>
+              <a:buChar char="•"/>
+              <a:defRPr sz="2000" kern="1200">
+                <a:solidFill>
+                  <a:schemeClr val="tx1"/>
+                </a:solidFill>
+                <a:latin typeface="+mn-lt"/>
+                <a:ea typeface="+mn-ea"/>
+                <a:cs typeface="+mn-cs"/>
+              </a:defRPr>
+            </a:lvl8pPr>
+            <a:lvl9pPr marL="3886200" indent="-228600" algn="l" defTabSz="914400" rtl="0" eaLnBrk="1" latinLnBrk="0" hangingPunct="1">
+              <a:spcBef>
+                <a:spcPct val="20000"/>
+              </a:spcBef>
+              <a:buFont typeface="Arial" pitchFamily="34" charset="0"/>
+              <a:buChar char="•"/>
+              <a:defRPr sz="2000" kern="1200">
+                <a:solidFill>
+                  <a:schemeClr val="tx1"/>
+                </a:solidFill>
+                <a:latin typeface="+mn-lt"/>
+                <a:ea typeface="+mn-ea"/>
+                <a:cs typeface="+mn-cs"/>
+              </a:defRPr>
+            </a:lvl9pPr>
+          </a:lstStyle>
+          <a:p>
+            <a:pPr marL="0" indent="1712913">
+              <a:buFont typeface="Arial" pitchFamily="34" charset="0"/>
+              <a:buNone/>
+            </a:pPr>
+            <a:endParaRPr lang="en-US" sz="2400" dirty="0" smtClean="0">
+              <a:solidFill>
+                <a:srgbClr val="636D76"/>
+              </a:solidFill>
+            </a:endParaRPr>
+          </a:p>
+        </p:txBody>
+      </p:sp>
+      <p:pic>
+        <p:nvPicPr>
+          <p:cNvPr id="8" name="Picture 7"/>
+          <p:cNvPicPr>
+            <a:picLocks noChangeAspect="1"/>
+          </p:cNvPicPr>
+          <p:nvPr/>
+        </p:nvPicPr>
+        <p:blipFill rotWithShape="1">
+          <a:blip r:embed="rId2">
+            <a:extLst>
+              <a:ext uri="{28A0092B-C50C-407E-A947-70E740481C1C}">
+                <a14:useLocalDpi xmlns:a14="http://schemas.microsoft.com/office/drawing/2010/main" val="0"/>
+              </a:ext>
+            </a:extLst>
+          </a:blip>
+          <a:srcRect l="26301" r="12090"/>
+          <a:stretch/>
+        </p:blipFill>
+        <p:spPr>
+          <a:xfrm>
+            <a:off x="914401" y="1139588"/>
+            <a:ext cx="3657599" cy="4724400"/>
+          </a:xfrm>
+          <a:prstGeom prst="rect">
+            <a:avLst/>
+          </a:prstGeom>
+        </p:spPr>
+      </p:pic>
+      <p:sp>
+        <p:nvSpPr>
+          <p:cNvPr id="9" name="Title 8"/>
           <p:cNvSpPr>
             <a:spLocks noGrp="1"/>
           </p:cNvSpPr>
@@ -16186,64 +14083,203 @@
         </p:nvSpPr>
         <p:spPr>
           <a:xfrm>
-            <a:off x="457200" y="685800"/>
-            <a:ext cx="8229600" cy="1143000"/>
+            <a:off x="5029200" y="2925265"/>
+            <a:ext cx="3200399" cy="503735"/>
           </a:xfrm>
         </p:spPr>
         <p:txBody>
           <a:bodyPr>
-            <a:normAutofit/>
+            <a:normAutofit fontScale="90000"/>
           </a:bodyPr>
           <a:lstStyle/>
           <a:p>
+            <a:pPr algn="l"/>
             <a:r>
-              <a:rPr lang="en-US" sz="4000" b="1" dirty="0" smtClean="0"/>
-              <a:t>Storyboard</a:t>
+              <a:rPr lang="en-US" sz="3600" b="1" dirty="0" smtClean="0">
+                <a:solidFill>
+                  <a:schemeClr val="tx1">
+                    <a:lumMod val="75000"/>
+                    <a:lumOff val="25000"/>
+                  </a:schemeClr>
+                </a:solidFill>
+              </a:rPr>
+              <a:t>Pengujian</a:t>
             </a:r>
-            <a:endParaRPr lang="en-US" sz="4000" b="1" dirty="0"/>
+            <a:endParaRPr lang="en-US" sz="3600" b="1" dirty="0">
+              <a:solidFill>
+                <a:schemeClr val="tx1">
+                  <a:lumMod val="75000"/>
+                  <a:lumOff val="25000"/>
+                </a:schemeClr>
+              </a:solidFill>
+            </a:endParaRPr>
           </a:p>
         </p:txBody>
       </p:sp>
-      <p:pic>
-        <p:nvPicPr>
-          <p:cNvPr id="4" name="Picture 3"/>
-          <p:cNvPicPr>
-            <a:picLocks noChangeAspect="1"/>
-          </p:cNvPicPr>
+      <p:sp>
+        <p:nvSpPr>
+          <p:cNvPr id="11" name="Title 8"/>
+          <p:cNvSpPr txBox="1">
+            <a:spLocks/>
+          </p:cNvSpPr>
           <p:nvPr/>
-        </p:nvPicPr>
-        <p:blipFill rotWithShape="1">
-          <a:blip r:embed="rId2" cstate="print">
-            <a:extLst>
-              <a:ext uri="{28A0092B-C50C-407E-A947-70E740481C1C}">
-                <a14:useLocalDpi xmlns:a14="http://schemas.microsoft.com/office/drawing/2010/main" val="0"/>
-              </a:ext>
-            </a:extLst>
-          </a:blip>
-          <a:srcRect l="1354" t="2015" r="1771" b="2283"/>
-          <a:stretch/>
-        </p:blipFill>
+        </p:nvSpPr>
         <p:spPr>
           <a:xfrm>
-            <a:off x="1624709" y="2057400"/>
-            <a:ext cx="5844540" cy="3582138"/>
+            <a:off x="5029200" y="3429000"/>
+            <a:ext cx="3200400" cy="914400"/>
           </a:xfrm>
           <a:prstGeom prst="rect">
             <a:avLst/>
           </a:prstGeom>
-          <a:effectLst>
-            <a:outerShdw blurRad="50800" dist="38100" dir="8100000" algn="tr" rotWithShape="0">
-              <a:prstClr val="black">
-                <a:alpha val="40000"/>
-              </a:prstClr>
-            </a:outerShdw>
-          </a:effectLst>
         </p:spPr>
-      </p:pic>
+        <p:txBody>
+          <a:bodyPr vert="horz" lIns="91440" tIns="45720" rIns="91440" bIns="45720" rtlCol="0" anchor="ctr">
+            <a:normAutofit fontScale="97500"/>
+          </a:bodyPr>
+          <a:lstStyle>
+            <a:lvl1pPr algn="ctr" defTabSz="914400" rtl="0" eaLnBrk="1" latinLnBrk="0" hangingPunct="1">
+              <a:spcBef>
+                <a:spcPct val="0"/>
+              </a:spcBef>
+              <a:buNone/>
+              <a:defRPr sz="4400" kern="1200">
+                <a:solidFill>
+                  <a:schemeClr val="tx1"/>
+                </a:solidFill>
+                <a:latin typeface="+mj-lt"/>
+                <a:ea typeface="+mj-ea"/>
+                <a:cs typeface="+mj-cs"/>
+              </a:defRPr>
+            </a:lvl1pPr>
+          </a:lstStyle>
+          <a:p>
+            <a:pPr marL="342900" indent="-342900" algn="l">
+              <a:buFont typeface="Wingdings" pitchFamily="2" charset="2"/>
+              <a:buChar char="q"/>
+            </a:pPr>
+            <a:r>
+              <a:rPr lang="en-US" sz="2000" dirty="0" err="1" smtClean="0">
+                <a:solidFill>
+                  <a:schemeClr val="tx1">
+                    <a:lumMod val="65000"/>
+                    <a:lumOff val="35000"/>
+                  </a:schemeClr>
+                </a:solidFill>
+              </a:rPr>
+              <a:t>Blackbox</a:t>
+            </a:r>
+            <a:endParaRPr lang="en-US" sz="2000" dirty="0" smtClean="0">
+              <a:solidFill>
+                <a:schemeClr val="tx1">
+                  <a:lumMod val="65000"/>
+                  <a:lumOff val="35000"/>
+                </a:schemeClr>
+              </a:solidFill>
+            </a:endParaRPr>
+          </a:p>
+          <a:p>
+            <a:pPr marL="342900" indent="-342900" algn="l">
+              <a:buFont typeface="Wingdings" pitchFamily="2" charset="2"/>
+              <a:buChar char="q"/>
+            </a:pPr>
+            <a:r>
+              <a:rPr lang="en-US" sz="2000" dirty="0" smtClean="0">
+                <a:solidFill>
+                  <a:schemeClr val="tx1">
+                    <a:lumMod val="65000"/>
+                    <a:lumOff val="35000"/>
+                  </a:schemeClr>
+                </a:solidFill>
+              </a:rPr>
+              <a:t>User </a:t>
+            </a:r>
+            <a:r>
+              <a:rPr lang="en-US" sz="2000" dirty="0" err="1" smtClean="0">
+                <a:solidFill>
+                  <a:schemeClr val="tx1">
+                    <a:lumMod val="65000"/>
+                    <a:lumOff val="35000"/>
+                  </a:schemeClr>
+                </a:solidFill>
+              </a:rPr>
+              <a:t>acceptence</a:t>
+            </a:r>
+            <a:r>
+              <a:rPr lang="en-US" sz="2000" dirty="0" smtClean="0">
+                <a:solidFill>
+                  <a:schemeClr val="tx1">
+                    <a:lumMod val="65000"/>
+                    <a:lumOff val="35000"/>
+                  </a:schemeClr>
+                </a:solidFill>
+              </a:rPr>
+              <a:t> test</a:t>
+            </a:r>
+            <a:endParaRPr lang="en-US" sz="2000" dirty="0">
+              <a:solidFill>
+                <a:schemeClr val="tx1">
+                  <a:lumMod val="65000"/>
+                  <a:lumOff val="35000"/>
+                </a:schemeClr>
+              </a:solidFill>
+            </a:endParaRPr>
+          </a:p>
+        </p:txBody>
+      </p:sp>
+      <p:sp>
+        <p:nvSpPr>
+          <p:cNvPr id="12" name="Left Arrow 11">
+            <a:hlinkClick r:id="rId3" action="ppaction://hlinksldjump"/>
+          </p:cNvPr>
+          <p:cNvSpPr/>
+          <p:nvPr/>
+        </p:nvSpPr>
+        <p:spPr>
+          <a:xfrm>
+            <a:off x="1143000" y="1295400"/>
+            <a:ext cx="457200" cy="457200"/>
+          </a:xfrm>
+          <a:prstGeom prst="leftArrow">
+            <a:avLst/>
+          </a:prstGeom>
+          <a:solidFill>
+            <a:schemeClr val="bg1"/>
+          </a:solidFill>
+          <a:ln>
+            <a:noFill/>
+          </a:ln>
+          <a:effectLst/>
+        </p:spPr>
+        <p:style>
+          <a:lnRef idx="2">
+            <a:schemeClr val="accent1">
+              <a:shade val="50000"/>
+            </a:schemeClr>
+          </a:lnRef>
+          <a:fillRef idx="1">
+            <a:schemeClr val="accent1"/>
+          </a:fillRef>
+          <a:effectRef idx="0">
+            <a:schemeClr val="accent1"/>
+          </a:effectRef>
+          <a:fontRef idx="minor">
+            <a:schemeClr val="lt1"/>
+          </a:fontRef>
+        </p:style>
+        <p:txBody>
+          <a:bodyPr rtlCol="0" anchor="ctr"/>
+          <a:lstStyle/>
+          <a:p>
+            <a:pPr algn="ctr"/>
+            <a:endParaRPr lang="en-US"/>
+          </a:p>
+        </p:txBody>
+      </p:sp>
     </p:spTree>
     <p:extLst>
       <p:ext uri="{BB962C8B-B14F-4D97-AF65-F5344CB8AC3E}">
-        <p14:creationId xmlns:p14="http://schemas.microsoft.com/office/powerpoint/2010/main" val="550521211"/>
+        <p14:creationId xmlns:p14="http://schemas.microsoft.com/office/powerpoint/2010/main" val="4042138815"/>
       </p:ext>
     </p:extLst>
   </p:cSld>

--- a/Powerpoint Skripsi.pptx
+++ b/Powerpoint Skripsi.pptx
@@ -203,7 +203,7 @@
           <a:p>
             <a:fld id="{7FE2AFCB-B600-424C-84F3-3F2CA06E51DD}" type="datetimeFigureOut">
               <a:rPr lang="en-US" smtClean="0"/>
-              <a:t>12/23/2019</a:t>
+              <a:t>12/24/2019</a:t>
             </a:fld>
             <a:endParaRPr lang="en-US"/>
           </a:p>
@@ -601,15 +601,7 @@
           <a:p>
             <a:r>
               <a:rPr lang="en-US" dirty="0" smtClean="0"/>
-              <a:t>Iklim dan cuaca adalah materi yang sudah diajarkan kepada siswa sekolah dasar dalam sistem pendidikan indonesia tepatnya pada kurikulum 2013. Mempelajari iklim dan cuaca akan membuat anak lebih mengenal lingkungan sekitarnya, anak akan mengetahui penyebab terjadinya suatu fenomena dan kejadian alam di sekitar mereka. Pengenalan terhadap lingkungan sekitar merupakan pengalaman yang </a:t>
-            </a:r>
-            <a:r>
-              <a:rPr lang="en-US" dirty="0" smtClean="0"/>
-              <a:t>menyenangkan bagi anak dan dapat </a:t>
-            </a:r>
-            <a:r>
-              <a:rPr lang="en-US" dirty="0" smtClean="0"/>
-              <a:t>mengembangkan kecerdasan anak sejak dini.</a:t>
+              <a:t>Iklim dan cuaca adalah materi yang sudah diajarkan kepada siswa sekolah dasar dalam sistem pendidikan indonesia tepatnya pada kurikulum 2013. Mempelajari iklim dan cuaca akan membuat anak lebih mengenal lingkungan sekitarnya, anak akan mengetahui penyebab terjadinya suatu fenomena dan kejadian alam di sekitar mereka. Pengenalan terhadap lingkungan sekitar merupakan pengalaman yang menyenangkan bagi anak dan dapat mengembangkan kecerdasan anak sejak dini.</a:t>
             </a:r>
           </a:p>
           <a:p>
@@ -634,15 +626,7 @@
             </a:r>
             <a:r>
               <a:rPr lang="en-US" dirty="0" smtClean="0"/>
-              <a:t> masih menggunakan metode konvensional, dimana guru menjelaskan materi kepada murid hanya menggunakan media buku. Tentunya metode </a:t>
-            </a:r>
-            <a:r>
-              <a:rPr lang="en-US" dirty="0" smtClean="0"/>
-              <a:t>ini memiliki </a:t>
-            </a:r>
-            <a:r>
-              <a:rPr lang="en-US" dirty="0" smtClean="0"/>
-              <a:t>beberapa kekurangan yaitu siswa mudah bosan karena proses pembelajaran, siswa akan lebih cepat lupa dengan materi pembelajaran karena proses pembelajaran tidak menarik.</a:t>
+              <a:t> masih menggunakan metode konvensional, dimana guru menjelaskan materi kepada murid hanya menggunakan media buku. Tentunya metode ini memiliki beberapa kekurangan yaitu siswa mudah bosan karena proses pembelajaran, siswa akan lebih cepat lupa dengan materi pembelajaran karena proses pembelajaran tidak menarik.</a:t>
             </a:r>
           </a:p>
           <a:p>
@@ -882,7 +866,7 @@
           <a:p>
             <a:fld id="{85AECD24-58B6-4DAA-8115-FCCB4927D650}" type="datetimeFigureOut">
               <a:rPr lang="en-US" smtClean="0"/>
-              <a:t>12/23/2019</a:t>
+              <a:t>12/24/2019</a:t>
             </a:fld>
             <a:endParaRPr lang="en-US"/>
           </a:p>
@@ -1052,7 +1036,7 @@
           <a:p>
             <a:fld id="{85AECD24-58B6-4DAA-8115-FCCB4927D650}" type="datetimeFigureOut">
               <a:rPr lang="en-US" smtClean="0"/>
-              <a:t>12/23/2019</a:t>
+              <a:t>12/24/2019</a:t>
             </a:fld>
             <a:endParaRPr lang="en-US"/>
           </a:p>
@@ -1232,7 +1216,7 @@
           <a:p>
             <a:fld id="{85AECD24-58B6-4DAA-8115-FCCB4927D650}" type="datetimeFigureOut">
               <a:rPr lang="en-US" smtClean="0"/>
-              <a:t>12/23/2019</a:t>
+              <a:t>12/24/2019</a:t>
             </a:fld>
             <a:endParaRPr lang="en-US"/>
           </a:p>
@@ -1402,7 +1386,7 @@
           <a:p>
             <a:fld id="{85AECD24-58B6-4DAA-8115-FCCB4927D650}" type="datetimeFigureOut">
               <a:rPr lang="en-US" smtClean="0"/>
-              <a:t>12/23/2019</a:t>
+              <a:t>12/24/2019</a:t>
             </a:fld>
             <a:endParaRPr lang="en-US"/>
           </a:p>
@@ -1648,7 +1632,7 @@
           <a:p>
             <a:fld id="{85AECD24-58B6-4DAA-8115-FCCB4927D650}" type="datetimeFigureOut">
               <a:rPr lang="en-US" smtClean="0"/>
-              <a:t>12/23/2019</a:t>
+              <a:t>12/24/2019</a:t>
             </a:fld>
             <a:endParaRPr lang="en-US"/>
           </a:p>
@@ -1936,7 +1920,7 @@
           <a:p>
             <a:fld id="{85AECD24-58B6-4DAA-8115-FCCB4927D650}" type="datetimeFigureOut">
               <a:rPr lang="en-US" smtClean="0"/>
-              <a:t>12/23/2019</a:t>
+              <a:t>12/24/2019</a:t>
             </a:fld>
             <a:endParaRPr lang="en-US"/>
           </a:p>
@@ -2358,7 +2342,7 @@
           <a:p>
             <a:fld id="{85AECD24-58B6-4DAA-8115-FCCB4927D650}" type="datetimeFigureOut">
               <a:rPr lang="en-US" smtClean="0"/>
-              <a:t>12/23/2019</a:t>
+              <a:t>12/24/2019</a:t>
             </a:fld>
             <a:endParaRPr lang="en-US"/>
           </a:p>
@@ -2476,7 +2460,7 @@
           <a:p>
             <a:fld id="{85AECD24-58B6-4DAA-8115-FCCB4927D650}" type="datetimeFigureOut">
               <a:rPr lang="en-US" smtClean="0"/>
-              <a:t>12/23/2019</a:t>
+              <a:t>12/24/2019</a:t>
             </a:fld>
             <a:endParaRPr lang="en-US"/>
           </a:p>
@@ -2571,7 +2555,7 @@
           <a:p>
             <a:fld id="{85AECD24-58B6-4DAA-8115-FCCB4927D650}" type="datetimeFigureOut">
               <a:rPr lang="en-US" smtClean="0"/>
-              <a:t>12/23/2019</a:t>
+              <a:t>12/24/2019</a:t>
             </a:fld>
             <a:endParaRPr lang="en-US"/>
           </a:p>
@@ -2848,7 +2832,7 @@
           <a:p>
             <a:fld id="{85AECD24-58B6-4DAA-8115-FCCB4927D650}" type="datetimeFigureOut">
               <a:rPr lang="en-US" smtClean="0"/>
-              <a:t>12/23/2019</a:t>
+              <a:t>12/24/2019</a:t>
             </a:fld>
             <a:endParaRPr lang="en-US"/>
           </a:p>
@@ -3101,7 +3085,7 @@
           <a:p>
             <a:fld id="{85AECD24-58B6-4DAA-8115-FCCB4927D650}" type="datetimeFigureOut">
               <a:rPr lang="en-US" smtClean="0"/>
-              <a:t>12/23/2019</a:t>
+              <a:t>12/24/2019</a:t>
             </a:fld>
             <a:endParaRPr lang="en-US"/>
           </a:p>
@@ -3314,7 +3298,7 @@
           <a:p>
             <a:fld id="{85AECD24-58B6-4DAA-8115-FCCB4927D650}" type="datetimeFigureOut">
               <a:rPr lang="en-US" smtClean="0"/>
-              <a:t>12/23/2019</a:t>
+              <a:t>12/24/2019</a:t>
             </a:fld>
             <a:endParaRPr lang="en-US"/>
           </a:p>
@@ -13494,8 +13478,8 @@
             <a:endParaRPr lang="en-US" sz="2400" b="1" i="1" dirty="0" smtClean="0">
               <a:solidFill>
                 <a:schemeClr val="tx1">
-                  <a:lumMod val="75000"/>
-                  <a:lumOff val="25000"/>
+                  <a:lumMod val="85000"/>
+                  <a:lumOff val="15000"/>
                 </a:schemeClr>
               </a:solidFill>
             </a:endParaRPr>
@@ -13528,8 +13512,8 @@
               <a:rPr lang="en-US" sz="2000" b="1" dirty="0" smtClean="0">
                 <a:solidFill>
                   <a:schemeClr val="tx1">
-                    <a:lumMod val="75000"/>
-                    <a:lumOff val="25000"/>
+                    <a:lumMod val="85000"/>
+                    <a:lumOff val="15000"/>
                   </a:schemeClr>
                 </a:solidFill>
               </a:rPr>
@@ -13538,8 +13522,8 @@
             <a:endParaRPr lang="en-US" sz="2000" b="1" dirty="0">
               <a:solidFill>
                 <a:schemeClr val="tx1">
-                  <a:lumMod val="75000"/>
-                  <a:lumOff val="25000"/>
+                  <a:lumMod val="85000"/>
+                  <a:lumOff val="15000"/>
                 </a:schemeClr>
               </a:solidFill>
             </a:endParaRPr>
@@ -13588,8 +13572,8 @@
               <a:rPr lang="en-US" sz="2000" b="1" dirty="0" smtClean="0">
                 <a:solidFill>
                   <a:schemeClr val="tx1">
-                    <a:lumMod val="75000"/>
-                    <a:lumOff val="25000"/>
+                    <a:lumMod val="85000"/>
+                    <a:lumOff val="15000"/>
                   </a:schemeClr>
                 </a:solidFill>
               </a:rPr>
@@ -13598,8 +13582,8 @@
             <a:endParaRPr lang="en-US" sz="2000" b="1" dirty="0">
               <a:solidFill>
                 <a:schemeClr val="tx1">
-                  <a:lumMod val="75000"/>
-                  <a:lumOff val="25000"/>
+                  <a:lumMod val="85000"/>
+                  <a:lumOff val="15000"/>
                 </a:schemeClr>
               </a:solidFill>
             </a:endParaRPr>
@@ -13648,8 +13632,8 @@
               <a:rPr lang="en-US" sz="2000" b="1" dirty="0" smtClean="0">
                 <a:solidFill>
                   <a:schemeClr val="tx1">
-                    <a:lumMod val="75000"/>
-                    <a:lumOff val="25000"/>
+                    <a:lumMod val="85000"/>
+                    <a:lumOff val="15000"/>
                   </a:schemeClr>
                 </a:solidFill>
               </a:rPr>
@@ -13658,8 +13642,8 @@
             <a:endParaRPr lang="en-US" sz="2000" b="1" dirty="0">
               <a:solidFill>
                 <a:schemeClr val="tx1">
-                  <a:lumMod val="75000"/>
-                  <a:lumOff val="25000"/>
+                  <a:lumMod val="85000"/>
+                  <a:lumOff val="15000"/>
                 </a:schemeClr>
               </a:solidFill>
             </a:endParaRPr>

--- a/Powerpoint Skripsi.pptx
+++ b/Powerpoint Skripsi.pptx
@@ -5,7 +5,7 @@
     <p:sldMasterId id="2147483648" r:id="rId1"/>
   </p:sldMasterIdLst>
   <p:notesMasterIdLst>
-    <p:notesMasterId r:id="rId14"/>
+    <p:notesMasterId r:id="rId17"/>
   </p:notesMasterIdLst>
   <p:sldIdLst>
     <p:sldId id="256" r:id="rId2"/>
@@ -16,10 +16,13 @@
     <p:sldId id="268" r:id="rId7"/>
     <p:sldId id="261" r:id="rId8"/>
     <p:sldId id="260" r:id="rId9"/>
-    <p:sldId id="263" r:id="rId10"/>
-    <p:sldId id="265" r:id="rId11"/>
-    <p:sldId id="269" r:id="rId12"/>
-    <p:sldId id="264" r:id="rId13"/>
+    <p:sldId id="272" r:id="rId10"/>
+    <p:sldId id="263" r:id="rId11"/>
+    <p:sldId id="265" r:id="rId12"/>
+    <p:sldId id="270" r:id="rId13"/>
+    <p:sldId id="271" r:id="rId14"/>
+    <p:sldId id="269" r:id="rId15"/>
+    <p:sldId id="264" r:id="rId16"/>
   </p:sldIdLst>
   <p:sldSz cx="9144000" cy="6858000" type="screen4x3"/>
   <p:notesSz cx="6858000" cy="9144000"/>
@@ -203,7 +206,7 @@
           <a:p>
             <a:fld id="{7FE2AFCB-B600-424C-84F3-3F2CA06E51DD}" type="datetimeFigureOut">
               <a:rPr lang="en-US" smtClean="0"/>
-              <a:t>12/24/2019</a:t>
+              <a:t>1/13/2020</a:t>
             </a:fld>
             <a:endParaRPr lang="en-US"/>
           </a:p>
@@ -601,7 +604,7 @@
           <a:p>
             <a:r>
               <a:rPr lang="en-US" dirty="0" smtClean="0"/>
-              <a:t>Iklim dan cuaca adalah materi yang sudah diajarkan kepada siswa sekolah dasar dalam sistem pendidikan indonesia tepatnya pada kurikulum 2013. Mempelajari iklim dan cuaca akan membuat anak lebih mengenal lingkungan sekitarnya, anak akan mengetahui penyebab terjadinya suatu fenomena dan kejadian alam di sekitar mereka. Pengenalan terhadap lingkungan sekitar merupakan pengalaman yang menyenangkan bagi anak dan dapat mengembangkan kecerdasan anak sejak dini.</a:t>
+              <a:t>Iklim dan cuaca adalah materi yang sudah diajarkan kepada siswa sekolah dasar tepatnya pada kurikulum 2013. Mempelajari iklim dan cuaca akan membuat anak lebih mengenal lingkungan sekitarnya, anak akan mengetahui penyebab suatu fenomena dan kejadian alam di sekitar mereka. Pengenalan terhadap lingkungan sekitar merupakan pengalaman yang menyenangkan bagi anak dan dapat mengembangkan kecerdasan anak sejak dini.</a:t>
             </a:r>
           </a:p>
           <a:p>
@@ -618,7 +621,23 @@
             </a:r>
             <a:r>
               <a:rPr lang="en-US" dirty="0" smtClean="0"/>
-              <a:t>, materi iklim dan cuaca sudah di perkenalkan pada buku pelajaran siswa, tepatnya pada buku tematik 05 “Cuaca” kurikulum 2013 revisi 2018.  Namun karena kurangnya media pembelajaran, metode pembelajaran di SDN 02 </a:t>
+              <a:t>, materi iklim dan cuaca sudah </a:t>
+            </a:r>
+            <a:r>
+              <a:rPr lang="en-US" dirty="0" smtClean="0"/>
+              <a:t>terdapat pada</a:t>
+            </a:r>
+            <a:r>
+              <a:rPr lang="en-US" baseline="0" dirty="0" smtClean="0"/>
+              <a:t> buku</a:t>
+            </a:r>
+            <a:r>
+              <a:rPr lang="en-US" dirty="0" smtClean="0"/>
+              <a:t> </a:t>
+            </a:r>
+            <a:r>
+              <a:rPr lang="en-US" dirty="0" smtClean="0"/>
+              <a:t>tematik 05 “Cuaca” revisi 2018.  Namun karena kurangnya media pembelajaran, metode pembelajaran di SDN 02 </a:t>
             </a:r>
             <a:r>
               <a:rPr lang="en-US" dirty="0" err="1" smtClean="0"/>
@@ -626,16 +645,37 @@
             </a:r>
             <a:r>
               <a:rPr lang="en-US" dirty="0" smtClean="0"/>
-              <a:t> masih menggunakan metode konvensional, dimana guru menjelaskan materi kepada murid hanya menggunakan media buku. Tentunya metode ini memiliki beberapa kekurangan yaitu siswa mudah bosan karena proses pembelajaran, siswa akan lebih cepat lupa dengan materi pembelajaran karena proses pembelajaran tidak menarik.</a:t>
-            </a:r>
-          </a:p>
-          <a:p>
+              <a:t> masih menggunakan metode konvensional, dimana guru hanya</a:t>
+            </a:r>
+            <a:r>
+              <a:rPr lang="en-US" baseline="0" dirty="0" smtClean="0"/>
+              <a:t> menggunakan buku sebagai media pembelajaran</a:t>
+            </a:r>
+            <a:r>
+              <a:rPr lang="en-US" dirty="0" smtClean="0"/>
+              <a:t>. Tentunya metode ini memiliki kekurangan yaitu siswa</a:t>
+            </a:r>
+            <a:r>
+              <a:rPr lang="en-US" baseline="0" dirty="0" smtClean="0"/>
+              <a:t> akan mudah bosan dengan proses pembelajaran karena media pembelajaran yang kurang menarik.</a:t>
+            </a:r>
             <a:endParaRPr lang="en-US" dirty="0" smtClean="0"/>
           </a:p>
           <a:p>
+            <a:endParaRPr lang="en-US" dirty="0" smtClean="0"/>
+          </a:p>
+          <a:p>
             <a:r>
               <a:rPr lang="en-US" dirty="0" smtClean="0"/>
-              <a:t>Untuk mengatasi permasalahan tersebut diperlukan media yang menarik dan disukai siswa.</a:t>
+              <a:t>Untuk mengatasi permasalahan tersebut diperlukan media yang menarik dan disukai </a:t>
+            </a:r>
+            <a:r>
+              <a:rPr lang="en-US" dirty="0" err="1" smtClean="0"/>
+              <a:t>ana</a:t>
+            </a:r>
+            <a:r>
+              <a:rPr lang="en-US" dirty="0" smtClean="0"/>
+              <a:t>-anak.</a:t>
             </a:r>
             <a:r>
               <a:rPr lang="en-US" baseline="0" dirty="0" smtClean="0"/>
@@ -643,7 +683,7 @@
             </a:r>
             <a:r>
               <a:rPr lang="en-US" dirty="0" smtClean="0"/>
-              <a:t>Salah satu media interaktif yang menarik adalah menggunakan metode pembelajaran melalui game, dimana media ini sangat diminati oleh anak-anak usia sekolah dasar yang secara harfiah masih sangat suka bermain.</a:t>
+              <a:t>Salah satu media interaktif yang menarik adalah melalui game, dimana media ini sangat diminati oleh anak-anak usia sekolah dasar yang secara harfiah masih sangat suka bermain.</a:t>
             </a:r>
             <a:endParaRPr lang="en-US" dirty="0"/>
           </a:p>
@@ -676,6 +716,1293 @@
     <p:extLst>
       <p:ext uri="{BB962C8B-B14F-4D97-AF65-F5344CB8AC3E}">
         <p14:creationId xmlns:p14="http://schemas.microsoft.com/office/powerpoint/2010/main" val="2503517438"/>
+      </p:ext>
+    </p:extLst>
+  </p:cSld>
+  <p:clrMapOvr>
+    <a:masterClrMapping/>
+  </p:clrMapOvr>
+</p:notes>
+</file>
+
+<file path=ppt/notesSlides/notesSlide3.xml><?xml version="1.0" encoding="utf-8"?>
+<p:notes xmlns:a="http://schemas.openxmlformats.org/drawingml/2006/main" xmlns:r="http://schemas.openxmlformats.org/officeDocument/2006/relationships" xmlns:p="http://schemas.openxmlformats.org/presentationml/2006/main">
+  <p:cSld>
+    <p:spTree>
+      <p:nvGrpSpPr>
+        <p:cNvPr id="1" name=""/>
+        <p:cNvGrpSpPr/>
+        <p:nvPr/>
+      </p:nvGrpSpPr>
+      <p:grpSpPr>
+        <a:xfrm>
+          <a:off x="0" y="0"/>
+          <a:ext cx="0" cy="0"/>
+          <a:chOff x="0" y="0"/>
+          <a:chExt cx="0" cy="0"/>
+        </a:xfrm>
+      </p:grpSpPr>
+      <p:sp>
+        <p:nvSpPr>
+          <p:cNvPr id="2" name="Slide Image Placeholder 1"/>
+          <p:cNvSpPr>
+            <a:spLocks noGrp="1" noRot="1" noChangeAspect="1"/>
+          </p:cNvSpPr>
+          <p:nvPr>
+            <p:ph type="sldImg"/>
+          </p:nvPr>
+        </p:nvSpPr>
+        <p:spPr/>
+      </p:sp>
+      <p:sp>
+        <p:nvSpPr>
+          <p:cNvPr id="3" name="Notes Placeholder 2"/>
+          <p:cNvSpPr>
+            <a:spLocks noGrp="1"/>
+          </p:cNvSpPr>
+          <p:nvPr>
+            <p:ph type="body" idx="1"/>
+          </p:nvPr>
+        </p:nvSpPr>
+        <p:spPr/>
+        <p:txBody>
+          <a:bodyPr/>
+          <a:lstStyle/>
+          <a:p>
+            <a:r>
+              <a:rPr lang="en-US" dirty="0" smtClean="0"/>
+              <a:t>Tahap analisis kebutuhan merupakan tahap pengumpulan data dan referensi yang dibutuhkan dalam pembuatan game.</a:t>
+            </a:r>
+            <a:r>
+              <a:rPr lang="en-US" baseline="0" dirty="0" smtClean="0"/>
+              <a:t> </a:t>
+            </a:r>
+            <a:r>
+              <a:rPr lang="en-US" dirty="0" smtClean="0"/>
+              <a:t>referensi diambil berdasarkan buku tematik 05 “Cuaca” revisi 2018 serta buku tematik revisi sebelumnya.</a:t>
+            </a:r>
+            <a:r>
+              <a:rPr lang="en-US" baseline="0" dirty="0" smtClean="0"/>
+              <a:t> Selain itu juga terdapat kebutuhan software dan hardware dalam pembuatan game ini.</a:t>
+            </a:r>
+            <a:endParaRPr lang="en-US" dirty="0" smtClean="0"/>
+          </a:p>
+          <a:p>
+            <a:endParaRPr lang="en-US" dirty="0" smtClean="0"/>
+          </a:p>
+          <a:p>
+            <a:r>
+              <a:rPr lang="en-US" dirty="0" smtClean="0"/>
+              <a:t>Tahap desain sistem merupakan tahapan perancangan desain sebagai gambaran awal bentuk</a:t>
+            </a:r>
+            <a:r>
+              <a:rPr lang="en-US" baseline="0" dirty="0" smtClean="0"/>
+              <a:t> dan</a:t>
+            </a:r>
+            <a:r>
+              <a:rPr lang="en-US" dirty="0" smtClean="0"/>
+              <a:t> tampilan game. Dalam</a:t>
+            </a:r>
+            <a:r>
+              <a:rPr lang="en-US" baseline="0" dirty="0" smtClean="0"/>
+              <a:t> tahapan ini </a:t>
+            </a:r>
+            <a:r>
+              <a:rPr lang="en-US" baseline="0" dirty="0" err="1" smtClean="0"/>
+              <a:t>dibuatl</a:t>
+            </a:r>
+            <a:r>
+              <a:rPr lang="en-US" baseline="0" dirty="0" smtClean="0"/>
+              <a:t> 3 hal yaitu</a:t>
+            </a:r>
+            <a:r>
+              <a:rPr lang="en-US" dirty="0" smtClean="0"/>
+              <a:t> use case diagram, activity diagram dan storyboard.</a:t>
+            </a:r>
+          </a:p>
+          <a:p>
+            <a:endParaRPr lang="en-US" dirty="0" smtClean="0"/>
+          </a:p>
+          <a:p>
+            <a:r>
+              <a:rPr lang="en-US" dirty="0" smtClean="0"/>
+              <a:t>Tahap implementasi merupakan tahap penerapan hasil rancangan berdasarkan desain sistem ke dalam baris code yang dimengerti komputer atau disebut coding.</a:t>
+            </a:r>
+          </a:p>
+          <a:p>
+            <a:endParaRPr lang="en-US" dirty="0" smtClean="0"/>
+          </a:p>
+          <a:p>
+            <a:endParaRPr lang="en-US" dirty="0"/>
+          </a:p>
+        </p:txBody>
+      </p:sp>
+      <p:sp>
+        <p:nvSpPr>
+          <p:cNvPr id="4" name="Slide Number Placeholder 3"/>
+          <p:cNvSpPr>
+            <a:spLocks noGrp="1"/>
+          </p:cNvSpPr>
+          <p:nvPr>
+            <p:ph type="sldNum" sz="quarter" idx="10"/>
+          </p:nvPr>
+        </p:nvSpPr>
+        <p:spPr/>
+        <p:txBody>
+          <a:bodyPr/>
+          <a:lstStyle/>
+          <a:p>
+            <a:fld id="{768910F0-19E9-4D73-8F4A-107F7E2FB2CC}" type="slidenum">
+              <a:rPr lang="en-US" smtClean="0"/>
+              <a:t>3</a:t>
+            </a:fld>
+            <a:endParaRPr lang="en-US"/>
+          </a:p>
+        </p:txBody>
+      </p:sp>
+    </p:spTree>
+    <p:extLst>
+      <p:ext uri="{BB962C8B-B14F-4D97-AF65-F5344CB8AC3E}">
+        <p14:creationId xmlns:p14="http://schemas.microsoft.com/office/powerpoint/2010/main" val="1954449087"/>
+      </p:ext>
+    </p:extLst>
+  </p:cSld>
+  <p:clrMapOvr>
+    <a:masterClrMapping/>
+  </p:clrMapOvr>
+</p:notes>
+</file>
+
+<file path=ppt/notesSlides/notesSlide4.xml><?xml version="1.0" encoding="utf-8"?>
+<p:notes xmlns:a="http://schemas.openxmlformats.org/drawingml/2006/main" xmlns:r="http://schemas.openxmlformats.org/officeDocument/2006/relationships" xmlns:p="http://schemas.openxmlformats.org/presentationml/2006/main">
+  <p:cSld>
+    <p:spTree>
+      <p:nvGrpSpPr>
+        <p:cNvPr id="1" name=""/>
+        <p:cNvGrpSpPr/>
+        <p:nvPr/>
+      </p:nvGrpSpPr>
+      <p:grpSpPr>
+        <a:xfrm>
+          <a:off x="0" y="0"/>
+          <a:ext cx="0" cy="0"/>
+          <a:chOff x="0" y="0"/>
+          <a:chExt cx="0" cy="0"/>
+        </a:xfrm>
+      </p:grpSpPr>
+      <p:sp>
+        <p:nvSpPr>
+          <p:cNvPr id="2" name="Slide Image Placeholder 1"/>
+          <p:cNvSpPr>
+            <a:spLocks noGrp="1" noRot="1" noChangeAspect="1"/>
+          </p:cNvSpPr>
+          <p:nvPr>
+            <p:ph type="sldImg"/>
+          </p:nvPr>
+        </p:nvSpPr>
+        <p:spPr/>
+      </p:sp>
+      <p:sp>
+        <p:nvSpPr>
+          <p:cNvPr id="3" name="Notes Placeholder 2"/>
+          <p:cNvSpPr>
+            <a:spLocks noGrp="1"/>
+          </p:cNvSpPr>
+          <p:nvPr>
+            <p:ph type="body" idx="1"/>
+          </p:nvPr>
+        </p:nvSpPr>
+        <p:spPr/>
+        <p:txBody>
+          <a:bodyPr/>
+          <a:lstStyle/>
+          <a:p>
+            <a:pPr lvl="0"/>
+            <a:r>
+              <a:rPr lang="en-US" sz="1200" b="0" kern="1200" dirty="0" smtClean="0">
+                <a:solidFill>
+                  <a:schemeClr val="tx1"/>
+                </a:solidFill>
+                <a:effectLst/>
+                <a:latin typeface="+mn-lt"/>
+                <a:ea typeface="+mn-ea"/>
+                <a:cs typeface="+mn-cs"/>
+              </a:rPr>
+              <a:t>Peneliti telah berhasil membuat </a:t>
+            </a:r>
+            <a:r>
+              <a:rPr lang="en-US" sz="1200" b="0" i="1" kern="1200" dirty="0" smtClean="0">
+                <a:solidFill>
+                  <a:schemeClr val="tx1"/>
+                </a:solidFill>
+                <a:effectLst/>
+                <a:latin typeface="+mn-lt"/>
+                <a:ea typeface="+mn-ea"/>
+                <a:cs typeface="+mn-cs"/>
+              </a:rPr>
+              <a:t>game </a:t>
+            </a:r>
+            <a:r>
+              <a:rPr lang="en-US" sz="1200" b="0" kern="1200" dirty="0" smtClean="0">
+                <a:solidFill>
+                  <a:schemeClr val="tx1"/>
+                </a:solidFill>
+                <a:effectLst/>
+                <a:latin typeface="+mn-lt"/>
+                <a:ea typeface="+mn-ea"/>
+                <a:cs typeface="+mn-cs"/>
+              </a:rPr>
+              <a:t>edukasi pengenalan iklim dan cuaca untuk membantu proses belajar siswa.</a:t>
+            </a:r>
+          </a:p>
+          <a:p>
+            <a:pPr lvl="0"/>
+            <a:endParaRPr lang="en-US" sz="1200" b="1" kern="1200" dirty="0" smtClean="0">
+              <a:solidFill>
+                <a:schemeClr val="tx1"/>
+              </a:solidFill>
+              <a:effectLst/>
+              <a:latin typeface="+mn-lt"/>
+              <a:ea typeface="+mn-ea"/>
+              <a:cs typeface="+mn-cs"/>
+            </a:endParaRPr>
+          </a:p>
+          <a:p>
+            <a:pPr lvl="0"/>
+            <a:r>
+              <a:rPr lang="en-US" sz="1200" b="0" kern="1200" dirty="0" smtClean="0">
+                <a:solidFill>
+                  <a:schemeClr val="tx1"/>
+                </a:solidFill>
+                <a:effectLst/>
+                <a:latin typeface="+mn-lt"/>
+                <a:ea typeface="+mn-ea"/>
+                <a:cs typeface="+mn-cs"/>
+              </a:rPr>
+              <a:t>Berdasarkan pengujian </a:t>
+            </a:r>
+            <a:r>
+              <a:rPr lang="en-US" sz="1200" b="0" i="1" kern="1200" dirty="0" smtClean="0">
+                <a:solidFill>
+                  <a:schemeClr val="tx1"/>
+                </a:solidFill>
+                <a:effectLst/>
+                <a:latin typeface="+mn-lt"/>
+                <a:ea typeface="+mn-ea"/>
+                <a:cs typeface="+mn-cs"/>
+              </a:rPr>
+              <a:t>black box, f</a:t>
+            </a:r>
+            <a:r>
+              <a:rPr lang="en-US" sz="1200" b="0" i="0" kern="1200" dirty="0" smtClean="0">
+                <a:solidFill>
+                  <a:schemeClr val="tx1"/>
+                </a:solidFill>
+                <a:effectLst/>
+                <a:latin typeface="+mn-lt"/>
+                <a:ea typeface="+mn-ea"/>
+                <a:cs typeface="+mn-cs"/>
+              </a:rPr>
+              <a:t>itur serta tombol yang ada di dalam </a:t>
+            </a:r>
+            <a:r>
+              <a:rPr lang="en-US" sz="1200" b="0" i="1" kern="1200" dirty="0" smtClean="0">
+                <a:solidFill>
+                  <a:schemeClr val="tx1"/>
+                </a:solidFill>
+                <a:effectLst/>
+                <a:latin typeface="+mn-lt"/>
+                <a:ea typeface="+mn-ea"/>
+                <a:cs typeface="+mn-cs"/>
+              </a:rPr>
+              <a:t>game </a:t>
+            </a:r>
+            <a:r>
+              <a:rPr lang="en-US" sz="1200" b="0" kern="1200" dirty="0" smtClean="0">
+                <a:solidFill>
+                  <a:schemeClr val="tx1"/>
+                </a:solidFill>
+                <a:effectLst/>
+                <a:latin typeface="+mn-lt"/>
+                <a:ea typeface="+mn-ea"/>
+                <a:cs typeface="+mn-cs"/>
+              </a:rPr>
+              <a:t>edukasi pengenalan iklim dan cuaca dapat berjalan dengan semestinya.</a:t>
+            </a:r>
+          </a:p>
+          <a:p>
+            <a:pPr lvl="0"/>
+            <a:endParaRPr lang="en-US" sz="1200" b="1" kern="1200" dirty="0" smtClean="0">
+              <a:solidFill>
+                <a:schemeClr val="tx1"/>
+              </a:solidFill>
+              <a:effectLst/>
+              <a:latin typeface="+mn-lt"/>
+              <a:ea typeface="+mn-ea"/>
+              <a:cs typeface="+mn-cs"/>
+            </a:endParaRPr>
+          </a:p>
+          <a:p>
+            <a:r>
+              <a:rPr lang="en-US" sz="1200" kern="1200" dirty="0" smtClean="0">
+                <a:solidFill>
+                  <a:schemeClr val="tx1"/>
+                </a:solidFill>
+                <a:effectLst/>
+                <a:latin typeface="+mn-lt"/>
+                <a:ea typeface="+mn-ea"/>
+                <a:cs typeface="+mn-cs"/>
+              </a:rPr>
+              <a:t>Berdasarkan hasil kuesioner diperoleh persentase rata-rata sebesar 90.8% yang menunjukkan bahwa responden setuju, </a:t>
+            </a:r>
+            <a:r>
+              <a:rPr lang="en-US" sz="1200" i="1" kern="1200" dirty="0" smtClean="0">
+                <a:solidFill>
+                  <a:schemeClr val="tx1"/>
+                </a:solidFill>
+                <a:effectLst/>
+                <a:latin typeface="+mn-lt"/>
+                <a:ea typeface="+mn-ea"/>
+                <a:cs typeface="+mn-cs"/>
+              </a:rPr>
+              <a:t>game </a:t>
+            </a:r>
+            <a:r>
+              <a:rPr lang="en-US" sz="1200" kern="1200" dirty="0" smtClean="0">
+                <a:solidFill>
+                  <a:schemeClr val="tx1"/>
+                </a:solidFill>
+                <a:effectLst/>
+                <a:latin typeface="+mn-lt"/>
+                <a:ea typeface="+mn-ea"/>
+                <a:cs typeface="+mn-cs"/>
+              </a:rPr>
+              <a:t>edukasi pengenalan iklim dan cuaca merupakan </a:t>
+            </a:r>
+            <a:r>
+              <a:rPr lang="en-US" sz="1200" i="1" kern="1200" dirty="0" smtClean="0">
+                <a:solidFill>
+                  <a:schemeClr val="tx1"/>
+                </a:solidFill>
+                <a:effectLst/>
+                <a:latin typeface="+mn-lt"/>
+                <a:ea typeface="+mn-ea"/>
+                <a:cs typeface="+mn-cs"/>
+              </a:rPr>
+              <a:t>game </a:t>
+            </a:r>
+            <a:r>
+              <a:rPr lang="en-US" sz="1200" kern="1200" dirty="0" smtClean="0">
+                <a:solidFill>
+                  <a:schemeClr val="tx1"/>
+                </a:solidFill>
+                <a:effectLst/>
+                <a:latin typeface="+mn-lt"/>
+                <a:ea typeface="+mn-ea"/>
+                <a:cs typeface="+mn-cs"/>
+              </a:rPr>
+              <a:t>yang menarik, mudah digunakan, bahasanya mudah dimengerti serta tombol dalam </a:t>
+            </a:r>
+            <a:r>
+              <a:rPr lang="en-US" sz="1200" i="1" kern="1200" dirty="0" smtClean="0">
+                <a:solidFill>
+                  <a:schemeClr val="tx1"/>
+                </a:solidFill>
+                <a:effectLst/>
+                <a:latin typeface="+mn-lt"/>
+                <a:ea typeface="+mn-ea"/>
+                <a:cs typeface="+mn-cs"/>
+              </a:rPr>
+              <a:t>game </a:t>
+            </a:r>
+            <a:r>
+              <a:rPr lang="en-US" sz="1200" kern="1200" dirty="0" smtClean="0">
+                <a:solidFill>
+                  <a:schemeClr val="tx1"/>
+                </a:solidFill>
+                <a:effectLst/>
+                <a:latin typeface="+mn-lt"/>
+                <a:ea typeface="+mn-ea"/>
+                <a:cs typeface="+mn-cs"/>
+              </a:rPr>
+              <a:t>dapat berfungsi dengan baik.</a:t>
+            </a:r>
+            <a:endParaRPr lang="en-US" dirty="0"/>
+          </a:p>
+        </p:txBody>
+      </p:sp>
+      <p:sp>
+        <p:nvSpPr>
+          <p:cNvPr id="4" name="Slide Number Placeholder 3"/>
+          <p:cNvSpPr>
+            <a:spLocks noGrp="1"/>
+          </p:cNvSpPr>
+          <p:nvPr>
+            <p:ph type="sldNum" sz="quarter" idx="10"/>
+          </p:nvPr>
+        </p:nvSpPr>
+        <p:spPr/>
+        <p:txBody>
+          <a:bodyPr/>
+          <a:lstStyle/>
+          <a:p>
+            <a:fld id="{768910F0-19E9-4D73-8F4A-107F7E2FB2CC}" type="slidenum">
+              <a:rPr lang="en-US" smtClean="0"/>
+              <a:t>5</a:t>
+            </a:fld>
+            <a:endParaRPr lang="en-US"/>
+          </a:p>
+        </p:txBody>
+      </p:sp>
+    </p:spTree>
+    <p:extLst>
+      <p:ext uri="{BB962C8B-B14F-4D97-AF65-F5344CB8AC3E}">
+        <p14:creationId xmlns:p14="http://schemas.microsoft.com/office/powerpoint/2010/main" val="2301459599"/>
+      </p:ext>
+    </p:extLst>
+  </p:cSld>
+  <p:clrMapOvr>
+    <a:masterClrMapping/>
+  </p:clrMapOvr>
+</p:notes>
+</file>
+
+<file path=ppt/notesSlides/notesSlide5.xml><?xml version="1.0" encoding="utf-8"?>
+<p:notes xmlns:a="http://schemas.openxmlformats.org/drawingml/2006/main" xmlns:r="http://schemas.openxmlformats.org/officeDocument/2006/relationships" xmlns:p="http://schemas.openxmlformats.org/presentationml/2006/main">
+  <p:cSld>
+    <p:spTree>
+      <p:nvGrpSpPr>
+        <p:cNvPr id="1" name=""/>
+        <p:cNvGrpSpPr/>
+        <p:nvPr/>
+      </p:nvGrpSpPr>
+      <p:grpSpPr>
+        <a:xfrm>
+          <a:off x="0" y="0"/>
+          <a:ext cx="0" cy="0"/>
+          <a:chOff x="0" y="0"/>
+          <a:chExt cx="0" cy="0"/>
+        </a:xfrm>
+      </p:grpSpPr>
+      <p:sp>
+        <p:nvSpPr>
+          <p:cNvPr id="2" name="Slide Image Placeholder 1"/>
+          <p:cNvSpPr>
+            <a:spLocks noGrp="1" noRot="1" noChangeAspect="1"/>
+          </p:cNvSpPr>
+          <p:nvPr>
+            <p:ph type="sldImg"/>
+          </p:nvPr>
+        </p:nvSpPr>
+        <p:spPr/>
+      </p:sp>
+      <p:sp>
+        <p:nvSpPr>
+          <p:cNvPr id="3" name="Notes Placeholder 2"/>
+          <p:cNvSpPr>
+            <a:spLocks noGrp="1"/>
+          </p:cNvSpPr>
+          <p:nvPr>
+            <p:ph type="body" idx="1"/>
+          </p:nvPr>
+        </p:nvSpPr>
+        <p:spPr/>
+        <p:txBody>
+          <a:bodyPr/>
+          <a:lstStyle/>
+          <a:p>
+            <a:r>
+              <a:rPr lang="en-US" dirty="0" smtClean="0"/>
+              <a:t>Use case</a:t>
+            </a:r>
+            <a:r>
+              <a:rPr lang="en-US" baseline="0" dirty="0" smtClean="0"/>
+              <a:t> diagram:</a:t>
+            </a:r>
+          </a:p>
+          <a:p>
+            <a:r>
+              <a:rPr lang="en-US" baseline="0" dirty="0" smtClean="0"/>
+              <a:t>Memainkan game</a:t>
+            </a:r>
+          </a:p>
+          <a:p>
+            <a:r>
+              <a:rPr lang="en-US" baseline="0" dirty="0" smtClean="0"/>
+              <a:t>Membaca materi</a:t>
+            </a:r>
+          </a:p>
+          <a:p>
+            <a:r>
+              <a:rPr lang="en-US" baseline="0" dirty="0" smtClean="0"/>
+              <a:t>Menjawab kuis</a:t>
+            </a:r>
+          </a:p>
+          <a:p>
+            <a:r>
+              <a:rPr lang="en-US" baseline="0" dirty="0" smtClean="0"/>
+              <a:t>Melihat informasi game</a:t>
+            </a:r>
+          </a:p>
+          <a:p>
+            <a:r>
+              <a:rPr lang="en-US" baseline="0" dirty="0" smtClean="0"/>
+              <a:t>Keluar dari </a:t>
+            </a:r>
+            <a:r>
+              <a:rPr lang="en-US" baseline="0" dirty="0" smtClean="0"/>
+              <a:t>game</a:t>
+            </a:r>
+          </a:p>
+          <a:p>
+            <a:endParaRPr lang="en-US" baseline="0" dirty="0" smtClean="0"/>
+          </a:p>
+          <a:p>
+            <a:r>
+              <a:rPr lang="en-US" baseline="0" dirty="0" smtClean="0"/>
+              <a:t>Storyboard:</a:t>
+            </a:r>
+          </a:p>
+          <a:p>
+            <a:r>
+              <a:rPr lang="en-US" dirty="0" smtClean="0"/>
+              <a:t>Rancangan yang menjelaskan</a:t>
+            </a:r>
+            <a:r>
+              <a:rPr lang="en-US" baseline="0" dirty="0" smtClean="0"/>
+              <a:t> </a:t>
+            </a:r>
+            <a:r>
+              <a:rPr lang="en-US" smtClean="0"/>
+              <a:t>fungsi dari </a:t>
+            </a:r>
+            <a:r>
+              <a:rPr lang="en-US" dirty="0" smtClean="0"/>
+              <a:t>tombol, menu serta fitur-fitur yang akan dibuat yang dijelaskan secara rinci dan tepat</a:t>
+            </a:r>
+            <a:endParaRPr lang="en-US" dirty="0"/>
+          </a:p>
+        </p:txBody>
+      </p:sp>
+      <p:sp>
+        <p:nvSpPr>
+          <p:cNvPr id="4" name="Slide Number Placeholder 3"/>
+          <p:cNvSpPr>
+            <a:spLocks noGrp="1"/>
+          </p:cNvSpPr>
+          <p:nvPr>
+            <p:ph type="sldNum" sz="quarter" idx="10"/>
+          </p:nvPr>
+        </p:nvSpPr>
+        <p:spPr/>
+        <p:txBody>
+          <a:bodyPr/>
+          <a:lstStyle/>
+          <a:p>
+            <a:fld id="{768910F0-19E9-4D73-8F4A-107F7E2FB2CC}" type="slidenum">
+              <a:rPr lang="en-US" smtClean="0"/>
+              <a:t>8</a:t>
+            </a:fld>
+            <a:endParaRPr lang="en-US"/>
+          </a:p>
+        </p:txBody>
+      </p:sp>
+    </p:spTree>
+    <p:extLst>
+      <p:ext uri="{BB962C8B-B14F-4D97-AF65-F5344CB8AC3E}">
+        <p14:creationId xmlns:p14="http://schemas.microsoft.com/office/powerpoint/2010/main" val="3426758795"/>
+      </p:ext>
+    </p:extLst>
+  </p:cSld>
+  <p:clrMapOvr>
+    <a:masterClrMapping/>
+  </p:clrMapOvr>
+</p:notes>
+</file>
+
+<file path=ppt/notesSlides/notesSlide6.xml><?xml version="1.0" encoding="utf-8"?>
+<p:notes xmlns:a="http://schemas.openxmlformats.org/drawingml/2006/main" xmlns:r="http://schemas.openxmlformats.org/officeDocument/2006/relationships" xmlns:p="http://schemas.openxmlformats.org/presentationml/2006/main">
+  <p:cSld>
+    <p:spTree>
+      <p:nvGrpSpPr>
+        <p:cNvPr id="1" name=""/>
+        <p:cNvGrpSpPr/>
+        <p:nvPr/>
+      </p:nvGrpSpPr>
+      <p:grpSpPr>
+        <a:xfrm>
+          <a:off x="0" y="0"/>
+          <a:ext cx="0" cy="0"/>
+          <a:chOff x="0" y="0"/>
+          <a:chExt cx="0" cy="0"/>
+        </a:xfrm>
+      </p:grpSpPr>
+      <p:sp>
+        <p:nvSpPr>
+          <p:cNvPr id="2" name="Slide Image Placeholder 1"/>
+          <p:cNvSpPr>
+            <a:spLocks noGrp="1" noRot="1" noChangeAspect="1"/>
+          </p:cNvSpPr>
+          <p:nvPr>
+            <p:ph type="sldImg"/>
+          </p:nvPr>
+        </p:nvSpPr>
+        <p:spPr/>
+      </p:sp>
+      <p:sp>
+        <p:nvSpPr>
+          <p:cNvPr id="3" name="Notes Placeholder 2"/>
+          <p:cNvSpPr>
+            <a:spLocks noGrp="1"/>
+          </p:cNvSpPr>
+          <p:nvPr>
+            <p:ph type="body" idx="1"/>
+          </p:nvPr>
+        </p:nvSpPr>
+        <p:spPr/>
+        <p:txBody>
+          <a:bodyPr/>
+          <a:lstStyle/>
+          <a:p>
+            <a:r>
+              <a:rPr lang="en-US" sz="1200" kern="1200" dirty="0" smtClean="0">
+                <a:solidFill>
+                  <a:schemeClr val="tx1"/>
+                </a:solidFill>
+                <a:effectLst/>
+                <a:latin typeface="+mn-lt"/>
+                <a:ea typeface="+mn-ea"/>
+                <a:cs typeface="+mn-cs"/>
+              </a:rPr>
+              <a:t>Pengujian </a:t>
+            </a:r>
+            <a:r>
+              <a:rPr lang="en-US" sz="1200" i="1" kern="1200" dirty="0" smtClean="0">
+                <a:solidFill>
+                  <a:schemeClr val="tx1"/>
+                </a:solidFill>
+                <a:effectLst/>
+                <a:latin typeface="+mn-lt"/>
+                <a:ea typeface="+mn-ea"/>
+                <a:cs typeface="+mn-cs"/>
+              </a:rPr>
+              <a:t>black box</a:t>
+            </a:r>
+            <a:r>
+              <a:rPr lang="en-US" sz="1200" kern="1200" dirty="0" smtClean="0">
+                <a:solidFill>
+                  <a:schemeClr val="tx1"/>
+                </a:solidFill>
+                <a:effectLst/>
+                <a:latin typeface="+mn-lt"/>
+                <a:ea typeface="+mn-ea"/>
+                <a:cs typeface="+mn-cs"/>
+              </a:rPr>
+              <a:t> adalah teknik pengujian yang</a:t>
+            </a:r>
+            <a:r>
+              <a:rPr lang="en-US" sz="1200" kern="1200" baseline="0" dirty="0" smtClean="0">
+                <a:solidFill>
+                  <a:schemeClr val="tx1"/>
+                </a:solidFill>
+                <a:effectLst/>
+                <a:latin typeface="+mn-lt"/>
+                <a:ea typeface="+mn-ea"/>
+                <a:cs typeface="+mn-cs"/>
+              </a:rPr>
+              <a:t> hanya menguji fungsionalitas saja tanpa mengetahui struktur internal dalam suatu software</a:t>
+            </a:r>
+            <a:endParaRPr lang="en-US" sz="1200" kern="1200" dirty="0" smtClean="0">
+              <a:solidFill>
+                <a:schemeClr val="tx1"/>
+              </a:solidFill>
+              <a:effectLst/>
+              <a:latin typeface="+mn-lt"/>
+              <a:ea typeface="+mn-ea"/>
+              <a:cs typeface="+mn-cs"/>
+            </a:endParaRPr>
+          </a:p>
+          <a:p>
+            <a:endParaRPr lang="en-US" sz="1200" kern="1200" dirty="0" smtClean="0">
+              <a:solidFill>
+                <a:schemeClr val="tx1"/>
+              </a:solidFill>
+              <a:effectLst/>
+              <a:latin typeface="+mn-lt"/>
+              <a:ea typeface="+mn-ea"/>
+              <a:cs typeface="+mn-cs"/>
+            </a:endParaRPr>
+          </a:p>
+          <a:p>
+            <a:r>
+              <a:rPr lang="en-US" sz="1200" kern="1200" dirty="0" smtClean="0">
+                <a:solidFill>
+                  <a:schemeClr val="tx1"/>
+                </a:solidFill>
+                <a:effectLst/>
+                <a:latin typeface="+mn-lt"/>
+                <a:ea typeface="+mn-ea"/>
+                <a:cs typeface="+mn-cs"/>
+              </a:rPr>
+              <a:t>UAT merupakan</a:t>
+            </a:r>
+            <a:r>
+              <a:rPr lang="en-US" sz="1200" kern="1200" baseline="0" dirty="0" smtClean="0">
+                <a:solidFill>
+                  <a:schemeClr val="tx1"/>
+                </a:solidFill>
+                <a:effectLst/>
+                <a:latin typeface="+mn-lt"/>
+                <a:ea typeface="+mn-ea"/>
+                <a:cs typeface="+mn-cs"/>
+              </a:rPr>
+              <a:t> pengujian terhadap tingkat penerimaan pengguna, apabila software yang dibuat sudah sesuai yang pengguna inginkan maka software dapat digunakan secara resmi.</a:t>
+            </a:r>
+            <a:endParaRPr lang="en-US" dirty="0"/>
+          </a:p>
+        </p:txBody>
+      </p:sp>
+      <p:sp>
+        <p:nvSpPr>
+          <p:cNvPr id="4" name="Slide Number Placeholder 3"/>
+          <p:cNvSpPr>
+            <a:spLocks noGrp="1"/>
+          </p:cNvSpPr>
+          <p:nvPr>
+            <p:ph type="sldNum" sz="quarter" idx="10"/>
+          </p:nvPr>
+        </p:nvSpPr>
+        <p:spPr/>
+        <p:txBody>
+          <a:bodyPr/>
+          <a:lstStyle/>
+          <a:p>
+            <a:fld id="{768910F0-19E9-4D73-8F4A-107F7E2FB2CC}" type="slidenum">
+              <a:rPr lang="en-US" smtClean="0"/>
+              <a:t>10</a:t>
+            </a:fld>
+            <a:endParaRPr lang="en-US"/>
+          </a:p>
+        </p:txBody>
+      </p:sp>
+    </p:spTree>
+    <p:extLst>
+      <p:ext uri="{BB962C8B-B14F-4D97-AF65-F5344CB8AC3E}">
+        <p14:creationId xmlns:p14="http://schemas.microsoft.com/office/powerpoint/2010/main" val="2211879446"/>
+      </p:ext>
+    </p:extLst>
+  </p:cSld>
+  <p:clrMapOvr>
+    <a:masterClrMapping/>
+  </p:clrMapOvr>
+</p:notes>
+</file>
+
+<file path=ppt/notesSlides/notesSlide7.xml><?xml version="1.0" encoding="utf-8"?>
+<p:notes xmlns:a="http://schemas.openxmlformats.org/drawingml/2006/main" xmlns:r="http://schemas.openxmlformats.org/officeDocument/2006/relationships" xmlns:p="http://schemas.openxmlformats.org/presentationml/2006/main">
+  <p:cSld>
+    <p:spTree>
+      <p:nvGrpSpPr>
+        <p:cNvPr id="1" name=""/>
+        <p:cNvGrpSpPr/>
+        <p:nvPr/>
+      </p:nvGrpSpPr>
+      <p:grpSpPr>
+        <a:xfrm>
+          <a:off x="0" y="0"/>
+          <a:ext cx="0" cy="0"/>
+          <a:chOff x="0" y="0"/>
+          <a:chExt cx="0" cy="0"/>
+        </a:xfrm>
+      </p:grpSpPr>
+      <p:sp>
+        <p:nvSpPr>
+          <p:cNvPr id="2" name="Slide Image Placeholder 1"/>
+          <p:cNvSpPr>
+            <a:spLocks noGrp="1" noRot="1" noChangeAspect="1"/>
+          </p:cNvSpPr>
+          <p:nvPr>
+            <p:ph type="sldImg"/>
+          </p:nvPr>
+        </p:nvSpPr>
+        <p:spPr/>
+      </p:sp>
+      <p:sp>
+        <p:nvSpPr>
+          <p:cNvPr id="3" name="Notes Placeholder 2"/>
+          <p:cNvSpPr>
+            <a:spLocks noGrp="1"/>
+          </p:cNvSpPr>
+          <p:nvPr>
+            <p:ph type="body" idx="1"/>
+          </p:nvPr>
+        </p:nvSpPr>
+        <p:spPr/>
+        <p:txBody>
+          <a:bodyPr/>
+          <a:lstStyle/>
+          <a:p>
+            <a:pPr lvl="0"/>
+            <a:r>
+              <a:rPr lang="en-US" sz="1200" b="0" kern="1200" dirty="0" smtClean="0">
+                <a:solidFill>
+                  <a:schemeClr val="tx1"/>
+                </a:solidFill>
+                <a:effectLst/>
+                <a:latin typeface="+mn-lt"/>
+                <a:ea typeface="+mn-ea"/>
+                <a:cs typeface="+mn-cs"/>
+              </a:rPr>
+              <a:t>Berdasarkan penelitian yang telah dilakukan</a:t>
+            </a:r>
+            <a:r>
+              <a:rPr lang="en-US" sz="1200" b="0" kern="1200" baseline="0" dirty="0" smtClean="0">
+                <a:solidFill>
+                  <a:schemeClr val="tx1"/>
+                </a:solidFill>
+                <a:effectLst/>
+                <a:latin typeface="+mn-lt"/>
+                <a:ea typeface="+mn-ea"/>
+                <a:cs typeface="+mn-cs"/>
+              </a:rPr>
+              <a:t> p</a:t>
+            </a:r>
+            <a:r>
+              <a:rPr lang="en-US" sz="1200" b="0" kern="1200" dirty="0" smtClean="0">
+                <a:solidFill>
+                  <a:schemeClr val="tx1"/>
+                </a:solidFill>
+                <a:effectLst/>
+                <a:latin typeface="+mn-lt"/>
+                <a:ea typeface="+mn-ea"/>
+                <a:cs typeface="+mn-cs"/>
+              </a:rPr>
+              <a:t>eneliti telah berhasil membuat </a:t>
+            </a:r>
+            <a:r>
+              <a:rPr lang="en-US" sz="1200" b="0" i="1" kern="1200" dirty="0" smtClean="0">
+                <a:solidFill>
+                  <a:schemeClr val="tx1"/>
+                </a:solidFill>
+                <a:effectLst/>
+                <a:latin typeface="+mn-lt"/>
+                <a:ea typeface="+mn-ea"/>
+                <a:cs typeface="+mn-cs"/>
+              </a:rPr>
+              <a:t>game </a:t>
+            </a:r>
+            <a:r>
+              <a:rPr lang="en-US" sz="1200" b="0" kern="1200" dirty="0" smtClean="0">
+                <a:solidFill>
+                  <a:schemeClr val="tx1"/>
+                </a:solidFill>
+                <a:effectLst/>
+                <a:latin typeface="+mn-lt"/>
+                <a:ea typeface="+mn-ea"/>
+                <a:cs typeface="+mn-cs"/>
+              </a:rPr>
+              <a:t>edukasi pengenalan iklim dan </a:t>
+            </a:r>
+            <a:r>
+              <a:rPr lang="en-US" sz="1200" b="0" kern="1200" smtClean="0">
+                <a:solidFill>
+                  <a:schemeClr val="tx1"/>
+                </a:solidFill>
+                <a:effectLst/>
+                <a:latin typeface="+mn-lt"/>
+                <a:ea typeface="+mn-ea"/>
+                <a:cs typeface="+mn-cs"/>
+              </a:rPr>
+              <a:t>cuaca untuk membantu </a:t>
+            </a:r>
+            <a:r>
+              <a:rPr lang="en-US" sz="1200" b="0" kern="1200" dirty="0" smtClean="0">
+                <a:solidFill>
+                  <a:schemeClr val="tx1"/>
+                </a:solidFill>
+                <a:effectLst/>
+                <a:latin typeface="+mn-lt"/>
+                <a:ea typeface="+mn-ea"/>
+                <a:cs typeface="+mn-cs"/>
+              </a:rPr>
+              <a:t>proses belajar siswa.</a:t>
+            </a:r>
+          </a:p>
+          <a:p>
+            <a:endParaRPr lang="en-US" dirty="0"/>
+          </a:p>
+        </p:txBody>
+      </p:sp>
+      <p:sp>
+        <p:nvSpPr>
+          <p:cNvPr id="4" name="Slide Number Placeholder 3"/>
+          <p:cNvSpPr>
+            <a:spLocks noGrp="1"/>
+          </p:cNvSpPr>
+          <p:nvPr>
+            <p:ph type="sldNum" sz="quarter" idx="10"/>
+          </p:nvPr>
+        </p:nvSpPr>
+        <p:spPr/>
+        <p:txBody>
+          <a:bodyPr/>
+          <a:lstStyle/>
+          <a:p>
+            <a:fld id="{768910F0-19E9-4D73-8F4A-107F7E2FB2CC}" type="slidenum">
+              <a:rPr lang="en-US" smtClean="0"/>
+              <a:t>11</a:t>
+            </a:fld>
+            <a:endParaRPr lang="en-US"/>
+          </a:p>
+        </p:txBody>
+      </p:sp>
+    </p:spTree>
+    <p:extLst>
+      <p:ext uri="{BB962C8B-B14F-4D97-AF65-F5344CB8AC3E}">
+        <p14:creationId xmlns:p14="http://schemas.microsoft.com/office/powerpoint/2010/main" val="711909623"/>
+      </p:ext>
+    </p:extLst>
+  </p:cSld>
+  <p:clrMapOvr>
+    <a:masterClrMapping/>
+  </p:clrMapOvr>
+</p:notes>
+</file>
+
+<file path=ppt/notesSlides/notesSlide8.xml><?xml version="1.0" encoding="utf-8"?>
+<p:notes xmlns:a="http://schemas.openxmlformats.org/drawingml/2006/main" xmlns:r="http://schemas.openxmlformats.org/officeDocument/2006/relationships" xmlns:p="http://schemas.openxmlformats.org/presentationml/2006/main">
+  <p:cSld>
+    <p:spTree>
+      <p:nvGrpSpPr>
+        <p:cNvPr id="1" name=""/>
+        <p:cNvGrpSpPr/>
+        <p:nvPr/>
+      </p:nvGrpSpPr>
+      <p:grpSpPr>
+        <a:xfrm>
+          <a:off x="0" y="0"/>
+          <a:ext cx="0" cy="0"/>
+          <a:chOff x="0" y="0"/>
+          <a:chExt cx="0" cy="0"/>
+        </a:xfrm>
+      </p:grpSpPr>
+      <p:sp>
+        <p:nvSpPr>
+          <p:cNvPr id="2" name="Slide Image Placeholder 1"/>
+          <p:cNvSpPr>
+            <a:spLocks noGrp="1" noRot="1" noChangeAspect="1"/>
+          </p:cNvSpPr>
+          <p:nvPr>
+            <p:ph type="sldImg"/>
+          </p:nvPr>
+        </p:nvSpPr>
+        <p:spPr/>
+      </p:sp>
+      <p:sp>
+        <p:nvSpPr>
+          <p:cNvPr id="3" name="Notes Placeholder 2"/>
+          <p:cNvSpPr>
+            <a:spLocks noGrp="1"/>
+          </p:cNvSpPr>
+          <p:nvPr>
+            <p:ph type="body" idx="1"/>
+          </p:nvPr>
+        </p:nvSpPr>
+        <p:spPr/>
+        <p:txBody>
+          <a:bodyPr/>
+          <a:lstStyle/>
+          <a:p>
+            <a:pPr lvl="0"/>
+            <a:r>
+              <a:rPr lang="en-US" sz="1200" b="0" kern="1200" dirty="0" smtClean="0">
+                <a:solidFill>
+                  <a:schemeClr val="tx1"/>
+                </a:solidFill>
+                <a:effectLst/>
+                <a:latin typeface="+mn-lt"/>
+                <a:ea typeface="+mn-ea"/>
+                <a:cs typeface="+mn-cs"/>
+              </a:rPr>
+              <a:t>Berdasarkan pengujian </a:t>
+            </a:r>
+            <a:r>
+              <a:rPr lang="en-US" sz="1200" b="0" i="1" kern="1200" dirty="0" smtClean="0">
+                <a:solidFill>
+                  <a:schemeClr val="tx1"/>
+                </a:solidFill>
+                <a:effectLst/>
+                <a:latin typeface="+mn-lt"/>
+                <a:ea typeface="+mn-ea"/>
+                <a:cs typeface="+mn-cs"/>
+              </a:rPr>
+              <a:t>black box, f</a:t>
+            </a:r>
+            <a:r>
+              <a:rPr lang="en-US" sz="1200" b="0" i="0" kern="1200" dirty="0" smtClean="0">
+                <a:solidFill>
+                  <a:schemeClr val="tx1"/>
+                </a:solidFill>
+                <a:effectLst/>
+                <a:latin typeface="+mn-lt"/>
+                <a:ea typeface="+mn-ea"/>
+                <a:cs typeface="+mn-cs"/>
+              </a:rPr>
+              <a:t>itur serta tombol yang ada di dalam </a:t>
+            </a:r>
+            <a:r>
+              <a:rPr lang="en-US" sz="1200" b="0" i="1" kern="1200" dirty="0" smtClean="0">
+                <a:solidFill>
+                  <a:schemeClr val="tx1"/>
+                </a:solidFill>
+                <a:effectLst/>
+                <a:latin typeface="+mn-lt"/>
+                <a:ea typeface="+mn-ea"/>
+                <a:cs typeface="+mn-cs"/>
+              </a:rPr>
+              <a:t>game </a:t>
+            </a:r>
+            <a:r>
+              <a:rPr lang="en-US" sz="1200" b="0" kern="1200" dirty="0" smtClean="0">
+                <a:solidFill>
+                  <a:schemeClr val="tx1"/>
+                </a:solidFill>
+                <a:effectLst/>
+                <a:latin typeface="+mn-lt"/>
+                <a:ea typeface="+mn-ea"/>
+                <a:cs typeface="+mn-cs"/>
+              </a:rPr>
+              <a:t>edukasi pengenalan iklim dan cuaca dapat berjalan dengan semestinya.</a:t>
+            </a:r>
+            <a:endParaRPr lang="en-US" dirty="0" smtClean="0"/>
+          </a:p>
+          <a:p>
+            <a:endParaRPr lang="en-US" dirty="0"/>
+          </a:p>
+        </p:txBody>
+      </p:sp>
+      <p:sp>
+        <p:nvSpPr>
+          <p:cNvPr id="4" name="Slide Number Placeholder 3"/>
+          <p:cNvSpPr>
+            <a:spLocks noGrp="1"/>
+          </p:cNvSpPr>
+          <p:nvPr>
+            <p:ph type="sldNum" sz="quarter" idx="10"/>
+          </p:nvPr>
+        </p:nvSpPr>
+        <p:spPr/>
+        <p:txBody>
+          <a:bodyPr/>
+          <a:lstStyle/>
+          <a:p>
+            <a:fld id="{768910F0-19E9-4D73-8F4A-107F7E2FB2CC}" type="slidenum">
+              <a:rPr lang="en-US" smtClean="0"/>
+              <a:t>12</a:t>
+            </a:fld>
+            <a:endParaRPr lang="en-US"/>
+          </a:p>
+        </p:txBody>
+      </p:sp>
+    </p:spTree>
+    <p:extLst>
+      <p:ext uri="{BB962C8B-B14F-4D97-AF65-F5344CB8AC3E}">
+        <p14:creationId xmlns:p14="http://schemas.microsoft.com/office/powerpoint/2010/main" val="266402508"/>
+      </p:ext>
+    </p:extLst>
+  </p:cSld>
+  <p:clrMapOvr>
+    <a:masterClrMapping/>
+  </p:clrMapOvr>
+</p:notes>
+</file>
+
+<file path=ppt/notesSlides/notesSlide9.xml><?xml version="1.0" encoding="utf-8"?>
+<p:notes xmlns:a="http://schemas.openxmlformats.org/drawingml/2006/main" xmlns:r="http://schemas.openxmlformats.org/officeDocument/2006/relationships" xmlns:p="http://schemas.openxmlformats.org/presentationml/2006/main">
+  <p:cSld>
+    <p:spTree>
+      <p:nvGrpSpPr>
+        <p:cNvPr id="1" name=""/>
+        <p:cNvGrpSpPr/>
+        <p:nvPr/>
+      </p:nvGrpSpPr>
+      <p:grpSpPr>
+        <a:xfrm>
+          <a:off x="0" y="0"/>
+          <a:ext cx="0" cy="0"/>
+          <a:chOff x="0" y="0"/>
+          <a:chExt cx="0" cy="0"/>
+        </a:xfrm>
+      </p:grpSpPr>
+      <p:sp>
+        <p:nvSpPr>
+          <p:cNvPr id="2" name="Slide Image Placeholder 1"/>
+          <p:cNvSpPr>
+            <a:spLocks noGrp="1" noRot="1" noChangeAspect="1"/>
+          </p:cNvSpPr>
+          <p:nvPr>
+            <p:ph type="sldImg"/>
+          </p:nvPr>
+        </p:nvSpPr>
+        <p:spPr/>
+      </p:sp>
+      <p:sp>
+        <p:nvSpPr>
+          <p:cNvPr id="3" name="Notes Placeholder 2"/>
+          <p:cNvSpPr>
+            <a:spLocks noGrp="1"/>
+          </p:cNvSpPr>
+          <p:nvPr>
+            <p:ph type="body" idx="1"/>
+          </p:nvPr>
+        </p:nvSpPr>
+        <p:spPr/>
+        <p:txBody>
+          <a:bodyPr/>
+          <a:lstStyle/>
+          <a:p>
+            <a:r>
+              <a:rPr lang="en-US" sz="1200" kern="1200" dirty="0" smtClean="0">
+                <a:solidFill>
+                  <a:schemeClr val="tx1"/>
+                </a:solidFill>
+                <a:effectLst/>
+                <a:latin typeface="+mn-lt"/>
+                <a:ea typeface="+mn-ea"/>
+                <a:cs typeface="+mn-cs"/>
+              </a:rPr>
+              <a:t>Berdasarkan hasil kuesioner diperoleh persentase rata-rata sebesar 90.8% yang menunjukkan bahwa responden setuju, </a:t>
+            </a:r>
+            <a:r>
+              <a:rPr lang="en-US" sz="1200" i="1" kern="1200" dirty="0" smtClean="0">
+                <a:solidFill>
+                  <a:schemeClr val="tx1"/>
+                </a:solidFill>
+                <a:effectLst/>
+                <a:latin typeface="+mn-lt"/>
+                <a:ea typeface="+mn-ea"/>
+                <a:cs typeface="+mn-cs"/>
+              </a:rPr>
+              <a:t>game </a:t>
+            </a:r>
+            <a:r>
+              <a:rPr lang="en-US" sz="1200" kern="1200" dirty="0" smtClean="0">
+                <a:solidFill>
+                  <a:schemeClr val="tx1"/>
+                </a:solidFill>
+                <a:effectLst/>
+                <a:latin typeface="+mn-lt"/>
+                <a:ea typeface="+mn-ea"/>
+                <a:cs typeface="+mn-cs"/>
+              </a:rPr>
+              <a:t>edukasi pengenalan iklim dan cuaca merupakan </a:t>
+            </a:r>
+            <a:r>
+              <a:rPr lang="en-US" sz="1200" i="1" kern="1200" dirty="0" smtClean="0">
+                <a:solidFill>
+                  <a:schemeClr val="tx1"/>
+                </a:solidFill>
+                <a:effectLst/>
+                <a:latin typeface="+mn-lt"/>
+                <a:ea typeface="+mn-ea"/>
+                <a:cs typeface="+mn-cs"/>
+              </a:rPr>
+              <a:t>game </a:t>
+            </a:r>
+            <a:r>
+              <a:rPr lang="en-US" sz="1200" kern="1200" dirty="0" smtClean="0">
+                <a:solidFill>
+                  <a:schemeClr val="tx1"/>
+                </a:solidFill>
+                <a:effectLst/>
+                <a:latin typeface="+mn-lt"/>
+                <a:ea typeface="+mn-ea"/>
+                <a:cs typeface="+mn-cs"/>
+              </a:rPr>
+              <a:t>yang menarik, mudah digunakan, </a:t>
+            </a:r>
+            <a:r>
+              <a:rPr lang="en-US" sz="1200" kern="1200" smtClean="0">
+                <a:solidFill>
+                  <a:schemeClr val="tx1"/>
+                </a:solidFill>
+                <a:effectLst/>
+                <a:latin typeface="+mn-lt"/>
+                <a:ea typeface="+mn-ea"/>
+                <a:cs typeface="+mn-cs"/>
+              </a:rPr>
+              <a:t>serta fitur dan </a:t>
+            </a:r>
+            <a:r>
+              <a:rPr lang="en-US" sz="1200" kern="1200" dirty="0" smtClean="0">
+                <a:solidFill>
+                  <a:schemeClr val="tx1"/>
+                </a:solidFill>
+                <a:effectLst/>
+                <a:latin typeface="+mn-lt"/>
+                <a:ea typeface="+mn-ea"/>
+                <a:cs typeface="+mn-cs"/>
+              </a:rPr>
+              <a:t>tombol dalam </a:t>
+            </a:r>
+            <a:r>
+              <a:rPr lang="en-US" sz="1200" i="1" kern="1200" dirty="0" smtClean="0">
+                <a:solidFill>
+                  <a:schemeClr val="tx1"/>
+                </a:solidFill>
+                <a:effectLst/>
+                <a:latin typeface="+mn-lt"/>
+                <a:ea typeface="+mn-ea"/>
+                <a:cs typeface="+mn-cs"/>
+              </a:rPr>
+              <a:t>game </a:t>
+            </a:r>
+            <a:r>
+              <a:rPr lang="en-US" sz="1200" kern="1200" dirty="0" smtClean="0">
+                <a:solidFill>
+                  <a:schemeClr val="tx1"/>
+                </a:solidFill>
+                <a:effectLst/>
+                <a:latin typeface="+mn-lt"/>
+                <a:ea typeface="+mn-ea"/>
+                <a:cs typeface="+mn-cs"/>
+              </a:rPr>
+              <a:t>dapat berfungsi dengan baik.</a:t>
+            </a:r>
+            <a:endParaRPr lang="en-US" dirty="0" smtClean="0"/>
+          </a:p>
+          <a:p>
+            <a:endParaRPr lang="en-US" dirty="0"/>
+          </a:p>
+        </p:txBody>
+      </p:sp>
+      <p:sp>
+        <p:nvSpPr>
+          <p:cNvPr id="4" name="Slide Number Placeholder 3"/>
+          <p:cNvSpPr>
+            <a:spLocks noGrp="1"/>
+          </p:cNvSpPr>
+          <p:nvPr>
+            <p:ph type="sldNum" sz="quarter" idx="10"/>
+          </p:nvPr>
+        </p:nvSpPr>
+        <p:spPr/>
+        <p:txBody>
+          <a:bodyPr/>
+          <a:lstStyle/>
+          <a:p>
+            <a:fld id="{768910F0-19E9-4D73-8F4A-107F7E2FB2CC}" type="slidenum">
+              <a:rPr lang="en-US" smtClean="0"/>
+              <a:t>15</a:t>
+            </a:fld>
+            <a:endParaRPr lang="en-US"/>
+          </a:p>
+        </p:txBody>
+      </p:sp>
+    </p:spTree>
+    <p:extLst>
+      <p:ext uri="{BB962C8B-B14F-4D97-AF65-F5344CB8AC3E}">
+        <p14:creationId xmlns:p14="http://schemas.microsoft.com/office/powerpoint/2010/main" val="2778669112"/>
       </p:ext>
     </p:extLst>
   </p:cSld>
@@ -866,7 +2193,7 @@
           <a:p>
             <a:fld id="{85AECD24-58B6-4DAA-8115-FCCB4927D650}" type="datetimeFigureOut">
               <a:rPr lang="en-US" smtClean="0"/>
-              <a:t>12/24/2019</a:t>
+              <a:t>1/13/2020</a:t>
             </a:fld>
             <a:endParaRPr lang="en-US"/>
           </a:p>
@@ -1036,7 +2363,7 @@
           <a:p>
             <a:fld id="{85AECD24-58B6-4DAA-8115-FCCB4927D650}" type="datetimeFigureOut">
               <a:rPr lang="en-US" smtClean="0"/>
-              <a:t>12/24/2019</a:t>
+              <a:t>1/13/2020</a:t>
             </a:fld>
             <a:endParaRPr lang="en-US"/>
           </a:p>
@@ -1216,7 +2543,7 @@
           <a:p>
             <a:fld id="{85AECD24-58B6-4DAA-8115-FCCB4927D650}" type="datetimeFigureOut">
               <a:rPr lang="en-US" smtClean="0"/>
-              <a:t>12/24/2019</a:t>
+              <a:t>1/13/2020</a:t>
             </a:fld>
             <a:endParaRPr lang="en-US"/>
           </a:p>
@@ -1386,7 +2713,7 @@
           <a:p>
             <a:fld id="{85AECD24-58B6-4DAA-8115-FCCB4927D650}" type="datetimeFigureOut">
               <a:rPr lang="en-US" smtClean="0"/>
-              <a:t>12/24/2019</a:t>
+              <a:t>1/13/2020</a:t>
             </a:fld>
             <a:endParaRPr lang="en-US"/>
           </a:p>
@@ -1632,7 +2959,7 @@
           <a:p>
             <a:fld id="{85AECD24-58B6-4DAA-8115-FCCB4927D650}" type="datetimeFigureOut">
               <a:rPr lang="en-US" smtClean="0"/>
-              <a:t>12/24/2019</a:t>
+              <a:t>1/13/2020</a:t>
             </a:fld>
             <a:endParaRPr lang="en-US"/>
           </a:p>
@@ -1920,7 +3247,7 @@
           <a:p>
             <a:fld id="{85AECD24-58B6-4DAA-8115-FCCB4927D650}" type="datetimeFigureOut">
               <a:rPr lang="en-US" smtClean="0"/>
-              <a:t>12/24/2019</a:t>
+              <a:t>1/13/2020</a:t>
             </a:fld>
             <a:endParaRPr lang="en-US"/>
           </a:p>
@@ -2342,7 +3669,7 @@
           <a:p>
             <a:fld id="{85AECD24-58B6-4DAA-8115-FCCB4927D650}" type="datetimeFigureOut">
               <a:rPr lang="en-US" smtClean="0"/>
-              <a:t>12/24/2019</a:t>
+              <a:t>1/13/2020</a:t>
             </a:fld>
             <a:endParaRPr lang="en-US"/>
           </a:p>
@@ -2460,7 +3787,7 @@
           <a:p>
             <a:fld id="{85AECD24-58B6-4DAA-8115-FCCB4927D650}" type="datetimeFigureOut">
               <a:rPr lang="en-US" smtClean="0"/>
-              <a:t>12/24/2019</a:t>
+              <a:t>1/13/2020</a:t>
             </a:fld>
             <a:endParaRPr lang="en-US"/>
           </a:p>
@@ -2555,7 +3882,7 @@
           <a:p>
             <a:fld id="{85AECD24-58B6-4DAA-8115-FCCB4927D650}" type="datetimeFigureOut">
               <a:rPr lang="en-US" smtClean="0"/>
-              <a:t>12/24/2019</a:t>
+              <a:t>1/13/2020</a:t>
             </a:fld>
             <a:endParaRPr lang="en-US"/>
           </a:p>
@@ -2832,7 +4159,7 @@
           <a:p>
             <a:fld id="{85AECD24-58B6-4DAA-8115-FCCB4927D650}" type="datetimeFigureOut">
               <a:rPr lang="en-US" smtClean="0"/>
-              <a:t>12/24/2019</a:t>
+              <a:t>1/13/2020</a:t>
             </a:fld>
             <a:endParaRPr lang="en-US"/>
           </a:p>
@@ -3085,7 +4412,7 @@
           <a:p>
             <a:fld id="{85AECD24-58B6-4DAA-8115-FCCB4927D650}" type="datetimeFigureOut">
               <a:rPr lang="en-US" smtClean="0"/>
-              <a:t>12/24/2019</a:t>
+              <a:t>1/13/2020</a:t>
             </a:fld>
             <a:endParaRPr lang="en-US"/>
           </a:p>
@@ -3298,7 +4625,7 @@
           <a:p>
             <a:fld id="{85AECD24-58B6-4DAA-8115-FCCB4927D650}" type="datetimeFigureOut">
               <a:rPr lang="en-US" smtClean="0"/>
-              <a:t>12/24/2019</a:t>
+              <a:t>1/13/2020</a:t>
             </a:fld>
             <a:endParaRPr lang="en-US"/>
           </a:p>
@@ -3723,7 +5050,7 @@
                   </a:schemeClr>
                 </a:solidFill>
               </a:rPr>
-              <a:t>Game edukasi pengenalan iklim dan cuaca untuk siswa kelas III Sekolah Dasar</a:t>
+              <a:t>Pengembangan game edukasi pengenalan iklim dan cuaca untuk siswa kelas III Sekolah Dasar</a:t>
             </a:r>
             <a:r>
               <a:rPr lang="en-US" sz="3200" b="1" dirty="0" smtClean="0">
@@ -3864,6 +5191,477 @@
 <file path=ppt/slides/slide10.xml><?xml version="1.0" encoding="utf-8"?>
 <p:sld xmlns:a="http://schemas.openxmlformats.org/drawingml/2006/main" xmlns:r="http://schemas.openxmlformats.org/officeDocument/2006/relationships" xmlns:p="http://schemas.openxmlformats.org/presentationml/2006/main">
   <p:cSld>
+    <p:bg>
+      <p:bgPr>
+        <a:solidFill>
+          <a:schemeClr val="tx2">
+            <a:lumMod val="40000"/>
+            <a:lumOff val="60000"/>
+          </a:schemeClr>
+        </a:solidFill>
+        <a:effectLst/>
+      </p:bgPr>
+    </p:bg>
+    <p:spTree>
+      <p:nvGrpSpPr>
+        <p:cNvPr id="1" name=""/>
+        <p:cNvGrpSpPr/>
+        <p:nvPr/>
+      </p:nvGrpSpPr>
+      <p:grpSpPr>
+        <a:xfrm>
+          <a:off x="0" y="0"/>
+          <a:ext cx="0" cy="0"/>
+          <a:chOff x="0" y="0"/>
+          <a:chExt cx="0" cy="0"/>
+        </a:xfrm>
+      </p:grpSpPr>
+      <p:sp>
+        <p:nvSpPr>
+          <p:cNvPr id="4" name="Content Placeholder 2"/>
+          <p:cNvSpPr txBox="1">
+            <a:spLocks/>
+          </p:cNvSpPr>
+          <p:nvPr/>
+        </p:nvSpPr>
+        <p:spPr>
+          <a:xfrm>
+            <a:off x="914400" y="1143000"/>
+            <a:ext cx="7315200" cy="4724400"/>
+          </a:xfrm>
+          <a:prstGeom prst="rect">
+            <a:avLst/>
+          </a:prstGeom>
+          <a:solidFill>
+            <a:schemeClr val="bg1"/>
+          </a:solidFill>
+          <a:effectLst>
+            <a:outerShdw blurRad="127000" dist="127000" dir="8100000" algn="tr" rotWithShape="0">
+              <a:prstClr val="black">
+                <a:alpha val="30000"/>
+              </a:prstClr>
+            </a:outerShdw>
+          </a:effectLst>
+        </p:spPr>
+        <p:txBody>
+          <a:bodyPr vert="horz" lIns="91440" tIns="45720" rIns="91440" bIns="45720" rtlCol="0" anchor="ctr">
+            <a:normAutofit/>
+          </a:bodyPr>
+          <a:lstStyle>
+            <a:lvl1pPr marL="342900" indent="-342900" algn="l" defTabSz="914400" rtl="0" eaLnBrk="1" latinLnBrk="0" hangingPunct="1">
+              <a:spcBef>
+                <a:spcPct val="20000"/>
+              </a:spcBef>
+              <a:buFont typeface="Arial" pitchFamily="34" charset="0"/>
+              <a:buChar char="•"/>
+              <a:defRPr sz="3200" kern="1200">
+                <a:solidFill>
+                  <a:schemeClr val="tx1"/>
+                </a:solidFill>
+                <a:latin typeface="+mn-lt"/>
+                <a:ea typeface="+mn-ea"/>
+                <a:cs typeface="+mn-cs"/>
+              </a:defRPr>
+            </a:lvl1pPr>
+            <a:lvl2pPr marL="742950" indent="-285750" algn="l" defTabSz="914400" rtl="0" eaLnBrk="1" latinLnBrk="0" hangingPunct="1">
+              <a:spcBef>
+                <a:spcPct val="20000"/>
+              </a:spcBef>
+              <a:buFont typeface="Arial" pitchFamily="34" charset="0"/>
+              <a:buChar char="–"/>
+              <a:defRPr sz="2800" kern="1200">
+                <a:solidFill>
+                  <a:schemeClr val="tx1"/>
+                </a:solidFill>
+                <a:latin typeface="+mn-lt"/>
+                <a:ea typeface="+mn-ea"/>
+                <a:cs typeface="+mn-cs"/>
+              </a:defRPr>
+            </a:lvl2pPr>
+            <a:lvl3pPr marL="1143000" indent="-228600" algn="l" defTabSz="914400" rtl="0" eaLnBrk="1" latinLnBrk="0" hangingPunct="1">
+              <a:spcBef>
+                <a:spcPct val="20000"/>
+              </a:spcBef>
+              <a:buFont typeface="Arial" pitchFamily="34" charset="0"/>
+              <a:buChar char="•"/>
+              <a:defRPr sz="2400" kern="1200">
+                <a:solidFill>
+                  <a:schemeClr val="tx1"/>
+                </a:solidFill>
+                <a:latin typeface="+mn-lt"/>
+                <a:ea typeface="+mn-ea"/>
+                <a:cs typeface="+mn-cs"/>
+              </a:defRPr>
+            </a:lvl3pPr>
+            <a:lvl4pPr marL="1600200" indent="-228600" algn="l" defTabSz="914400" rtl="0" eaLnBrk="1" latinLnBrk="0" hangingPunct="1">
+              <a:spcBef>
+                <a:spcPct val="20000"/>
+              </a:spcBef>
+              <a:buFont typeface="Arial" pitchFamily="34" charset="0"/>
+              <a:buChar char="–"/>
+              <a:defRPr sz="2000" kern="1200">
+                <a:solidFill>
+                  <a:schemeClr val="tx1"/>
+                </a:solidFill>
+                <a:latin typeface="+mn-lt"/>
+                <a:ea typeface="+mn-ea"/>
+                <a:cs typeface="+mn-cs"/>
+              </a:defRPr>
+            </a:lvl4pPr>
+            <a:lvl5pPr marL="2057400" indent="-228600" algn="l" defTabSz="914400" rtl="0" eaLnBrk="1" latinLnBrk="0" hangingPunct="1">
+              <a:spcBef>
+                <a:spcPct val="20000"/>
+              </a:spcBef>
+              <a:buFont typeface="Arial" pitchFamily="34" charset="0"/>
+              <a:buChar char="»"/>
+              <a:defRPr sz="2000" kern="1200">
+                <a:solidFill>
+                  <a:schemeClr val="tx1"/>
+                </a:solidFill>
+                <a:latin typeface="+mn-lt"/>
+                <a:ea typeface="+mn-ea"/>
+                <a:cs typeface="+mn-cs"/>
+              </a:defRPr>
+            </a:lvl5pPr>
+            <a:lvl6pPr marL="2514600" indent="-228600" algn="l" defTabSz="914400" rtl="0" eaLnBrk="1" latinLnBrk="0" hangingPunct="1">
+              <a:spcBef>
+                <a:spcPct val="20000"/>
+              </a:spcBef>
+              <a:buFont typeface="Arial" pitchFamily="34" charset="0"/>
+              <a:buChar char="•"/>
+              <a:defRPr sz="2000" kern="1200">
+                <a:solidFill>
+                  <a:schemeClr val="tx1"/>
+                </a:solidFill>
+                <a:latin typeface="+mn-lt"/>
+                <a:ea typeface="+mn-ea"/>
+                <a:cs typeface="+mn-cs"/>
+              </a:defRPr>
+            </a:lvl6pPr>
+            <a:lvl7pPr marL="2971800" indent="-228600" algn="l" defTabSz="914400" rtl="0" eaLnBrk="1" latinLnBrk="0" hangingPunct="1">
+              <a:spcBef>
+                <a:spcPct val="20000"/>
+              </a:spcBef>
+              <a:buFont typeface="Arial" pitchFamily="34" charset="0"/>
+              <a:buChar char="•"/>
+              <a:defRPr sz="2000" kern="1200">
+                <a:solidFill>
+                  <a:schemeClr val="tx1"/>
+                </a:solidFill>
+                <a:latin typeface="+mn-lt"/>
+                <a:ea typeface="+mn-ea"/>
+                <a:cs typeface="+mn-cs"/>
+              </a:defRPr>
+            </a:lvl7pPr>
+            <a:lvl8pPr marL="3429000" indent="-228600" algn="l" defTabSz="914400" rtl="0" eaLnBrk="1" latinLnBrk="0" hangingPunct="1">
+              <a:spcBef>
+                <a:spcPct val="20000"/>
+              </a:spcBef>
+              <a:buFont typeface="Arial" pitchFamily="34" charset="0"/>
+              <a:buChar char="•"/>
+              <a:defRPr sz="2000" kern="1200">
+                <a:solidFill>
+                  <a:schemeClr val="tx1"/>
+                </a:solidFill>
+                <a:latin typeface="+mn-lt"/>
+                <a:ea typeface="+mn-ea"/>
+                <a:cs typeface="+mn-cs"/>
+              </a:defRPr>
+            </a:lvl8pPr>
+            <a:lvl9pPr marL="3886200" indent="-228600" algn="l" defTabSz="914400" rtl="0" eaLnBrk="1" latinLnBrk="0" hangingPunct="1">
+              <a:spcBef>
+                <a:spcPct val="20000"/>
+              </a:spcBef>
+              <a:buFont typeface="Arial" pitchFamily="34" charset="0"/>
+              <a:buChar char="•"/>
+              <a:defRPr sz="2000" kern="1200">
+                <a:solidFill>
+                  <a:schemeClr val="tx1"/>
+                </a:solidFill>
+                <a:latin typeface="+mn-lt"/>
+                <a:ea typeface="+mn-ea"/>
+                <a:cs typeface="+mn-cs"/>
+              </a:defRPr>
+            </a:lvl9pPr>
+          </a:lstStyle>
+          <a:p>
+            <a:pPr marL="0" indent="1712913">
+              <a:buFont typeface="Arial" pitchFamily="34" charset="0"/>
+              <a:buNone/>
+            </a:pPr>
+            <a:endParaRPr lang="en-US" sz="2400" dirty="0" smtClean="0">
+              <a:solidFill>
+                <a:srgbClr val="636D76"/>
+              </a:solidFill>
+            </a:endParaRPr>
+          </a:p>
+        </p:txBody>
+      </p:sp>
+      <p:pic>
+        <p:nvPicPr>
+          <p:cNvPr id="8" name="Picture 7"/>
+          <p:cNvPicPr>
+            <a:picLocks noChangeAspect="1"/>
+          </p:cNvPicPr>
+          <p:nvPr/>
+        </p:nvPicPr>
+        <p:blipFill rotWithShape="1">
+          <a:blip r:embed="rId3">
+            <a:extLst>
+              <a:ext uri="{28A0092B-C50C-407E-A947-70E740481C1C}">
+                <a14:useLocalDpi xmlns:a14="http://schemas.microsoft.com/office/drawing/2010/main" val="0"/>
+              </a:ext>
+            </a:extLst>
+          </a:blip>
+          <a:srcRect l="26301" r="12090"/>
+          <a:stretch/>
+        </p:blipFill>
+        <p:spPr>
+          <a:xfrm>
+            <a:off x="914401" y="1139588"/>
+            <a:ext cx="3657599" cy="4724400"/>
+          </a:xfrm>
+          <a:prstGeom prst="rect">
+            <a:avLst/>
+          </a:prstGeom>
+        </p:spPr>
+      </p:pic>
+      <p:sp>
+        <p:nvSpPr>
+          <p:cNvPr id="9" name="Title 8"/>
+          <p:cNvSpPr>
+            <a:spLocks noGrp="1"/>
+          </p:cNvSpPr>
+          <p:nvPr>
+            <p:ph type="title"/>
+          </p:nvPr>
+        </p:nvSpPr>
+        <p:spPr>
+          <a:xfrm>
+            <a:off x="5029200" y="2925265"/>
+            <a:ext cx="3200399" cy="503735"/>
+          </a:xfrm>
+        </p:spPr>
+        <p:txBody>
+          <a:bodyPr>
+            <a:normAutofit fontScale="90000"/>
+          </a:bodyPr>
+          <a:lstStyle/>
+          <a:p>
+            <a:pPr algn="l"/>
+            <a:r>
+              <a:rPr lang="en-US" sz="3600" b="1" dirty="0" smtClean="0">
+                <a:solidFill>
+                  <a:schemeClr val="tx1">
+                    <a:lumMod val="75000"/>
+                    <a:lumOff val="25000"/>
+                  </a:schemeClr>
+                </a:solidFill>
+              </a:rPr>
+              <a:t>Pengujian</a:t>
+            </a:r>
+            <a:endParaRPr lang="en-US" sz="3600" b="1" dirty="0">
+              <a:solidFill>
+                <a:schemeClr val="tx1">
+                  <a:lumMod val="75000"/>
+                  <a:lumOff val="25000"/>
+                </a:schemeClr>
+              </a:solidFill>
+            </a:endParaRPr>
+          </a:p>
+        </p:txBody>
+      </p:sp>
+      <p:sp>
+        <p:nvSpPr>
+          <p:cNvPr id="11" name="Title 8"/>
+          <p:cNvSpPr txBox="1">
+            <a:spLocks/>
+          </p:cNvSpPr>
+          <p:nvPr/>
+        </p:nvSpPr>
+        <p:spPr>
+          <a:xfrm>
+            <a:off x="5029200" y="3429000"/>
+            <a:ext cx="3200400" cy="914400"/>
+          </a:xfrm>
+          <a:prstGeom prst="rect">
+            <a:avLst/>
+          </a:prstGeom>
+        </p:spPr>
+        <p:txBody>
+          <a:bodyPr vert="horz" lIns="91440" tIns="45720" rIns="91440" bIns="45720" rtlCol="0" anchor="ctr">
+            <a:normAutofit fontScale="97500" lnSpcReduction="10000"/>
+          </a:bodyPr>
+          <a:lstStyle>
+            <a:lvl1pPr algn="ctr" defTabSz="914400" rtl="0" eaLnBrk="1" latinLnBrk="0" hangingPunct="1">
+              <a:spcBef>
+                <a:spcPct val="0"/>
+              </a:spcBef>
+              <a:buNone/>
+              <a:defRPr sz="4400" kern="1200">
+                <a:solidFill>
+                  <a:schemeClr val="tx1"/>
+                </a:solidFill>
+                <a:latin typeface="+mj-lt"/>
+                <a:ea typeface="+mj-ea"/>
+                <a:cs typeface="+mj-cs"/>
+              </a:defRPr>
+            </a:lvl1pPr>
+          </a:lstStyle>
+          <a:p>
+            <a:pPr marL="342900" indent="-342900" algn="l">
+              <a:buFont typeface="Wingdings" pitchFamily="2" charset="2"/>
+              <a:buChar char="q"/>
+            </a:pPr>
+            <a:r>
+              <a:rPr lang="en-US" sz="2000" dirty="0" err="1" smtClean="0">
+                <a:solidFill>
+                  <a:schemeClr val="tx1">
+                    <a:lumMod val="65000"/>
+                    <a:lumOff val="35000"/>
+                  </a:schemeClr>
+                </a:solidFill>
+              </a:rPr>
+              <a:t>Blackbox</a:t>
+            </a:r>
+            <a:endParaRPr lang="en-US" sz="2000" dirty="0" smtClean="0">
+              <a:solidFill>
+                <a:schemeClr val="tx1">
+                  <a:lumMod val="65000"/>
+                  <a:lumOff val="35000"/>
+                </a:schemeClr>
+              </a:solidFill>
+            </a:endParaRPr>
+          </a:p>
+          <a:p>
+            <a:pPr marL="342900" indent="-342900" algn="l">
+              <a:buFont typeface="Wingdings" pitchFamily="2" charset="2"/>
+              <a:buChar char="q"/>
+            </a:pPr>
+            <a:r>
+              <a:rPr lang="en-US" sz="2000" dirty="0" smtClean="0">
+                <a:solidFill>
+                  <a:schemeClr val="tx1">
+                    <a:lumMod val="65000"/>
+                    <a:lumOff val="35000"/>
+                  </a:schemeClr>
+                </a:solidFill>
+              </a:rPr>
+              <a:t>User </a:t>
+            </a:r>
+            <a:r>
+              <a:rPr lang="en-US" sz="2000" dirty="0" err="1" smtClean="0">
+                <a:solidFill>
+                  <a:schemeClr val="tx1">
+                    <a:lumMod val="65000"/>
+                    <a:lumOff val="35000"/>
+                  </a:schemeClr>
+                </a:solidFill>
+              </a:rPr>
+              <a:t>acceptence</a:t>
+            </a:r>
+            <a:r>
+              <a:rPr lang="en-US" sz="2000" dirty="0" smtClean="0">
+                <a:solidFill>
+                  <a:schemeClr val="tx1">
+                    <a:lumMod val="65000"/>
+                    <a:lumOff val="35000"/>
+                  </a:schemeClr>
+                </a:solidFill>
+              </a:rPr>
+              <a:t> test (UAT)</a:t>
+            </a:r>
+            <a:endParaRPr lang="en-US" sz="2000" dirty="0">
+              <a:solidFill>
+                <a:schemeClr val="tx1">
+                  <a:lumMod val="65000"/>
+                  <a:lumOff val="35000"/>
+                </a:schemeClr>
+              </a:solidFill>
+            </a:endParaRPr>
+          </a:p>
+        </p:txBody>
+      </p:sp>
+      <p:sp>
+        <p:nvSpPr>
+          <p:cNvPr id="12" name="Left Arrow 11">
+            <a:hlinkClick r:id="rId4" action="ppaction://hlinksldjump"/>
+          </p:cNvPr>
+          <p:cNvSpPr/>
+          <p:nvPr/>
+        </p:nvSpPr>
+        <p:spPr>
+          <a:xfrm>
+            <a:off x="1143000" y="1295400"/>
+            <a:ext cx="457200" cy="457200"/>
+          </a:xfrm>
+          <a:prstGeom prst="leftArrow">
+            <a:avLst/>
+          </a:prstGeom>
+          <a:solidFill>
+            <a:schemeClr val="bg1"/>
+          </a:solidFill>
+          <a:ln>
+            <a:noFill/>
+          </a:ln>
+          <a:effectLst/>
+        </p:spPr>
+        <p:style>
+          <a:lnRef idx="2">
+            <a:schemeClr val="accent1">
+              <a:shade val="50000"/>
+            </a:schemeClr>
+          </a:lnRef>
+          <a:fillRef idx="1">
+            <a:schemeClr val="accent1"/>
+          </a:fillRef>
+          <a:effectRef idx="0">
+            <a:schemeClr val="accent1"/>
+          </a:effectRef>
+          <a:fontRef idx="minor">
+            <a:schemeClr val="lt1"/>
+          </a:fontRef>
+        </p:style>
+        <p:txBody>
+          <a:bodyPr rtlCol="0" anchor="ctr"/>
+          <a:lstStyle/>
+          <a:p>
+            <a:pPr algn="ctr"/>
+            <a:endParaRPr lang="en-US"/>
+          </a:p>
+        </p:txBody>
+      </p:sp>
+    </p:spTree>
+    <p:extLst>
+      <p:ext uri="{BB962C8B-B14F-4D97-AF65-F5344CB8AC3E}">
+        <p14:creationId xmlns:p14="http://schemas.microsoft.com/office/powerpoint/2010/main" val="4042138815"/>
+      </p:ext>
+    </p:extLst>
+  </p:cSld>
+  <p:clrMapOvr>
+    <a:masterClrMapping/>
+  </p:clrMapOvr>
+  <mc:AlternateContent xmlns:mc="http://schemas.openxmlformats.org/markup-compatibility/2006" xmlns:p14="http://schemas.microsoft.com/office/powerpoint/2010/main">
+    <mc:Choice Requires="p14">
+      <p:transition p14:dur="0"/>
+    </mc:Choice>
+    <mc:Fallback xmlns="">
+      <p:transition/>
+    </mc:Fallback>
+  </mc:AlternateContent>
+  <p:timing>
+    <p:tnLst>
+      <p:par>
+        <p:cTn id="1" dur="indefinite" restart="never" nodeType="tmRoot"/>
+      </p:par>
+    </p:tnLst>
+  </p:timing>
+</p:sld>
+</file>
+
+<file path=ppt/slides/slide11.xml><?xml version="1.0" encoding="utf-8"?>
+<p:sld xmlns:a="http://schemas.openxmlformats.org/drawingml/2006/main" xmlns:r="http://schemas.openxmlformats.org/officeDocument/2006/relationships" xmlns:p="http://schemas.openxmlformats.org/presentationml/2006/main">
+  <p:cSld>
     <p:spTree>
       <p:nvGrpSpPr>
         <p:cNvPr id="1" name=""/>
@@ -3928,7 +5726,7 @@
           <p:nvPr/>
         </p:nvPicPr>
         <p:blipFill>
-          <a:blip r:embed="rId2"/>
+          <a:blip r:embed="rId3"/>
           <a:stretch>
             <a:fillRect/>
           </a:stretch>
@@ -3957,7 +5755,7 @@
           <p:nvPr/>
         </p:nvPicPr>
         <p:blipFill>
-          <a:blip r:embed="rId3" cstate="print">
+          <a:blip r:embed="rId4" cstate="print">
             <a:extLst>
               <a:ext uri="{28A0092B-C50C-407E-A947-70E740481C1C}">
                 <a14:useLocalDpi xmlns:a14="http://schemas.microsoft.com/office/drawing/2010/main" val="0"/>
@@ -3992,7 +5790,7 @@
           <p:nvPr/>
         </p:nvPicPr>
         <p:blipFill>
-          <a:blip r:embed="rId4" cstate="print">
+          <a:blip r:embed="rId5" cstate="print">
             <a:extLst>
               <a:ext uri="{28A0092B-C50C-407E-A947-70E740481C1C}">
                 <a14:useLocalDpi xmlns:a14="http://schemas.microsoft.com/office/drawing/2010/main" val="0"/>
@@ -4027,7 +5825,7 @@
           <p:nvPr/>
         </p:nvPicPr>
         <p:blipFill>
-          <a:blip r:embed="rId5" cstate="print">
+          <a:blip r:embed="rId6" cstate="print">
             <a:extLst>
               <a:ext uri="{28A0092B-C50C-407E-A947-70E740481C1C}">
                 <a14:useLocalDpi xmlns:a14="http://schemas.microsoft.com/office/drawing/2010/main" val="0"/>
@@ -4058,7 +5856,7 @@
       <p:sp>
         <p:nvSpPr>
           <p:cNvPr id="8" name="Left Arrow 7">
-            <a:hlinkClick r:id="rId6" action="ppaction://hlinksldjump"/>
+            <a:hlinkClick r:id="rId7" action="ppaction://hlinksldjump"/>
           </p:cNvPr>
           <p:cNvSpPr/>
           <p:nvPr/>
@@ -4135,8 +5933,712 @@
 </p:sld>
 </file>
 
-<file path=ppt/slides/slide11.xml><?xml version="1.0" encoding="utf-8"?>
+<file path=ppt/slides/slide12.xml><?xml version="1.0" encoding="utf-8"?>
 <p:sld xmlns:a="http://schemas.openxmlformats.org/drawingml/2006/main" xmlns:r="http://schemas.openxmlformats.org/officeDocument/2006/relationships" xmlns:p="http://schemas.openxmlformats.org/presentationml/2006/main">
+  <p:cSld>
+    <p:bg>
+      <p:bgPr>
+        <a:solidFill>
+          <a:schemeClr val="tx2">
+            <a:lumMod val="60000"/>
+            <a:lumOff val="40000"/>
+          </a:schemeClr>
+        </a:solidFill>
+        <a:effectLst/>
+      </p:bgPr>
+    </p:bg>
+    <p:spTree>
+      <p:nvGrpSpPr>
+        <p:cNvPr id="1" name=""/>
+        <p:cNvGrpSpPr/>
+        <p:nvPr/>
+      </p:nvGrpSpPr>
+      <p:grpSpPr>
+        <a:xfrm>
+          <a:off x="0" y="0"/>
+          <a:ext cx="0" cy="0"/>
+          <a:chOff x="0" y="0"/>
+          <a:chExt cx="0" cy="0"/>
+        </a:xfrm>
+      </p:grpSpPr>
+      <p:sp>
+        <p:nvSpPr>
+          <p:cNvPr id="3" name="Content Placeholder 2"/>
+          <p:cNvSpPr txBox="1">
+            <a:spLocks/>
+          </p:cNvSpPr>
+          <p:nvPr/>
+        </p:nvSpPr>
+        <p:spPr>
+          <a:xfrm>
+            <a:off x="304800" y="304800"/>
+            <a:ext cx="8610600" cy="6324600"/>
+          </a:xfrm>
+          <a:prstGeom prst="rect">
+            <a:avLst/>
+          </a:prstGeom>
+          <a:solidFill>
+            <a:schemeClr val="bg1"/>
+          </a:solidFill>
+          <a:effectLst>
+            <a:outerShdw blurRad="127000" dist="127000" dir="8100000" algn="tr" rotWithShape="0">
+              <a:prstClr val="black">
+                <a:alpha val="30000"/>
+              </a:prstClr>
+            </a:outerShdw>
+          </a:effectLst>
+        </p:spPr>
+        <p:txBody>
+          <a:bodyPr anchor="t"/>
+          <a:lstStyle>
+            <a:lvl1pPr marL="342900" indent="-342900" algn="l" defTabSz="914400" rtl="0" eaLnBrk="1" latinLnBrk="0" hangingPunct="1">
+              <a:spcBef>
+                <a:spcPct val="20000"/>
+              </a:spcBef>
+              <a:buFont typeface="Arial" pitchFamily="34" charset="0"/>
+              <a:buChar char="•"/>
+              <a:defRPr sz="3200" kern="1200">
+                <a:solidFill>
+                  <a:schemeClr val="tx1"/>
+                </a:solidFill>
+                <a:latin typeface="+mn-lt"/>
+                <a:ea typeface="+mn-ea"/>
+                <a:cs typeface="+mn-cs"/>
+              </a:defRPr>
+            </a:lvl1pPr>
+            <a:lvl2pPr marL="742950" indent="-285750" algn="l" defTabSz="914400" rtl="0" eaLnBrk="1" latinLnBrk="0" hangingPunct="1">
+              <a:spcBef>
+                <a:spcPct val="20000"/>
+              </a:spcBef>
+              <a:buFont typeface="Arial" pitchFamily="34" charset="0"/>
+              <a:buChar char="–"/>
+              <a:defRPr sz="2800" kern="1200">
+                <a:solidFill>
+                  <a:schemeClr val="tx1"/>
+                </a:solidFill>
+                <a:latin typeface="+mn-lt"/>
+                <a:ea typeface="+mn-ea"/>
+                <a:cs typeface="+mn-cs"/>
+              </a:defRPr>
+            </a:lvl2pPr>
+            <a:lvl3pPr marL="1143000" indent="-228600" algn="l" defTabSz="914400" rtl="0" eaLnBrk="1" latinLnBrk="0" hangingPunct="1">
+              <a:spcBef>
+                <a:spcPct val="20000"/>
+              </a:spcBef>
+              <a:buFont typeface="Arial" pitchFamily="34" charset="0"/>
+              <a:buChar char="•"/>
+              <a:defRPr sz="2400" kern="1200">
+                <a:solidFill>
+                  <a:schemeClr val="tx1"/>
+                </a:solidFill>
+                <a:latin typeface="+mn-lt"/>
+                <a:ea typeface="+mn-ea"/>
+                <a:cs typeface="+mn-cs"/>
+              </a:defRPr>
+            </a:lvl3pPr>
+            <a:lvl4pPr marL="1600200" indent="-228600" algn="l" defTabSz="914400" rtl="0" eaLnBrk="1" latinLnBrk="0" hangingPunct="1">
+              <a:spcBef>
+                <a:spcPct val="20000"/>
+              </a:spcBef>
+              <a:buFont typeface="Arial" pitchFamily="34" charset="0"/>
+              <a:buChar char="–"/>
+              <a:defRPr sz="2000" kern="1200">
+                <a:solidFill>
+                  <a:schemeClr val="tx1"/>
+                </a:solidFill>
+                <a:latin typeface="+mn-lt"/>
+                <a:ea typeface="+mn-ea"/>
+                <a:cs typeface="+mn-cs"/>
+              </a:defRPr>
+            </a:lvl4pPr>
+            <a:lvl5pPr marL="2057400" indent="-228600" algn="l" defTabSz="914400" rtl="0" eaLnBrk="1" latinLnBrk="0" hangingPunct="1">
+              <a:spcBef>
+                <a:spcPct val="20000"/>
+              </a:spcBef>
+              <a:buFont typeface="Arial" pitchFamily="34" charset="0"/>
+              <a:buChar char="»"/>
+              <a:defRPr sz="2000" kern="1200">
+                <a:solidFill>
+                  <a:schemeClr val="tx1"/>
+                </a:solidFill>
+                <a:latin typeface="+mn-lt"/>
+                <a:ea typeface="+mn-ea"/>
+                <a:cs typeface="+mn-cs"/>
+              </a:defRPr>
+            </a:lvl5pPr>
+            <a:lvl6pPr marL="2514600" indent="-228600" algn="l" defTabSz="914400" rtl="0" eaLnBrk="1" latinLnBrk="0" hangingPunct="1">
+              <a:spcBef>
+                <a:spcPct val="20000"/>
+              </a:spcBef>
+              <a:buFont typeface="Arial" pitchFamily="34" charset="0"/>
+              <a:buChar char="•"/>
+              <a:defRPr sz="2000" kern="1200">
+                <a:solidFill>
+                  <a:schemeClr val="tx1"/>
+                </a:solidFill>
+                <a:latin typeface="+mn-lt"/>
+                <a:ea typeface="+mn-ea"/>
+                <a:cs typeface="+mn-cs"/>
+              </a:defRPr>
+            </a:lvl6pPr>
+            <a:lvl7pPr marL="2971800" indent="-228600" algn="l" defTabSz="914400" rtl="0" eaLnBrk="1" latinLnBrk="0" hangingPunct="1">
+              <a:spcBef>
+                <a:spcPct val="20000"/>
+              </a:spcBef>
+              <a:buFont typeface="Arial" pitchFamily="34" charset="0"/>
+              <a:buChar char="•"/>
+              <a:defRPr sz="2000" kern="1200">
+                <a:solidFill>
+                  <a:schemeClr val="tx1"/>
+                </a:solidFill>
+                <a:latin typeface="+mn-lt"/>
+                <a:ea typeface="+mn-ea"/>
+                <a:cs typeface="+mn-cs"/>
+              </a:defRPr>
+            </a:lvl7pPr>
+            <a:lvl8pPr marL="3429000" indent="-228600" algn="l" defTabSz="914400" rtl="0" eaLnBrk="1" latinLnBrk="0" hangingPunct="1">
+              <a:spcBef>
+                <a:spcPct val="20000"/>
+              </a:spcBef>
+              <a:buFont typeface="Arial" pitchFamily="34" charset="0"/>
+              <a:buChar char="•"/>
+              <a:defRPr sz="2000" kern="1200">
+                <a:solidFill>
+                  <a:schemeClr val="tx1"/>
+                </a:solidFill>
+                <a:latin typeface="+mn-lt"/>
+                <a:ea typeface="+mn-ea"/>
+                <a:cs typeface="+mn-cs"/>
+              </a:defRPr>
+            </a:lvl8pPr>
+            <a:lvl9pPr marL="3886200" indent="-228600" algn="l" defTabSz="914400" rtl="0" eaLnBrk="1" latinLnBrk="0" hangingPunct="1">
+              <a:spcBef>
+                <a:spcPct val="20000"/>
+              </a:spcBef>
+              <a:buFont typeface="Arial" pitchFamily="34" charset="0"/>
+              <a:buChar char="•"/>
+              <a:defRPr sz="2000" kern="1200">
+                <a:solidFill>
+                  <a:schemeClr val="tx1"/>
+                </a:solidFill>
+                <a:latin typeface="+mn-lt"/>
+                <a:ea typeface="+mn-ea"/>
+                <a:cs typeface="+mn-cs"/>
+              </a:defRPr>
+            </a:lvl9pPr>
+          </a:lstStyle>
+          <a:p>
+            <a:pPr marL="0" indent="0" algn="ctr">
+              <a:buNone/>
+            </a:pPr>
+            <a:endParaRPr lang="en-US" sz="1400" b="1" dirty="0" smtClean="0">
+              <a:solidFill>
+                <a:schemeClr val="tx1">
+                  <a:lumMod val="75000"/>
+                  <a:lumOff val="25000"/>
+                </a:schemeClr>
+              </a:solidFill>
+            </a:endParaRPr>
+          </a:p>
+          <a:p>
+            <a:pPr marL="0" indent="0" algn="ctr">
+              <a:buNone/>
+            </a:pPr>
+            <a:r>
+              <a:rPr lang="en-US" sz="2400" b="1" dirty="0" smtClean="0">
+                <a:solidFill>
+                  <a:schemeClr val="tx1">
+                    <a:lumMod val="75000"/>
+                    <a:lumOff val="25000"/>
+                  </a:schemeClr>
+                </a:solidFill>
+              </a:rPr>
+              <a:t>Hasil </a:t>
+            </a:r>
+            <a:r>
+              <a:rPr lang="en-US" sz="2400" b="1" dirty="0">
+                <a:solidFill>
+                  <a:schemeClr val="tx1">
+                    <a:lumMod val="75000"/>
+                    <a:lumOff val="25000"/>
+                  </a:schemeClr>
+                </a:solidFill>
+              </a:rPr>
+              <a:t>pengujian </a:t>
+            </a:r>
+            <a:r>
+              <a:rPr lang="en-US" sz="2400" b="1" i="1" dirty="0" err="1" smtClean="0">
+                <a:solidFill>
+                  <a:schemeClr val="tx1">
+                    <a:lumMod val="75000"/>
+                    <a:lumOff val="25000"/>
+                  </a:schemeClr>
+                </a:solidFill>
+              </a:rPr>
+              <a:t>blackbox</a:t>
+            </a:r>
+            <a:endParaRPr lang="en-US" sz="2400" b="1" i="1" dirty="0" smtClean="0">
+              <a:solidFill>
+                <a:schemeClr val="tx1">
+                  <a:lumMod val="75000"/>
+                  <a:lumOff val="25000"/>
+                </a:schemeClr>
+              </a:solidFill>
+            </a:endParaRPr>
+          </a:p>
+          <a:p>
+            <a:pPr marL="0" indent="0" algn="ctr">
+              <a:buNone/>
+            </a:pPr>
+            <a:endParaRPr lang="en-US" sz="2400" b="1" i="1" dirty="0" smtClean="0">
+              <a:solidFill>
+                <a:schemeClr val="tx1">
+                  <a:lumMod val="75000"/>
+                  <a:lumOff val="25000"/>
+                </a:schemeClr>
+              </a:solidFill>
+            </a:endParaRPr>
+          </a:p>
+        </p:txBody>
+      </p:sp>
+      <p:pic>
+        <p:nvPicPr>
+          <p:cNvPr id="2050" name="Picture 2"/>
+          <p:cNvPicPr>
+            <a:picLocks noChangeAspect="1" noChangeArrowheads="1"/>
+          </p:cNvPicPr>
+          <p:nvPr/>
+        </p:nvPicPr>
+        <p:blipFill>
+          <a:blip r:embed="rId3">
+            <a:extLst>
+              <a:ext uri="{28A0092B-C50C-407E-A947-70E740481C1C}">
+                <a14:useLocalDpi xmlns:a14="http://schemas.microsoft.com/office/drawing/2010/main" val="0"/>
+              </a:ext>
+            </a:extLst>
+          </a:blip>
+          <a:srcRect/>
+          <a:stretch>
+            <a:fillRect/>
+          </a:stretch>
+        </p:blipFill>
+        <p:spPr bwMode="auto">
+          <a:xfrm>
+            <a:off x="1464859" y="1325691"/>
+            <a:ext cx="6290482" cy="5079208"/>
+          </a:xfrm>
+          <a:prstGeom prst="rect">
+            <a:avLst/>
+          </a:prstGeom>
+          <a:noFill/>
+          <a:ln>
+            <a:noFill/>
+          </a:ln>
+          <a:effectLst/>
+          <a:extLst>
+            <a:ext uri="{909E8E84-426E-40DD-AFC4-6F175D3DCCD1}">
+              <a14:hiddenFill xmlns:a14="http://schemas.microsoft.com/office/drawing/2010/main">
+                <a:solidFill>
+                  <a:schemeClr val="accent1"/>
+                </a:solidFill>
+              </a14:hiddenFill>
+            </a:ext>
+            <a:ext uri="{91240B29-F687-4F45-9708-019B960494DF}">
+              <a14:hiddenLine xmlns:a14="http://schemas.microsoft.com/office/drawing/2010/main" w="9525">
+                <a:solidFill>
+                  <a:schemeClr val="tx1"/>
+                </a:solidFill>
+                <a:miter lim="800000"/>
+                <a:headEnd/>
+                <a:tailEnd/>
+              </a14:hiddenLine>
+            </a:ext>
+            <a:ext uri="{AF507438-7753-43E0-B8FC-AC1667EBCBE1}">
+              <a14:hiddenEffects xmlns:a14="http://schemas.microsoft.com/office/drawing/2010/main">
+                <a:effectLst>
+                  <a:outerShdw dist="35921" dir="2700000" algn="ctr" rotWithShape="0">
+                    <a:schemeClr val="bg2"/>
+                  </a:outerShdw>
+                </a:effectLst>
+              </a14:hiddenEffects>
+            </a:ext>
+          </a:extLst>
+        </p:spPr>
+      </p:pic>
+    </p:spTree>
+    <p:extLst>
+      <p:ext uri="{BB962C8B-B14F-4D97-AF65-F5344CB8AC3E}">
+        <p14:creationId xmlns:p14="http://schemas.microsoft.com/office/powerpoint/2010/main" val="78472069"/>
+      </p:ext>
+    </p:extLst>
+  </p:cSld>
+  <p:clrMapOvr>
+    <a:masterClrMapping/>
+  </p:clrMapOvr>
+  <p:timing>
+    <p:tnLst>
+      <p:par>
+        <p:cTn id="1" dur="indefinite" restart="never" nodeType="tmRoot"/>
+      </p:par>
+    </p:tnLst>
+  </p:timing>
+</p:sld>
+</file>
+
+<file path=ppt/slides/slide13.xml><?xml version="1.0" encoding="utf-8"?>
+<p:sld xmlns:a="http://schemas.openxmlformats.org/drawingml/2006/main" xmlns:r="http://schemas.openxmlformats.org/officeDocument/2006/relationships" xmlns:p="http://schemas.openxmlformats.org/presentationml/2006/main">
+  <p:cSld>
+    <p:bg>
+      <p:bgPr>
+        <a:solidFill>
+          <a:schemeClr val="tx2">
+            <a:lumMod val="60000"/>
+            <a:lumOff val="40000"/>
+          </a:schemeClr>
+        </a:solidFill>
+        <a:effectLst/>
+      </p:bgPr>
+    </p:bg>
+    <p:spTree>
+      <p:nvGrpSpPr>
+        <p:cNvPr id="1" name=""/>
+        <p:cNvGrpSpPr/>
+        <p:nvPr/>
+      </p:nvGrpSpPr>
+      <p:grpSpPr>
+        <a:xfrm>
+          <a:off x="0" y="0"/>
+          <a:ext cx="0" cy="0"/>
+          <a:chOff x="0" y="0"/>
+          <a:chExt cx="0" cy="0"/>
+        </a:xfrm>
+      </p:grpSpPr>
+      <p:sp>
+        <p:nvSpPr>
+          <p:cNvPr id="3" name="Content Placeholder 2"/>
+          <p:cNvSpPr txBox="1">
+            <a:spLocks/>
+          </p:cNvSpPr>
+          <p:nvPr/>
+        </p:nvSpPr>
+        <p:spPr>
+          <a:xfrm>
+            <a:off x="304800" y="304800"/>
+            <a:ext cx="8610600" cy="6324600"/>
+          </a:xfrm>
+          <a:prstGeom prst="rect">
+            <a:avLst/>
+          </a:prstGeom>
+          <a:solidFill>
+            <a:schemeClr val="bg1"/>
+          </a:solidFill>
+          <a:effectLst>
+            <a:outerShdw blurRad="127000" dist="127000" dir="8100000" algn="tr" rotWithShape="0">
+              <a:prstClr val="black">
+                <a:alpha val="30000"/>
+              </a:prstClr>
+            </a:outerShdw>
+          </a:effectLst>
+        </p:spPr>
+        <p:txBody>
+          <a:bodyPr anchor="t"/>
+          <a:lstStyle>
+            <a:lvl1pPr marL="342900" indent="-342900" algn="l" defTabSz="914400" rtl="0" eaLnBrk="1" latinLnBrk="0" hangingPunct="1">
+              <a:spcBef>
+                <a:spcPct val="20000"/>
+              </a:spcBef>
+              <a:buFont typeface="Arial" pitchFamily="34" charset="0"/>
+              <a:buChar char="•"/>
+              <a:defRPr sz="3200" kern="1200">
+                <a:solidFill>
+                  <a:schemeClr val="tx1"/>
+                </a:solidFill>
+                <a:latin typeface="+mn-lt"/>
+                <a:ea typeface="+mn-ea"/>
+                <a:cs typeface="+mn-cs"/>
+              </a:defRPr>
+            </a:lvl1pPr>
+            <a:lvl2pPr marL="742950" indent="-285750" algn="l" defTabSz="914400" rtl="0" eaLnBrk="1" latinLnBrk="0" hangingPunct="1">
+              <a:spcBef>
+                <a:spcPct val="20000"/>
+              </a:spcBef>
+              <a:buFont typeface="Arial" pitchFamily="34" charset="0"/>
+              <a:buChar char="–"/>
+              <a:defRPr sz="2800" kern="1200">
+                <a:solidFill>
+                  <a:schemeClr val="tx1"/>
+                </a:solidFill>
+                <a:latin typeface="+mn-lt"/>
+                <a:ea typeface="+mn-ea"/>
+                <a:cs typeface="+mn-cs"/>
+              </a:defRPr>
+            </a:lvl2pPr>
+            <a:lvl3pPr marL="1143000" indent="-228600" algn="l" defTabSz="914400" rtl="0" eaLnBrk="1" latinLnBrk="0" hangingPunct="1">
+              <a:spcBef>
+                <a:spcPct val="20000"/>
+              </a:spcBef>
+              <a:buFont typeface="Arial" pitchFamily="34" charset="0"/>
+              <a:buChar char="•"/>
+              <a:defRPr sz="2400" kern="1200">
+                <a:solidFill>
+                  <a:schemeClr val="tx1"/>
+                </a:solidFill>
+                <a:latin typeface="+mn-lt"/>
+                <a:ea typeface="+mn-ea"/>
+                <a:cs typeface="+mn-cs"/>
+              </a:defRPr>
+            </a:lvl3pPr>
+            <a:lvl4pPr marL="1600200" indent="-228600" algn="l" defTabSz="914400" rtl="0" eaLnBrk="1" latinLnBrk="0" hangingPunct="1">
+              <a:spcBef>
+                <a:spcPct val="20000"/>
+              </a:spcBef>
+              <a:buFont typeface="Arial" pitchFamily="34" charset="0"/>
+              <a:buChar char="–"/>
+              <a:defRPr sz="2000" kern="1200">
+                <a:solidFill>
+                  <a:schemeClr val="tx1"/>
+                </a:solidFill>
+                <a:latin typeface="+mn-lt"/>
+                <a:ea typeface="+mn-ea"/>
+                <a:cs typeface="+mn-cs"/>
+              </a:defRPr>
+            </a:lvl4pPr>
+            <a:lvl5pPr marL="2057400" indent="-228600" algn="l" defTabSz="914400" rtl="0" eaLnBrk="1" latinLnBrk="0" hangingPunct="1">
+              <a:spcBef>
+                <a:spcPct val="20000"/>
+              </a:spcBef>
+              <a:buFont typeface="Arial" pitchFamily="34" charset="0"/>
+              <a:buChar char="»"/>
+              <a:defRPr sz="2000" kern="1200">
+                <a:solidFill>
+                  <a:schemeClr val="tx1"/>
+                </a:solidFill>
+                <a:latin typeface="+mn-lt"/>
+                <a:ea typeface="+mn-ea"/>
+                <a:cs typeface="+mn-cs"/>
+              </a:defRPr>
+            </a:lvl5pPr>
+            <a:lvl6pPr marL="2514600" indent="-228600" algn="l" defTabSz="914400" rtl="0" eaLnBrk="1" latinLnBrk="0" hangingPunct="1">
+              <a:spcBef>
+                <a:spcPct val="20000"/>
+              </a:spcBef>
+              <a:buFont typeface="Arial" pitchFamily="34" charset="0"/>
+              <a:buChar char="•"/>
+              <a:defRPr sz="2000" kern="1200">
+                <a:solidFill>
+                  <a:schemeClr val="tx1"/>
+                </a:solidFill>
+                <a:latin typeface="+mn-lt"/>
+                <a:ea typeface="+mn-ea"/>
+                <a:cs typeface="+mn-cs"/>
+              </a:defRPr>
+            </a:lvl6pPr>
+            <a:lvl7pPr marL="2971800" indent="-228600" algn="l" defTabSz="914400" rtl="0" eaLnBrk="1" latinLnBrk="0" hangingPunct="1">
+              <a:spcBef>
+                <a:spcPct val="20000"/>
+              </a:spcBef>
+              <a:buFont typeface="Arial" pitchFamily="34" charset="0"/>
+              <a:buChar char="•"/>
+              <a:defRPr sz="2000" kern="1200">
+                <a:solidFill>
+                  <a:schemeClr val="tx1"/>
+                </a:solidFill>
+                <a:latin typeface="+mn-lt"/>
+                <a:ea typeface="+mn-ea"/>
+                <a:cs typeface="+mn-cs"/>
+              </a:defRPr>
+            </a:lvl7pPr>
+            <a:lvl8pPr marL="3429000" indent="-228600" algn="l" defTabSz="914400" rtl="0" eaLnBrk="1" latinLnBrk="0" hangingPunct="1">
+              <a:spcBef>
+                <a:spcPct val="20000"/>
+              </a:spcBef>
+              <a:buFont typeface="Arial" pitchFamily="34" charset="0"/>
+              <a:buChar char="•"/>
+              <a:defRPr sz="2000" kern="1200">
+                <a:solidFill>
+                  <a:schemeClr val="tx1"/>
+                </a:solidFill>
+                <a:latin typeface="+mn-lt"/>
+                <a:ea typeface="+mn-ea"/>
+                <a:cs typeface="+mn-cs"/>
+              </a:defRPr>
+            </a:lvl8pPr>
+            <a:lvl9pPr marL="3886200" indent="-228600" algn="l" defTabSz="914400" rtl="0" eaLnBrk="1" latinLnBrk="0" hangingPunct="1">
+              <a:spcBef>
+                <a:spcPct val="20000"/>
+              </a:spcBef>
+              <a:buFont typeface="Arial" pitchFamily="34" charset="0"/>
+              <a:buChar char="•"/>
+              <a:defRPr sz="2000" kern="1200">
+                <a:solidFill>
+                  <a:schemeClr val="tx1"/>
+                </a:solidFill>
+                <a:latin typeface="+mn-lt"/>
+                <a:ea typeface="+mn-ea"/>
+                <a:cs typeface="+mn-cs"/>
+              </a:defRPr>
+            </a:lvl9pPr>
+          </a:lstStyle>
+          <a:p>
+            <a:pPr marL="0" indent="0" algn="ctr">
+              <a:buNone/>
+            </a:pPr>
+            <a:endParaRPr lang="en-US" sz="1400" b="1" dirty="0" smtClean="0">
+              <a:solidFill>
+                <a:schemeClr val="tx1">
+                  <a:lumMod val="75000"/>
+                  <a:lumOff val="25000"/>
+                </a:schemeClr>
+              </a:solidFill>
+            </a:endParaRPr>
+          </a:p>
+          <a:p>
+            <a:pPr marL="0" indent="0" algn="ctr">
+              <a:buNone/>
+            </a:pPr>
+            <a:r>
+              <a:rPr lang="en-US" sz="2400" b="1" dirty="0" smtClean="0">
+                <a:solidFill>
+                  <a:schemeClr val="tx1">
+                    <a:lumMod val="75000"/>
+                    <a:lumOff val="25000"/>
+                  </a:schemeClr>
+                </a:solidFill>
+              </a:rPr>
+              <a:t>Hasil </a:t>
+            </a:r>
+            <a:r>
+              <a:rPr lang="en-US" sz="2400" b="1" dirty="0">
+                <a:solidFill>
+                  <a:schemeClr val="tx1">
+                    <a:lumMod val="75000"/>
+                    <a:lumOff val="25000"/>
+                  </a:schemeClr>
+                </a:solidFill>
+              </a:rPr>
+              <a:t>pengujian </a:t>
+            </a:r>
+            <a:r>
+              <a:rPr lang="en-US" sz="2400" b="1" i="1" dirty="0" err="1" smtClean="0">
+                <a:solidFill>
+                  <a:schemeClr val="tx1">
+                    <a:lumMod val="75000"/>
+                    <a:lumOff val="25000"/>
+                  </a:schemeClr>
+                </a:solidFill>
+              </a:rPr>
+              <a:t>blackbox</a:t>
+            </a:r>
+            <a:endParaRPr lang="en-US" sz="2400" b="1" i="1" dirty="0" smtClean="0">
+              <a:solidFill>
+                <a:schemeClr val="tx1">
+                  <a:lumMod val="75000"/>
+                  <a:lumOff val="25000"/>
+                </a:schemeClr>
+              </a:solidFill>
+            </a:endParaRPr>
+          </a:p>
+          <a:p>
+            <a:pPr marL="0" indent="0" algn="ctr">
+              <a:buNone/>
+            </a:pPr>
+            <a:endParaRPr lang="en-US" sz="2400" b="1" i="1" dirty="0" smtClean="0">
+              <a:solidFill>
+                <a:schemeClr val="tx1">
+                  <a:lumMod val="75000"/>
+                  <a:lumOff val="25000"/>
+                </a:schemeClr>
+              </a:solidFill>
+            </a:endParaRPr>
+          </a:p>
+        </p:txBody>
+      </p:sp>
+      <p:pic>
+        <p:nvPicPr>
+          <p:cNvPr id="4" name="Picture 3"/>
+          <p:cNvPicPr>
+            <a:picLocks noChangeAspect="1" noChangeArrowheads="1"/>
+          </p:cNvPicPr>
+          <p:nvPr/>
+        </p:nvPicPr>
+        <p:blipFill>
+          <a:blip r:embed="rId2">
+            <a:extLst>
+              <a:ext uri="{28A0092B-C50C-407E-A947-70E740481C1C}">
+                <a14:useLocalDpi xmlns:a14="http://schemas.microsoft.com/office/drawing/2010/main" val="0"/>
+              </a:ext>
+            </a:extLst>
+          </a:blip>
+          <a:srcRect/>
+          <a:stretch>
+            <a:fillRect/>
+          </a:stretch>
+        </p:blipFill>
+        <p:spPr bwMode="auto">
+          <a:xfrm>
+            <a:off x="644978" y="1676400"/>
+            <a:ext cx="7930244" cy="3581400"/>
+          </a:xfrm>
+          <a:prstGeom prst="rect">
+            <a:avLst/>
+          </a:prstGeom>
+          <a:noFill/>
+          <a:ln>
+            <a:noFill/>
+          </a:ln>
+          <a:effectLst/>
+          <a:extLst>
+            <a:ext uri="{909E8E84-426E-40DD-AFC4-6F175D3DCCD1}">
+              <a14:hiddenFill xmlns:a14="http://schemas.microsoft.com/office/drawing/2010/main">
+                <a:solidFill>
+                  <a:schemeClr val="accent1"/>
+                </a:solidFill>
+              </a14:hiddenFill>
+            </a:ext>
+            <a:ext uri="{91240B29-F687-4F45-9708-019B960494DF}">
+              <a14:hiddenLine xmlns:a14="http://schemas.microsoft.com/office/drawing/2010/main" w="9525">
+                <a:solidFill>
+                  <a:schemeClr val="tx1"/>
+                </a:solidFill>
+                <a:miter lim="800000"/>
+                <a:headEnd/>
+                <a:tailEnd/>
+              </a14:hiddenLine>
+            </a:ext>
+            <a:ext uri="{AF507438-7753-43E0-B8FC-AC1667EBCBE1}">
+              <a14:hiddenEffects xmlns:a14="http://schemas.microsoft.com/office/drawing/2010/main">
+                <a:effectLst>
+                  <a:outerShdw dist="35921" dir="2700000" algn="ctr" rotWithShape="0">
+                    <a:schemeClr val="bg2"/>
+                  </a:outerShdw>
+                </a:effectLst>
+              </a14:hiddenEffects>
+            </a:ext>
+          </a:extLst>
+        </p:spPr>
+      </p:pic>
+    </p:spTree>
+    <p:extLst>
+      <p:ext uri="{BB962C8B-B14F-4D97-AF65-F5344CB8AC3E}">
+        <p14:creationId xmlns:p14="http://schemas.microsoft.com/office/powerpoint/2010/main" val="2157279254"/>
+      </p:ext>
+    </p:extLst>
+  </p:cSld>
+  <p:clrMapOvr>
+    <a:masterClrMapping/>
+  </p:clrMapOvr>
+  <p:timing>
+    <p:tnLst>
+      <p:par>
+        <p:cTn id="1" dur="indefinite" restart="never" nodeType="tmRoot"/>
+      </p:par>
+    </p:tnLst>
+  </p:timing>
+</p:sld>
+</file>
+
+<file path=ppt/slides/slide14.xml><?xml version="1.0" encoding="utf-8"?>
+<p:sld xmlns:a="http://schemas.openxmlformats.org/drawingml/2006/main" xmlns:r="http://schemas.openxmlformats.org/officeDocument/2006/relationships" xmlns:p="http://schemas.openxmlformats.org/presentationml/2006/main" show="0">
   <p:cSld>
     <p:bg>
       <p:bgPr>
@@ -5698,6 +8200,14 @@
   <p:clrMapOvr>
     <a:masterClrMapping/>
   </p:clrMapOvr>
+  <mc:AlternateContent xmlns:mc="http://schemas.openxmlformats.org/markup-compatibility/2006" xmlns:p14="http://schemas.microsoft.com/office/powerpoint/2010/main">
+    <mc:Choice Requires="p14">
+      <p:transition spd="slow" p14:dur="2000"/>
+    </mc:Choice>
+    <mc:Fallback xmlns="">
+      <p:transition spd="slow"/>
+    </mc:Fallback>
+  </mc:AlternateContent>
   <p:timing>
     <p:tnLst>
       <p:par>
@@ -5708,7 +8218,7 @@
 </p:sld>
 </file>
 
-<file path=ppt/slides/slide12.xml><?xml version="1.0" encoding="utf-8"?>
+<file path=ppt/slides/slide15.xml><?xml version="1.0" encoding="utf-8"?>
 <p:sld xmlns:a="http://schemas.openxmlformats.org/drawingml/2006/main" xmlns:r="http://schemas.openxmlformats.org/officeDocument/2006/relationships" xmlns:p="http://schemas.openxmlformats.org/presentationml/2006/main">
   <p:cSld>
     <p:bg>
@@ -9702,7 +12212,7 @@
           <p:nvPr/>
         </p:nvPicPr>
         <p:blipFill rotWithShape="1">
-          <a:blip r:embed="rId2">
+          <a:blip r:embed="rId3">
             <a:extLst>
               <a:ext uri="{28A0092B-C50C-407E-A947-70E740481C1C}">
                 <a14:useLocalDpi xmlns:a14="http://schemas.microsoft.com/office/drawing/2010/main" val="0"/>
@@ -9714,7 +12224,7 @@
         </p:blipFill>
         <p:spPr>
           <a:xfrm>
-            <a:off x="914400" y="1157514"/>
+            <a:off x="914400" y="1143000"/>
             <a:ext cx="3657600" cy="4724400"/>
           </a:xfrm>
           <a:prstGeom prst="rect">
@@ -9725,7 +12235,7 @@
       <p:sp>
         <p:nvSpPr>
           <p:cNvPr id="18" name="Left Arrow 17">
-            <a:hlinkClick r:id="rId3" action="ppaction://hlinksldjump"/>
+            <a:hlinkClick r:id="rId4" action="ppaction://hlinksldjump"/>
           </p:cNvPr>
           <p:cNvSpPr/>
           <p:nvPr/>
@@ -10356,7 +12866,7 @@
       <p:pic>
         <p:nvPicPr>
           <p:cNvPr id="7" name="Picture 6">
-            <a:hlinkClick r:id="rId2" action="ppaction://hlinksldjump"/>
+            <a:hlinkClick r:id="rId3" action="ppaction://hlinksldjump"/>
           </p:cNvPr>
           <p:cNvPicPr>
             <a:picLocks noChangeAspect="1"/>
@@ -10364,7 +12874,7 @@
           <p:nvPr/>
         </p:nvPicPr>
         <p:blipFill>
-          <a:blip r:embed="rId3" cstate="print">
+          <a:blip r:embed="rId4" cstate="print">
             <a:extLst>
               <a:ext uri="{28A0092B-C50C-407E-A947-70E740481C1C}">
                 <a14:useLocalDpi xmlns:a14="http://schemas.microsoft.com/office/drawing/2010/main" val="0"/>
@@ -10919,7 +13429,7 @@
       <p:pic>
         <p:nvPicPr>
           <p:cNvPr id="11" name="Picture 10">
-            <a:hlinkClick r:id="rId4" action="ppaction://hlinksldjump"/>
+            <a:hlinkClick r:id="rId5" action="ppaction://hlinksldjump"/>
           </p:cNvPr>
           <p:cNvPicPr>
             <a:picLocks noChangeAspect="1"/>
@@ -10927,7 +13437,7 @@
           <p:nvPr/>
         </p:nvPicPr>
         <p:blipFill>
-          <a:blip r:embed="rId5" cstate="print">
+          <a:blip r:embed="rId6" cstate="print">
             <a:extLst>
               <a:ext uri="{28A0092B-C50C-407E-A947-70E740481C1C}">
                 <a14:useLocalDpi xmlns:a14="http://schemas.microsoft.com/office/drawing/2010/main" val="0"/>
@@ -11128,7 +13638,7 @@
       <p:pic>
         <p:nvPicPr>
           <p:cNvPr id="20" name="Picture 19">
-            <a:hlinkClick r:id="rId6" action="ppaction://hlinksldjump"/>
+            <a:hlinkClick r:id="rId7" action="ppaction://hlinksldjump"/>
           </p:cNvPr>
           <p:cNvPicPr>
             <a:picLocks noChangeAspect="1"/>
@@ -11136,7 +13646,7 @@
           <p:nvPr/>
         </p:nvPicPr>
         <p:blipFill>
-          <a:blip r:embed="rId7" cstate="print">
+          <a:blip r:embed="rId8" cstate="print">
             <a:extLst>
               <a:ext uri="{28A0092B-C50C-407E-A947-70E740481C1C}">
                 <a14:useLocalDpi xmlns:a14="http://schemas.microsoft.com/office/drawing/2010/main" val="0"/>
@@ -11159,14 +13669,16 @@
       </p:pic>
       <p:pic>
         <p:nvPicPr>
-          <p:cNvPr id="21" name="Picture 20"/>
+          <p:cNvPr id="21" name="Picture 20">
+            <a:hlinkClick r:id="rId9" action="ppaction://hlinksldjump"/>
+          </p:cNvPr>
           <p:cNvPicPr>
             <a:picLocks noChangeAspect="1"/>
           </p:cNvPicPr>
           <p:nvPr/>
         </p:nvPicPr>
         <p:blipFill>
-          <a:blip r:embed="rId8" cstate="print">
+          <a:blip r:embed="rId10" cstate="print">
             <a:extLst>
               <a:ext uri="{28A0092B-C50C-407E-A947-70E740481C1C}">
                 <a14:useLocalDpi xmlns:a14="http://schemas.microsoft.com/office/drawing/2010/main" val="0"/>
@@ -11477,7 +13989,7 @@
                   <a:srgbClr val="FAFCFB"/>
                 </a:solidFill>
               </a:rPr>
-              <a:t>Pengujian</a:t>
+              <a:t>Hasil pengujian</a:t>
             </a:r>
           </a:p>
         </p:txBody>
@@ -11619,7 +14131,7 @@
   </p:clrMapOvr>
   <mc:AlternateContent xmlns:mc="http://schemas.openxmlformats.org/markup-compatibility/2006" xmlns:p14="http://schemas.microsoft.com/office/powerpoint/2010/main">
     <mc:Choice Requires="p14">
-      <p:transition p14:dur="0"/>
+      <p:transition p14:dur="10"/>
     </mc:Choice>
     <mc:Fallback xmlns="">
       <p:transition/>
@@ -11856,7 +14368,7 @@
           <p:nvPr/>
         </p:nvPicPr>
         <p:blipFill rotWithShape="1">
-          <a:blip r:embed="rId2">
+          <a:blip r:embed="rId3">
             <a:extLst>
               <a:ext uri="{28A0092B-C50C-407E-A947-70E740481C1C}">
                 <a14:useLocalDpi xmlns:a14="http://schemas.microsoft.com/office/drawing/2010/main" val="0"/>
@@ -13659,7 +16171,7 @@
           <p:nvPr/>
         </p:nvPicPr>
         <p:blipFill>
-          <a:blip r:embed="rId2" cstate="print">
+          <a:blip r:embed="rId3" cstate="print">
             <a:extLst>
               <a:ext uri="{28A0092B-C50C-407E-A947-70E740481C1C}">
                 <a14:useLocalDpi xmlns:a14="http://schemas.microsoft.com/office/drawing/2010/main" val="0"/>
@@ -13689,7 +16201,7 @@
           <p:nvPr/>
         </p:nvPicPr>
         <p:blipFill>
-          <a:blip r:embed="rId3" cstate="print">
+          <a:blip r:embed="rId4" cstate="print">
             <a:extLst>
               <a:ext uri="{28A0092B-C50C-407E-A947-70E740481C1C}">
                 <a14:useLocalDpi xmlns:a14="http://schemas.microsoft.com/office/drawing/2010/main" val="0"/>
@@ -13719,7 +16231,7 @@
           <p:nvPr/>
         </p:nvPicPr>
         <p:blipFill>
-          <a:blip r:embed="rId4" cstate="print">
+          <a:blip r:embed="rId5" cstate="print">
             <a:extLst>
               <a:ext uri="{28A0092B-C50C-407E-A947-70E740481C1C}">
                 <a14:useLocalDpi xmlns:a14="http://schemas.microsoft.com/office/drawing/2010/main" val="0"/>
@@ -13743,7 +16255,7 @@
       <p:sp>
         <p:nvSpPr>
           <p:cNvPr id="12" name="Left Arrow 11">
-            <a:hlinkClick r:id="rId5" action="ppaction://hlinksldjump"/>
+            <a:hlinkClick r:id="rId6" action="ppaction://hlinksldjump"/>
           </p:cNvPr>
           <p:cNvSpPr/>
           <p:nvPr/>
@@ -13823,10 +16335,7 @@
     <p:bg>
       <p:bgPr>
         <a:solidFill>
-          <a:schemeClr val="tx2">
-            <a:lumMod val="40000"/>
-            <a:lumOff val="60000"/>
-          </a:schemeClr>
+          <a:srgbClr val="94D6BA"/>
         </a:solidFill>
         <a:effectLst/>
       </p:bgPr>
@@ -13873,9 +16382,7 @@
           </a:effectLst>
         </p:spPr>
         <p:txBody>
-          <a:bodyPr vert="horz" lIns="91440" tIns="45720" rIns="91440" bIns="45720" rtlCol="0" anchor="ctr">
-            <a:normAutofit/>
-          </a:bodyPr>
+          <a:bodyPr anchor="ctr"/>
           <a:lstStyle>
             <a:lvl1pPr marL="342900" indent="-342900" algn="l" defTabSz="914400" rtl="0" eaLnBrk="1" latinLnBrk="0" hangingPunct="1">
               <a:spcBef>
@@ -14014,18 +16521,100 @@
             </a:lvl9pPr>
           </a:lstStyle>
           <a:p>
-            <a:pPr marL="0" indent="1712913">
+            <a:pPr marL="0" indent="0" algn="ctr">
               <a:buFont typeface="Arial" pitchFamily="34" charset="0"/>
               <a:buNone/>
             </a:pPr>
-            <a:endParaRPr lang="en-US" sz="2400" dirty="0" smtClean="0">
+            <a:endParaRPr lang="en-US" sz="2400" b="1" i="1" dirty="0" smtClean="0">
               <a:solidFill>
-                <a:srgbClr val="636D76"/>
+                <a:schemeClr val="tx1">
+                  <a:lumMod val="85000"/>
+                  <a:lumOff val="15000"/>
+                </a:schemeClr>
               </a:solidFill>
             </a:endParaRPr>
           </a:p>
         </p:txBody>
       </p:sp>
+      <p:sp>
+        <p:nvSpPr>
+          <p:cNvPr id="6" name="Left Arrow 5">
+            <a:hlinkClick r:id="rId2" action="ppaction://hlinksldjump"/>
+          </p:cNvPr>
+          <p:cNvSpPr/>
+          <p:nvPr/>
+        </p:nvSpPr>
+        <p:spPr>
+          <a:xfrm>
+            <a:off x="1066800" y="1295401"/>
+            <a:ext cx="381000" cy="381000"/>
+          </a:xfrm>
+          <a:prstGeom prst="leftArrow">
+            <a:avLst/>
+          </a:prstGeom>
+          <a:solidFill>
+            <a:schemeClr val="tx1">
+              <a:lumMod val="85000"/>
+              <a:lumOff val="15000"/>
+            </a:schemeClr>
+          </a:solidFill>
+          <a:ln>
+            <a:noFill/>
+          </a:ln>
+        </p:spPr>
+        <p:style>
+          <a:lnRef idx="2">
+            <a:schemeClr val="dk1"/>
+          </a:lnRef>
+          <a:fillRef idx="1">
+            <a:schemeClr val="lt1"/>
+          </a:fillRef>
+          <a:effectRef idx="0">
+            <a:schemeClr val="dk1"/>
+          </a:effectRef>
+          <a:fontRef idx="minor">
+            <a:schemeClr val="dk1"/>
+          </a:fontRef>
+        </p:style>
+        <p:txBody>
+          <a:bodyPr rtlCol="0" anchor="ctr"/>
+          <a:lstStyle/>
+          <a:p>
+            <a:pPr algn="ctr"/>
+            <a:endParaRPr lang="en-US"/>
+          </a:p>
+        </p:txBody>
+      </p:sp>
+      <p:pic>
+        <p:nvPicPr>
+          <p:cNvPr id="7" name="Picture 6"/>
+          <p:cNvPicPr>
+            <a:picLocks noChangeAspect="1"/>
+          </p:cNvPicPr>
+          <p:nvPr/>
+        </p:nvPicPr>
+        <p:blipFill>
+          <a:blip r:embed="rId3" cstate="print">
+            <a:extLst>
+              <a:ext uri="{28A0092B-C50C-407E-A947-70E740481C1C}">
+                <a14:useLocalDpi xmlns:a14="http://schemas.microsoft.com/office/drawing/2010/main" val="0"/>
+              </a:ext>
+            </a:extLst>
+          </a:blip>
+          <a:stretch>
+            <a:fillRect/>
+          </a:stretch>
+        </p:blipFill>
+        <p:spPr>
+          <a:xfrm>
+            <a:off x="1404257" y="3048000"/>
+            <a:ext cx="914400" cy="914400"/>
+          </a:xfrm>
+          <a:prstGeom prst="rect">
+            <a:avLst/>
+          </a:prstGeom>
+        </p:spPr>
+      </p:pic>
       <p:pic>
         <p:nvPicPr>
           <p:cNvPr id="8" name="Picture 7"/>
@@ -14034,21 +16623,52 @@
           </p:cNvPicPr>
           <p:nvPr/>
         </p:nvPicPr>
-        <p:blipFill rotWithShape="1">
-          <a:blip r:embed="rId2">
+        <p:blipFill>
+          <a:blip r:embed="rId4" cstate="print">
             <a:extLst>
               <a:ext uri="{28A0092B-C50C-407E-A947-70E740481C1C}">
                 <a14:useLocalDpi xmlns:a14="http://schemas.microsoft.com/office/drawing/2010/main" val="0"/>
               </a:ext>
             </a:extLst>
           </a:blip>
-          <a:srcRect l="26301" r="12090"/>
-          <a:stretch/>
+          <a:stretch>
+            <a:fillRect/>
+          </a:stretch>
         </p:blipFill>
         <p:spPr>
           <a:xfrm>
-            <a:off x="914401" y="1139588"/>
-            <a:ext cx="3657599" cy="4724400"/>
+            <a:off x="4114800" y="3048000"/>
+            <a:ext cx="914400" cy="914400"/>
+          </a:xfrm>
+          <a:prstGeom prst="rect">
+            <a:avLst/>
+          </a:prstGeom>
+        </p:spPr>
+      </p:pic>
+      <p:pic>
+        <p:nvPicPr>
+          <p:cNvPr id="9" name="Picture 8"/>
+          <p:cNvPicPr>
+            <a:picLocks noChangeAspect="1"/>
+          </p:cNvPicPr>
+          <p:nvPr/>
+        </p:nvPicPr>
+        <p:blipFill>
+          <a:blip r:embed="rId5" cstate="print">
+            <a:extLst>
+              <a:ext uri="{28A0092B-C50C-407E-A947-70E740481C1C}">
+                <a14:useLocalDpi xmlns:a14="http://schemas.microsoft.com/office/drawing/2010/main" val="0"/>
+              </a:ext>
+            </a:extLst>
+          </a:blip>
+          <a:stretch>
+            <a:fillRect/>
+          </a:stretch>
+        </p:blipFill>
+        <p:spPr>
+          <a:xfrm>
+            <a:off x="6781800" y="3052731"/>
+            <a:ext cx="914400" cy="904938"/>
           </a:xfrm>
           <a:prstGeom prst="rect">
             <a:avLst/>
@@ -14057,7 +16677,7 @@
       </p:pic>
       <p:sp>
         <p:nvSpPr>
-          <p:cNvPr id="9" name="Title 8"/>
+          <p:cNvPr id="10" name="Title 1"/>
           <p:cNvSpPr>
             <a:spLocks noGrp="1"/>
           </p:cNvSpPr>
@@ -14067,19 +16687,18 @@
         </p:nvSpPr>
         <p:spPr>
           <a:xfrm>
-            <a:off x="5029200" y="2925265"/>
-            <a:ext cx="3200399" cy="503735"/>
+            <a:off x="914400" y="3886200"/>
+            <a:ext cx="1828800" cy="914400"/>
           </a:xfrm>
         </p:spPr>
         <p:txBody>
           <a:bodyPr>
-            <a:normAutofit fontScale="90000"/>
+            <a:normAutofit/>
           </a:bodyPr>
           <a:lstStyle/>
           <a:p>
-            <a:pPr algn="l"/>
-            <a:r>
-              <a:rPr lang="en-US" sz="3600" b="1" dirty="0" smtClean="0">
+            <a:r>
+              <a:rPr lang="en-US" sz="2000" b="1" dirty="0" smtClean="0">
                 <a:solidFill>
                   <a:schemeClr val="tx1">
                     <a:lumMod val="75000"/>
@@ -14087,9 +16706,9 @@
                   </a:schemeClr>
                 </a:solidFill>
               </a:rPr>
-              <a:t>Pengujian</a:t>
-            </a:r>
-            <a:endParaRPr lang="en-US" sz="3600" b="1" dirty="0">
+              <a:t>Game engine</a:t>
+            </a:r>
+            <a:endParaRPr lang="en-US" sz="2000" b="1" dirty="0">
               <a:solidFill>
                 <a:schemeClr val="tx1">
                   <a:lumMod val="75000"/>
@@ -14102,7 +16721,7 @@
       </p:sp>
       <p:sp>
         <p:nvSpPr>
-          <p:cNvPr id="11" name="Title 8"/>
+          <p:cNvPr id="11" name="Title 1"/>
           <p:cNvSpPr txBox="1">
             <a:spLocks/>
           </p:cNvSpPr>
@@ -14110,8 +16729,8 @@
         </p:nvSpPr>
         <p:spPr>
           <a:xfrm>
-            <a:off x="5029200" y="3429000"/>
-            <a:ext cx="3200400" cy="914400"/>
+            <a:off x="3657600" y="3886200"/>
+            <a:ext cx="1828800" cy="914400"/>
           </a:xfrm>
           <a:prstGeom prst="rect">
             <a:avLst/>
@@ -14119,7 +16738,7 @@
         </p:spPr>
         <p:txBody>
           <a:bodyPr vert="horz" lIns="91440" tIns="45720" rIns="91440" bIns="45720" rtlCol="0" anchor="ctr">
-            <a:normAutofit fontScale="97500"/>
+            <a:normAutofit/>
           </a:bodyPr>
           <a:lstStyle>
             <a:lvl1pPr algn="ctr" defTabSz="914400" rtl="0" eaLnBrk="1" latinLnBrk="0" hangingPunct="1">
@@ -14138,73 +16757,22 @@
             </a:lvl1pPr>
           </a:lstStyle>
           <a:p>
-            <a:pPr marL="342900" indent="-342900" algn="l">
-              <a:buFont typeface="Wingdings" pitchFamily="2" charset="2"/>
-              <a:buChar char="q"/>
-            </a:pPr>
-            <a:r>
-              <a:rPr lang="en-US" sz="2000" dirty="0" err="1" smtClean="0">
+            <a:r>
+              <a:rPr lang="en-US" sz="2000" b="1" dirty="0" smtClean="0">
                 <a:solidFill>
                   <a:schemeClr val="tx1">
-                    <a:lumMod val="65000"/>
-                    <a:lumOff val="35000"/>
+                    <a:lumMod val="75000"/>
+                    <a:lumOff val="25000"/>
                   </a:schemeClr>
                 </a:solidFill>
               </a:rPr>
-              <a:t>Blackbox</a:t>
-            </a:r>
-            <a:endParaRPr lang="en-US" sz="2000" dirty="0" smtClean="0">
+              <a:t>Code editor</a:t>
+            </a:r>
+            <a:endParaRPr lang="en-US" sz="2000" b="1" dirty="0">
               <a:solidFill>
                 <a:schemeClr val="tx1">
-                  <a:lumMod val="65000"/>
-                  <a:lumOff val="35000"/>
-                </a:schemeClr>
-              </a:solidFill>
-            </a:endParaRPr>
-          </a:p>
-          <a:p>
-            <a:pPr marL="342900" indent="-342900" algn="l">
-              <a:buFont typeface="Wingdings" pitchFamily="2" charset="2"/>
-              <a:buChar char="q"/>
-            </a:pPr>
-            <a:r>
-              <a:rPr lang="en-US" sz="2000" dirty="0" smtClean="0">
-                <a:solidFill>
-                  <a:schemeClr val="tx1">
-                    <a:lumMod val="65000"/>
-                    <a:lumOff val="35000"/>
-                  </a:schemeClr>
-                </a:solidFill>
-              </a:rPr>
-              <a:t>User </a:t>
-            </a:r>
-            <a:r>
-              <a:rPr lang="en-US" sz="2000" dirty="0" err="1" smtClean="0">
-                <a:solidFill>
-                  <a:schemeClr val="tx1">
-                    <a:lumMod val="65000"/>
-                    <a:lumOff val="35000"/>
-                  </a:schemeClr>
-                </a:solidFill>
-              </a:rPr>
-              <a:t>acceptence</a:t>
-            </a:r>
-            <a:r>
-              <a:rPr lang="en-US" sz="2000" dirty="0" smtClean="0">
-                <a:solidFill>
-                  <a:schemeClr val="tx1">
-                    <a:lumMod val="65000"/>
-                    <a:lumOff val="35000"/>
-                  </a:schemeClr>
-                </a:solidFill>
-              </a:rPr>
-              <a:t> test</a:t>
-            </a:r>
-            <a:endParaRPr lang="en-US" sz="2000" dirty="0">
-              <a:solidFill>
-                <a:schemeClr val="tx1">
-                  <a:lumMod val="65000"/>
-                  <a:lumOff val="35000"/>
+                  <a:lumMod val="75000"/>
+                  <a:lumOff val="25000"/>
                 </a:schemeClr>
               </a:solidFill>
             </a:endParaRPr>
@@ -14213,71 +16781,74 @@
       </p:sp>
       <p:sp>
         <p:nvSpPr>
-          <p:cNvPr id="12" name="Left Arrow 11">
-            <a:hlinkClick r:id="rId3" action="ppaction://hlinksldjump"/>
-          </p:cNvPr>
-          <p:cNvSpPr/>
+          <p:cNvPr id="12" name="Title 1"/>
+          <p:cNvSpPr txBox="1">
+            <a:spLocks/>
+          </p:cNvSpPr>
           <p:nvPr/>
         </p:nvSpPr>
         <p:spPr>
           <a:xfrm>
-            <a:off x="1143000" y="1295400"/>
-            <a:ext cx="457200" cy="457200"/>
+            <a:off x="6400800" y="3886200"/>
+            <a:ext cx="1828800" cy="914400"/>
           </a:xfrm>
-          <a:prstGeom prst="leftArrow">
+          <a:prstGeom prst="rect">
             <a:avLst/>
           </a:prstGeom>
-          <a:solidFill>
-            <a:schemeClr val="bg1"/>
-          </a:solidFill>
-          <a:ln>
-            <a:noFill/>
-          </a:ln>
-          <a:effectLst/>
         </p:spPr>
-        <p:style>
-          <a:lnRef idx="2">
-            <a:schemeClr val="accent1">
-              <a:shade val="50000"/>
-            </a:schemeClr>
-          </a:lnRef>
-          <a:fillRef idx="1">
-            <a:schemeClr val="accent1"/>
-          </a:fillRef>
-          <a:effectRef idx="0">
-            <a:schemeClr val="accent1"/>
-          </a:effectRef>
-          <a:fontRef idx="minor">
-            <a:schemeClr val="lt1"/>
-          </a:fontRef>
-        </p:style>
         <p:txBody>
-          <a:bodyPr rtlCol="0" anchor="ctr"/>
-          <a:lstStyle/>
-          <a:p>
-            <a:pPr algn="ctr"/>
-            <a:endParaRPr lang="en-US"/>
+          <a:bodyPr vert="horz" lIns="91440" tIns="45720" rIns="91440" bIns="45720" rtlCol="0" anchor="ctr">
+            <a:normAutofit/>
+          </a:bodyPr>
+          <a:lstStyle>
+            <a:lvl1pPr algn="ctr" defTabSz="914400" rtl="0" eaLnBrk="1" latinLnBrk="0" hangingPunct="1">
+              <a:spcBef>
+                <a:spcPct val="0"/>
+              </a:spcBef>
+              <a:buNone/>
+              <a:defRPr sz="4400" kern="1200">
+                <a:solidFill>
+                  <a:schemeClr val="tx1"/>
+                </a:solidFill>
+                <a:latin typeface="+mj-lt"/>
+                <a:ea typeface="+mj-ea"/>
+                <a:cs typeface="+mj-cs"/>
+              </a:defRPr>
+            </a:lvl1pPr>
+          </a:lstStyle>
+          <a:p>
+            <a:r>
+              <a:rPr lang="en-US" sz="2000" b="1" dirty="0" smtClean="0">
+                <a:solidFill>
+                  <a:schemeClr val="tx1">
+                    <a:lumMod val="75000"/>
+                    <a:lumOff val="25000"/>
+                  </a:schemeClr>
+                </a:solidFill>
+              </a:rPr>
+              <a:t>Graphic editor</a:t>
+            </a:r>
+            <a:endParaRPr lang="en-US" sz="2000" b="1" dirty="0">
+              <a:solidFill>
+                <a:schemeClr val="tx1">
+                  <a:lumMod val="75000"/>
+                  <a:lumOff val="25000"/>
+                </a:schemeClr>
+              </a:solidFill>
+            </a:endParaRPr>
           </a:p>
         </p:txBody>
       </p:sp>
     </p:spTree>
     <p:extLst>
       <p:ext uri="{BB962C8B-B14F-4D97-AF65-F5344CB8AC3E}">
-        <p14:creationId xmlns:p14="http://schemas.microsoft.com/office/powerpoint/2010/main" val="4042138815"/>
+        <p14:creationId xmlns:p14="http://schemas.microsoft.com/office/powerpoint/2010/main" val="1546668291"/>
       </p:ext>
     </p:extLst>
   </p:cSld>
   <p:clrMapOvr>
     <a:masterClrMapping/>
   </p:clrMapOvr>
-  <mc:AlternateContent xmlns:mc="http://schemas.openxmlformats.org/markup-compatibility/2006" xmlns:p14="http://schemas.microsoft.com/office/powerpoint/2010/main">
-    <mc:Choice Requires="p14">
-      <p:transition p14:dur="0"/>
-    </mc:Choice>
-    <mc:Fallback xmlns="">
-      <p:transition/>
-    </mc:Fallback>
-  </mc:AlternateContent>
   <p:timing>
     <p:tnLst>
       <p:par>
